--- a/presentations/presentation_1.pptx
+++ b/presentations/presentation_1.pptx
@@ -11,15 +11,14 @@
     <p:sldId id="271" r:id="rId5"/>
     <p:sldId id="258" r:id="rId6"/>
     <p:sldId id="259" r:id="rId7"/>
-    <p:sldId id="260" r:id="rId8"/>
-    <p:sldId id="269" r:id="rId9"/>
-    <p:sldId id="270" r:id="rId10"/>
-    <p:sldId id="268" r:id="rId11"/>
-    <p:sldId id="261" r:id="rId12"/>
-    <p:sldId id="266" r:id="rId13"/>
-    <p:sldId id="262" r:id="rId14"/>
-    <p:sldId id="264" r:id="rId15"/>
-    <p:sldId id="265" r:id="rId16"/>
+    <p:sldId id="269" r:id="rId8"/>
+    <p:sldId id="270" r:id="rId9"/>
+    <p:sldId id="268" r:id="rId10"/>
+    <p:sldId id="261" r:id="rId11"/>
+    <p:sldId id="266" r:id="rId12"/>
+    <p:sldId id="262" r:id="rId13"/>
+    <p:sldId id="264" r:id="rId14"/>
+    <p:sldId id="265" r:id="rId15"/>
   </p:sldIdLst>
   <p:sldSz cx="9144000" cy="6858000" type="screen4x3"/>
   <p:notesSz cx="6858000" cy="9144000"/>
@@ -256,7 +255,7 @@
             <a:fld id="{2F70612F-D101-4AD4-8F3C-BE6AA2F3E7E9}" type="datetimeFigureOut">
               <a:rPr lang="sv-SE" smtClean="0"/>
               <a:pPr/>
-              <a:t>2014-04-29</a:t>
+              <a:t>2014-05-11</a:t>
             </a:fld>
             <a:endParaRPr lang="sv-SE"/>
           </a:p>
@@ -572,7 +571,7 @@
             <a:fld id="{2F70612F-D101-4AD4-8F3C-BE6AA2F3E7E9}" type="datetimeFigureOut">
               <a:rPr lang="sv-SE" smtClean="0"/>
               <a:pPr/>
-              <a:t>2014-04-29</a:t>
+              <a:t>2014-05-11</a:t>
             </a:fld>
             <a:endParaRPr lang="sv-SE"/>
           </a:p>
@@ -760,7 +759,7 @@
             <a:fld id="{2F70612F-D101-4AD4-8F3C-BE6AA2F3E7E9}" type="datetimeFigureOut">
               <a:rPr lang="sv-SE" smtClean="0"/>
               <a:pPr/>
-              <a:t>2014-04-29</a:t>
+              <a:t>2014-05-11</a:t>
             </a:fld>
             <a:endParaRPr lang="sv-SE"/>
           </a:p>
@@ -938,7 +937,7 @@
             <a:fld id="{2F70612F-D101-4AD4-8F3C-BE6AA2F3E7E9}" type="datetimeFigureOut">
               <a:rPr lang="sv-SE" smtClean="0"/>
               <a:pPr/>
-              <a:t>2014-04-29</a:t>
+              <a:t>2014-05-11</a:t>
             </a:fld>
             <a:endParaRPr lang="sv-SE"/>
           </a:p>
@@ -1209,7 +1208,7 @@
             <a:fld id="{2F70612F-D101-4AD4-8F3C-BE6AA2F3E7E9}" type="datetimeFigureOut">
               <a:rPr lang="sv-SE" smtClean="0"/>
               <a:pPr/>
-              <a:t>2014-04-29</a:t>
+              <a:t>2014-05-11</a:t>
             </a:fld>
             <a:endParaRPr lang="sv-SE"/>
           </a:p>
@@ -1680,7 +1679,7 @@
             <a:fld id="{2F70612F-D101-4AD4-8F3C-BE6AA2F3E7E9}" type="datetimeFigureOut">
               <a:rPr lang="sv-SE" smtClean="0"/>
               <a:pPr/>
-              <a:t>2014-04-29</a:t>
+              <a:t>2014-05-11</a:t>
             </a:fld>
             <a:endParaRPr lang="sv-SE"/>
           </a:p>
@@ -2172,7 +2171,7 @@
             <a:fld id="{2F70612F-D101-4AD4-8F3C-BE6AA2F3E7E9}" type="datetimeFigureOut">
               <a:rPr lang="sv-SE" smtClean="0"/>
               <a:pPr/>
-              <a:t>2014-04-29</a:t>
+              <a:t>2014-05-11</a:t>
             </a:fld>
             <a:endParaRPr lang="sv-SE"/>
           </a:p>
@@ -2301,7 +2300,7 @@
             <a:fld id="{2F70612F-D101-4AD4-8F3C-BE6AA2F3E7E9}" type="datetimeFigureOut">
               <a:rPr lang="sv-SE" smtClean="0"/>
               <a:pPr/>
-              <a:t>2014-04-29</a:t>
+              <a:t>2014-05-11</a:t>
             </a:fld>
             <a:endParaRPr lang="sv-SE"/>
           </a:p>
@@ -2448,7 +2447,7 @@
             <a:fld id="{2F70612F-D101-4AD4-8F3C-BE6AA2F3E7E9}" type="datetimeFigureOut">
               <a:rPr lang="sv-SE" smtClean="0"/>
               <a:pPr/>
-              <a:t>2014-04-29</a:t>
+              <a:t>2014-05-11</a:t>
             </a:fld>
             <a:endParaRPr lang="sv-SE"/>
           </a:p>
@@ -2773,7 +2772,7 @@
             <a:fld id="{2F70612F-D101-4AD4-8F3C-BE6AA2F3E7E9}" type="datetimeFigureOut">
               <a:rPr lang="sv-SE" smtClean="0"/>
               <a:pPr/>
-              <a:t>2014-04-29</a:t>
+              <a:t>2014-05-11</a:t>
             </a:fld>
             <a:endParaRPr lang="sv-SE"/>
           </a:p>
@@ -2910,7 +2909,7 @@
             <a:fld id="{2F70612F-D101-4AD4-8F3C-BE6AA2F3E7E9}" type="datetimeFigureOut">
               <a:rPr lang="sv-SE" smtClean="0"/>
               <a:pPr/>
-              <a:t>2014-04-29</a:t>
+              <a:t>2014-05-11</a:t>
             </a:fld>
             <a:endParaRPr lang="sv-SE"/>
           </a:p>
@@ -3694,7 +3693,7 @@
             <a:fld id="{2F70612F-D101-4AD4-8F3C-BE6AA2F3E7E9}" type="datetimeFigureOut">
               <a:rPr lang="sv-SE" smtClean="0"/>
               <a:pPr/>
-              <a:t>2014-04-29</a:t>
+              <a:t>2014-05-11</a:t>
             </a:fld>
             <a:endParaRPr lang="sv-SE"/>
           </a:p>
@@ -4283,107 +4282,52 @@
         </p:nvSpPr>
         <p:spPr/>
         <p:txBody>
+          <a:bodyPr>
+            <a:normAutofit/>
+          </a:bodyPr>
+          <a:lstStyle/>
+          <a:p>
+            <a:r>
+              <a:rPr lang="sv-SE" dirty="0" err="1" smtClean="0"/>
+              <a:t>Implementation</a:t>
+            </a:r>
+            <a:endParaRPr lang="sv-SE" dirty="0"/>
+          </a:p>
+        </p:txBody>
+      </p:sp>
+      <p:sp>
+        <p:nvSpPr>
+          <p:cNvPr id="3" name="Content Placeholder 2"/>
+          <p:cNvSpPr>
+            <a:spLocks noGrp="1"/>
+          </p:cNvSpPr>
+          <p:nvPr>
+            <p:ph idx="1"/>
+          </p:nvPr>
+        </p:nvSpPr>
+        <p:spPr/>
+        <p:txBody>
           <a:bodyPr/>
           <a:lstStyle/>
           <a:p>
             <a:r>
+              <a:rPr lang="sv-SE" dirty="0" err="1" smtClean="0"/>
+              <a:t>Working</a:t>
+            </a:r>
+            <a:r>
               <a:rPr lang="sv-SE" dirty="0" smtClean="0"/>
-              <a:t>Paper prototype</a:t>
-            </a:r>
-            <a:endParaRPr lang="sv-SE" dirty="0"/>
-          </a:p>
-        </p:txBody>
-      </p:sp>
-      <p:pic>
-        <p:nvPicPr>
-          <p:cNvPr id="7" name="Content Placeholder 6" descr="mainwindow.png"/>
-          <p:cNvPicPr>
-            <a:picLocks noGrp="1" noChangeAspect="1"/>
-          </p:cNvPicPr>
-          <p:nvPr>
-            <p:ph idx="1"/>
-          </p:nvPr>
-        </p:nvPicPr>
-        <p:blipFill>
-          <a:blip r:embed="rId2" cstate="print"/>
-          <a:stretch>
-            <a:fillRect/>
-          </a:stretch>
-        </p:blipFill>
-        <p:spPr>
-          <a:xfrm>
-            <a:off x="2093271" y="1447800"/>
-            <a:ext cx="6183007" cy="4800600"/>
-          </a:xfrm>
-        </p:spPr>
-      </p:pic>
-    </p:spTree>
-  </p:cSld>
-  <p:clrMapOvr>
-    <a:masterClrMapping/>
-  </p:clrMapOvr>
-  <p:transition/>
-</p:sld>
-</file>
-
-<file path=ppt/slides/slide11.xml><?xml version="1.0" encoding="utf-8"?>
-<p:sld xmlns:a="http://schemas.openxmlformats.org/drawingml/2006/main" xmlns:r="http://schemas.openxmlformats.org/officeDocument/2006/relationships" xmlns:p="http://schemas.openxmlformats.org/presentationml/2006/main">
-  <p:cSld>
-    <p:spTree>
-      <p:nvGrpSpPr>
-        <p:cNvPr id="1" name=""/>
-        <p:cNvGrpSpPr/>
-        <p:nvPr/>
-      </p:nvGrpSpPr>
-      <p:grpSpPr>
-        <a:xfrm>
-          <a:off x="0" y="0"/>
-          <a:ext cx="0" cy="0"/>
-          <a:chOff x="0" y="0"/>
-          <a:chExt cx="0" cy="0"/>
-        </a:xfrm>
-      </p:grpSpPr>
-      <p:sp>
-        <p:nvSpPr>
-          <p:cNvPr id="2" name="Title 1"/>
-          <p:cNvSpPr>
-            <a:spLocks noGrp="1"/>
-          </p:cNvSpPr>
-          <p:nvPr>
-            <p:ph type="title"/>
-          </p:nvPr>
-        </p:nvSpPr>
-        <p:spPr/>
-        <p:txBody>
-          <a:bodyPr/>
-          <a:lstStyle/>
-          <a:p>
+              <a:t> in sprints</a:t>
+            </a:r>
+            <a:endParaRPr lang="sv-SE" dirty="0" smtClean="0"/>
+          </a:p>
+          <a:p>
+            <a:r>
+              <a:rPr lang="sv-SE" dirty="0" err="1" smtClean="0"/>
+              <a:t>Platform</a:t>
+            </a:r>
             <a:r>
               <a:rPr lang="sv-SE" dirty="0" smtClean="0"/>
-              <a:t>Implementation</a:t>
-            </a:r>
-            <a:endParaRPr lang="sv-SE" dirty="0"/>
-          </a:p>
-        </p:txBody>
-      </p:sp>
-      <p:sp>
-        <p:nvSpPr>
-          <p:cNvPr id="3" name="Content Placeholder 2"/>
-          <p:cNvSpPr>
-            <a:spLocks noGrp="1"/>
-          </p:cNvSpPr>
-          <p:nvPr>
-            <p:ph idx="1"/>
-          </p:nvPr>
-        </p:nvSpPr>
-        <p:spPr/>
-        <p:txBody>
-          <a:bodyPr/>
-          <a:lstStyle/>
-          <a:p>
-            <a:r>
-              <a:rPr lang="sv-SE" dirty="0" smtClean="0"/>
-              <a:t>Platform:</a:t>
+              <a:t>:</a:t>
             </a:r>
           </a:p>
           <a:p>
@@ -4510,15 +4454,33 @@
                                   </p:childTnLst>
                                 </p:cTn>
                               </p:par>
+                            </p:childTnLst>
+                          </p:cTn>
+                        </p:par>
+                      </p:childTnLst>
+                    </p:cTn>
+                  </p:par>
+                  <p:par>
+                    <p:cTn id="8" fill="hold">
+                      <p:stCondLst>
+                        <p:cond delay="indefinite"/>
+                      </p:stCondLst>
+                      <p:childTnLst>
+                        <p:par>
+                          <p:cTn id="9" fill="hold">
+                            <p:stCondLst>
+                              <p:cond delay="0"/>
+                            </p:stCondLst>
+                            <p:childTnLst>
                               <p:par>
-                                <p:cTn id="8" presetID="22" presetClass="entr" presetSubtype="4" fill="hold" grpId="0" nodeType="withEffect">
+                                <p:cTn id="10" presetID="22" presetClass="entr" presetSubtype="4" fill="hold" grpId="0" nodeType="clickEffect">
                                   <p:stCondLst>
                                     <p:cond delay="0"/>
                                   </p:stCondLst>
                                   <p:childTnLst>
                                     <p:set>
                                       <p:cBhvr>
-                                        <p:cTn id="9" dur="1" fill="hold">
+                                        <p:cTn id="11" dur="1" fill="hold">
                                           <p:stCondLst>
                                             <p:cond delay="0"/>
                                           </p:stCondLst>
@@ -4540,7 +4502,7 @@
                                     </p:set>
                                     <p:animEffect transition="in" filter="wipe(down)">
                                       <p:cBhvr>
-                                        <p:cTn id="10" dur="500"/>
+                                        <p:cTn id="12" dur="500"/>
                                         <p:tgtEl>
                                           <p:spTgt spid="3">
                                             <p:txEl>
@@ -4554,14 +4516,14 @@
                                 </p:cTn>
                               </p:par>
                               <p:par>
-                                <p:cTn id="11" presetID="22" presetClass="entr" presetSubtype="4" fill="hold" grpId="0" nodeType="withEffect">
+                                <p:cTn id="13" presetID="22" presetClass="entr" presetSubtype="4" fill="hold" grpId="0" nodeType="withEffect">
                                   <p:stCondLst>
                                     <p:cond delay="0"/>
                                   </p:stCondLst>
                                   <p:childTnLst>
                                     <p:set>
                                       <p:cBhvr>
-                                        <p:cTn id="12" dur="1" fill="hold">
+                                        <p:cTn id="14" dur="1" fill="hold">
                                           <p:stCondLst>
                                             <p:cond delay="0"/>
                                           </p:stCondLst>
@@ -4583,7 +4545,7 @@
                                     </p:set>
                                     <p:animEffect transition="in" filter="wipe(down)">
                                       <p:cBhvr>
-                                        <p:cTn id="13" dur="500"/>
+                                        <p:cTn id="15" dur="500"/>
                                         <p:tgtEl>
                                           <p:spTgt spid="3">
                                             <p:txEl>
@@ -4597,14 +4559,14 @@
                                 </p:cTn>
                               </p:par>
                               <p:par>
-                                <p:cTn id="14" presetID="22" presetClass="entr" presetSubtype="4" fill="hold" grpId="0" nodeType="withEffect">
+                                <p:cTn id="16" presetID="22" presetClass="entr" presetSubtype="4" fill="hold" grpId="0" nodeType="withEffect">
                                   <p:stCondLst>
                                     <p:cond delay="0"/>
                                   </p:stCondLst>
                                   <p:childTnLst>
                                     <p:set>
                                       <p:cBhvr>
-                                        <p:cTn id="15" dur="1" fill="hold">
+                                        <p:cTn id="17" dur="1" fill="hold">
                                           <p:stCondLst>
                                             <p:cond delay="0"/>
                                           </p:stCondLst>
@@ -4626,7 +4588,7 @@
                                     </p:set>
                                     <p:animEffect transition="in" filter="wipe(down)">
                                       <p:cBhvr>
-                                        <p:cTn id="16" dur="500"/>
+                                        <p:cTn id="18" dur="500"/>
                                         <p:tgtEl>
                                           <p:spTgt spid="3">
                                             <p:txEl>
@@ -4639,26 +4601,8 @@
                                   </p:childTnLst>
                                 </p:cTn>
                               </p:par>
-                            </p:childTnLst>
-                          </p:cTn>
-                        </p:par>
-                      </p:childTnLst>
-                    </p:cTn>
-                  </p:par>
-                  <p:par>
-                    <p:cTn id="17" fill="hold">
-                      <p:stCondLst>
-                        <p:cond delay="indefinite"/>
-                      </p:stCondLst>
-                      <p:childTnLst>
-                        <p:par>
-                          <p:cTn id="18" fill="hold">
-                            <p:stCondLst>
-                              <p:cond delay="0"/>
-                            </p:stCondLst>
-                            <p:childTnLst>
                               <p:par>
-                                <p:cTn id="19" presetID="22" presetClass="entr" presetSubtype="4" fill="hold" grpId="0" nodeType="clickEffect">
+                                <p:cTn id="19" presetID="22" presetClass="entr" presetSubtype="4" fill="hold" grpId="0" nodeType="withEffect">
                                   <p:stCondLst>
                                     <p:cond delay="0"/>
                                   </p:stCondLst>
@@ -4700,15 +4644,33 @@
                                   </p:childTnLst>
                                 </p:cTn>
                               </p:par>
+                            </p:childTnLst>
+                          </p:cTn>
+                        </p:par>
+                      </p:childTnLst>
+                    </p:cTn>
+                  </p:par>
+                  <p:par>
+                    <p:cTn id="22" fill="hold">
+                      <p:stCondLst>
+                        <p:cond delay="indefinite"/>
+                      </p:stCondLst>
+                      <p:childTnLst>
+                        <p:par>
+                          <p:cTn id="23" fill="hold">
+                            <p:stCondLst>
+                              <p:cond delay="0"/>
+                            </p:stCondLst>
+                            <p:childTnLst>
                               <p:par>
-                                <p:cTn id="22" presetID="22" presetClass="entr" presetSubtype="4" fill="hold" grpId="0" nodeType="withEffect">
+                                <p:cTn id="24" presetID="22" presetClass="entr" presetSubtype="4" fill="hold" grpId="0" nodeType="clickEffect">
                                   <p:stCondLst>
                                     <p:cond delay="0"/>
                                   </p:stCondLst>
                                   <p:childTnLst>
                                     <p:set>
                                       <p:cBhvr>
-                                        <p:cTn id="23" dur="1" fill="hold">
+                                        <p:cTn id="25" dur="1" fill="hold">
                                           <p:stCondLst>
                                             <p:cond delay="0"/>
                                           </p:stCondLst>
@@ -4730,7 +4692,7 @@
                                     </p:set>
                                     <p:animEffect transition="in" filter="wipe(down)">
                                       <p:cBhvr>
-                                        <p:cTn id="24" dur="500"/>
+                                        <p:cTn id="26" dur="500"/>
                                         <p:tgtEl>
                                           <p:spTgt spid="3">
                                             <p:txEl>
@@ -4744,14 +4706,14 @@
                                 </p:cTn>
                               </p:par>
                               <p:par>
-                                <p:cTn id="25" presetID="22" presetClass="entr" presetSubtype="4" fill="hold" grpId="0" nodeType="withEffect">
+                                <p:cTn id="27" presetID="22" presetClass="entr" presetSubtype="4" fill="hold" grpId="0" nodeType="withEffect">
                                   <p:stCondLst>
                                     <p:cond delay="0"/>
                                   </p:stCondLst>
                                   <p:childTnLst>
                                     <p:set>
                                       <p:cBhvr>
-                                        <p:cTn id="26" dur="1" fill="hold">
+                                        <p:cTn id="28" dur="1" fill="hold">
                                           <p:stCondLst>
                                             <p:cond delay="0"/>
                                           </p:stCondLst>
@@ -4773,11 +4735,54 @@
                                     </p:set>
                                     <p:animEffect transition="in" filter="wipe(down)">
                                       <p:cBhvr>
-                                        <p:cTn id="27" dur="500"/>
+                                        <p:cTn id="29" dur="500"/>
                                         <p:tgtEl>
                                           <p:spTgt spid="3">
                                             <p:txEl>
                                               <p:pRg st="6" end="6"/>
+                                            </p:txEl>
+                                          </p:spTgt>
+                                        </p:tgtEl>
+                                      </p:cBhvr>
+                                    </p:animEffect>
+                                  </p:childTnLst>
+                                </p:cTn>
+                              </p:par>
+                              <p:par>
+                                <p:cTn id="30" presetID="22" presetClass="entr" presetSubtype="4" fill="hold" grpId="0" nodeType="withEffect">
+                                  <p:stCondLst>
+                                    <p:cond delay="0"/>
+                                  </p:stCondLst>
+                                  <p:childTnLst>
+                                    <p:set>
+                                      <p:cBhvr>
+                                        <p:cTn id="31" dur="1" fill="hold">
+                                          <p:stCondLst>
+                                            <p:cond delay="0"/>
+                                          </p:stCondLst>
+                                        </p:cTn>
+                                        <p:tgtEl>
+                                          <p:spTgt spid="3">
+                                            <p:txEl>
+                                              <p:pRg st="7" end="7"/>
+                                            </p:txEl>
+                                          </p:spTgt>
+                                        </p:tgtEl>
+                                        <p:attrNameLst>
+                                          <p:attrName>style.visibility</p:attrName>
+                                        </p:attrNameLst>
+                                      </p:cBhvr>
+                                      <p:to>
+                                        <p:strVal val="visible"/>
+                                      </p:to>
+                                    </p:set>
+                                    <p:animEffect transition="in" filter="wipe(down)">
+                                      <p:cBhvr>
+                                        <p:cTn id="32" dur="500"/>
+                                        <p:tgtEl>
+                                          <p:spTgt spid="3">
+                                            <p:txEl>
+                                              <p:pRg st="7" end="7"/>
                                             </p:txEl>
                                           </p:spTgt>
                                         </p:tgtEl>
@@ -4820,7 +4825,7 @@
 </p:sld>
 </file>
 
-<file path=ppt/slides/slide12.xml><?xml version="1.0" encoding="utf-8"?>
+<file path=ppt/slides/slide11.xml><?xml version="1.0" encoding="utf-8"?>
 <p:sld xmlns:a="http://schemas.openxmlformats.org/drawingml/2006/main" xmlns:r="http://schemas.openxmlformats.org/officeDocument/2006/relationships" xmlns:p="http://schemas.openxmlformats.org/presentationml/2006/main">
   <p:cSld>
     <p:spTree>
@@ -5136,6 +5141,85 @@
 </p:sld>
 </file>
 
+<file path=ppt/slides/slide12.xml><?xml version="1.0" encoding="utf-8"?>
+<p:sld xmlns:a="http://schemas.openxmlformats.org/drawingml/2006/main" xmlns:r="http://schemas.openxmlformats.org/officeDocument/2006/relationships" xmlns:p="http://schemas.openxmlformats.org/presentationml/2006/main">
+  <p:cSld>
+    <p:spTree>
+      <p:nvGrpSpPr>
+        <p:cNvPr id="1" name=""/>
+        <p:cNvGrpSpPr/>
+        <p:nvPr/>
+      </p:nvGrpSpPr>
+      <p:grpSpPr>
+        <a:xfrm>
+          <a:off x="0" y="0"/>
+          <a:ext cx="0" cy="0"/>
+          <a:chOff x="0" y="0"/>
+          <a:chExt cx="0" cy="0"/>
+        </a:xfrm>
+      </p:grpSpPr>
+      <p:sp>
+        <p:nvSpPr>
+          <p:cNvPr id="2" name="Title 1"/>
+          <p:cNvSpPr>
+            <a:spLocks noGrp="1"/>
+          </p:cNvSpPr>
+          <p:nvPr>
+            <p:ph type="title"/>
+          </p:nvPr>
+        </p:nvSpPr>
+        <p:spPr/>
+        <p:txBody>
+          <a:bodyPr/>
+          <a:lstStyle/>
+          <a:p>
+            <a:r>
+              <a:rPr lang="sv-SE" dirty="0" smtClean="0"/>
+              <a:t>The result: FlyTracker</a:t>
+            </a:r>
+            <a:endParaRPr lang="sv-SE" dirty="0"/>
+          </a:p>
+        </p:txBody>
+      </p:sp>
+      <p:sp>
+        <p:nvSpPr>
+          <p:cNvPr id="3" name="Content Placeholder 2"/>
+          <p:cNvSpPr>
+            <a:spLocks noGrp="1"/>
+          </p:cNvSpPr>
+          <p:nvPr>
+            <p:ph idx="1"/>
+          </p:nvPr>
+        </p:nvSpPr>
+        <p:spPr/>
+        <p:txBody>
+          <a:bodyPr/>
+          <a:lstStyle/>
+          <a:p>
+            <a:r>
+              <a:rPr lang="sv-SE" dirty="0" smtClean="0"/>
+              <a:t>*Video of a fly moving and corresponding plots in real time in FlyTracker*</a:t>
+            </a:r>
+            <a:endParaRPr lang="sv-SE" dirty="0"/>
+          </a:p>
+        </p:txBody>
+      </p:sp>
+    </p:spTree>
+  </p:cSld>
+  <p:clrMapOvr>
+    <a:masterClrMapping/>
+  </p:clrMapOvr>
+  <p:transition/>
+  <p:timing>
+    <p:tnLst>
+      <p:par>
+        <p:cTn id="1" dur="indefinite" restart="never" nodeType="tmRoot"/>
+      </p:par>
+    </p:tnLst>
+  </p:timing>
+</p:sld>
+</file>
+
 <file path=ppt/slides/slide13.xml><?xml version="1.0" encoding="utf-8"?>
 <p:sld xmlns:a="http://schemas.openxmlformats.org/drawingml/2006/main" xmlns:r="http://schemas.openxmlformats.org/officeDocument/2006/relationships" xmlns:p="http://schemas.openxmlformats.org/presentationml/2006/main">
   <p:cSld>
@@ -5170,7 +5254,7 @@
           <a:p>
             <a:r>
               <a:rPr lang="sv-SE" dirty="0" smtClean="0"/>
-              <a:t>The result: FlyTracker</a:t>
+              <a:t>Evaluation</a:t>
             </a:r>
             <a:endParaRPr lang="sv-SE" dirty="0"/>
           </a:p>
@@ -5193,7 +5277,7 @@
           <a:p>
             <a:r>
               <a:rPr lang="sv-SE" dirty="0" smtClean="0"/>
-              <a:t>*Video of a fly moving and corresponding plots in real time in FlyTracker*</a:t>
+              <a:t>Coming later...</a:t>
             </a:r>
             <a:endParaRPr lang="sv-SE" dirty="0"/>
           </a:p>
@@ -5249,7 +5333,7 @@
           <a:p>
             <a:r>
               <a:rPr lang="sv-SE" dirty="0" smtClean="0"/>
-              <a:t>Evaluation</a:t>
+              <a:t>Conclusion</a:t>
             </a:r>
             <a:endParaRPr lang="sv-SE" dirty="0"/>
           </a:p>
@@ -5267,93 +5351,106 @@
         </p:nvSpPr>
         <p:spPr/>
         <p:txBody>
-          <a:bodyPr/>
+          <a:bodyPr>
+            <a:normAutofit/>
+          </a:bodyPr>
           <a:lstStyle/>
           <a:p>
             <a:r>
+              <a:rPr lang="sv-SE" dirty="0" err="1" smtClean="0"/>
+              <a:t>Purpose</a:t>
+            </a:r>
+            <a:r>
               <a:rPr lang="sv-SE" dirty="0" smtClean="0"/>
-              <a:t>Coming later...</a:t>
-            </a:r>
-            <a:endParaRPr lang="sv-SE" dirty="0"/>
-          </a:p>
-        </p:txBody>
-      </p:sp>
-    </p:spTree>
-  </p:cSld>
-  <p:clrMapOvr>
-    <a:masterClrMapping/>
-  </p:clrMapOvr>
-  <p:transition/>
-  <p:timing>
-    <p:tnLst>
-      <p:par>
-        <p:cTn id="1" dur="indefinite" restart="never" nodeType="tmRoot"/>
-      </p:par>
-    </p:tnLst>
-  </p:timing>
-</p:sld>
-</file>
-
-<file path=ppt/slides/slide15.xml><?xml version="1.0" encoding="utf-8"?>
-<p:sld xmlns:a="http://schemas.openxmlformats.org/drawingml/2006/main" xmlns:r="http://schemas.openxmlformats.org/officeDocument/2006/relationships" xmlns:p="http://schemas.openxmlformats.org/presentationml/2006/main">
-  <p:cSld>
-    <p:spTree>
-      <p:nvGrpSpPr>
-        <p:cNvPr id="1" name=""/>
-        <p:cNvGrpSpPr/>
-        <p:nvPr/>
-      </p:nvGrpSpPr>
-      <p:grpSpPr>
-        <a:xfrm>
-          <a:off x="0" y="0"/>
-          <a:ext cx="0" cy="0"/>
-          <a:chOff x="0" y="0"/>
-          <a:chExt cx="0" cy="0"/>
-        </a:xfrm>
-      </p:grpSpPr>
-      <p:sp>
-        <p:nvSpPr>
-          <p:cNvPr id="2" name="Title 1"/>
-          <p:cNvSpPr>
-            <a:spLocks noGrp="1"/>
-          </p:cNvSpPr>
-          <p:nvPr>
-            <p:ph type="title"/>
-          </p:nvPr>
-        </p:nvSpPr>
-        <p:spPr/>
-        <p:txBody>
-          <a:bodyPr/>
-          <a:lstStyle/>
-          <a:p>
+              <a:t>: </a:t>
+            </a:r>
+            <a:r>
+              <a:rPr lang="sv-SE" dirty="0" err="1" smtClean="0"/>
+              <a:t>User</a:t>
+            </a:r>
             <a:r>
               <a:rPr lang="sv-SE" dirty="0" smtClean="0"/>
-              <a:t>Conclusion</a:t>
-            </a:r>
-            <a:endParaRPr lang="sv-SE" dirty="0"/>
-          </a:p>
-        </p:txBody>
-      </p:sp>
-      <p:sp>
-        <p:nvSpPr>
-          <p:cNvPr id="3" name="Content Placeholder 2"/>
-          <p:cNvSpPr>
-            <a:spLocks noGrp="1"/>
-          </p:cNvSpPr>
-          <p:nvPr>
-            <p:ph idx="1"/>
-          </p:nvPr>
-        </p:nvSpPr>
-        <p:spPr/>
-        <p:txBody>
-          <a:bodyPr/>
-          <a:lstStyle/>
-          <a:p>
+              <a:t> </a:t>
+            </a:r>
+            <a:r>
+              <a:rPr lang="sv-SE" dirty="0" err="1" smtClean="0"/>
+              <a:t>friendly</a:t>
+            </a:r>
             <a:r>
               <a:rPr lang="sv-SE" dirty="0" smtClean="0"/>
-              <a:t>...</a:t>
-            </a:r>
-            <a:endParaRPr lang="sv-SE" dirty="0"/>
+              <a:t> and </a:t>
+            </a:r>
+            <a:r>
+              <a:rPr lang="sv-SE" dirty="0" err="1" smtClean="0"/>
+              <a:t>functional</a:t>
+            </a:r>
+            <a:r>
+              <a:rPr lang="sv-SE" dirty="0" smtClean="0"/>
+              <a:t> software system</a:t>
+            </a:r>
+          </a:p>
+          <a:p>
+            <a:r>
+              <a:rPr lang="sv-SE" dirty="0" err="1" smtClean="0"/>
+              <a:t>Result</a:t>
+            </a:r>
+            <a:r>
+              <a:rPr lang="sv-SE" dirty="0" smtClean="0"/>
+              <a:t>: </a:t>
+            </a:r>
+            <a:r>
+              <a:rPr lang="sv-SE" dirty="0" err="1" smtClean="0"/>
+              <a:t>FlyTracker</a:t>
+            </a:r>
+            <a:endParaRPr lang="sv-SE" dirty="0" smtClean="0"/>
+          </a:p>
+          <a:p>
+            <a:r>
+              <a:rPr lang="sv-SE" dirty="0" err="1" smtClean="0"/>
+              <a:t>Issues</a:t>
+            </a:r>
+            <a:r>
+              <a:rPr lang="sv-SE" dirty="0" smtClean="0"/>
+              <a:t>:</a:t>
+            </a:r>
+            <a:endParaRPr lang="sv-SE" dirty="0" smtClean="0"/>
+          </a:p>
+          <a:p>
+            <a:pPr lvl="1"/>
+            <a:r>
+              <a:rPr lang="sv-SE" dirty="0" err="1" smtClean="0"/>
+              <a:t>Trigger</a:t>
+            </a:r>
+            <a:endParaRPr lang="sv-SE" dirty="0" smtClean="0"/>
+          </a:p>
+          <a:p>
+            <a:pPr lvl="1"/>
+            <a:r>
+              <a:rPr lang="sv-SE" dirty="0" err="1" smtClean="0"/>
+              <a:t>Calibration</a:t>
+            </a:r>
+            <a:endParaRPr lang="sv-SE" dirty="0" smtClean="0"/>
+          </a:p>
+          <a:p>
+            <a:r>
+              <a:rPr lang="sv-SE" dirty="0" err="1" smtClean="0"/>
+              <a:t>Future</a:t>
+            </a:r>
+            <a:r>
+              <a:rPr lang="sv-SE" dirty="0" smtClean="0"/>
+              <a:t> expansion</a:t>
+            </a:r>
+          </a:p>
+          <a:p>
+            <a:pPr lvl="1"/>
+            <a:r>
+              <a:rPr lang="sv-SE" dirty="0" err="1" smtClean="0"/>
+              <a:t>Closed-loop</a:t>
+            </a:r>
+            <a:r>
+              <a:rPr lang="sv-SE" dirty="0" smtClean="0"/>
+              <a:t> system</a:t>
+            </a:r>
           </a:p>
         </p:txBody>
       </p:sp>
@@ -5432,18 +5529,48 @@
           </a:p>
           <a:p>
             <a:r>
+              <a:rPr lang="sv-SE" dirty="0" err="1" smtClean="0"/>
+              <a:t>Neuroscience</a:t>
+            </a:r>
+            <a:r>
+              <a:rPr lang="sv-SE" dirty="0" smtClean="0"/>
+              <a:t> </a:t>
+            </a:r>
+            <a:r>
+              <a:rPr lang="sv-SE" dirty="0" err="1" smtClean="0"/>
+              <a:t>department</a:t>
+            </a:r>
+            <a:r>
+              <a:rPr lang="sv-SE" dirty="0" smtClean="0"/>
+              <a:t> at BMC</a:t>
+            </a:r>
+            <a:endParaRPr lang="sv-SE" dirty="0" smtClean="0"/>
+          </a:p>
+          <a:p>
+            <a:r>
               <a:rPr lang="sv-SE" dirty="0" smtClean="0"/>
               <a:t>Motion vision</a:t>
             </a:r>
-            <a:endParaRPr lang="sv-SE" dirty="0" smtClean="0"/>
-          </a:p>
-          <a:p>
+          </a:p>
+          <a:p>
+            <a:r>
+              <a:rPr lang="sv-SE" dirty="0" err="1" smtClean="0"/>
+              <a:t>Behavioural</a:t>
+            </a:r>
             <a:r>
               <a:rPr lang="sv-SE" dirty="0" smtClean="0"/>
-              <a:t>Behavioural studys on </a:t>
+              <a:t> </a:t>
+            </a:r>
+            <a:r>
+              <a:rPr lang="sv-SE" dirty="0" err="1" smtClean="0"/>
+              <a:t>studys</a:t>
             </a:r>
             <a:r>
               <a:rPr lang="sv-SE" dirty="0" smtClean="0"/>
+              <a:t> on </a:t>
+            </a:r>
+            <a:r>
+              <a:rPr lang="sv-SE" dirty="0" err="1" smtClean="0"/>
               <a:t>flies</a:t>
             </a:r>
             <a:endParaRPr lang="sv-SE" dirty="0" smtClean="0"/>
@@ -5586,6 +5713,67 @@
                       </p:childTnLst>
                     </p:cTn>
                   </p:par>
+                  <p:par>
+                    <p:cTn id="13" fill="hold">
+                      <p:stCondLst>
+                        <p:cond delay="indefinite"/>
+                      </p:stCondLst>
+                      <p:childTnLst>
+                        <p:par>
+                          <p:cTn id="14" fill="hold">
+                            <p:stCondLst>
+                              <p:cond delay="0"/>
+                            </p:stCondLst>
+                            <p:childTnLst>
+                              <p:par>
+                                <p:cTn id="15" presetID="22" presetClass="entr" presetSubtype="4" fill="hold" grpId="0" nodeType="clickEffect">
+                                  <p:stCondLst>
+                                    <p:cond delay="0"/>
+                                  </p:stCondLst>
+                                  <p:childTnLst>
+                                    <p:set>
+                                      <p:cBhvr>
+                                        <p:cTn id="16" dur="1" fill="hold">
+                                          <p:stCondLst>
+                                            <p:cond delay="0"/>
+                                          </p:stCondLst>
+                                        </p:cTn>
+                                        <p:tgtEl>
+                                          <p:spTgt spid="3">
+                                            <p:txEl>
+                                              <p:pRg st="3" end="3"/>
+                                            </p:txEl>
+                                          </p:spTgt>
+                                        </p:tgtEl>
+                                        <p:attrNameLst>
+                                          <p:attrName>style.visibility</p:attrName>
+                                        </p:attrNameLst>
+                                      </p:cBhvr>
+                                      <p:to>
+                                        <p:strVal val="visible"/>
+                                      </p:to>
+                                    </p:set>
+                                    <p:animEffect transition="in" filter="wipe(down)">
+                                      <p:cBhvr>
+                                        <p:cTn id="17" dur="500"/>
+                                        <p:tgtEl>
+                                          <p:spTgt spid="3">
+                                            <p:txEl>
+                                              <p:pRg st="3" end="3"/>
+                                            </p:txEl>
+                                          </p:spTgt>
+                                        </p:tgtEl>
+                                      </p:cBhvr>
+                                    </p:animEffect>
+                                  </p:childTnLst>
+                                </p:cTn>
+                              </p:par>
+                            </p:childTnLst>
+                          </p:cTn>
+                        </p:par>
+                      </p:childTnLst>
+                    </p:cTn>
+                  </p:par>
                 </p:childTnLst>
               </p:cTn>
               <p:prevCondLst>
@@ -5749,16 +5937,74 @@
           <a:lstStyle/>
           <a:p>
             <a:r>
+              <a:rPr lang="sv-SE" dirty="0" err="1" smtClean="0"/>
+              <a:t>Develop</a:t>
+            </a:r>
+            <a:r>
               <a:rPr lang="sv-SE" dirty="0" smtClean="0"/>
-              <a:t>Develop an user-friendly </a:t>
+              <a:t> </a:t>
             </a:r>
             <a:r>
               <a:rPr lang="sv-SE" dirty="0" smtClean="0"/>
-              <a:t>and functional software system</a:t>
-            </a:r>
-            <a:endParaRPr lang="sv-SE" dirty="0" smtClean="0">
-              <a:sym typeface="Wingdings" pitchFamily="2" charset="2"/>
-            </a:endParaRPr>
+              <a:t>a new software system:</a:t>
+            </a:r>
+          </a:p>
+          <a:p>
+            <a:pPr lvl="1"/>
+            <a:r>
+              <a:rPr lang="sv-SE" dirty="0" smtClean="0">
+                <a:sym typeface="Wingdings" pitchFamily="2" charset="2"/>
+              </a:rPr>
+              <a:t>Reads and process </a:t>
+            </a:r>
+            <a:r>
+              <a:rPr lang="sv-SE" dirty="0" err="1" smtClean="0">
+                <a:sym typeface="Wingdings" pitchFamily="2" charset="2"/>
+              </a:rPr>
+              <a:t>mouse</a:t>
+            </a:r>
+            <a:r>
+              <a:rPr lang="sv-SE" dirty="0" smtClean="0">
+                <a:sym typeface="Wingdings" pitchFamily="2" charset="2"/>
+              </a:rPr>
+              <a:t> data</a:t>
+            </a:r>
+          </a:p>
+          <a:p>
+            <a:pPr lvl="1"/>
+            <a:r>
+              <a:rPr lang="sv-SE" dirty="0" smtClean="0">
+                <a:sym typeface="Wingdings" pitchFamily="2" charset="2"/>
+              </a:rPr>
+              <a:t>Saves and display output</a:t>
+            </a:r>
+          </a:p>
+          <a:p>
+            <a:pPr lvl="1"/>
+            <a:r>
+              <a:rPr lang="sv-SE" dirty="0" err="1" smtClean="0">
+                <a:sym typeface="Wingdings" pitchFamily="2" charset="2"/>
+              </a:rPr>
+              <a:t>User</a:t>
+            </a:r>
+            <a:r>
+              <a:rPr lang="sv-SE" dirty="0" smtClean="0">
+                <a:sym typeface="Wingdings" pitchFamily="2" charset="2"/>
+              </a:rPr>
+              <a:t> </a:t>
+            </a:r>
+            <a:r>
+              <a:rPr lang="sv-SE" dirty="0" err="1" smtClean="0">
+                <a:sym typeface="Wingdings" pitchFamily="2" charset="2"/>
+              </a:rPr>
+              <a:t>friendly</a:t>
+            </a:r>
+            <a:r>
+              <a:rPr lang="sv-SE" dirty="0" smtClean="0">
+                <a:sym typeface="Wingdings" pitchFamily="2" charset="2"/>
+              </a:rPr>
+              <a:t>!</a:t>
+            </a:r>
           </a:p>
         </p:txBody>
       </p:sp>
@@ -5823,6 +6069,135 @@
                                           <p:spTgt spid="3">
                                             <p:txEl>
                                               <p:pRg st="0" end="0"/>
+                                            </p:txEl>
+                                          </p:spTgt>
+                                        </p:tgtEl>
+                                      </p:cBhvr>
+                                    </p:animEffect>
+                                  </p:childTnLst>
+                                </p:cTn>
+                              </p:par>
+                              <p:par>
+                                <p:cTn id="8" presetID="22" presetClass="entr" presetSubtype="4" fill="hold" grpId="0" nodeType="withEffect">
+                                  <p:stCondLst>
+                                    <p:cond delay="0"/>
+                                  </p:stCondLst>
+                                  <p:childTnLst>
+                                    <p:set>
+                                      <p:cBhvr>
+                                        <p:cTn id="9" dur="1" fill="hold">
+                                          <p:stCondLst>
+                                            <p:cond delay="0"/>
+                                          </p:stCondLst>
+                                        </p:cTn>
+                                        <p:tgtEl>
+                                          <p:spTgt spid="3">
+                                            <p:txEl>
+                                              <p:pRg st="1" end="1"/>
+                                            </p:txEl>
+                                          </p:spTgt>
+                                        </p:tgtEl>
+                                        <p:attrNameLst>
+                                          <p:attrName>style.visibility</p:attrName>
+                                        </p:attrNameLst>
+                                      </p:cBhvr>
+                                      <p:to>
+                                        <p:strVal val="visible"/>
+                                      </p:to>
+                                    </p:set>
+                                    <p:animEffect transition="in" filter="wipe(down)">
+                                      <p:cBhvr>
+                                        <p:cTn id="10" dur="500"/>
+                                        <p:tgtEl>
+                                          <p:spTgt spid="3">
+                                            <p:txEl>
+                                              <p:pRg st="1" end="1"/>
+                                            </p:txEl>
+                                          </p:spTgt>
+                                        </p:tgtEl>
+                                      </p:cBhvr>
+                                    </p:animEffect>
+                                  </p:childTnLst>
+                                </p:cTn>
+                              </p:par>
+                              <p:par>
+                                <p:cTn id="11" presetID="22" presetClass="entr" presetSubtype="4" fill="hold" grpId="0" nodeType="withEffect">
+                                  <p:stCondLst>
+                                    <p:cond delay="0"/>
+                                  </p:stCondLst>
+                                  <p:childTnLst>
+                                    <p:set>
+                                      <p:cBhvr>
+                                        <p:cTn id="12" dur="1" fill="hold">
+                                          <p:stCondLst>
+                                            <p:cond delay="0"/>
+                                          </p:stCondLst>
+                                        </p:cTn>
+                                        <p:tgtEl>
+                                          <p:spTgt spid="3">
+                                            <p:txEl>
+                                              <p:pRg st="2" end="2"/>
+                                            </p:txEl>
+                                          </p:spTgt>
+                                        </p:tgtEl>
+                                        <p:attrNameLst>
+                                          <p:attrName>style.visibility</p:attrName>
+                                        </p:attrNameLst>
+                                      </p:cBhvr>
+                                      <p:to>
+                                        <p:strVal val="visible"/>
+                                      </p:to>
+                                    </p:set>
+                                    <p:animEffect transition="in" filter="wipe(down)">
+                                      <p:cBhvr>
+                                        <p:cTn id="13" dur="500"/>
+                                        <p:tgtEl>
+                                          <p:spTgt spid="3">
+                                            <p:txEl>
+                                              <p:pRg st="2" end="2"/>
+                                            </p:txEl>
+                                          </p:spTgt>
+                                        </p:tgtEl>
+                                      </p:cBhvr>
+                                    </p:animEffect>
+                                  </p:childTnLst>
+                                </p:cTn>
+                              </p:par>
+                              <p:par>
+                                <p:cTn id="14" presetID="22" presetClass="entr" presetSubtype="4" fill="hold" grpId="0" nodeType="withEffect">
+                                  <p:stCondLst>
+                                    <p:cond delay="0"/>
+                                  </p:stCondLst>
+                                  <p:childTnLst>
+                                    <p:set>
+                                      <p:cBhvr>
+                                        <p:cTn id="15" dur="1" fill="hold">
+                                          <p:stCondLst>
+                                            <p:cond delay="0"/>
+                                          </p:stCondLst>
+                                        </p:cTn>
+                                        <p:tgtEl>
+                                          <p:spTgt spid="3">
+                                            <p:txEl>
+                                              <p:pRg st="3" end="3"/>
+                                            </p:txEl>
+                                          </p:spTgt>
+                                        </p:tgtEl>
+                                        <p:attrNameLst>
+                                          <p:attrName>style.visibility</p:attrName>
+                                        </p:attrNameLst>
+                                      </p:cBhvr>
+                                      <p:to>
+                                        <p:strVal val="visible"/>
+                                      </p:to>
+                                    </p:set>
+                                    <p:animEffect transition="in" filter="wipe(down)">
+                                      <p:cBhvr>
+                                        <p:cTn id="16" dur="500"/>
+                                        <p:tgtEl>
+                                          <p:spTgt spid="3">
+                                            <p:txEl>
+                                              <p:pRg st="3" end="3"/>
                                             </p:txEl>
                                           </p:spTgt>
                                         </p:tgtEl>
@@ -6290,44 +6665,103 @@
           <a:lstStyle/>
           <a:p>
             <a:r>
+              <a:rPr lang="sv-SE" dirty="0" err="1" smtClean="0"/>
+              <a:t>Requirements</a:t>
+            </a:r>
+            <a:r>
               <a:rPr lang="sv-SE" dirty="0" smtClean="0"/>
-              <a:t>Work </a:t>
-            </a:r>
+              <a:t> </a:t>
+            </a:r>
+            <a:r>
+              <a:rPr lang="sv-SE" dirty="0" err="1" smtClean="0"/>
+              <a:t>engineering</a:t>
+            </a:r>
+            <a:endParaRPr lang="sv-SE" dirty="0" smtClean="0"/>
+          </a:p>
+          <a:p>
+            <a:pPr lvl="1"/>
+            <a:r>
+              <a:rPr lang="sv-SE" dirty="0" err="1" smtClean="0"/>
+              <a:t>Identification</a:t>
+            </a:r>
+            <a:endParaRPr lang="sv-SE" dirty="0" smtClean="0"/>
+          </a:p>
+          <a:p>
+            <a:pPr lvl="1"/>
             <a:r>
               <a:rPr lang="sv-SE" dirty="0" smtClean="0"/>
-              <a:t>modeling</a:t>
+              <a:t>Definition</a:t>
             </a:r>
           </a:p>
           <a:p>
             <a:pPr lvl="1"/>
             <a:r>
+              <a:rPr lang="sv-SE" dirty="0" err="1" smtClean="0"/>
+              <a:t>Prioritization</a:t>
+            </a:r>
+            <a:endParaRPr lang="sv-SE" dirty="0" smtClean="0"/>
+          </a:p>
+          <a:p>
+            <a:r>
+              <a:rPr lang="sv-SE" dirty="0" err="1" smtClean="0"/>
+              <a:t>User</a:t>
+            </a:r>
+            <a:r>
               <a:rPr lang="sv-SE" dirty="0" smtClean="0"/>
-              <a:t>User analysis</a:t>
+              <a:t> </a:t>
+            </a:r>
+            <a:r>
+              <a:rPr lang="sv-SE" dirty="0" err="1" smtClean="0"/>
+              <a:t>analyis</a:t>
+            </a:r>
+            <a:endParaRPr lang="sv-SE" dirty="0" smtClean="0"/>
+          </a:p>
+          <a:p>
+            <a:r>
+              <a:rPr lang="sv-SE" dirty="0" smtClean="0"/>
+              <a:t>System has </a:t>
+            </a:r>
+            <a:r>
+              <a:rPr lang="sv-SE" dirty="0" err="1" smtClean="0"/>
+              <a:t>two</a:t>
+            </a:r>
+            <a:r>
+              <a:rPr lang="sv-SE" dirty="0" smtClean="0"/>
+              <a:t> </a:t>
+            </a:r>
+            <a:r>
+              <a:rPr lang="sv-SE" dirty="0" err="1" smtClean="0"/>
+              <a:t>main</a:t>
+            </a:r>
+            <a:r>
+              <a:rPr lang="sv-SE" dirty="0" smtClean="0"/>
+              <a:t> parts</a:t>
             </a:r>
           </a:p>
           <a:p>
             <a:pPr lvl="1"/>
             <a:r>
+              <a:rPr lang="sv-SE" dirty="0" err="1" smtClean="0"/>
+              <a:t>Calibration</a:t>
+            </a:r>
+            <a:endParaRPr lang="sv-SE" dirty="0" smtClean="0"/>
+          </a:p>
+          <a:p>
+            <a:pPr lvl="1"/>
+            <a:r>
               <a:rPr lang="sv-SE" dirty="0" smtClean="0"/>
-              <a:t>Scenarios</a:t>
-            </a:r>
-          </a:p>
-          <a:p>
-            <a:pPr lvl="1"/>
+              <a:t>Experiments</a:t>
+            </a:r>
+            <a:endParaRPr lang="sv-SE" dirty="0" smtClean="0"/>
+          </a:p>
+          <a:p>
+            <a:r>
+              <a:rPr lang="sv-SE" dirty="0" err="1" smtClean="0"/>
+              <a:t>Model</a:t>
+            </a:r>
             <a:r>
               <a:rPr lang="sv-SE" dirty="0" smtClean="0"/>
-              <a:t>Contextual </a:t>
-            </a:r>
-            <a:r>
-              <a:rPr lang="sv-SE" dirty="0" smtClean="0"/>
-              <a:t>design</a:t>
-            </a:r>
-            <a:endParaRPr lang="sv-SE" dirty="0" smtClean="0"/>
-          </a:p>
-          <a:p>
-            <a:r>
-              <a:rPr lang="sv-SE" dirty="0" smtClean="0"/>
-              <a:t>Model </a:t>
+              <a:t> </a:t>
             </a:r>
             <a:r>
               <a:rPr lang="sv-SE" dirty="0" smtClean="0">
@@ -6604,6 +7038,214 @@
                       </p:childTnLst>
                     </p:cTn>
                   </p:par>
+                  <p:par>
+                    <p:cTn id="22" fill="hold">
+                      <p:stCondLst>
+                        <p:cond delay="indefinite"/>
+                      </p:stCondLst>
+                      <p:childTnLst>
+                        <p:par>
+                          <p:cTn id="23" fill="hold">
+                            <p:stCondLst>
+                              <p:cond delay="0"/>
+                            </p:stCondLst>
+                            <p:childTnLst>
+                              <p:par>
+                                <p:cTn id="24" presetID="22" presetClass="entr" presetSubtype="4" fill="hold" grpId="0" nodeType="clickEffect">
+                                  <p:stCondLst>
+                                    <p:cond delay="0"/>
+                                  </p:stCondLst>
+                                  <p:childTnLst>
+                                    <p:set>
+                                      <p:cBhvr>
+                                        <p:cTn id="25" dur="1" fill="hold">
+                                          <p:stCondLst>
+                                            <p:cond delay="0"/>
+                                          </p:stCondLst>
+                                        </p:cTn>
+                                        <p:tgtEl>
+                                          <p:spTgt spid="3">
+                                            <p:txEl>
+                                              <p:pRg st="5" end="5"/>
+                                            </p:txEl>
+                                          </p:spTgt>
+                                        </p:tgtEl>
+                                        <p:attrNameLst>
+                                          <p:attrName>style.visibility</p:attrName>
+                                        </p:attrNameLst>
+                                      </p:cBhvr>
+                                      <p:to>
+                                        <p:strVal val="visible"/>
+                                      </p:to>
+                                    </p:set>
+                                    <p:animEffect transition="in" filter="wipe(down)">
+                                      <p:cBhvr>
+                                        <p:cTn id="26" dur="500"/>
+                                        <p:tgtEl>
+                                          <p:spTgt spid="3">
+                                            <p:txEl>
+                                              <p:pRg st="5" end="5"/>
+                                            </p:txEl>
+                                          </p:spTgt>
+                                        </p:tgtEl>
+                                      </p:cBhvr>
+                                    </p:animEffect>
+                                  </p:childTnLst>
+                                </p:cTn>
+                              </p:par>
+                              <p:par>
+                                <p:cTn id="27" presetID="22" presetClass="entr" presetSubtype="4" fill="hold" grpId="0" nodeType="withEffect">
+                                  <p:stCondLst>
+                                    <p:cond delay="0"/>
+                                  </p:stCondLst>
+                                  <p:childTnLst>
+                                    <p:set>
+                                      <p:cBhvr>
+                                        <p:cTn id="28" dur="1" fill="hold">
+                                          <p:stCondLst>
+                                            <p:cond delay="0"/>
+                                          </p:stCondLst>
+                                        </p:cTn>
+                                        <p:tgtEl>
+                                          <p:spTgt spid="3">
+                                            <p:txEl>
+                                              <p:pRg st="6" end="6"/>
+                                            </p:txEl>
+                                          </p:spTgt>
+                                        </p:tgtEl>
+                                        <p:attrNameLst>
+                                          <p:attrName>style.visibility</p:attrName>
+                                        </p:attrNameLst>
+                                      </p:cBhvr>
+                                      <p:to>
+                                        <p:strVal val="visible"/>
+                                      </p:to>
+                                    </p:set>
+                                    <p:animEffect transition="in" filter="wipe(down)">
+                                      <p:cBhvr>
+                                        <p:cTn id="29" dur="500"/>
+                                        <p:tgtEl>
+                                          <p:spTgt spid="3">
+                                            <p:txEl>
+                                              <p:pRg st="6" end="6"/>
+                                            </p:txEl>
+                                          </p:spTgt>
+                                        </p:tgtEl>
+                                      </p:cBhvr>
+                                    </p:animEffect>
+                                  </p:childTnLst>
+                                </p:cTn>
+                              </p:par>
+                              <p:par>
+                                <p:cTn id="30" presetID="22" presetClass="entr" presetSubtype="4" fill="hold" grpId="0" nodeType="withEffect">
+                                  <p:stCondLst>
+                                    <p:cond delay="0"/>
+                                  </p:stCondLst>
+                                  <p:childTnLst>
+                                    <p:set>
+                                      <p:cBhvr>
+                                        <p:cTn id="31" dur="1" fill="hold">
+                                          <p:stCondLst>
+                                            <p:cond delay="0"/>
+                                          </p:stCondLst>
+                                        </p:cTn>
+                                        <p:tgtEl>
+                                          <p:spTgt spid="3">
+                                            <p:txEl>
+                                              <p:pRg st="7" end="7"/>
+                                            </p:txEl>
+                                          </p:spTgt>
+                                        </p:tgtEl>
+                                        <p:attrNameLst>
+                                          <p:attrName>style.visibility</p:attrName>
+                                        </p:attrNameLst>
+                                      </p:cBhvr>
+                                      <p:to>
+                                        <p:strVal val="visible"/>
+                                      </p:to>
+                                    </p:set>
+                                    <p:animEffect transition="in" filter="wipe(down)">
+                                      <p:cBhvr>
+                                        <p:cTn id="32" dur="500"/>
+                                        <p:tgtEl>
+                                          <p:spTgt spid="3">
+                                            <p:txEl>
+                                              <p:pRg st="7" end="7"/>
+                                            </p:txEl>
+                                          </p:spTgt>
+                                        </p:tgtEl>
+                                      </p:cBhvr>
+                                    </p:animEffect>
+                                  </p:childTnLst>
+                                </p:cTn>
+                              </p:par>
+                            </p:childTnLst>
+                          </p:cTn>
+                        </p:par>
+                      </p:childTnLst>
+                    </p:cTn>
+                  </p:par>
+                  <p:par>
+                    <p:cTn id="33" fill="hold">
+                      <p:stCondLst>
+                        <p:cond delay="indefinite"/>
+                      </p:stCondLst>
+                      <p:childTnLst>
+                        <p:par>
+                          <p:cTn id="34" fill="hold">
+                            <p:stCondLst>
+                              <p:cond delay="0"/>
+                            </p:stCondLst>
+                            <p:childTnLst>
+                              <p:par>
+                                <p:cTn id="35" presetID="22" presetClass="entr" presetSubtype="4" fill="hold" grpId="0" nodeType="clickEffect">
+                                  <p:stCondLst>
+                                    <p:cond delay="0"/>
+                                  </p:stCondLst>
+                                  <p:childTnLst>
+                                    <p:set>
+                                      <p:cBhvr>
+                                        <p:cTn id="36" dur="1" fill="hold">
+                                          <p:stCondLst>
+                                            <p:cond delay="0"/>
+                                          </p:stCondLst>
+                                        </p:cTn>
+                                        <p:tgtEl>
+                                          <p:spTgt spid="3">
+                                            <p:txEl>
+                                              <p:pRg st="8" end="8"/>
+                                            </p:txEl>
+                                          </p:spTgt>
+                                        </p:tgtEl>
+                                        <p:attrNameLst>
+                                          <p:attrName>style.visibility</p:attrName>
+                                        </p:attrNameLst>
+                                      </p:cBhvr>
+                                      <p:to>
+                                        <p:strVal val="visible"/>
+                                      </p:to>
+                                    </p:set>
+                                    <p:animEffect transition="in" filter="wipe(down)">
+                                      <p:cBhvr>
+                                        <p:cTn id="37" dur="500"/>
+                                        <p:tgtEl>
+                                          <p:spTgt spid="3">
+                                            <p:txEl>
+                                              <p:pRg st="8" end="8"/>
+                                            </p:txEl>
+                                          </p:spTgt>
+                                        </p:tgtEl>
+                                      </p:cBhvr>
+                                    </p:animEffect>
+                                  </p:childTnLst>
+                                </p:cTn>
+                              </p:par>
+                            </p:childTnLst>
+                          </p:cTn>
+                        </p:par>
+                      </p:childTnLst>
+                    </p:cTn>
+                  </p:par>
                 </p:childTnLst>
               </p:cTn>
               <p:prevCondLst>
@@ -6661,363 +7303,48 @@
         </p:nvSpPr>
         <p:spPr/>
         <p:txBody>
-          <a:bodyPr/>
+          <a:bodyPr>
+            <a:normAutofit/>
+          </a:bodyPr>
           <a:lstStyle/>
           <a:p>
             <a:r>
               <a:rPr lang="sv-SE" dirty="0" smtClean="0"/>
-              <a:t>Design</a:t>
+              <a:t>Paper prototype</a:t>
             </a:r>
             <a:endParaRPr lang="sv-SE" dirty="0"/>
           </a:p>
         </p:txBody>
       </p:sp>
-      <p:sp>
-        <p:nvSpPr>
-          <p:cNvPr id="3" name="Content Placeholder 2"/>
-          <p:cNvSpPr>
-            <a:spLocks noGrp="1"/>
-          </p:cNvSpPr>
+      <p:pic>
+        <p:nvPicPr>
+          <p:cNvPr id="4" name="Content Placeholder 3" descr="onstartup.png"/>
+          <p:cNvPicPr>
+            <a:picLocks noGrp="1" noChangeAspect="1"/>
+          </p:cNvPicPr>
           <p:nvPr>
             <p:ph idx="1"/>
           </p:nvPr>
-        </p:nvSpPr>
-        <p:spPr/>
-        <p:txBody>
-          <a:bodyPr/>
-          <a:lstStyle/>
-          <a:p>
-            <a:r>
-              <a:rPr lang="sv-SE" dirty="0" smtClean="0"/>
-              <a:t>Requirements engineering</a:t>
-            </a:r>
-          </a:p>
-          <a:p>
-            <a:pPr lvl="1"/>
-            <a:r>
-              <a:rPr lang="sv-SE" dirty="0" smtClean="0"/>
-              <a:t>Identification</a:t>
-            </a:r>
-          </a:p>
-          <a:p>
-            <a:pPr lvl="1"/>
-            <a:r>
-              <a:rPr lang="sv-SE" dirty="0" smtClean="0"/>
-              <a:t>Definition</a:t>
-            </a:r>
-          </a:p>
-          <a:p>
-            <a:pPr lvl="1"/>
-            <a:r>
-              <a:rPr lang="sv-SE" dirty="0" smtClean="0"/>
-              <a:t>Prioritization</a:t>
-            </a:r>
-          </a:p>
-          <a:p>
-            <a:r>
-              <a:rPr lang="sv-SE" dirty="0" smtClean="0"/>
-              <a:t>Paper </a:t>
-            </a:r>
-            <a:r>
-              <a:rPr lang="sv-SE" dirty="0" smtClean="0"/>
-              <a:t>prototype</a:t>
-            </a:r>
-          </a:p>
-          <a:p>
-            <a:endParaRPr lang="sv-SE" dirty="0"/>
-          </a:p>
-        </p:txBody>
-      </p:sp>
+        </p:nvPicPr>
+        <p:blipFill>
+          <a:blip r:embed="rId2" cstate="print"/>
+          <a:stretch>
+            <a:fillRect/>
+          </a:stretch>
+        </p:blipFill>
+        <p:spPr>
+          <a:xfrm>
+            <a:off x="3491219" y="1447800"/>
+            <a:ext cx="3387111" cy="4800600"/>
+          </a:xfrm>
+        </p:spPr>
+      </p:pic>
     </p:spTree>
   </p:cSld>
   <p:clrMapOvr>
     <a:masterClrMapping/>
   </p:clrMapOvr>
   <p:transition/>
-  <p:timing>
-    <p:tnLst>
-      <p:par>
-        <p:cTn id="1" dur="indefinite" restart="never" nodeType="tmRoot">
-          <p:childTnLst>
-            <p:seq concurrent="1" nextAc="seek">
-              <p:cTn id="2" dur="indefinite" nodeType="mainSeq">
-                <p:childTnLst>
-                  <p:par>
-                    <p:cTn id="3" fill="hold">
-                      <p:stCondLst>
-                        <p:cond delay="indefinite"/>
-                      </p:stCondLst>
-                      <p:childTnLst>
-                        <p:par>
-                          <p:cTn id="4" fill="hold">
-                            <p:stCondLst>
-                              <p:cond delay="0"/>
-                            </p:stCondLst>
-                            <p:childTnLst>
-                              <p:par>
-                                <p:cTn id="5" presetID="22" presetClass="entr" presetSubtype="4" fill="hold" grpId="0" nodeType="clickEffect">
-                                  <p:stCondLst>
-                                    <p:cond delay="0"/>
-                                  </p:stCondLst>
-                                  <p:childTnLst>
-                                    <p:set>
-                                      <p:cBhvr>
-                                        <p:cTn id="6" dur="1" fill="hold">
-                                          <p:stCondLst>
-                                            <p:cond delay="0"/>
-                                          </p:stCondLst>
-                                        </p:cTn>
-                                        <p:tgtEl>
-                                          <p:spTgt spid="3">
-                                            <p:txEl>
-                                              <p:pRg st="0" end="0"/>
-                                            </p:txEl>
-                                          </p:spTgt>
-                                        </p:tgtEl>
-                                        <p:attrNameLst>
-                                          <p:attrName>style.visibility</p:attrName>
-                                        </p:attrNameLst>
-                                      </p:cBhvr>
-                                      <p:to>
-                                        <p:strVal val="visible"/>
-                                      </p:to>
-                                    </p:set>
-                                    <p:animEffect transition="in" filter="wipe(down)">
-                                      <p:cBhvr>
-                                        <p:cTn id="7" dur="500"/>
-                                        <p:tgtEl>
-                                          <p:spTgt spid="3">
-                                            <p:txEl>
-                                              <p:pRg st="0" end="0"/>
-                                            </p:txEl>
-                                          </p:spTgt>
-                                        </p:tgtEl>
-                                      </p:cBhvr>
-                                    </p:animEffect>
-                                  </p:childTnLst>
-                                </p:cTn>
-                              </p:par>
-                              <p:par>
-                                <p:cTn id="8" presetID="22" presetClass="entr" presetSubtype="4" fill="hold" grpId="0" nodeType="withEffect">
-                                  <p:stCondLst>
-                                    <p:cond delay="0"/>
-                                  </p:stCondLst>
-                                  <p:childTnLst>
-                                    <p:set>
-                                      <p:cBhvr>
-                                        <p:cTn id="9" dur="1" fill="hold">
-                                          <p:stCondLst>
-                                            <p:cond delay="0"/>
-                                          </p:stCondLst>
-                                        </p:cTn>
-                                        <p:tgtEl>
-                                          <p:spTgt spid="3">
-                                            <p:txEl>
-                                              <p:pRg st="1" end="1"/>
-                                            </p:txEl>
-                                          </p:spTgt>
-                                        </p:tgtEl>
-                                        <p:attrNameLst>
-                                          <p:attrName>style.visibility</p:attrName>
-                                        </p:attrNameLst>
-                                      </p:cBhvr>
-                                      <p:to>
-                                        <p:strVal val="visible"/>
-                                      </p:to>
-                                    </p:set>
-                                    <p:animEffect transition="in" filter="wipe(down)">
-                                      <p:cBhvr>
-                                        <p:cTn id="10" dur="500"/>
-                                        <p:tgtEl>
-                                          <p:spTgt spid="3">
-                                            <p:txEl>
-                                              <p:pRg st="1" end="1"/>
-                                            </p:txEl>
-                                          </p:spTgt>
-                                        </p:tgtEl>
-                                      </p:cBhvr>
-                                    </p:animEffect>
-                                  </p:childTnLst>
-                                </p:cTn>
-                              </p:par>
-                              <p:par>
-                                <p:cTn id="11" presetID="22" presetClass="entr" presetSubtype="4" fill="hold" grpId="0" nodeType="withEffect">
-                                  <p:stCondLst>
-                                    <p:cond delay="0"/>
-                                  </p:stCondLst>
-                                  <p:childTnLst>
-                                    <p:set>
-                                      <p:cBhvr>
-                                        <p:cTn id="12" dur="1" fill="hold">
-                                          <p:stCondLst>
-                                            <p:cond delay="0"/>
-                                          </p:stCondLst>
-                                        </p:cTn>
-                                        <p:tgtEl>
-                                          <p:spTgt spid="3">
-                                            <p:txEl>
-                                              <p:pRg st="2" end="2"/>
-                                            </p:txEl>
-                                          </p:spTgt>
-                                        </p:tgtEl>
-                                        <p:attrNameLst>
-                                          <p:attrName>style.visibility</p:attrName>
-                                        </p:attrNameLst>
-                                      </p:cBhvr>
-                                      <p:to>
-                                        <p:strVal val="visible"/>
-                                      </p:to>
-                                    </p:set>
-                                    <p:animEffect transition="in" filter="wipe(down)">
-                                      <p:cBhvr>
-                                        <p:cTn id="13" dur="500"/>
-                                        <p:tgtEl>
-                                          <p:spTgt spid="3">
-                                            <p:txEl>
-                                              <p:pRg st="2" end="2"/>
-                                            </p:txEl>
-                                          </p:spTgt>
-                                        </p:tgtEl>
-                                      </p:cBhvr>
-                                    </p:animEffect>
-                                  </p:childTnLst>
-                                </p:cTn>
-                              </p:par>
-                              <p:par>
-                                <p:cTn id="14" presetID="22" presetClass="entr" presetSubtype="4" fill="hold" grpId="0" nodeType="withEffect">
-                                  <p:stCondLst>
-                                    <p:cond delay="0"/>
-                                  </p:stCondLst>
-                                  <p:childTnLst>
-                                    <p:set>
-                                      <p:cBhvr>
-                                        <p:cTn id="15" dur="1" fill="hold">
-                                          <p:stCondLst>
-                                            <p:cond delay="0"/>
-                                          </p:stCondLst>
-                                        </p:cTn>
-                                        <p:tgtEl>
-                                          <p:spTgt spid="3">
-                                            <p:txEl>
-                                              <p:pRg st="3" end="3"/>
-                                            </p:txEl>
-                                          </p:spTgt>
-                                        </p:tgtEl>
-                                        <p:attrNameLst>
-                                          <p:attrName>style.visibility</p:attrName>
-                                        </p:attrNameLst>
-                                      </p:cBhvr>
-                                      <p:to>
-                                        <p:strVal val="visible"/>
-                                      </p:to>
-                                    </p:set>
-                                    <p:animEffect transition="in" filter="wipe(down)">
-                                      <p:cBhvr>
-                                        <p:cTn id="16" dur="500"/>
-                                        <p:tgtEl>
-                                          <p:spTgt spid="3">
-                                            <p:txEl>
-                                              <p:pRg st="3" end="3"/>
-                                            </p:txEl>
-                                          </p:spTgt>
-                                        </p:tgtEl>
-                                      </p:cBhvr>
-                                    </p:animEffect>
-                                  </p:childTnLst>
-                                </p:cTn>
-                              </p:par>
-                            </p:childTnLst>
-                          </p:cTn>
-                        </p:par>
-                      </p:childTnLst>
-                    </p:cTn>
-                  </p:par>
-                  <p:par>
-                    <p:cTn id="17" fill="hold">
-                      <p:stCondLst>
-                        <p:cond delay="indefinite"/>
-                      </p:stCondLst>
-                      <p:childTnLst>
-                        <p:par>
-                          <p:cTn id="18" fill="hold">
-                            <p:stCondLst>
-                              <p:cond delay="0"/>
-                            </p:stCondLst>
-                            <p:childTnLst>
-                              <p:par>
-                                <p:cTn id="19" presetID="22" presetClass="entr" presetSubtype="4" fill="hold" grpId="0" nodeType="clickEffect">
-                                  <p:stCondLst>
-                                    <p:cond delay="0"/>
-                                  </p:stCondLst>
-                                  <p:childTnLst>
-                                    <p:set>
-                                      <p:cBhvr>
-                                        <p:cTn id="20" dur="1" fill="hold">
-                                          <p:stCondLst>
-                                            <p:cond delay="0"/>
-                                          </p:stCondLst>
-                                        </p:cTn>
-                                        <p:tgtEl>
-                                          <p:spTgt spid="3">
-                                            <p:txEl>
-                                              <p:pRg st="4" end="4"/>
-                                            </p:txEl>
-                                          </p:spTgt>
-                                        </p:tgtEl>
-                                        <p:attrNameLst>
-                                          <p:attrName>style.visibility</p:attrName>
-                                        </p:attrNameLst>
-                                      </p:cBhvr>
-                                      <p:to>
-                                        <p:strVal val="visible"/>
-                                      </p:to>
-                                    </p:set>
-                                    <p:animEffect transition="in" filter="wipe(down)">
-                                      <p:cBhvr>
-                                        <p:cTn id="21" dur="500"/>
-                                        <p:tgtEl>
-                                          <p:spTgt spid="3">
-                                            <p:txEl>
-                                              <p:pRg st="4" end="4"/>
-                                            </p:txEl>
-                                          </p:spTgt>
-                                        </p:tgtEl>
-                                      </p:cBhvr>
-                                    </p:animEffect>
-                                  </p:childTnLst>
-                                </p:cTn>
-                              </p:par>
-                            </p:childTnLst>
-                          </p:cTn>
-                        </p:par>
-                      </p:childTnLst>
-                    </p:cTn>
-                  </p:par>
-                </p:childTnLst>
-              </p:cTn>
-              <p:prevCondLst>
-                <p:cond evt="onPrev" delay="0">
-                  <p:tgtEl>
-                    <p:sldTgt/>
-                  </p:tgtEl>
-                </p:cond>
-              </p:prevCondLst>
-              <p:nextCondLst>
-                <p:cond evt="onNext" delay="0">
-                  <p:tgtEl>
-                    <p:sldTgt/>
-                  </p:tgtEl>
-                </p:cond>
-              </p:nextCondLst>
-            </p:seq>
-          </p:childTnLst>
-        </p:cTn>
-      </p:par>
-    </p:tnLst>
-    <p:bldLst>
-      <p:bldP spid="3" grpId="0" build="p"/>
-    </p:bldLst>
-  </p:timing>
 </p:sld>
 </file>
 
@@ -7050,9 +7377,7 @@
         </p:nvSpPr>
         <p:spPr/>
         <p:txBody>
-          <a:bodyPr>
-            <a:normAutofit/>
-          </a:bodyPr>
+          <a:bodyPr/>
           <a:lstStyle/>
           <a:p>
             <a:r>
@@ -7065,7 +7390,7 @@
       </p:sp>
       <p:pic>
         <p:nvPicPr>
-          <p:cNvPr id="4" name="Content Placeholder 3" descr="onstartup.png"/>
+          <p:cNvPr id="4" name="Content Placeholder 3" descr="onstartup2.png"/>
           <p:cNvPicPr>
             <a:picLocks noGrp="1" noChangeAspect="1"/>
           </p:cNvPicPr>
@@ -7081,8 +7406,8 @@
         </p:blipFill>
         <p:spPr>
           <a:xfrm>
-            <a:off x="3491219" y="1447800"/>
-            <a:ext cx="3387111" cy="4800600"/>
+            <a:off x="3441746" y="1447800"/>
+            <a:ext cx="3486058" cy="4800600"/>
           </a:xfrm>
         </p:spPr>
       </p:pic>
@@ -7137,7 +7462,7 @@
       </p:sp>
       <p:pic>
         <p:nvPicPr>
-          <p:cNvPr id="4" name="Content Placeholder 3" descr="onstartup2.png"/>
+          <p:cNvPr id="7" name="Content Placeholder 6" descr="mainwindow.png"/>
           <p:cNvPicPr>
             <a:picLocks noGrp="1" noChangeAspect="1"/>
           </p:cNvPicPr>
@@ -7153,8 +7478,8 @@
         </p:blipFill>
         <p:spPr>
           <a:xfrm>
-            <a:off x="3441746" y="1447800"/>
-            <a:ext cx="3486058" cy="4800600"/>
+            <a:off x="2093271" y="1447800"/>
+            <a:ext cx="6183007" cy="4800600"/>
           </a:xfrm>
         </p:spPr>
       </p:pic>

--- a/presentations/presentation_1.pptx
+++ b/presentations/presentation_1.pptx
@@ -255,7 +255,7 @@
             <a:fld id="{2F70612F-D101-4AD4-8F3C-BE6AA2F3E7E9}" type="datetimeFigureOut">
               <a:rPr lang="sv-SE" smtClean="0"/>
               <a:pPr/>
-              <a:t>2014-05-11</a:t>
+              <a:t>2014-05-12</a:t>
             </a:fld>
             <a:endParaRPr lang="sv-SE"/>
           </a:p>
@@ -571,7 +571,7 @@
             <a:fld id="{2F70612F-D101-4AD4-8F3C-BE6AA2F3E7E9}" type="datetimeFigureOut">
               <a:rPr lang="sv-SE" smtClean="0"/>
               <a:pPr/>
-              <a:t>2014-05-11</a:t>
+              <a:t>2014-05-12</a:t>
             </a:fld>
             <a:endParaRPr lang="sv-SE"/>
           </a:p>
@@ -759,7 +759,7 @@
             <a:fld id="{2F70612F-D101-4AD4-8F3C-BE6AA2F3E7E9}" type="datetimeFigureOut">
               <a:rPr lang="sv-SE" smtClean="0"/>
               <a:pPr/>
-              <a:t>2014-05-11</a:t>
+              <a:t>2014-05-12</a:t>
             </a:fld>
             <a:endParaRPr lang="sv-SE"/>
           </a:p>
@@ -937,7 +937,7 @@
             <a:fld id="{2F70612F-D101-4AD4-8F3C-BE6AA2F3E7E9}" type="datetimeFigureOut">
               <a:rPr lang="sv-SE" smtClean="0"/>
               <a:pPr/>
-              <a:t>2014-05-11</a:t>
+              <a:t>2014-05-12</a:t>
             </a:fld>
             <a:endParaRPr lang="sv-SE"/>
           </a:p>
@@ -1208,7 +1208,7 @@
             <a:fld id="{2F70612F-D101-4AD4-8F3C-BE6AA2F3E7E9}" type="datetimeFigureOut">
               <a:rPr lang="sv-SE" smtClean="0"/>
               <a:pPr/>
-              <a:t>2014-05-11</a:t>
+              <a:t>2014-05-12</a:t>
             </a:fld>
             <a:endParaRPr lang="sv-SE"/>
           </a:p>
@@ -1679,7 +1679,7 @@
             <a:fld id="{2F70612F-D101-4AD4-8F3C-BE6AA2F3E7E9}" type="datetimeFigureOut">
               <a:rPr lang="sv-SE" smtClean="0"/>
               <a:pPr/>
-              <a:t>2014-05-11</a:t>
+              <a:t>2014-05-12</a:t>
             </a:fld>
             <a:endParaRPr lang="sv-SE"/>
           </a:p>
@@ -2171,7 +2171,7 @@
             <a:fld id="{2F70612F-D101-4AD4-8F3C-BE6AA2F3E7E9}" type="datetimeFigureOut">
               <a:rPr lang="sv-SE" smtClean="0"/>
               <a:pPr/>
-              <a:t>2014-05-11</a:t>
+              <a:t>2014-05-12</a:t>
             </a:fld>
             <a:endParaRPr lang="sv-SE"/>
           </a:p>
@@ -2300,7 +2300,7 @@
             <a:fld id="{2F70612F-D101-4AD4-8F3C-BE6AA2F3E7E9}" type="datetimeFigureOut">
               <a:rPr lang="sv-SE" smtClean="0"/>
               <a:pPr/>
-              <a:t>2014-05-11</a:t>
+              <a:t>2014-05-12</a:t>
             </a:fld>
             <a:endParaRPr lang="sv-SE"/>
           </a:p>
@@ -2447,7 +2447,7 @@
             <a:fld id="{2F70612F-D101-4AD4-8F3C-BE6AA2F3E7E9}" type="datetimeFigureOut">
               <a:rPr lang="sv-SE" smtClean="0"/>
               <a:pPr/>
-              <a:t>2014-05-11</a:t>
+              <a:t>2014-05-12</a:t>
             </a:fld>
             <a:endParaRPr lang="sv-SE"/>
           </a:p>
@@ -2772,7 +2772,7 @@
             <a:fld id="{2F70612F-D101-4AD4-8F3C-BE6AA2F3E7E9}" type="datetimeFigureOut">
               <a:rPr lang="sv-SE" smtClean="0"/>
               <a:pPr/>
-              <a:t>2014-05-11</a:t>
+              <a:t>2014-05-12</a:t>
             </a:fld>
             <a:endParaRPr lang="sv-SE"/>
           </a:p>
@@ -2909,7 +2909,7 @@
             <a:fld id="{2F70612F-D101-4AD4-8F3C-BE6AA2F3E7E9}" type="datetimeFigureOut">
               <a:rPr lang="sv-SE" smtClean="0"/>
               <a:pPr/>
-              <a:t>2014-05-11</a:t>
+              <a:t>2014-05-12</a:t>
             </a:fld>
             <a:endParaRPr lang="sv-SE"/>
           </a:p>
@@ -3693,7 +3693,7 @@
             <a:fld id="{2F70612F-D101-4AD4-8F3C-BE6AA2F3E7E9}" type="datetimeFigureOut">
               <a:rPr lang="sv-SE" smtClean="0"/>
               <a:pPr/>
-              <a:t>2014-05-11</a:t>
+              <a:t>2014-05-12</a:t>
             </a:fld>
             <a:endParaRPr lang="sv-SE"/>
           </a:p>
@@ -4318,7 +4318,6 @@
               <a:rPr lang="sv-SE" dirty="0" smtClean="0"/>
               <a:t> in sprints</a:t>
             </a:r>
-            <a:endParaRPr lang="sv-SE" dirty="0" smtClean="0"/>
           </a:p>
           <a:p>
             <a:r>
@@ -5413,7 +5412,6 @@
               <a:rPr lang="sv-SE" dirty="0" smtClean="0"/>
               <a:t>:</a:t>
             </a:r>
-            <a:endParaRPr lang="sv-SE" dirty="0" smtClean="0"/>
           </a:p>
           <a:p>
             <a:pPr lvl="1"/>
@@ -5438,8 +5436,33 @@
             </a:r>
             <a:r>
               <a:rPr lang="sv-SE" dirty="0" smtClean="0"/>
-              <a:t> expansion</a:t>
-            </a:r>
+              <a:t> </a:t>
+            </a:r>
+            <a:r>
+              <a:rPr lang="sv-SE" dirty="0" smtClean="0"/>
+              <a:t>research</a:t>
+            </a:r>
+            <a:endParaRPr lang="sv-SE" dirty="0" smtClean="0"/>
+          </a:p>
+          <a:p>
+            <a:pPr lvl="1"/>
+            <a:r>
+              <a:rPr lang="sv-SE" dirty="0" smtClean="0"/>
+              <a:t>Naive </a:t>
+            </a:r>
+            <a:r>
+              <a:rPr lang="sv-SE" dirty="0" err="1" smtClean="0"/>
+              <a:t>user</a:t>
+            </a:r>
+            <a:r>
+              <a:rPr lang="sv-SE" dirty="0" smtClean="0"/>
+              <a:t> </a:t>
+            </a:r>
+            <a:r>
+              <a:rPr lang="sv-SE" dirty="0" err="1" smtClean="0"/>
+              <a:t>evaluation</a:t>
+            </a:r>
+            <a:endParaRPr lang="sv-SE" dirty="0" smtClean="0"/>
           </a:p>
           <a:p>
             <a:pPr lvl="1"/>
@@ -5451,6 +5474,10 @@
               <a:rPr lang="sv-SE" dirty="0" smtClean="0"/>
               <a:t> system</a:t>
             </a:r>
+          </a:p>
+          <a:p>
+            <a:pPr lvl="1"/>
+            <a:endParaRPr lang="sv-SE" dirty="0" smtClean="0"/>
           </a:p>
         </p:txBody>
       </p:sp>
@@ -5463,9 +5490,451 @@
   <p:timing>
     <p:tnLst>
       <p:par>
-        <p:cTn id="1" dur="indefinite" restart="never" nodeType="tmRoot"/>
+        <p:cTn id="1" dur="indefinite" restart="never" nodeType="tmRoot">
+          <p:childTnLst>
+            <p:seq concurrent="1" nextAc="seek">
+              <p:cTn id="2" dur="indefinite" nodeType="mainSeq">
+                <p:childTnLst>
+                  <p:par>
+                    <p:cTn id="3" fill="hold">
+                      <p:stCondLst>
+                        <p:cond delay="indefinite"/>
+                      </p:stCondLst>
+                      <p:childTnLst>
+                        <p:par>
+                          <p:cTn id="4" fill="hold">
+                            <p:stCondLst>
+                              <p:cond delay="0"/>
+                            </p:stCondLst>
+                            <p:childTnLst>
+                              <p:par>
+                                <p:cTn id="5" presetID="22" presetClass="entr" presetSubtype="4" fill="hold" grpId="0" nodeType="clickEffect">
+                                  <p:stCondLst>
+                                    <p:cond delay="0"/>
+                                  </p:stCondLst>
+                                  <p:childTnLst>
+                                    <p:set>
+                                      <p:cBhvr>
+                                        <p:cTn id="6" dur="1" fill="hold">
+                                          <p:stCondLst>
+                                            <p:cond delay="0"/>
+                                          </p:stCondLst>
+                                        </p:cTn>
+                                        <p:tgtEl>
+                                          <p:spTgt spid="3">
+                                            <p:txEl>
+                                              <p:pRg st="0" end="0"/>
+                                            </p:txEl>
+                                          </p:spTgt>
+                                        </p:tgtEl>
+                                        <p:attrNameLst>
+                                          <p:attrName>style.visibility</p:attrName>
+                                        </p:attrNameLst>
+                                      </p:cBhvr>
+                                      <p:to>
+                                        <p:strVal val="visible"/>
+                                      </p:to>
+                                    </p:set>
+                                    <p:animEffect transition="in" filter="wipe(down)">
+                                      <p:cBhvr>
+                                        <p:cTn id="7" dur="500"/>
+                                        <p:tgtEl>
+                                          <p:spTgt spid="3">
+                                            <p:txEl>
+                                              <p:pRg st="0" end="0"/>
+                                            </p:txEl>
+                                          </p:spTgt>
+                                        </p:tgtEl>
+                                      </p:cBhvr>
+                                    </p:animEffect>
+                                  </p:childTnLst>
+                                </p:cTn>
+                              </p:par>
+                            </p:childTnLst>
+                          </p:cTn>
+                        </p:par>
+                      </p:childTnLst>
+                    </p:cTn>
+                  </p:par>
+                  <p:par>
+                    <p:cTn id="8" fill="hold">
+                      <p:stCondLst>
+                        <p:cond delay="indefinite"/>
+                      </p:stCondLst>
+                      <p:childTnLst>
+                        <p:par>
+                          <p:cTn id="9" fill="hold">
+                            <p:stCondLst>
+                              <p:cond delay="0"/>
+                            </p:stCondLst>
+                            <p:childTnLst>
+                              <p:par>
+                                <p:cTn id="10" presetID="22" presetClass="entr" presetSubtype="4" fill="hold" grpId="0" nodeType="clickEffect">
+                                  <p:stCondLst>
+                                    <p:cond delay="0"/>
+                                  </p:stCondLst>
+                                  <p:childTnLst>
+                                    <p:set>
+                                      <p:cBhvr>
+                                        <p:cTn id="11" dur="1" fill="hold">
+                                          <p:stCondLst>
+                                            <p:cond delay="0"/>
+                                          </p:stCondLst>
+                                        </p:cTn>
+                                        <p:tgtEl>
+                                          <p:spTgt spid="3">
+                                            <p:txEl>
+                                              <p:pRg st="1" end="1"/>
+                                            </p:txEl>
+                                          </p:spTgt>
+                                        </p:tgtEl>
+                                        <p:attrNameLst>
+                                          <p:attrName>style.visibility</p:attrName>
+                                        </p:attrNameLst>
+                                      </p:cBhvr>
+                                      <p:to>
+                                        <p:strVal val="visible"/>
+                                      </p:to>
+                                    </p:set>
+                                    <p:animEffect transition="in" filter="wipe(down)">
+                                      <p:cBhvr>
+                                        <p:cTn id="12" dur="500"/>
+                                        <p:tgtEl>
+                                          <p:spTgt spid="3">
+                                            <p:txEl>
+                                              <p:pRg st="1" end="1"/>
+                                            </p:txEl>
+                                          </p:spTgt>
+                                        </p:tgtEl>
+                                      </p:cBhvr>
+                                    </p:animEffect>
+                                  </p:childTnLst>
+                                </p:cTn>
+                              </p:par>
+                            </p:childTnLst>
+                          </p:cTn>
+                        </p:par>
+                      </p:childTnLst>
+                    </p:cTn>
+                  </p:par>
+                  <p:par>
+                    <p:cTn id="13" fill="hold">
+                      <p:stCondLst>
+                        <p:cond delay="indefinite"/>
+                      </p:stCondLst>
+                      <p:childTnLst>
+                        <p:par>
+                          <p:cTn id="14" fill="hold">
+                            <p:stCondLst>
+                              <p:cond delay="0"/>
+                            </p:stCondLst>
+                            <p:childTnLst>
+                              <p:par>
+                                <p:cTn id="15" presetID="22" presetClass="entr" presetSubtype="4" fill="hold" grpId="0" nodeType="clickEffect">
+                                  <p:stCondLst>
+                                    <p:cond delay="0"/>
+                                  </p:stCondLst>
+                                  <p:childTnLst>
+                                    <p:set>
+                                      <p:cBhvr>
+                                        <p:cTn id="16" dur="1" fill="hold">
+                                          <p:stCondLst>
+                                            <p:cond delay="0"/>
+                                          </p:stCondLst>
+                                        </p:cTn>
+                                        <p:tgtEl>
+                                          <p:spTgt spid="3">
+                                            <p:txEl>
+                                              <p:pRg st="2" end="2"/>
+                                            </p:txEl>
+                                          </p:spTgt>
+                                        </p:tgtEl>
+                                        <p:attrNameLst>
+                                          <p:attrName>style.visibility</p:attrName>
+                                        </p:attrNameLst>
+                                      </p:cBhvr>
+                                      <p:to>
+                                        <p:strVal val="visible"/>
+                                      </p:to>
+                                    </p:set>
+                                    <p:animEffect transition="in" filter="wipe(down)">
+                                      <p:cBhvr>
+                                        <p:cTn id="17" dur="500"/>
+                                        <p:tgtEl>
+                                          <p:spTgt spid="3">
+                                            <p:txEl>
+                                              <p:pRg st="2" end="2"/>
+                                            </p:txEl>
+                                          </p:spTgt>
+                                        </p:tgtEl>
+                                      </p:cBhvr>
+                                    </p:animEffect>
+                                  </p:childTnLst>
+                                </p:cTn>
+                              </p:par>
+                              <p:par>
+                                <p:cTn id="18" presetID="22" presetClass="entr" presetSubtype="4" fill="hold" grpId="0" nodeType="withEffect">
+                                  <p:stCondLst>
+                                    <p:cond delay="0"/>
+                                  </p:stCondLst>
+                                  <p:childTnLst>
+                                    <p:set>
+                                      <p:cBhvr>
+                                        <p:cTn id="19" dur="1" fill="hold">
+                                          <p:stCondLst>
+                                            <p:cond delay="0"/>
+                                          </p:stCondLst>
+                                        </p:cTn>
+                                        <p:tgtEl>
+                                          <p:spTgt spid="3">
+                                            <p:txEl>
+                                              <p:pRg st="3" end="3"/>
+                                            </p:txEl>
+                                          </p:spTgt>
+                                        </p:tgtEl>
+                                        <p:attrNameLst>
+                                          <p:attrName>style.visibility</p:attrName>
+                                        </p:attrNameLst>
+                                      </p:cBhvr>
+                                      <p:to>
+                                        <p:strVal val="visible"/>
+                                      </p:to>
+                                    </p:set>
+                                    <p:animEffect transition="in" filter="wipe(down)">
+                                      <p:cBhvr>
+                                        <p:cTn id="20" dur="500"/>
+                                        <p:tgtEl>
+                                          <p:spTgt spid="3">
+                                            <p:txEl>
+                                              <p:pRg st="3" end="3"/>
+                                            </p:txEl>
+                                          </p:spTgt>
+                                        </p:tgtEl>
+                                      </p:cBhvr>
+                                    </p:animEffect>
+                                  </p:childTnLst>
+                                </p:cTn>
+                              </p:par>
+                              <p:par>
+                                <p:cTn id="21" presetID="22" presetClass="entr" presetSubtype="4" fill="hold" grpId="0" nodeType="withEffect">
+                                  <p:stCondLst>
+                                    <p:cond delay="0"/>
+                                  </p:stCondLst>
+                                  <p:childTnLst>
+                                    <p:set>
+                                      <p:cBhvr>
+                                        <p:cTn id="22" dur="1" fill="hold">
+                                          <p:stCondLst>
+                                            <p:cond delay="0"/>
+                                          </p:stCondLst>
+                                        </p:cTn>
+                                        <p:tgtEl>
+                                          <p:spTgt spid="3">
+                                            <p:txEl>
+                                              <p:pRg st="4" end="4"/>
+                                            </p:txEl>
+                                          </p:spTgt>
+                                        </p:tgtEl>
+                                        <p:attrNameLst>
+                                          <p:attrName>style.visibility</p:attrName>
+                                        </p:attrNameLst>
+                                      </p:cBhvr>
+                                      <p:to>
+                                        <p:strVal val="visible"/>
+                                      </p:to>
+                                    </p:set>
+                                    <p:animEffect transition="in" filter="wipe(down)">
+                                      <p:cBhvr>
+                                        <p:cTn id="23" dur="500"/>
+                                        <p:tgtEl>
+                                          <p:spTgt spid="3">
+                                            <p:txEl>
+                                              <p:pRg st="4" end="4"/>
+                                            </p:txEl>
+                                          </p:spTgt>
+                                        </p:tgtEl>
+                                      </p:cBhvr>
+                                    </p:animEffect>
+                                  </p:childTnLst>
+                                </p:cTn>
+                              </p:par>
+                            </p:childTnLst>
+                          </p:cTn>
+                        </p:par>
+                      </p:childTnLst>
+                    </p:cTn>
+                  </p:par>
+                  <p:par>
+                    <p:cTn id="24" fill="hold">
+                      <p:stCondLst>
+                        <p:cond delay="indefinite"/>
+                      </p:stCondLst>
+                      <p:childTnLst>
+                        <p:par>
+                          <p:cTn id="25" fill="hold">
+                            <p:stCondLst>
+                              <p:cond delay="0"/>
+                            </p:stCondLst>
+                            <p:childTnLst>
+                              <p:par>
+                                <p:cTn id="26" presetID="22" presetClass="entr" presetSubtype="4" fill="hold" grpId="0" nodeType="clickEffect">
+                                  <p:stCondLst>
+                                    <p:cond delay="0"/>
+                                  </p:stCondLst>
+                                  <p:childTnLst>
+                                    <p:set>
+                                      <p:cBhvr>
+                                        <p:cTn id="27" dur="1" fill="hold">
+                                          <p:stCondLst>
+                                            <p:cond delay="0"/>
+                                          </p:stCondLst>
+                                        </p:cTn>
+                                        <p:tgtEl>
+                                          <p:spTgt spid="3">
+                                            <p:txEl>
+                                              <p:pRg st="5" end="5"/>
+                                            </p:txEl>
+                                          </p:spTgt>
+                                        </p:tgtEl>
+                                        <p:attrNameLst>
+                                          <p:attrName>style.visibility</p:attrName>
+                                        </p:attrNameLst>
+                                      </p:cBhvr>
+                                      <p:to>
+                                        <p:strVal val="visible"/>
+                                      </p:to>
+                                    </p:set>
+                                    <p:animEffect transition="in" filter="wipe(down)">
+                                      <p:cBhvr>
+                                        <p:cTn id="28" dur="500"/>
+                                        <p:tgtEl>
+                                          <p:spTgt spid="3">
+                                            <p:txEl>
+                                              <p:pRg st="5" end="5"/>
+                                            </p:txEl>
+                                          </p:spTgt>
+                                        </p:tgtEl>
+                                      </p:cBhvr>
+                                    </p:animEffect>
+                                  </p:childTnLst>
+                                </p:cTn>
+                              </p:par>
+                              <p:par>
+                                <p:cTn id="29" presetID="22" presetClass="entr" presetSubtype="4" fill="hold" grpId="0" nodeType="withEffect">
+                                  <p:stCondLst>
+                                    <p:cond delay="0"/>
+                                  </p:stCondLst>
+                                  <p:childTnLst>
+                                    <p:set>
+                                      <p:cBhvr>
+                                        <p:cTn id="30" dur="1" fill="hold">
+                                          <p:stCondLst>
+                                            <p:cond delay="0"/>
+                                          </p:stCondLst>
+                                        </p:cTn>
+                                        <p:tgtEl>
+                                          <p:spTgt spid="3">
+                                            <p:txEl>
+                                              <p:pRg st="6" end="6"/>
+                                            </p:txEl>
+                                          </p:spTgt>
+                                        </p:tgtEl>
+                                        <p:attrNameLst>
+                                          <p:attrName>style.visibility</p:attrName>
+                                        </p:attrNameLst>
+                                      </p:cBhvr>
+                                      <p:to>
+                                        <p:strVal val="visible"/>
+                                      </p:to>
+                                    </p:set>
+                                    <p:animEffect transition="in" filter="wipe(down)">
+                                      <p:cBhvr>
+                                        <p:cTn id="31" dur="500"/>
+                                        <p:tgtEl>
+                                          <p:spTgt spid="3">
+                                            <p:txEl>
+                                              <p:pRg st="6" end="6"/>
+                                            </p:txEl>
+                                          </p:spTgt>
+                                        </p:tgtEl>
+                                      </p:cBhvr>
+                                    </p:animEffect>
+                                  </p:childTnLst>
+                                </p:cTn>
+                              </p:par>
+                              <p:par>
+                                <p:cTn id="32" presetID="22" presetClass="entr" presetSubtype="4" fill="hold" grpId="0" nodeType="withEffect">
+                                  <p:stCondLst>
+                                    <p:cond delay="0"/>
+                                  </p:stCondLst>
+                                  <p:childTnLst>
+                                    <p:set>
+                                      <p:cBhvr>
+                                        <p:cTn id="33" dur="1" fill="hold">
+                                          <p:stCondLst>
+                                            <p:cond delay="0"/>
+                                          </p:stCondLst>
+                                        </p:cTn>
+                                        <p:tgtEl>
+                                          <p:spTgt spid="3">
+                                            <p:txEl>
+                                              <p:pRg st="7" end="7"/>
+                                            </p:txEl>
+                                          </p:spTgt>
+                                        </p:tgtEl>
+                                        <p:attrNameLst>
+                                          <p:attrName>style.visibility</p:attrName>
+                                        </p:attrNameLst>
+                                      </p:cBhvr>
+                                      <p:to>
+                                        <p:strVal val="visible"/>
+                                      </p:to>
+                                    </p:set>
+                                    <p:animEffect transition="in" filter="wipe(down)">
+                                      <p:cBhvr>
+                                        <p:cTn id="34" dur="500"/>
+                                        <p:tgtEl>
+                                          <p:spTgt spid="3">
+                                            <p:txEl>
+                                              <p:pRg st="7" end="7"/>
+                                            </p:txEl>
+                                          </p:spTgt>
+                                        </p:tgtEl>
+                                      </p:cBhvr>
+                                    </p:animEffect>
+                                  </p:childTnLst>
+                                </p:cTn>
+                              </p:par>
+                            </p:childTnLst>
+                          </p:cTn>
+                        </p:par>
+                      </p:childTnLst>
+                    </p:cTn>
+                  </p:par>
+                </p:childTnLst>
+              </p:cTn>
+              <p:prevCondLst>
+                <p:cond evt="onPrev" delay="0">
+                  <p:tgtEl>
+                    <p:sldTgt/>
+                  </p:tgtEl>
+                </p:cond>
+              </p:prevCondLst>
+              <p:nextCondLst>
+                <p:cond evt="onNext" delay="0">
+                  <p:tgtEl>
+                    <p:sldTgt/>
+                  </p:tgtEl>
+                </p:cond>
+              </p:nextCondLst>
+            </p:seq>
+          </p:childTnLst>
+        </p:cTn>
       </p:par>
     </p:tnLst>
+    <p:bldLst>
+      <p:bldP spid="3" grpId="0" build="p"/>
+    </p:bldLst>
   </p:timing>
 </p:sld>
 </file>
@@ -5544,7 +6013,6 @@
               <a:rPr lang="sv-SE" dirty="0" smtClean="0"/>
               <a:t> at BMC</a:t>
             </a:r>
-            <a:endParaRPr lang="sv-SE" dirty="0" smtClean="0"/>
           </a:p>
           <a:p>
             <a:r>
@@ -5942,11 +6410,7 @@
             </a:r>
             <a:r>
               <a:rPr lang="sv-SE" dirty="0" smtClean="0"/>
-              <a:t> </a:t>
-            </a:r>
-            <a:r>
-              <a:rPr lang="sv-SE" dirty="0" smtClean="0"/>
-              <a:t>a new software system:</a:t>
+              <a:t> a new software system:</a:t>
             </a:r>
           </a:p>
           <a:p>
@@ -6752,7 +7216,6 @@
               <a:rPr lang="sv-SE" dirty="0" smtClean="0"/>
               <a:t>Experiments</a:t>
             </a:r>
-            <a:endParaRPr lang="sv-SE" dirty="0" smtClean="0"/>
           </a:p>
           <a:p>
             <a:r>
@@ -7345,6 +7808,13 @@
     <a:masterClrMapping/>
   </p:clrMapOvr>
   <p:transition/>
+  <p:timing>
+    <p:tnLst>
+      <p:par>
+        <p:cTn id="1" dur="indefinite" restart="never" nodeType="tmRoot"/>
+      </p:par>
+    </p:tnLst>
+  </p:timing>
 </p:sld>
 </file>
 
@@ -7417,6 +7887,13 @@
     <a:masterClrMapping/>
   </p:clrMapOvr>
   <p:transition/>
+  <p:timing>
+    <p:tnLst>
+      <p:par>
+        <p:cTn id="1" dur="indefinite" restart="never" nodeType="tmRoot"/>
+      </p:par>
+    </p:tnLst>
+  </p:timing>
 </p:sld>
 </file>
 
@@ -7489,6 +7966,13 @@
     <a:masterClrMapping/>
   </p:clrMapOvr>
   <p:transition/>
+  <p:timing>
+    <p:tnLst>
+      <p:par>
+        <p:cTn id="1" dur="indefinite" restart="never" nodeType="tmRoot"/>
+      </p:par>
+    </p:tnLst>
+  </p:timing>
 </p:sld>
 </file>
 

--- a/presentations/presentation_1.pptx
+++ b/presentations/presentation_1.pptx
@@ -12,13 +12,12 @@
     <p:sldId id="258" r:id="rId6"/>
     <p:sldId id="259" r:id="rId7"/>
     <p:sldId id="269" r:id="rId8"/>
-    <p:sldId id="270" r:id="rId9"/>
-    <p:sldId id="268" r:id="rId10"/>
-    <p:sldId id="261" r:id="rId11"/>
-    <p:sldId id="266" r:id="rId12"/>
-    <p:sldId id="262" r:id="rId13"/>
-    <p:sldId id="264" r:id="rId14"/>
-    <p:sldId id="265" r:id="rId15"/>
+    <p:sldId id="268" r:id="rId9"/>
+    <p:sldId id="261" r:id="rId10"/>
+    <p:sldId id="266" r:id="rId11"/>
+    <p:sldId id="262" r:id="rId12"/>
+    <p:sldId id="264" r:id="rId13"/>
+    <p:sldId id="265" r:id="rId14"/>
   </p:sldIdLst>
   <p:sldSz cx="9144000" cy="6858000" type="screen4x3"/>
   <p:notesSz cx="6858000" cy="9144000"/>
@@ -4282,577 +4281,6 @@
         </p:nvSpPr>
         <p:spPr/>
         <p:txBody>
-          <a:bodyPr>
-            <a:normAutofit/>
-          </a:bodyPr>
-          <a:lstStyle/>
-          <a:p>
-            <a:r>
-              <a:rPr lang="sv-SE" dirty="0" err="1" smtClean="0"/>
-              <a:t>Implementation</a:t>
-            </a:r>
-            <a:endParaRPr lang="sv-SE" dirty="0"/>
-          </a:p>
-        </p:txBody>
-      </p:sp>
-      <p:sp>
-        <p:nvSpPr>
-          <p:cNvPr id="3" name="Content Placeholder 2"/>
-          <p:cNvSpPr>
-            <a:spLocks noGrp="1"/>
-          </p:cNvSpPr>
-          <p:nvPr>
-            <p:ph idx="1"/>
-          </p:nvPr>
-        </p:nvSpPr>
-        <p:spPr/>
-        <p:txBody>
-          <a:bodyPr/>
-          <a:lstStyle/>
-          <a:p>
-            <a:r>
-              <a:rPr lang="sv-SE" dirty="0" err="1" smtClean="0"/>
-              <a:t>Working</a:t>
-            </a:r>
-            <a:r>
-              <a:rPr lang="sv-SE" dirty="0" smtClean="0"/>
-              <a:t> in sprints</a:t>
-            </a:r>
-          </a:p>
-          <a:p>
-            <a:r>
-              <a:rPr lang="sv-SE" dirty="0" err="1" smtClean="0"/>
-              <a:t>Platform</a:t>
-            </a:r>
-            <a:r>
-              <a:rPr lang="sv-SE" dirty="0" smtClean="0"/>
-              <a:t>:</a:t>
-            </a:r>
-          </a:p>
-          <a:p>
-            <a:pPr lvl="1"/>
-            <a:r>
-              <a:rPr lang="sv-SE" dirty="0" smtClean="0"/>
-              <a:t>Ubuntu</a:t>
-            </a:r>
-          </a:p>
-          <a:p>
-            <a:pPr lvl="1"/>
-            <a:r>
-              <a:rPr lang="sv-SE" dirty="0" smtClean="0"/>
-              <a:t>Matlab</a:t>
-            </a:r>
-          </a:p>
-          <a:p>
-            <a:pPr lvl="1"/>
-            <a:r>
-              <a:rPr lang="sv-SE" dirty="0" smtClean="0"/>
-              <a:t>Python</a:t>
-            </a:r>
-          </a:p>
-          <a:p>
-            <a:r>
-              <a:rPr lang="sv-SE" dirty="0" smtClean="0"/>
-              <a:t>The Python-package</a:t>
-            </a:r>
-          </a:p>
-          <a:p>
-            <a:pPr lvl="1"/>
-            <a:r>
-              <a:rPr lang="sv-SE" dirty="0" smtClean="0"/>
-              <a:t>Reads mice</a:t>
-            </a:r>
-          </a:p>
-          <a:p>
-            <a:pPr lvl="1"/>
-            <a:r>
-              <a:rPr lang="sv-SE" dirty="0" smtClean="0"/>
-              <a:t>Deals with starting and stopping the recording</a:t>
-            </a:r>
-          </a:p>
-          <a:p>
-            <a:pPr lvl="1"/>
-            <a:endParaRPr lang="sv-SE" dirty="0" smtClean="0"/>
-          </a:p>
-          <a:p>
-            <a:pPr lvl="1"/>
-            <a:endParaRPr lang="sv-SE" dirty="0" smtClean="0"/>
-          </a:p>
-          <a:p>
-            <a:pPr lvl="1"/>
-            <a:endParaRPr lang="sv-SE" dirty="0"/>
-          </a:p>
-        </p:txBody>
-      </p:sp>
-    </p:spTree>
-  </p:cSld>
-  <p:clrMapOvr>
-    <a:masterClrMapping/>
-  </p:clrMapOvr>
-  <p:transition/>
-  <p:timing>
-    <p:tnLst>
-      <p:par>
-        <p:cTn id="1" dur="indefinite" restart="never" nodeType="tmRoot">
-          <p:childTnLst>
-            <p:seq concurrent="1" nextAc="seek">
-              <p:cTn id="2" dur="indefinite" nodeType="mainSeq">
-                <p:childTnLst>
-                  <p:par>
-                    <p:cTn id="3" fill="hold">
-                      <p:stCondLst>
-                        <p:cond delay="indefinite"/>
-                      </p:stCondLst>
-                      <p:childTnLst>
-                        <p:par>
-                          <p:cTn id="4" fill="hold">
-                            <p:stCondLst>
-                              <p:cond delay="0"/>
-                            </p:stCondLst>
-                            <p:childTnLst>
-                              <p:par>
-                                <p:cTn id="5" presetID="22" presetClass="entr" presetSubtype="4" fill="hold" grpId="0" nodeType="clickEffect">
-                                  <p:stCondLst>
-                                    <p:cond delay="0"/>
-                                  </p:stCondLst>
-                                  <p:childTnLst>
-                                    <p:set>
-                                      <p:cBhvr>
-                                        <p:cTn id="6" dur="1" fill="hold">
-                                          <p:stCondLst>
-                                            <p:cond delay="0"/>
-                                          </p:stCondLst>
-                                        </p:cTn>
-                                        <p:tgtEl>
-                                          <p:spTgt spid="3">
-                                            <p:txEl>
-                                              <p:pRg st="0" end="0"/>
-                                            </p:txEl>
-                                          </p:spTgt>
-                                        </p:tgtEl>
-                                        <p:attrNameLst>
-                                          <p:attrName>style.visibility</p:attrName>
-                                        </p:attrNameLst>
-                                      </p:cBhvr>
-                                      <p:to>
-                                        <p:strVal val="visible"/>
-                                      </p:to>
-                                    </p:set>
-                                    <p:animEffect transition="in" filter="wipe(down)">
-                                      <p:cBhvr>
-                                        <p:cTn id="7" dur="500"/>
-                                        <p:tgtEl>
-                                          <p:spTgt spid="3">
-                                            <p:txEl>
-                                              <p:pRg st="0" end="0"/>
-                                            </p:txEl>
-                                          </p:spTgt>
-                                        </p:tgtEl>
-                                      </p:cBhvr>
-                                    </p:animEffect>
-                                  </p:childTnLst>
-                                </p:cTn>
-                              </p:par>
-                            </p:childTnLst>
-                          </p:cTn>
-                        </p:par>
-                      </p:childTnLst>
-                    </p:cTn>
-                  </p:par>
-                  <p:par>
-                    <p:cTn id="8" fill="hold">
-                      <p:stCondLst>
-                        <p:cond delay="indefinite"/>
-                      </p:stCondLst>
-                      <p:childTnLst>
-                        <p:par>
-                          <p:cTn id="9" fill="hold">
-                            <p:stCondLst>
-                              <p:cond delay="0"/>
-                            </p:stCondLst>
-                            <p:childTnLst>
-                              <p:par>
-                                <p:cTn id="10" presetID="22" presetClass="entr" presetSubtype="4" fill="hold" grpId="0" nodeType="clickEffect">
-                                  <p:stCondLst>
-                                    <p:cond delay="0"/>
-                                  </p:stCondLst>
-                                  <p:childTnLst>
-                                    <p:set>
-                                      <p:cBhvr>
-                                        <p:cTn id="11" dur="1" fill="hold">
-                                          <p:stCondLst>
-                                            <p:cond delay="0"/>
-                                          </p:stCondLst>
-                                        </p:cTn>
-                                        <p:tgtEl>
-                                          <p:spTgt spid="3">
-                                            <p:txEl>
-                                              <p:pRg st="1" end="1"/>
-                                            </p:txEl>
-                                          </p:spTgt>
-                                        </p:tgtEl>
-                                        <p:attrNameLst>
-                                          <p:attrName>style.visibility</p:attrName>
-                                        </p:attrNameLst>
-                                      </p:cBhvr>
-                                      <p:to>
-                                        <p:strVal val="visible"/>
-                                      </p:to>
-                                    </p:set>
-                                    <p:animEffect transition="in" filter="wipe(down)">
-                                      <p:cBhvr>
-                                        <p:cTn id="12" dur="500"/>
-                                        <p:tgtEl>
-                                          <p:spTgt spid="3">
-                                            <p:txEl>
-                                              <p:pRg st="1" end="1"/>
-                                            </p:txEl>
-                                          </p:spTgt>
-                                        </p:tgtEl>
-                                      </p:cBhvr>
-                                    </p:animEffect>
-                                  </p:childTnLst>
-                                </p:cTn>
-                              </p:par>
-                              <p:par>
-                                <p:cTn id="13" presetID="22" presetClass="entr" presetSubtype="4" fill="hold" grpId="0" nodeType="withEffect">
-                                  <p:stCondLst>
-                                    <p:cond delay="0"/>
-                                  </p:stCondLst>
-                                  <p:childTnLst>
-                                    <p:set>
-                                      <p:cBhvr>
-                                        <p:cTn id="14" dur="1" fill="hold">
-                                          <p:stCondLst>
-                                            <p:cond delay="0"/>
-                                          </p:stCondLst>
-                                        </p:cTn>
-                                        <p:tgtEl>
-                                          <p:spTgt spid="3">
-                                            <p:txEl>
-                                              <p:pRg st="2" end="2"/>
-                                            </p:txEl>
-                                          </p:spTgt>
-                                        </p:tgtEl>
-                                        <p:attrNameLst>
-                                          <p:attrName>style.visibility</p:attrName>
-                                        </p:attrNameLst>
-                                      </p:cBhvr>
-                                      <p:to>
-                                        <p:strVal val="visible"/>
-                                      </p:to>
-                                    </p:set>
-                                    <p:animEffect transition="in" filter="wipe(down)">
-                                      <p:cBhvr>
-                                        <p:cTn id="15" dur="500"/>
-                                        <p:tgtEl>
-                                          <p:spTgt spid="3">
-                                            <p:txEl>
-                                              <p:pRg st="2" end="2"/>
-                                            </p:txEl>
-                                          </p:spTgt>
-                                        </p:tgtEl>
-                                      </p:cBhvr>
-                                    </p:animEffect>
-                                  </p:childTnLst>
-                                </p:cTn>
-                              </p:par>
-                              <p:par>
-                                <p:cTn id="16" presetID="22" presetClass="entr" presetSubtype="4" fill="hold" grpId="0" nodeType="withEffect">
-                                  <p:stCondLst>
-                                    <p:cond delay="0"/>
-                                  </p:stCondLst>
-                                  <p:childTnLst>
-                                    <p:set>
-                                      <p:cBhvr>
-                                        <p:cTn id="17" dur="1" fill="hold">
-                                          <p:stCondLst>
-                                            <p:cond delay="0"/>
-                                          </p:stCondLst>
-                                        </p:cTn>
-                                        <p:tgtEl>
-                                          <p:spTgt spid="3">
-                                            <p:txEl>
-                                              <p:pRg st="3" end="3"/>
-                                            </p:txEl>
-                                          </p:spTgt>
-                                        </p:tgtEl>
-                                        <p:attrNameLst>
-                                          <p:attrName>style.visibility</p:attrName>
-                                        </p:attrNameLst>
-                                      </p:cBhvr>
-                                      <p:to>
-                                        <p:strVal val="visible"/>
-                                      </p:to>
-                                    </p:set>
-                                    <p:animEffect transition="in" filter="wipe(down)">
-                                      <p:cBhvr>
-                                        <p:cTn id="18" dur="500"/>
-                                        <p:tgtEl>
-                                          <p:spTgt spid="3">
-                                            <p:txEl>
-                                              <p:pRg st="3" end="3"/>
-                                            </p:txEl>
-                                          </p:spTgt>
-                                        </p:tgtEl>
-                                      </p:cBhvr>
-                                    </p:animEffect>
-                                  </p:childTnLst>
-                                </p:cTn>
-                              </p:par>
-                              <p:par>
-                                <p:cTn id="19" presetID="22" presetClass="entr" presetSubtype="4" fill="hold" grpId="0" nodeType="withEffect">
-                                  <p:stCondLst>
-                                    <p:cond delay="0"/>
-                                  </p:stCondLst>
-                                  <p:childTnLst>
-                                    <p:set>
-                                      <p:cBhvr>
-                                        <p:cTn id="20" dur="1" fill="hold">
-                                          <p:stCondLst>
-                                            <p:cond delay="0"/>
-                                          </p:stCondLst>
-                                        </p:cTn>
-                                        <p:tgtEl>
-                                          <p:spTgt spid="3">
-                                            <p:txEl>
-                                              <p:pRg st="4" end="4"/>
-                                            </p:txEl>
-                                          </p:spTgt>
-                                        </p:tgtEl>
-                                        <p:attrNameLst>
-                                          <p:attrName>style.visibility</p:attrName>
-                                        </p:attrNameLst>
-                                      </p:cBhvr>
-                                      <p:to>
-                                        <p:strVal val="visible"/>
-                                      </p:to>
-                                    </p:set>
-                                    <p:animEffect transition="in" filter="wipe(down)">
-                                      <p:cBhvr>
-                                        <p:cTn id="21" dur="500"/>
-                                        <p:tgtEl>
-                                          <p:spTgt spid="3">
-                                            <p:txEl>
-                                              <p:pRg st="4" end="4"/>
-                                            </p:txEl>
-                                          </p:spTgt>
-                                        </p:tgtEl>
-                                      </p:cBhvr>
-                                    </p:animEffect>
-                                  </p:childTnLst>
-                                </p:cTn>
-                              </p:par>
-                            </p:childTnLst>
-                          </p:cTn>
-                        </p:par>
-                      </p:childTnLst>
-                    </p:cTn>
-                  </p:par>
-                  <p:par>
-                    <p:cTn id="22" fill="hold">
-                      <p:stCondLst>
-                        <p:cond delay="indefinite"/>
-                      </p:stCondLst>
-                      <p:childTnLst>
-                        <p:par>
-                          <p:cTn id="23" fill="hold">
-                            <p:stCondLst>
-                              <p:cond delay="0"/>
-                            </p:stCondLst>
-                            <p:childTnLst>
-                              <p:par>
-                                <p:cTn id="24" presetID="22" presetClass="entr" presetSubtype="4" fill="hold" grpId="0" nodeType="clickEffect">
-                                  <p:stCondLst>
-                                    <p:cond delay="0"/>
-                                  </p:stCondLst>
-                                  <p:childTnLst>
-                                    <p:set>
-                                      <p:cBhvr>
-                                        <p:cTn id="25" dur="1" fill="hold">
-                                          <p:stCondLst>
-                                            <p:cond delay="0"/>
-                                          </p:stCondLst>
-                                        </p:cTn>
-                                        <p:tgtEl>
-                                          <p:spTgt spid="3">
-                                            <p:txEl>
-                                              <p:pRg st="5" end="5"/>
-                                            </p:txEl>
-                                          </p:spTgt>
-                                        </p:tgtEl>
-                                        <p:attrNameLst>
-                                          <p:attrName>style.visibility</p:attrName>
-                                        </p:attrNameLst>
-                                      </p:cBhvr>
-                                      <p:to>
-                                        <p:strVal val="visible"/>
-                                      </p:to>
-                                    </p:set>
-                                    <p:animEffect transition="in" filter="wipe(down)">
-                                      <p:cBhvr>
-                                        <p:cTn id="26" dur="500"/>
-                                        <p:tgtEl>
-                                          <p:spTgt spid="3">
-                                            <p:txEl>
-                                              <p:pRg st="5" end="5"/>
-                                            </p:txEl>
-                                          </p:spTgt>
-                                        </p:tgtEl>
-                                      </p:cBhvr>
-                                    </p:animEffect>
-                                  </p:childTnLst>
-                                </p:cTn>
-                              </p:par>
-                              <p:par>
-                                <p:cTn id="27" presetID="22" presetClass="entr" presetSubtype="4" fill="hold" grpId="0" nodeType="withEffect">
-                                  <p:stCondLst>
-                                    <p:cond delay="0"/>
-                                  </p:stCondLst>
-                                  <p:childTnLst>
-                                    <p:set>
-                                      <p:cBhvr>
-                                        <p:cTn id="28" dur="1" fill="hold">
-                                          <p:stCondLst>
-                                            <p:cond delay="0"/>
-                                          </p:stCondLst>
-                                        </p:cTn>
-                                        <p:tgtEl>
-                                          <p:spTgt spid="3">
-                                            <p:txEl>
-                                              <p:pRg st="6" end="6"/>
-                                            </p:txEl>
-                                          </p:spTgt>
-                                        </p:tgtEl>
-                                        <p:attrNameLst>
-                                          <p:attrName>style.visibility</p:attrName>
-                                        </p:attrNameLst>
-                                      </p:cBhvr>
-                                      <p:to>
-                                        <p:strVal val="visible"/>
-                                      </p:to>
-                                    </p:set>
-                                    <p:animEffect transition="in" filter="wipe(down)">
-                                      <p:cBhvr>
-                                        <p:cTn id="29" dur="500"/>
-                                        <p:tgtEl>
-                                          <p:spTgt spid="3">
-                                            <p:txEl>
-                                              <p:pRg st="6" end="6"/>
-                                            </p:txEl>
-                                          </p:spTgt>
-                                        </p:tgtEl>
-                                      </p:cBhvr>
-                                    </p:animEffect>
-                                  </p:childTnLst>
-                                </p:cTn>
-                              </p:par>
-                              <p:par>
-                                <p:cTn id="30" presetID="22" presetClass="entr" presetSubtype="4" fill="hold" grpId="0" nodeType="withEffect">
-                                  <p:stCondLst>
-                                    <p:cond delay="0"/>
-                                  </p:stCondLst>
-                                  <p:childTnLst>
-                                    <p:set>
-                                      <p:cBhvr>
-                                        <p:cTn id="31" dur="1" fill="hold">
-                                          <p:stCondLst>
-                                            <p:cond delay="0"/>
-                                          </p:stCondLst>
-                                        </p:cTn>
-                                        <p:tgtEl>
-                                          <p:spTgt spid="3">
-                                            <p:txEl>
-                                              <p:pRg st="7" end="7"/>
-                                            </p:txEl>
-                                          </p:spTgt>
-                                        </p:tgtEl>
-                                        <p:attrNameLst>
-                                          <p:attrName>style.visibility</p:attrName>
-                                        </p:attrNameLst>
-                                      </p:cBhvr>
-                                      <p:to>
-                                        <p:strVal val="visible"/>
-                                      </p:to>
-                                    </p:set>
-                                    <p:animEffect transition="in" filter="wipe(down)">
-                                      <p:cBhvr>
-                                        <p:cTn id="32" dur="500"/>
-                                        <p:tgtEl>
-                                          <p:spTgt spid="3">
-                                            <p:txEl>
-                                              <p:pRg st="7" end="7"/>
-                                            </p:txEl>
-                                          </p:spTgt>
-                                        </p:tgtEl>
-                                      </p:cBhvr>
-                                    </p:animEffect>
-                                  </p:childTnLst>
-                                </p:cTn>
-                              </p:par>
-                            </p:childTnLst>
-                          </p:cTn>
-                        </p:par>
-                      </p:childTnLst>
-                    </p:cTn>
-                  </p:par>
-                </p:childTnLst>
-              </p:cTn>
-              <p:prevCondLst>
-                <p:cond evt="onPrev" delay="0">
-                  <p:tgtEl>
-                    <p:sldTgt/>
-                  </p:tgtEl>
-                </p:cond>
-              </p:prevCondLst>
-              <p:nextCondLst>
-                <p:cond evt="onNext" delay="0">
-                  <p:tgtEl>
-                    <p:sldTgt/>
-                  </p:tgtEl>
-                </p:cond>
-              </p:nextCondLst>
-            </p:seq>
-          </p:childTnLst>
-        </p:cTn>
-      </p:par>
-    </p:tnLst>
-    <p:bldLst>
-      <p:bldP spid="3" grpId="0" build="p"/>
-    </p:bldLst>
-  </p:timing>
-</p:sld>
-</file>
-
-<file path=ppt/slides/slide11.xml><?xml version="1.0" encoding="utf-8"?>
-<p:sld xmlns:a="http://schemas.openxmlformats.org/drawingml/2006/main" xmlns:r="http://schemas.openxmlformats.org/officeDocument/2006/relationships" xmlns:p="http://schemas.openxmlformats.org/presentationml/2006/main">
-  <p:cSld>
-    <p:spTree>
-      <p:nvGrpSpPr>
-        <p:cNvPr id="1" name=""/>
-        <p:cNvGrpSpPr/>
-        <p:nvPr/>
-      </p:nvGrpSpPr>
-      <p:grpSpPr>
-        <a:xfrm>
-          <a:off x="0" y="0"/>
-          <a:ext cx="0" cy="0"/>
-          <a:chOff x="0" y="0"/>
-          <a:chExt cx="0" cy="0"/>
-        </a:xfrm>
-      </p:grpSpPr>
-      <p:sp>
-        <p:nvSpPr>
-          <p:cNvPr id="2" name="Title 1"/>
-          <p:cNvSpPr>
-            <a:spLocks noGrp="1"/>
-          </p:cNvSpPr>
-          <p:nvPr>
-            <p:ph type="title"/>
-          </p:nvPr>
-        </p:nvSpPr>
-        <p:spPr/>
-        <p:txBody>
           <a:bodyPr/>
           <a:lstStyle/>
           <a:p>
@@ -5140,6 +4568,85 @@
 </p:sld>
 </file>
 
+<file path=ppt/slides/slide11.xml><?xml version="1.0" encoding="utf-8"?>
+<p:sld xmlns:a="http://schemas.openxmlformats.org/drawingml/2006/main" xmlns:r="http://schemas.openxmlformats.org/officeDocument/2006/relationships" xmlns:p="http://schemas.openxmlformats.org/presentationml/2006/main">
+  <p:cSld>
+    <p:spTree>
+      <p:nvGrpSpPr>
+        <p:cNvPr id="1" name=""/>
+        <p:cNvGrpSpPr/>
+        <p:nvPr/>
+      </p:nvGrpSpPr>
+      <p:grpSpPr>
+        <a:xfrm>
+          <a:off x="0" y="0"/>
+          <a:ext cx="0" cy="0"/>
+          <a:chOff x="0" y="0"/>
+          <a:chExt cx="0" cy="0"/>
+        </a:xfrm>
+      </p:grpSpPr>
+      <p:sp>
+        <p:nvSpPr>
+          <p:cNvPr id="2" name="Title 1"/>
+          <p:cNvSpPr>
+            <a:spLocks noGrp="1"/>
+          </p:cNvSpPr>
+          <p:nvPr>
+            <p:ph type="title"/>
+          </p:nvPr>
+        </p:nvSpPr>
+        <p:spPr/>
+        <p:txBody>
+          <a:bodyPr/>
+          <a:lstStyle/>
+          <a:p>
+            <a:r>
+              <a:rPr lang="sv-SE" dirty="0" smtClean="0"/>
+              <a:t>The result: FlyTracker</a:t>
+            </a:r>
+            <a:endParaRPr lang="sv-SE" dirty="0"/>
+          </a:p>
+        </p:txBody>
+      </p:sp>
+      <p:sp>
+        <p:nvSpPr>
+          <p:cNvPr id="3" name="Content Placeholder 2"/>
+          <p:cNvSpPr>
+            <a:spLocks noGrp="1"/>
+          </p:cNvSpPr>
+          <p:nvPr>
+            <p:ph idx="1"/>
+          </p:nvPr>
+        </p:nvSpPr>
+        <p:spPr/>
+        <p:txBody>
+          <a:bodyPr/>
+          <a:lstStyle/>
+          <a:p>
+            <a:r>
+              <a:rPr lang="sv-SE" dirty="0" smtClean="0"/>
+              <a:t>*Video of a fly moving and corresponding plots in real time in FlyTracker*</a:t>
+            </a:r>
+            <a:endParaRPr lang="sv-SE" dirty="0"/>
+          </a:p>
+        </p:txBody>
+      </p:sp>
+    </p:spTree>
+  </p:cSld>
+  <p:clrMapOvr>
+    <a:masterClrMapping/>
+  </p:clrMapOvr>
+  <p:transition/>
+  <p:timing>
+    <p:tnLst>
+      <p:par>
+        <p:cTn id="1" dur="indefinite" restart="never" nodeType="tmRoot"/>
+      </p:par>
+    </p:tnLst>
+  </p:timing>
+</p:sld>
+</file>
+
 <file path=ppt/slides/slide12.xml><?xml version="1.0" encoding="utf-8"?>
 <p:sld xmlns:a="http://schemas.openxmlformats.org/drawingml/2006/main" xmlns:r="http://schemas.openxmlformats.org/officeDocument/2006/relationships" xmlns:p="http://schemas.openxmlformats.org/presentationml/2006/main">
   <p:cSld>
@@ -5174,7 +4681,7 @@
           <a:p>
             <a:r>
               <a:rPr lang="sv-SE" dirty="0" smtClean="0"/>
-              <a:t>The result: FlyTracker</a:t>
+              <a:t>Evaluation</a:t>
             </a:r>
             <a:endParaRPr lang="sv-SE" dirty="0"/>
           </a:p>
@@ -5197,7 +4704,7 @@
           <a:p>
             <a:r>
               <a:rPr lang="sv-SE" dirty="0" smtClean="0"/>
-              <a:t>*Video of a fly moving and corresponding plots in real time in FlyTracker*</a:t>
+              <a:t>Coming later...</a:t>
             </a:r>
             <a:endParaRPr lang="sv-SE" dirty="0"/>
           </a:p>
@@ -5253,85 +4760,6 @@
           <a:p>
             <a:r>
               <a:rPr lang="sv-SE" dirty="0" smtClean="0"/>
-              <a:t>Evaluation</a:t>
-            </a:r>
-            <a:endParaRPr lang="sv-SE" dirty="0"/>
-          </a:p>
-        </p:txBody>
-      </p:sp>
-      <p:sp>
-        <p:nvSpPr>
-          <p:cNvPr id="3" name="Content Placeholder 2"/>
-          <p:cNvSpPr>
-            <a:spLocks noGrp="1"/>
-          </p:cNvSpPr>
-          <p:nvPr>
-            <p:ph idx="1"/>
-          </p:nvPr>
-        </p:nvSpPr>
-        <p:spPr/>
-        <p:txBody>
-          <a:bodyPr/>
-          <a:lstStyle/>
-          <a:p>
-            <a:r>
-              <a:rPr lang="sv-SE" dirty="0" smtClean="0"/>
-              <a:t>Coming later...</a:t>
-            </a:r>
-            <a:endParaRPr lang="sv-SE" dirty="0"/>
-          </a:p>
-        </p:txBody>
-      </p:sp>
-    </p:spTree>
-  </p:cSld>
-  <p:clrMapOvr>
-    <a:masterClrMapping/>
-  </p:clrMapOvr>
-  <p:transition/>
-  <p:timing>
-    <p:tnLst>
-      <p:par>
-        <p:cTn id="1" dur="indefinite" restart="never" nodeType="tmRoot"/>
-      </p:par>
-    </p:tnLst>
-  </p:timing>
-</p:sld>
-</file>
-
-<file path=ppt/slides/slide14.xml><?xml version="1.0" encoding="utf-8"?>
-<p:sld xmlns:a="http://schemas.openxmlformats.org/drawingml/2006/main" xmlns:r="http://schemas.openxmlformats.org/officeDocument/2006/relationships" xmlns:p="http://schemas.openxmlformats.org/presentationml/2006/main">
-  <p:cSld>
-    <p:spTree>
-      <p:nvGrpSpPr>
-        <p:cNvPr id="1" name=""/>
-        <p:cNvGrpSpPr/>
-        <p:nvPr/>
-      </p:nvGrpSpPr>
-      <p:grpSpPr>
-        <a:xfrm>
-          <a:off x="0" y="0"/>
-          <a:ext cx="0" cy="0"/>
-          <a:chOff x="0" y="0"/>
-          <a:chExt cx="0" cy="0"/>
-        </a:xfrm>
-      </p:grpSpPr>
-      <p:sp>
-        <p:nvSpPr>
-          <p:cNvPr id="2" name="Title 1"/>
-          <p:cNvSpPr>
-            <a:spLocks noGrp="1"/>
-          </p:cNvSpPr>
-          <p:nvPr>
-            <p:ph type="title"/>
-          </p:nvPr>
-        </p:nvSpPr>
-        <p:spPr/>
-        <p:txBody>
-          <a:bodyPr/>
-          <a:lstStyle/>
-          <a:p>
-            <a:r>
-              <a:rPr lang="sv-SE" dirty="0" smtClean="0"/>
               <a:t>Conclusion</a:t>
             </a:r>
             <a:endParaRPr lang="sv-SE" dirty="0"/>
@@ -5439,8 +4867,8 @@
               <a:t> </a:t>
             </a:r>
             <a:r>
-              <a:rPr lang="sv-SE" dirty="0" smtClean="0"/>
-              <a:t>research</a:t>
+              <a:rPr lang="sv-SE" dirty="0" err="1" smtClean="0"/>
+              <a:t>directions</a:t>
             </a:r>
             <a:endParaRPr lang="sv-SE" dirty="0" smtClean="0"/>
           </a:p>
@@ -7860,7 +7288,7 @@
       </p:sp>
       <p:pic>
         <p:nvPicPr>
-          <p:cNvPr id="4" name="Content Placeholder 3" descr="onstartup2.png"/>
+          <p:cNvPr id="7" name="Content Placeholder 6" descr="mainwindow.png"/>
           <p:cNvPicPr>
             <a:picLocks noGrp="1" noChangeAspect="1"/>
           </p:cNvPicPr>
@@ -7876,8 +7304,8 @@
         </p:blipFill>
         <p:spPr>
           <a:xfrm>
-            <a:off x="3441746" y="1447800"/>
-            <a:ext cx="3486058" cy="4800600"/>
+            <a:off x="2093271" y="1447800"/>
+            <a:ext cx="6183007" cy="4800600"/>
           </a:xfrm>
         </p:spPr>
       </p:pic>
@@ -7926,40 +7354,108 @@
         </p:nvSpPr>
         <p:spPr/>
         <p:txBody>
+          <a:bodyPr>
+            <a:normAutofit/>
+          </a:bodyPr>
+          <a:lstStyle/>
+          <a:p>
+            <a:r>
+              <a:rPr lang="sv-SE" dirty="0" err="1" smtClean="0"/>
+              <a:t>Implementation</a:t>
+            </a:r>
+            <a:endParaRPr lang="sv-SE" dirty="0"/>
+          </a:p>
+        </p:txBody>
+      </p:sp>
+      <p:sp>
+        <p:nvSpPr>
+          <p:cNvPr id="3" name="Content Placeholder 2"/>
+          <p:cNvSpPr>
+            <a:spLocks noGrp="1"/>
+          </p:cNvSpPr>
+          <p:nvPr>
+            <p:ph idx="1"/>
+          </p:nvPr>
+        </p:nvSpPr>
+        <p:spPr/>
+        <p:txBody>
           <a:bodyPr/>
           <a:lstStyle/>
           <a:p>
             <a:r>
+              <a:rPr lang="sv-SE" dirty="0" err="1" smtClean="0"/>
+              <a:t>Working</a:t>
+            </a:r>
+            <a:r>
               <a:rPr lang="sv-SE" dirty="0" smtClean="0"/>
-              <a:t>Paper prototype</a:t>
-            </a:r>
+              <a:t> in sprints</a:t>
+            </a:r>
+          </a:p>
+          <a:p>
+            <a:r>
+              <a:rPr lang="sv-SE" dirty="0" err="1" smtClean="0"/>
+              <a:t>Platform</a:t>
+            </a:r>
+            <a:r>
+              <a:rPr lang="sv-SE" dirty="0" smtClean="0"/>
+              <a:t>:</a:t>
+            </a:r>
+          </a:p>
+          <a:p>
+            <a:pPr lvl="1"/>
+            <a:r>
+              <a:rPr lang="sv-SE" dirty="0" smtClean="0"/>
+              <a:t>Ubuntu</a:t>
+            </a:r>
+          </a:p>
+          <a:p>
+            <a:pPr lvl="1"/>
+            <a:r>
+              <a:rPr lang="sv-SE" dirty="0" smtClean="0"/>
+              <a:t>Matlab</a:t>
+            </a:r>
+          </a:p>
+          <a:p>
+            <a:pPr lvl="1"/>
+            <a:r>
+              <a:rPr lang="sv-SE" dirty="0" smtClean="0"/>
+              <a:t>Python</a:t>
+            </a:r>
+          </a:p>
+          <a:p>
+            <a:r>
+              <a:rPr lang="sv-SE" dirty="0" smtClean="0"/>
+              <a:t>The Python-package</a:t>
+            </a:r>
+          </a:p>
+          <a:p>
+            <a:pPr lvl="1"/>
+            <a:r>
+              <a:rPr lang="sv-SE" dirty="0" smtClean="0"/>
+              <a:t>Reads mice</a:t>
+            </a:r>
+          </a:p>
+          <a:p>
+            <a:pPr lvl="1"/>
+            <a:r>
+              <a:rPr lang="sv-SE" dirty="0" smtClean="0"/>
+              <a:t>Deals with starting and stopping the recording</a:t>
+            </a:r>
+          </a:p>
+          <a:p>
+            <a:pPr lvl="1"/>
+            <a:endParaRPr lang="sv-SE" dirty="0" smtClean="0"/>
+          </a:p>
+          <a:p>
+            <a:pPr lvl="1"/>
+            <a:endParaRPr lang="sv-SE" dirty="0" smtClean="0"/>
+          </a:p>
+          <a:p>
+            <a:pPr lvl="1"/>
             <a:endParaRPr lang="sv-SE" dirty="0"/>
           </a:p>
         </p:txBody>
       </p:sp>
-      <p:pic>
-        <p:nvPicPr>
-          <p:cNvPr id="7" name="Content Placeholder 6" descr="mainwindow.png"/>
-          <p:cNvPicPr>
-            <a:picLocks noGrp="1" noChangeAspect="1"/>
-          </p:cNvPicPr>
-          <p:nvPr>
-            <p:ph idx="1"/>
-          </p:nvPr>
-        </p:nvPicPr>
-        <p:blipFill>
-          <a:blip r:embed="rId2" cstate="print"/>
-          <a:stretch>
-            <a:fillRect/>
-          </a:stretch>
-        </p:blipFill>
-        <p:spPr>
-          <a:xfrm>
-            <a:off x="2093271" y="1447800"/>
-            <a:ext cx="6183007" cy="4800600"/>
-          </a:xfrm>
-        </p:spPr>
-      </p:pic>
     </p:spTree>
   </p:cSld>
   <p:clrMapOvr>
@@ -7969,9 +7465,433 @@
   <p:timing>
     <p:tnLst>
       <p:par>
-        <p:cTn id="1" dur="indefinite" restart="never" nodeType="tmRoot"/>
+        <p:cTn id="1" dur="indefinite" restart="never" nodeType="tmRoot">
+          <p:childTnLst>
+            <p:seq concurrent="1" nextAc="seek">
+              <p:cTn id="2" dur="indefinite" nodeType="mainSeq">
+                <p:childTnLst>
+                  <p:par>
+                    <p:cTn id="3" fill="hold">
+                      <p:stCondLst>
+                        <p:cond delay="indefinite"/>
+                      </p:stCondLst>
+                      <p:childTnLst>
+                        <p:par>
+                          <p:cTn id="4" fill="hold">
+                            <p:stCondLst>
+                              <p:cond delay="0"/>
+                            </p:stCondLst>
+                            <p:childTnLst>
+                              <p:par>
+                                <p:cTn id="5" presetID="22" presetClass="entr" presetSubtype="4" fill="hold" grpId="0" nodeType="clickEffect">
+                                  <p:stCondLst>
+                                    <p:cond delay="0"/>
+                                  </p:stCondLst>
+                                  <p:childTnLst>
+                                    <p:set>
+                                      <p:cBhvr>
+                                        <p:cTn id="6" dur="1" fill="hold">
+                                          <p:stCondLst>
+                                            <p:cond delay="0"/>
+                                          </p:stCondLst>
+                                        </p:cTn>
+                                        <p:tgtEl>
+                                          <p:spTgt spid="3">
+                                            <p:txEl>
+                                              <p:pRg st="0" end="0"/>
+                                            </p:txEl>
+                                          </p:spTgt>
+                                        </p:tgtEl>
+                                        <p:attrNameLst>
+                                          <p:attrName>style.visibility</p:attrName>
+                                        </p:attrNameLst>
+                                      </p:cBhvr>
+                                      <p:to>
+                                        <p:strVal val="visible"/>
+                                      </p:to>
+                                    </p:set>
+                                    <p:animEffect transition="in" filter="wipe(down)">
+                                      <p:cBhvr>
+                                        <p:cTn id="7" dur="500"/>
+                                        <p:tgtEl>
+                                          <p:spTgt spid="3">
+                                            <p:txEl>
+                                              <p:pRg st="0" end="0"/>
+                                            </p:txEl>
+                                          </p:spTgt>
+                                        </p:tgtEl>
+                                      </p:cBhvr>
+                                    </p:animEffect>
+                                  </p:childTnLst>
+                                </p:cTn>
+                              </p:par>
+                            </p:childTnLst>
+                          </p:cTn>
+                        </p:par>
+                      </p:childTnLst>
+                    </p:cTn>
+                  </p:par>
+                  <p:par>
+                    <p:cTn id="8" fill="hold">
+                      <p:stCondLst>
+                        <p:cond delay="indefinite"/>
+                      </p:stCondLst>
+                      <p:childTnLst>
+                        <p:par>
+                          <p:cTn id="9" fill="hold">
+                            <p:stCondLst>
+                              <p:cond delay="0"/>
+                            </p:stCondLst>
+                            <p:childTnLst>
+                              <p:par>
+                                <p:cTn id="10" presetID="22" presetClass="entr" presetSubtype="4" fill="hold" grpId="0" nodeType="clickEffect">
+                                  <p:stCondLst>
+                                    <p:cond delay="0"/>
+                                  </p:stCondLst>
+                                  <p:childTnLst>
+                                    <p:set>
+                                      <p:cBhvr>
+                                        <p:cTn id="11" dur="1" fill="hold">
+                                          <p:stCondLst>
+                                            <p:cond delay="0"/>
+                                          </p:stCondLst>
+                                        </p:cTn>
+                                        <p:tgtEl>
+                                          <p:spTgt spid="3">
+                                            <p:txEl>
+                                              <p:pRg st="1" end="1"/>
+                                            </p:txEl>
+                                          </p:spTgt>
+                                        </p:tgtEl>
+                                        <p:attrNameLst>
+                                          <p:attrName>style.visibility</p:attrName>
+                                        </p:attrNameLst>
+                                      </p:cBhvr>
+                                      <p:to>
+                                        <p:strVal val="visible"/>
+                                      </p:to>
+                                    </p:set>
+                                    <p:animEffect transition="in" filter="wipe(down)">
+                                      <p:cBhvr>
+                                        <p:cTn id="12" dur="500"/>
+                                        <p:tgtEl>
+                                          <p:spTgt spid="3">
+                                            <p:txEl>
+                                              <p:pRg st="1" end="1"/>
+                                            </p:txEl>
+                                          </p:spTgt>
+                                        </p:tgtEl>
+                                      </p:cBhvr>
+                                    </p:animEffect>
+                                  </p:childTnLst>
+                                </p:cTn>
+                              </p:par>
+                              <p:par>
+                                <p:cTn id="13" presetID="22" presetClass="entr" presetSubtype="4" fill="hold" grpId="0" nodeType="withEffect">
+                                  <p:stCondLst>
+                                    <p:cond delay="0"/>
+                                  </p:stCondLst>
+                                  <p:childTnLst>
+                                    <p:set>
+                                      <p:cBhvr>
+                                        <p:cTn id="14" dur="1" fill="hold">
+                                          <p:stCondLst>
+                                            <p:cond delay="0"/>
+                                          </p:stCondLst>
+                                        </p:cTn>
+                                        <p:tgtEl>
+                                          <p:spTgt spid="3">
+                                            <p:txEl>
+                                              <p:pRg st="2" end="2"/>
+                                            </p:txEl>
+                                          </p:spTgt>
+                                        </p:tgtEl>
+                                        <p:attrNameLst>
+                                          <p:attrName>style.visibility</p:attrName>
+                                        </p:attrNameLst>
+                                      </p:cBhvr>
+                                      <p:to>
+                                        <p:strVal val="visible"/>
+                                      </p:to>
+                                    </p:set>
+                                    <p:animEffect transition="in" filter="wipe(down)">
+                                      <p:cBhvr>
+                                        <p:cTn id="15" dur="500"/>
+                                        <p:tgtEl>
+                                          <p:spTgt spid="3">
+                                            <p:txEl>
+                                              <p:pRg st="2" end="2"/>
+                                            </p:txEl>
+                                          </p:spTgt>
+                                        </p:tgtEl>
+                                      </p:cBhvr>
+                                    </p:animEffect>
+                                  </p:childTnLst>
+                                </p:cTn>
+                              </p:par>
+                              <p:par>
+                                <p:cTn id="16" presetID="22" presetClass="entr" presetSubtype="4" fill="hold" grpId="0" nodeType="withEffect">
+                                  <p:stCondLst>
+                                    <p:cond delay="0"/>
+                                  </p:stCondLst>
+                                  <p:childTnLst>
+                                    <p:set>
+                                      <p:cBhvr>
+                                        <p:cTn id="17" dur="1" fill="hold">
+                                          <p:stCondLst>
+                                            <p:cond delay="0"/>
+                                          </p:stCondLst>
+                                        </p:cTn>
+                                        <p:tgtEl>
+                                          <p:spTgt spid="3">
+                                            <p:txEl>
+                                              <p:pRg st="3" end="3"/>
+                                            </p:txEl>
+                                          </p:spTgt>
+                                        </p:tgtEl>
+                                        <p:attrNameLst>
+                                          <p:attrName>style.visibility</p:attrName>
+                                        </p:attrNameLst>
+                                      </p:cBhvr>
+                                      <p:to>
+                                        <p:strVal val="visible"/>
+                                      </p:to>
+                                    </p:set>
+                                    <p:animEffect transition="in" filter="wipe(down)">
+                                      <p:cBhvr>
+                                        <p:cTn id="18" dur="500"/>
+                                        <p:tgtEl>
+                                          <p:spTgt spid="3">
+                                            <p:txEl>
+                                              <p:pRg st="3" end="3"/>
+                                            </p:txEl>
+                                          </p:spTgt>
+                                        </p:tgtEl>
+                                      </p:cBhvr>
+                                    </p:animEffect>
+                                  </p:childTnLst>
+                                </p:cTn>
+                              </p:par>
+                              <p:par>
+                                <p:cTn id="19" presetID="22" presetClass="entr" presetSubtype="4" fill="hold" grpId="0" nodeType="withEffect">
+                                  <p:stCondLst>
+                                    <p:cond delay="0"/>
+                                  </p:stCondLst>
+                                  <p:childTnLst>
+                                    <p:set>
+                                      <p:cBhvr>
+                                        <p:cTn id="20" dur="1" fill="hold">
+                                          <p:stCondLst>
+                                            <p:cond delay="0"/>
+                                          </p:stCondLst>
+                                        </p:cTn>
+                                        <p:tgtEl>
+                                          <p:spTgt spid="3">
+                                            <p:txEl>
+                                              <p:pRg st="4" end="4"/>
+                                            </p:txEl>
+                                          </p:spTgt>
+                                        </p:tgtEl>
+                                        <p:attrNameLst>
+                                          <p:attrName>style.visibility</p:attrName>
+                                        </p:attrNameLst>
+                                      </p:cBhvr>
+                                      <p:to>
+                                        <p:strVal val="visible"/>
+                                      </p:to>
+                                    </p:set>
+                                    <p:animEffect transition="in" filter="wipe(down)">
+                                      <p:cBhvr>
+                                        <p:cTn id="21" dur="500"/>
+                                        <p:tgtEl>
+                                          <p:spTgt spid="3">
+                                            <p:txEl>
+                                              <p:pRg st="4" end="4"/>
+                                            </p:txEl>
+                                          </p:spTgt>
+                                        </p:tgtEl>
+                                      </p:cBhvr>
+                                    </p:animEffect>
+                                  </p:childTnLst>
+                                </p:cTn>
+                              </p:par>
+                            </p:childTnLst>
+                          </p:cTn>
+                        </p:par>
+                      </p:childTnLst>
+                    </p:cTn>
+                  </p:par>
+                  <p:par>
+                    <p:cTn id="22" fill="hold">
+                      <p:stCondLst>
+                        <p:cond delay="indefinite"/>
+                      </p:stCondLst>
+                      <p:childTnLst>
+                        <p:par>
+                          <p:cTn id="23" fill="hold">
+                            <p:stCondLst>
+                              <p:cond delay="0"/>
+                            </p:stCondLst>
+                            <p:childTnLst>
+                              <p:par>
+                                <p:cTn id="24" presetID="22" presetClass="entr" presetSubtype="4" fill="hold" grpId="0" nodeType="clickEffect">
+                                  <p:stCondLst>
+                                    <p:cond delay="0"/>
+                                  </p:stCondLst>
+                                  <p:childTnLst>
+                                    <p:set>
+                                      <p:cBhvr>
+                                        <p:cTn id="25" dur="1" fill="hold">
+                                          <p:stCondLst>
+                                            <p:cond delay="0"/>
+                                          </p:stCondLst>
+                                        </p:cTn>
+                                        <p:tgtEl>
+                                          <p:spTgt spid="3">
+                                            <p:txEl>
+                                              <p:pRg st="5" end="5"/>
+                                            </p:txEl>
+                                          </p:spTgt>
+                                        </p:tgtEl>
+                                        <p:attrNameLst>
+                                          <p:attrName>style.visibility</p:attrName>
+                                        </p:attrNameLst>
+                                      </p:cBhvr>
+                                      <p:to>
+                                        <p:strVal val="visible"/>
+                                      </p:to>
+                                    </p:set>
+                                    <p:animEffect transition="in" filter="wipe(down)">
+                                      <p:cBhvr>
+                                        <p:cTn id="26" dur="500"/>
+                                        <p:tgtEl>
+                                          <p:spTgt spid="3">
+                                            <p:txEl>
+                                              <p:pRg st="5" end="5"/>
+                                            </p:txEl>
+                                          </p:spTgt>
+                                        </p:tgtEl>
+                                      </p:cBhvr>
+                                    </p:animEffect>
+                                  </p:childTnLst>
+                                </p:cTn>
+                              </p:par>
+                              <p:par>
+                                <p:cTn id="27" presetID="22" presetClass="entr" presetSubtype="4" fill="hold" grpId="0" nodeType="withEffect">
+                                  <p:stCondLst>
+                                    <p:cond delay="0"/>
+                                  </p:stCondLst>
+                                  <p:childTnLst>
+                                    <p:set>
+                                      <p:cBhvr>
+                                        <p:cTn id="28" dur="1" fill="hold">
+                                          <p:stCondLst>
+                                            <p:cond delay="0"/>
+                                          </p:stCondLst>
+                                        </p:cTn>
+                                        <p:tgtEl>
+                                          <p:spTgt spid="3">
+                                            <p:txEl>
+                                              <p:pRg st="6" end="6"/>
+                                            </p:txEl>
+                                          </p:spTgt>
+                                        </p:tgtEl>
+                                        <p:attrNameLst>
+                                          <p:attrName>style.visibility</p:attrName>
+                                        </p:attrNameLst>
+                                      </p:cBhvr>
+                                      <p:to>
+                                        <p:strVal val="visible"/>
+                                      </p:to>
+                                    </p:set>
+                                    <p:animEffect transition="in" filter="wipe(down)">
+                                      <p:cBhvr>
+                                        <p:cTn id="29" dur="500"/>
+                                        <p:tgtEl>
+                                          <p:spTgt spid="3">
+                                            <p:txEl>
+                                              <p:pRg st="6" end="6"/>
+                                            </p:txEl>
+                                          </p:spTgt>
+                                        </p:tgtEl>
+                                      </p:cBhvr>
+                                    </p:animEffect>
+                                  </p:childTnLst>
+                                </p:cTn>
+                              </p:par>
+                              <p:par>
+                                <p:cTn id="30" presetID="22" presetClass="entr" presetSubtype="4" fill="hold" grpId="0" nodeType="withEffect">
+                                  <p:stCondLst>
+                                    <p:cond delay="0"/>
+                                  </p:stCondLst>
+                                  <p:childTnLst>
+                                    <p:set>
+                                      <p:cBhvr>
+                                        <p:cTn id="31" dur="1" fill="hold">
+                                          <p:stCondLst>
+                                            <p:cond delay="0"/>
+                                          </p:stCondLst>
+                                        </p:cTn>
+                                        <p:tgtEl>
+                                          <p:spTgt spid="3">
+                                            <p:txEl>
+                                              <p:pRg st="7" end="7"/>
+                                            </p:txEl>
+                                          </p:spTgt>
+                                        </p:tgtEl>
+                                        <p:attrNameLst>
+                                          <p:attrName>style.visibility</p:attrName>
+                                        </p:attrNameLst>
+                                      </p:cBhvr>
+                                      <p:to>
+                                        <p:strVal val="visible"/>
+                                      </p:to>
+                                    </p:set>
+                                    <p:animEffect transition="in" filter="wipe(down)">
+                                      <p:cBhvr>
+                                        <p:cTn id="32" dur="500"/>
+                                        <p:tgtEl>
+                                          <p:spTgt spid="3">
+                                            <p:txEl>
+                                              <p:pRg st="7" end="7"/>
+                                            </p:txEl>
+                                          </p:spTgt>
+                                        </p:tgtEl>
+                                      </p:cBhvr>
+                                    </p:animEffect>
+                                  </p:childTnLst>
+                                </p:cTn>
+                              </p:par>
+                            </p:childTnLst>
+                          </p:cTn>
+                        </p:par>
+                      </p:childTnLst>
+                    </p:cTn>
+                  </p:par>
+                </p:childTnLst>
+              </p:cTn>
+              <p:prevCondLst>
+                <p:cond evt="onPrev" delay="0">
+                  <p:tgtEl>
+                    <p:sldTgt/>
+                  </p:tgtEl>
+                </p:cond>
+              </p:prevCondLst>
+              <p:nextCondLst>
+                <p:cond evt="onNext" delay="0">
+                  <p:tgtEl>
+                    <p:sldTgt/>
+                  </p:tgtEl>
+                </p:cond>
+              </p:nextCondLst>
+            </p:seq>
+          </p:childTnLst>
+        </p:cTn>
       </p:par>
     </p:tnLst>
+    <p:bldLst>
+      <p:bldP spid="3" grpId="0" build="p"/>
+    </p:bldLst>
   </p:timing>
 </p:sld>
 </file>

--- a/presentations/presentation_1.pptx
+++ b/presentations/presentation_1.pptx
@@ -11,8 +11,8 @@
     <p:sldId id="271" r:id="rId5"/>
     <p:sldId id="258" r:id="rId6"/>
     <p:sldId id="259" r:id="rId7"/>
-    <p:sldId id="269" r:id="rId8"/>
-    <p:sldId id="268" r:id="rId9"/>
+    <p:sldId id="272" r:id="rId8"/>
+    <p:sldId id="273" r:id="rId9"/>
     <p:sldId id="261" r:id="rId10"/>
     <p:sldId id="266" r:id="rId11"/>
     <p:sldId id="262" r:id="rId12"/>
@@ -4329,8 +4329,24 @@
           <a:p>
             <a:pPr lvl="1"/>
             <a:r>
+              <a:rPr lang="sv-SE" dirty="0" err="1" smtClean="0"/>
+              <a:t>Calculating</a:t>
+            </a:r>
+            <a:r>
               <a:rPr lang="sv-SE" dirty="0" smtClean="0"/>
-              <a:t>Data processing</a:t>
+              <a:t> </a:t>
+            </a:r>
+            <a:r>
+              <a:rPr lang="sv-SE" dirty="0" err="1" smtClean="0"/>
+              <a:t>virtual</a:t>
+            </a:r>
+            <a:r>
+              <a:rPr lang="sv-SE" dirty="0" smtClean="0"/>
+              <a:t> fly </a:t>
+            </a:r>
+            <a:r>
+              <a:rPr lang="sv-SE" dirty="0" err="1" smtClean="0"/>
+              <a:t>movement</a:t>
             </a:r>
             <a:endParaRPr lang="sv-SE" dirty="0"/>
           </a:p>
@@ -4779,7 +4795,7 @@
         <p:spPr/>
         <p:txBody>
           <a:bodyPr>
-            <a:normAutofit/>
+            <a:normAutofit fontScale="92500" lnSpcReduction="10000"/>
           </a:bodyPr>
           <a:lstStyle/>
           <a:p>
@@ -4854,6 +4870,18 @@
             <a:r>
               <a:rPr lang="sv-SE" dirty="0" err="1" smtClean="0"/>
               <a:t>Calibration</a:t>
+            </a:r>
+            <a:endParaRPr lang="sv-SE" dirty="0" smtClean="0"/>
+          </a:p>
+          <a:p>
+            <a:pPr lvl="1"/>
+            <a:r>
+              <a:rPr lang="sv-SE" dirty="0" err="1" smtClean="0"/>
+              <a:t>Shorter</a:t>
+            </a:r>
+            <a:r>
+              <a:rPr lang="sv-SE" dirty="0" smtClean="0"/>
+              <a:t> sprints</a:t>
             </a:r>
             <a:endParaRPr lang="sv-SE" dirty="0" smtClean="0"/>
           </a:p>
@@ -5186,6 +5214,49 @@
                                   </p:childTnLst>
                                 </p:cTn>
                               </p:par>
+                              <p:par>
+                                <p:cTn id="24" presetID="22" presetClass="entr" presetSubtype="4" fill="hold" grpId="0" nodeType="withEffect">
+                                  <p:stCondLst>
+                                    <p:cond delay="0"/>
+                                  </p:stCondLst>
+                                  <p:childTnLst>
+                                    <p:set>
+                                      <p:cBhvr>
+                                        <p:cTn id="25" dur="1" fill="hold">
+                                          <p:stCondLst>
+                                            <p:cond delay="0"/>
+                                          </p:stCondLst>
+                                        </p:cTn>
+                                        <p:tgtEl>
+                                          <p:spTgt spid="3">
+                                            <p:txEl>
+                                              <p:pRg st="5" end="5"/>
+                                            </p:txEl>
+                                          </p:spTgt>
+                                        </p:tgtEl>
+                                        <p:attrNameLst>
+                                          <p:attrName>style.visibility</p:attrName>
+                                        </p:attrNameLst>
+                                      </p:cBhvr>
+                                      <p:to>
+                                        <p:strVal val="visible"/>
+                                      </p:to>
+                                    </p:set>
+                                    <p:animEffect transition="in" filter="wipe(down)">
+                                      <p:cBhvr>
+                                        <p:cTn id="26" dur="500"/>
+                                        <p:tgtEl>
+                                          <p:spTgt spid="3">
+                                            <p:txEl>
+                                              <p:pRg st="5" end="5"/>
+                                            </p:txEl>
+                                          </p:spTgt>
+                                        </p:tgtEl>
+                                      </p:cBhvr>
+                                    </p:animEffect>
+                                  </p:childTnLst>
+                                </p:cTn>
+                              </p:par>
                             </p:childTnLst>
                           </p:cTn>
                         </p:par>
@@ -5193,62 +5264,19 @@
                     </p:cTn>
                   </p:par>
                   <p:par>
-                    <p:cTn id="24" fill="hold">
+                    <p:cTn id="27" fill="hold">
                       <p:stCondLst>
                         <p:cond delay="indefinite"/>
                       </p:stCondLst>
                       <p:childTnLst>
                         <p:par>
-                          <p:cTn id="25" fill="hold">
+                          <p:cTn id="28" fill="hold">
                             <p:stCondLst>
                               <p:cond delay="0"/>
                             </p:stCondLst>
                             <p:childTnLst>
                               <p:par>
-                                <p:cTn id="26" presetID="22" presetClass="entr" presetSubtype="4" fill="hold" grpId="0" nodeType="clickEffect">
-                                  <p:stCondLst>
-                                    <p:cond delay="0"/>
-                                  </p:stCondLst>
-                                  <p:childTnLst>
-                                    <p:set>
-                                      <p:cBhvr>
-                                        <p:cTn id="27" dur="1" fill="hold">
-                                          <p:stCondLst>
-                                            <p:cond delay="0"/>
-                                          </p:stCondLst>
-                                        </p:cTn>
-                                        <p:tgtEl>
-                                          <p:spTgt spid="3">
-                                            <p:txEl>
-                                              <p:pRg st="5" end="5"/>
-                                            </p:txEl>
-                                          </p:spTgt>
-                                        </p:tgtEl>
-                                        <p:attrNameLst>
-                                          <p:attrName>style.visibility</p:attrName>
-                                        </p:attrNameLst>
-                                      </p:cBhvr>
-                                      <p:to>
-                                        <p:strVal val="visible"/>
-                                      </p:to>
-                                    </p:set>
-                                    <p:animEffect transition="in" filter="wipe(down)">
-                                      <p:cBhvr>
-                                        <p:cTn id="28" dur="500"/>
-                                        <p:tgtEl>
-                                          <p:spTgt spid="3">
-                                            <p:txEl>
-                                              <p:pRg st="5" end="5"/>
-                                            </p:txEl>
-                                          </p:spTgt>
-                                        </p:tgtEl>
-                                      </p:cBhvr>
-                                    </p:animEffect>
-                                  </p:childTnLst>
-                                </p:cTn>
-                              </p:par>
-                              <p:par>
-                                <p:cTn id="29" presetID="22" presetClass="entr" presetSubtype="4" fill="hold" grpId="0" nodeType="withEffect">
+                                <p:cTn id="29" presetID="22" presetClass="entr" presetSubtype="4" fill="hold" grpId="0" nodeType="clickEffect">
                                   <p:stCondLst>
                                     <p:cond delay="0"/>
                                   </p:stCondLst>
@@ -5325,6 +5353,49 @@
                                           <p:spTgt spid="3">
                                             <p:txEl>
                                               <p:pRg st="7" end="7"/>
+                                            </p:txEl>
+                                          </p:spTgt>
+                                        </p:tgtEl>
+                                      </p:cBhvr>
+                                    </p:animEffect>
+                                  </p:childTnLst>
+                                </p:cTn>
+                              </p:par>
+                              <p:par>
+                                <p:cTn id="35" presetID="22" presetClass="entr" presetSubtype="4" fill="hold" grpId="0" nodeType="withEffect">
+                                  <p:stCondLst>
+                                    <p:cond delay="0"/>
+                                  </p:stCondLst>
+                                  <p:childTnLst>
+                                    <p:set>
+                                      <p:cBhvr>
+                                        <p:cTn id="36" dur="1" fill="hold">
+                                          <p:stCondLst>
+                                            <p:cond delay="0"/>
+                                          </p:stCondLst>
+                                        </p:cTn>
+                                        <p:tgtEl>
+                                          <p:spTgt spid="3">
+                                            <p:txEl>
+                                              <p:pRg st="8" end="8"/>
+                                            </p:txEl>
+                                          </p:spTgt>
+                                        </p:tgtEl>
+                                        <p:attrNameLst>
+                                          <p:attrName>style.visibility</p:attrName>
+                                        </p:attrNameLst>
+                                      </p:cBhvr>
+                                      <p:to>
+                                        <p:strVal val="visible"/>
+                                      </p:to>
+                                    </p:set>
+                                    <p:animEffect transition="in" filter="wipe(down)">
+                                      <p:cBhvr>
+                                        <p:cTn id="37" dur="500"/>
+                                        <p:tgtEl>
+                                          <p:spTgt spid="3">
+                                            <p:txEl>
+                                              <p:pRg st="8" end="8"/>
                                             </p:txEl>
                                           </p:spTgt>
                                         </p:tgtEl>
@@ -6189,26 +6260,125 @@
           <a:p>
             <a:r>
               <a:rPr lang="sv-SE" dirty="0" smtClean="0"/>
-              <a:t>Analysis and design</a:t>
-            </a:r>
-          </a:p>
-          <a:p>
+              <a:t>20 </a:t>
+            </a:r>
+            <a:r>
+              <a:rPr lang="sv-SE" dirty="0" err="1" smtClean="0"/>
+              <a:t>weeks</a:t>
+            </a:r>
+            <a:endParaRPr lang="sv-SE" dirty="0" smtClean="0"/>
+          </a:p>
+          <a:p>
+            <a:r>
+              <a:rPr lang="sv-SE" dirty="0" err="1" smtClean="0"/>
+              <a:t>Agile</a:t>
+            </a:r>
             <a:r>
               <a:rPr lang="sv-SE" dirty="0" smtClean="0"/>
+              <a:t> </a:t>
+            </a:r>
+            <a:r>
+              <a:rPr lang="sv-SE" dirty="0" err="1" smtClean="0"/>
+              <a:t>user-centered</a:t>
+            </a:r>
+            <a:r>
+              <a:rPr lang="sv-SE" dirty="0" smtClean="0"/>
+              <a:t> process</a:t>
+            </a:r>
+          </a:p>
+          <a:p>
+            <a:r>
+              <a:rPr lang="sv-SE" dirty="0" smtClean="0"/>
+              <a:t>The plan:</a:t>
+            </a:r>
+          </a:p>
+          <a:p>
+            <a:pPr lvl="1"/>
+            <a:r>
+              <a:rPr lang="sv-SE" dirty="0" smtClean="0"/>
+              <a:t>Initial </a:t>
+            </a:r>
+            <a:r>
+              <a:rPr lang="sv-SE" dirty="0" err="1" smtClean="0"/>
+              <a:t>phase</a:t>
+            </a:r>
+            <a:r>
+              <a:rPr lang="sv-SE" dirty="0" smtClean="0"/>
+              <a:t> (3 </a:t>
+            </a:r>
+            <a:r>
+              <a:rPr lang="sv-SE" dirty="0" err="1" smtClean="0"/>
+              <a:t>weeks</a:t>
+            </a:r>
+            <a:r>
+              <a:rPr lang="sv-SE" dirty="0" smtClean="0"/>
+              <a:t>)</a:t>
+            </a:r>
+            <a:endParaRPr lang="sv-SE" dirty="0" smtClean="0"/>
+          </a:p>
+          <a:p>
+            <a:pPr lvl="1"/>
+            <a:r>
+              <a:rPr lang="sv-SE" dirty="0" err="1" smtClean="0"/>
               <a:t>Implementation</a:t>
             </a:r>
-          </a:p>
-          <a:p>
             <a:r>
               <a:rPr lang="sv-SE" dirty="0" smtClean="0"/>
+              <a:t> (10 </a:t>
+            </a:r>
+            <a:r>
+              <a:rPr lang="sv-SE" dirty="0" err="1" smtClean="0"/>
+              <a:t>weeks</a:t>
+            </a:r>
+            <a:r>
+              <a:rPr lang="sv-SE" dirty="0" smtClean="0"/>
+              <a:t>)  </a:t>
+            </a:r>
+            <a:endParaRPr lang="sv-SE" dirty="0" smtClean="0"/>
+          </a:p>
+          <a:p>
+            <a:pPr lvl="1"/>
+            <a:r>
+              <a:rPr lang="sv-SE" dirty="0" err="1" smtClean="0"/>
               <a:t>Evaluation</a:t>
             </a:r>
-          </a:p>
-          <a:p>
             <a:r>
               <a:rPr lang="sv-SE" dirty="0" smtClean="0"/>
-              <a:t>Finalizing report</a:t>
-            </a:r>
+              <a:t> (2 </a:t>
+            </a:r>
+            <a:r>
+              <a:rPr lang="sv-SE" dirty="0" err="1" smtClean="0"/>
+              <a:t>weeks</a:t>
+            </a:r>
+            <a:r>
+              <a:rPr lang="sv-SE" dirty="0" smtClean="0"/>
+              <a:t>) </a:t>
+            </a:r>
+            <a:endParaRPr lang="sv-SE" dirty="0" smtClean="0"/>
+          </a:p>
+          <a:p>
+            <a:pPr lvl="1"/>
+            <a:r>
+              <a:rPr lang="sv-SE" dirty="0" err="1" smtClean="0"/>
+              <a:t>Finalizing</a:t>
+            </a:r>
+            <a:r>
+              <a:rPr lang="sv-SE" dirty="0" smtClean="0"/>
+              <a:t> </a:t>
+            </a:r>
+            <a:r>
+              <a:rPr lang="sv-SE" dirty="0" smtClean="0"/>
+              <a:t>report (5 </a:t>
+            </a:r>
+            <a:r>
+              <a:rPr lang="sv-SE" dirty="0" err="1" smtClean="0"/>
+              <a:t>weeks</a:t>
+            </a:r>
+            <a:r>
+              <a:rPr lang="sv-SE" dirty="0" smtClean="0"/>
+              <a:t>)</a:t>
+            </a:r>
+            <a:endParaRPr lang="sv-SE" dirty="0" smtClean="0"/>
           </a:p>
           <a:p>
             <a:endParaRPr lang="sv-SE" dirty="0"/>
@@ -6406,33 +6576,15 @@
                                   </p:childTnLst>
                                 </p:cTn>
                               </p:par>
-                            </p:childTnLst>
-                          </p:cTn>
-                        </p:par>
-                      </p:childTnLst>
-                    </p:cTn>
-                  </p:par>
-                  <p:par>
-                    <p:cTn id="18" fill="hold">
-                      <p:stCondLst>
-                        <p:cond delay="indefinite"/>
-                      </p:stCondLst>
-                      <p:childTnLst>
-                        <p:par>
-                          <p:cTn id="19" fill="hold">
-                            <p:stCondLst>
-                              <p:cond delay="0"/>
-                            </p:stCondLst>
-                            <p:childTnLst>
                               <p:par>
-                                <p:cTn id="20" presetID="22" presetClass="entr" presetSubtype="4" fill="hold" grpId="0" nodeType="clickEffect">
+                                <p:cTn id="18" presetID="22" presetClass="entr" presetSubtype="4" fill="hold" grpId="0" nodeType="withEffect">
                                   <p:stCondLst>
                                     <p:cond delay="0"/>
                                   </p:stCondLst>
                                   <p:childTnLst>
                                     <p:set>
                                       <p:cBhvr>
-                                        <p:cTn id="21" dur="1" fill="hold">
+                                        <p:cTn id="19" dur="1" fill="hold">
                                           <p:stCondLst>
                                             <p:cond delay="0"/>
                                           </p:stCondLst>
@@ -6454,11 +6606,140 @@
                                     </p:set>
                                     <p:animEffect transition="in" filter="wipe(down)">
                                       <p:cBhvr>
-                                        <p:cTn id="22" dur="500"/>
+                                        <p:cTn id="20" dur="500"/>
                                         <p:tgtEl>
                                           <p:spTgt spid="3">
                                             <p:txEl>
                                               <p:pRg st="3" end="3"/>
+                                            </p:txEl>
+                                          </p:spTgt>
+                                        </p:tgtEl>
+                                      </p:cBhvr>
+                                    </p:animEffect>
+                                  </p:childTnLst>
+                                </p:cTn>
+                              </p:par>
+                              <p:par>
+                                <p:cTn id="21" presetID="22" presetClass="entr" presetSubtype="4" fill="hold" grpId="0" nodeType="withEffect">
+                                  <p:stCondLst>
+                                    <p:cond delay="0"/>
+                                  </p:stCondLst>
+                                  <p:childTnLst>
+                                    <p:set>
+                                      <p:cBhvr>
+                                        <p:cTn id="22" dur="1" fill="hold">
+                                          <p:stCondLst>
+                                            <p:cond delay="0"/>
+                                          </p:stCondLst>
+                                        </p:cTn>
+                                        <p:tgtEl>
+                                          <p:spTgt spid="3">
+                                            <p:txEl>
+                                              <p:pRg st="4" end="4"/>
+                                            </p:txEl>
+                                          </p:spTgt>
+                                        </p:tgtEl>
+                                        <p:attrNameLst>
+                                          <p:attrName>style.visibility</p:attrName>
+                                        </p:attrNameLst>
+                                      </p:cBhvr>
+                                      <p:to>
+                                        <p:strVal val="visible"/>
+                                      </p:to>
+                                    </p:set>
+                                    <p:animEffect transition="in" filter="wipe(down)">
+                                      <p:cBhvr>
+                                        <p:cTn id="23" dur="500"/>
+                                        <p:tgtEl>
+                                          <p:spTgt spid="3">
+                                            <p:txEl>
+                                              <p:pRg st="4" end="4"/>
+                                            </p:txEl>
+                                          </p:spTgt>
+                                        </p:tgtEl>
+                                      </p:cBhvr>
+                                    </p:animEffect>
+                                  </p:childTnLst>
+                                </p:cTn>
+                              </p:par>
+                              <p:par>
+                                <p:cTn id="24" presetID="22" presetClass="entr" presetSubtype="4" fill="hold" grpId="0" nodeType="withEffect">
+                                  <p:stCondLst>
+                                    <p:cond delay="0"/>
+                                  </p:stCondLst>
+                                  <p:childTnLst>
+                                    <p:set>
+                                      <p:cBhvr>
+                                        <p:cTn id="25" dur="1" fill="hold">
+                                          <p:stCondLst>
+                                            <p:cond delay="0"/>
+                                          </p:stCondLst>
+                                        </p:cTn>
+                                        <p:tgtEl>
+                                          <p:spTgt spid="3">
+                                            <p:txEl>
+                                              <p:pRg st="5" end="5"/>
+                                            </p:txEl>
+                                          </p:spTgt>
+                                        </p:tgtEl>
+                                        <p:attrNameLst>
+                                          <p:attrName>style.visibility</p:attrName>
+                                        </p:attrNameLst>
+                                      </p:cBhvr>
+                                      <p:to>
+                                        <p:strVal val="visible"/>
+                                      </p:to>
+                                    </p:set>
+                                    <p:animEffect transition="in" filter="wipe(down)">
+                                      <p:cBhvr>
+                                        <p:cTn id="26" dur="500"/>
+                                        <p:tgtEl>
+                                          <p:spTgt spid="3">
+                                            <p:txEl>
+                                              <p:pRg st="5" end="5"/>
+                                            </p:txEl>
+                                          </p:spTgt>
+                                        </p:tgtEl>
+                                      </p:cBhvr>
+                                    </p:animEffect>
+                                  </p:childTnLst>
+                                </p:cTn>
+                              </p:par>
+                              <p:par>
+                                <p:cTn id="27" presetID="22" presetClass="entr" presetSubtype="4" fill="hold" grpId="0" nodeType="withEffect">
+                                  <p:stCondLst>
+                                    <p:cond delay="0"/>
+                                  </p:stCondLst>
+                                  <p:childTnLst>
+                                    <p:set>
+                                      <p:cBhvr>
+                                        <p:cTn id="28" dur="1" fill="hold">
+                                          <p:stCondLst>
+                                            <p:cond delay="0"/>
+                                          </p:stCondLst>
+                                        </p:cTn>
+                                        <p:tgtEl>
+                                          <p:spTgt spid="3">
+                                            <p:txEl>
+                                              <p:pRg st="6" end="6"/>
+                                            </p:txEl>
+                                          </p:spTgt>
+                                        </p:tgtEl>
+                                        <p:attrNameLst>
+                                          <p:attrName>style.visibility</p:attrName>
+                                        </p:attrNameLst>
+                                      </p:cBhvr>
+                                      <p:to>
+                                        <p:strVal val="visible"/>
+                                      </p:to>
+                                    </p:set>
+                                    <p:animEffect transition="in" filter="wipe(down)">
+                                      <p:cBhvr>
+                                        <p:cTn id="29" dur="500"/>
+                                        <p:tgtEl>
+                                          <p:spTgt spid="3">
+                                            <p:txEl>
+                                              <p:pRg st="6" end="6"/>
                                             </p:txEl>
                                           </p:spTgt>
                                         </p:tgtEl>
@@ -6595,6 +6876,29 @@
           </a:p>
           <a:p>
             <a:r>
+              <a:rPr lang="sv-SE" dirty="0" smtClean="0"/>
+              <a:t>Design</a:t>
+            </a:r>
+          </a:p>
+          <a:p>
+            <a:pPr lvl="1"/>
+            <a:r>
+              <a:rPr lang="sv-SE" dirty="0" err="1" smtClean="0"/>
+              <a:t>Agile</a:t>
+            </a:r>
+            <a:r>
+              <a:rPr lang="sv-SE" dirty="0" smtClean="0"/>
+              <a:t> </a:t>
+            </a:r>
+            <a:r>
+              <a:rPr lang="sv-SE" dirty="0" err="1" smtClean="0"/>
+              <a:t>manifesto</a:t>
+            </a:r>
+            <a:endParaRPr lang="sv-SE" dirty="0" smtClean="0"/>
+          </a:p>
+          <a:p>
+            <a:pPr lvl="1"/>
+            <a:r>
               <a:rPr lang="sv-SE" dirty="0" err="1" smtClean="0"/>
               <a:t>User</a:t>
             </a:r>
@@ -6604,18 +6908,15 @@
             </a:r>
             <a:r>
               <a:rPr lang="sv-SE" dirty="0" err="1" smtClean="0"/>
-              <a:t>analyis</a:t>
+              <a:t>focus</a:t>
             </a:r>
             <a:endParaRPr lang="sv-SE" dirty="0" smtClean="0"/>
           </a:p>
           <a:p>
-            <a:r>
-              <a:rPr lang="sv-SE" dirty="0" smtClean="0"/>
-              <a:t>System has </a:t>
-            </a:r>
+            <a:pPr lvl="1"/>
             <a:r>
               <a:rPr lang="sv-SE" dirty="0" err="1" smtClean="0"/>
-              <a:t>two</a:t>
+              <a:t>Two</a:t>
             </a:r>
             <a:r>
               <a:rPr lang="sv-SE" dirty="0" smtClean="0"/>
@@ -6628,37 +6929,6 @@
             <a:r>
               <a:rPr lang="sv-SE" dirty="0" smtClean="0"/>
               <a:t> parts</a:t>
-            </a:r>
-          </a:p>
-          <a:p>
-            <a:pPr lvl="1"/>
-            <a:r>
-              <a:rPr lang="sv-SE" dirty="0" err="1" smtClean="0"/>
-              <a:t>Calibration</a:t>
-            </a:r>
-            <a:endParaRPr lang="sv-SE" dirty="0" smtClean="0"/>
-          </a:p>
-          <a:p>
-            <a:pPr lvl="1"/>
-            <a:r>
-              <a:rPr lang="sv-SE" dirty="0" smtClean="0"/>
-              <a:t>Experiments</a:t>
-            </a:r>
-          </a:p>
-          <a:p>
-            <a:r>
-              <a:rPr lang="sv-SE" dirty="0" err="1" smtClean="0"/>
-              <a:t>Model</a:t>
-            </a:r>
-            <a:r>
-              <a:rPr lang="sv-SE" dirty="0" smtClean="0"/>
-              <a:t> </a:t>
-            </a:r>
-            <a:r>
-              <a:rPr lang="sv-SE" dirty="0" smtClean="0">
-                <a:sym typeface="Wingdings" pitchFamily="2" charset="2"/>
-              </a:rPr>
-              <a:t> design</a:t>
             </a:r>
             <a:endParaRPr lang="sv-SE" dirty="0" smtClean="0"/>
           </a:p>
@@ -6923,33 +7193,15 @@
                                   </p:childTnLst>
                                 </p:cTn>
                               </p:par>
-                            </p:childTnLst>
-                          </p:cTn>
-                        </p:par>
-                      </p:childTnLst>
-                    </p:cTn>
-                  </p:par>
-                  <p:par>
-                    <p:cTn id="22" fill="hold">
-                      <p:stCondLst>
-                        <p:cond delay="indefinite"/>
-                      </p:stCondLst>
-                      <p:childTnLst>
-                        <p:par>
-                          <p:cTn id="23" fill="hold">
-                            <p:stCondLst>
-                              <p:cond delay="0"/>
-                            </p:stCondLst>
-                            <p:childTnLst>
                               <p:par>
-                                <p:cTn id="24" presetID="22" presetClass="entr" presetSubtype="4" fill="hold" grpId="0" nodeType="clickEffect">
+                                <p:cTn id="22" presetID="22" presetClass="entr" presetSubtype="4" fill="hold" grpId="0" nodeType="withEffect">
                                   <p:stCondLst>
                                     <p:cond delay="0"/>
                                   </p:stCondLst>
                                   <p:childTnLst>
                                     <p:set>
                                       <p:cBhvr>
-                                        <p:cTn id="25" dur="1" fill="hold">
+                                        <p:cTn id="23" dur="1" fill="hold">
                                           <p:stCondLst>
                                             <p:cond delay="0"/>
                                           </p:stCondLst>
@@ -6971,7 +7223,7 @@
                                     </p:set>
                                     <p:animEffect transition="in" filter="wipe(down)">
                                       <p:cBhvr>
-                                        <p:cTn id="26" dur="500"/>
+                                        <p:cTn id="24" dur="500"/>
                                         <p:tgtEl>
                                           <p:spTgt spid="3">
                                             <p:txEl>
@@ -6985,14 +7237,14 @@
                                 </p:cTn>
                               </p:par>
                               <p:par>
-                                <p:cTn id="27" presetID="22" presetClass="entr" presetSubtype="4" fill="hold" grpId="0" nodeType="withEffect">
+                                <p:cTn id="25" presetID="22" presetClass="entr" presetSubtype="4" fill="hold" grpId="0" nodeType="withEffect">
                                   <p:stCondLst>
                                     <p:cond delay="0"/>
                                   </p:stCondLst>
                                   <p:childTnLst>
                                     <p:set>
                                       <p:cBhvr>
-                                        <p:cTn id="28" dur="1" fill="hold">
+                                        <p:cTn id="26" dur="1" fill="hold">
                                           <p:stCondLst>
                                             <p:cond delay="0"/>
                                           </p:stCondLst>
@@ -7014,7 +7266,7 @@
                                     </p:set>
                                     <p:animEffect transition="in" filter="wipe(down)">
                                       <p:cBhvr>
-                                        <p:cTn id="29" dur="500"/>
+                                        <p:cTn id="27" dur="500"/>
                                         <p:tgtEl>
                                           <p:spTgt spid="3">
                                             <p:txEl>
@@ -7028,14 +7280,14 @@
                                 </p:cTn>
                               </p:par>
                               <p:par>
-                                <p:cTn id="30" presetID="22" presetClass="entr" presetSubtype="4" fill="hold" grpId="0" nodeType="withEffect">
+                                <p:cTn id="28" presetID="22" presetClass="entr" presetSubtype="4" fill="hold" grpId="0" nodeType="withEffect">
                                   <p:stCondLst>
                                     <p:cond delay="0"/>
                                   </p:stCondLst>
                                   <p:childTnLst>
                                     <p:set>
                                       <p:cBhvr>
-                                        <p:cTn id="31" dur="1" fill="hold">
+                                        <p:cTn id="29" dur="1" fill="hold">
                                           <p:stCondLst>
                                             <p:cond delay="0"/>
                                           </p:stCondLst>
@@ -7057,72 +7309,11 @@
                                     </p:set>
                                     <p:animEffect transition="in" filter="wipe(down)">
                                       <p:cBhvr>
-                                        <p:cTn id="32" dur="500"/>
+                                        <p:cTn id="30" dur="500"/>
                                         <p:tgtEl>
                                           <p:spTgt spid="3">
                                             <p:txEl>
                                               <p:pRg st="7" end="7"/>
-                                            </p:txEl>
-                                          </p:spTgt>
-                                        </p:tgtEl>
-                                      </p:cBhvr>
-                                    </p:animEffect>
-                                  </p:childTnLst>
-                                </p:cTn>
-                              </p:par>
-                            </p:childTnLst>
-                          </p:cTn>
-                        </p:par>
-                      </p:childTnLst>
-                    </p:cTn>
-                  </p:par>
-                  <p:par>
-                    <p:cTn id="33" fill="hold">
-                      <p:stCondLst>
-                        <p:cond delay="indefinite"/>
-                      </p:stCondLst>
-                      <p:childTnLst>
-                        <p:par>
-                          <p:cTn id="34" fill="hold">
-                            <p:stCondLst>
-                              <p:cond delay="0"/>
-                            </p:stCondLst>
-                            <p:childTnLst>
-                              <p:par>
-                                <p:cTn id="35" presetID="22" presetClass="entr" presetSubtype="4" fill="hold" grpId="0" nodeType="clickEffect">
-                                  <p:stCondLst>
-                                    <p:cond delay="0"/>
-                                  </p:stCondLst>
-                                  <p:childTnLst>
-                                    <p:set>
-                                      <p:cBhvr>
-                                        <p:cTn id="36" dur="1" fill="hold">
-                                          <p:stCondLst>
-                                            <p:cond delay="0"/>
-                                          </p:stCondLst>
-                                        </p:cTn>
-                                        <p:tgtEl>
-                                          <p:spTgt spid="3">
-                                            <p:txEl>
-                                              <p:pRg st="8" end="8"/>
-                                            </p:txEl>
-                                          </p:spTgt>
-                                        </p:tgtEl>
-                                        <p:attrNameLst>
-                                          <p:attrName>style.visibility</p:attrName>
-                                        </p:attrNameLst>
-                                      </p:cBhvr>
-                                      <p:to>
-                                        <p:strVal val="visible"/>
-                                      </p:to>
-                                    </p:set>
-                                    <p:animEffect transition="in" filter="wipe(down)">
-                                      <p:cBhvr>
-                                        <p:cTn id="37" dur="500"/>
-                                        <p:tgtEl>
-                                          <p:spTgt spid="3">
-                                            <p:txEl>
-                                              <p:pRg st="8" end="8"/>
                                             </p:txEl>
                                           </p:spTgt>
                                         </p:tgtEl>
@@ -7184,7 +7375,7 @@
       </p:grpSpPr>
       <p:sp>
         <p:nvSpPr>
-          <p:cNvPr id="2" name="Title 1"/>
+          <p:cNvPr id="7" name="Rubrik 6"/>
           <p:cNvSpPr>
             <a:spLocks noGrp="1"/>
           </p:cNvSpPr>
@@ -7194,14 +7385,45 @@
         </p:nvSpPr>
         <p:spPr/>
         <p:txBody>
-          <a:bodyPr>
-            <a:normAutofit/>
-          </a:bodyPr>
+          <a:bodyPr/>
           <a:lstStyle/>
           <a:p>
             <a:r>
+              <a:rPr lang="sv-SE" dirty="0" err="1" smtClean="0"/>
+              <a:t>Calibration</a:t>
+            </a:r>
+            <a:endParaRPr lang="sv-SE" dirty="0"/>
+          </a:p>
+        </p:txBody>
+      </p:sp>
+      <p:sp>
+        <p:nvSpPr>
+          <p:cNvPr id="8" name="Platshållare för innehåll 7"/>
+          <p:cNvSpPr>
+            <a:spLocks noGrp="1"/>
+          </p:cNvSpPr>
+          <p:nvPr>
+            <p:ph sz="half" idx="1"/>
+          </p:nvPr>
+        </p:nvSpPr>
+        <p:spPr/>
+        <p:txBody>
+          <a:bodyPr/>
+          <a:lstStyle/>
+          <a:p>
+            <a:r>
+              <a:rPr lang="sv-SE" dirty="0" err="1" smtClean="0"/>
+              <a:t>Tricky</a:t>
+            </a:r>
+            <a:r>
               <a:rPr lang="sv-SE" dirty="0" smtClean="0"/>
-              <a:t>Paper prototype</a:t>
+              <a:t>!</a:t>
+            </a:r>
+          </a:p>
+          <a:p>
+            <a:r>
+              <a:rPr lang="sv-SE" dirty="0" smtClean="0"/>
+              <a:t>Iterative design</a:t>
             </a:r>
             <a:endParaRPr lang="sv-SE" dirty="0"/>
           </a:p>
@@ -7209,12 +7431,12 @@
       </p:sp>
       <p:pic>
         <p:nvPicPr>
-          <p:cNvPr id="4" name="Content Placeholder 3" descr="onstartup.png"/>
+          <p:cNvPr id="10" name="Content Placeholder 3" descr="onstartup.png"/>
           <p:cNvPicPr>
             <a:picLocks noGrp="1" noChangeAspect="1"/>
           </p:cNvPicPr>
           <p:nvPr>
-            <p:ph idx="1"/>
+            <p:ph sz="half" idx="2"/>
           </p:nvPr>
         </p:nvPicPr>
         <p:blipFill>
@@ -7225,8 +7447,8 @@
         </p:blipFill>
         <p:spPr>
           <a:xfrm>
-            <a:off x="3491219" y="1447800"/>
-            <a:ext cx="3387111" cy="4800600"/>
+            <a:off x="5460099" y="1524000"/>
+            <a:ext cx="3291101" cy="4664075"/>
           </a:xfrm>
         </p:spPr>
       </p:pic>
@@ -7265,7 +7487,7 @@
       </p:grpSpPr>
       <p:sp>
         <p:nvSpPr>
-          <p:cNvPr id="2" name="Title 1"/>
+          <p:cNvPr id="2" name="Rubrik 1"/>
           <p:cNvSpPr>
             <a:spLocks noGrp="1"/>
           </p:cNvSpPr>
@@ -7280,7 +7502,64 @@
           <a:p>
             <a:r>
               <a:rPr lang="sv-SE" dirty="0" smtClean="0"/>
-              <a:t>Paper prototype</a:t>
+              <a:t>The </a:t>
+            </a:r>
+            <a:r>
+              <a:rPr lang="sv-SE" dirty="0" err="1" smtClean="0"/>
+              <a:t>main</a:t>
+            </a:r>
+            <a:r>
+              <a:rPr lang="sv-SE" dirty="0" smtClean="0"/>
+              <a:t> </a:t>
+            </a:r>
+            <a:r>
+              <a:rPr lang="sv-SE" dirty="0" err="1" smtClean="0"/>
+              <a:t>view</a:t>
+            </a:r>
+            <a:endParaRPr lang="sv-SE" dirty="0"/>
+          </a:p>
+        </p:txBody>
+      </p:sp>
+      <p:sp>
+        <p:nvSpPr>
+          <p:cNvPr id="3" name="Platshållare för innehåll 2"/>
+          <p:cNvSpPr>
+            <a:spLocks noGrp="1"/>
+          </p:cNvSpPr>
+          <p:nvPr>
+            <p:ph sz="half" idx="1"/>
+          </p:nvPr>
+        </p:nvSpPr>
+        <p:spPr/>
+        <p:txBody>
+          <a:bodyPr/>
+          <a:lstStyle/>
+          <a:p>
+            <a:r>
+              <a:rPr lang="sv-SE" dirty="0" smtClean="0"/>
+              <a:t>Straight forward</a:t>
+            </a:r>
+          </a:p>
+          <a:p>
+            <a:r>
+              <a:rPr lang="sv-SE" dirty="0" err="1" smtClean="0"/>
+              <a:t>Following</a:t>
+            </a:r>
+            <a:r>
+              <a:rPr lang="sv-SE" dirty="0" smtClean="0"/>
+              <a:t> </a:t>
+            </a:r>
+            <a:r>
+              <a:rPr lang="sv-SE" dirty="0" err="1" smtClean="0"/>
+              <a:t>usability</a:t>
+            </a:r>
+            <a:r>
+              <a:rPr lang="sv-SE" dirty="0" smtClean="0"/>
+              <a:t> </a:t>
+            </a:r>
+            <a:r>
+              <a:rPr lang="sv-SE" dirty="0" err="1" smtClean="0"/>
+              <a:t>heuristics</a:t>
             </a:r>
             <a:endParaRPr lang="sv-SE" dirty="0"/>
           </a:p>
@@ -7288,12 +7567,12 @@
       </p:sp>
       <p:pic>
         <p:nvPicPr>
-          <p:cNvPr id="7" name="Content Placeholder 6" descr="mainwindow.png"/>
+          <p:cNvPr id="5" name="Content Placeholder 6" descr="mainwindow.png"/>
           <p:cNvPicPr>
             <a:picLocks noGrp="1" noChangeAspect="1"/>
           </p:cNvPicPr>
           <p:nvPr>
-            <p:ph idx="1"/>
+            <p:ph sz="half" idx="2"/>
           </p:nvPr>
         </p:nvPicPr>
         <p:blipFill>
@@ -7304,8 +7583,8 @@
         </p:blipFill>
         <p:spPr>
           <a:xfrm>
-            <a:off x="2093271" y="1447800"/>
-            <a:ext cx="6183007" cy="4800600"/>
+            <a:off x="5276850" y="2436123"/>
+            <a:ext cx="3657600" cy="2839828"/>
           </a:xfrm>
         </p:spPr>
       </p:pic>

--- a/presentations/presentation_1.pptx
+++ b/presentations/presentation_1.pptx
@@ -254,7 +254,7 @@
             <a:fld id="{2F70612F-D101-4AD4-8F3C-BE6AA2F3E7E9}" type="datetimeFigureOut">
               <a:rPr lang="sv-SE" smtClean="0"/>
               <a:pPr/>
-              <a:t>2014-05-12</a:t>
+              <a:t>2014-05-13</a:t>
             </a:fld>
             <a:endParaRPr lang="sv-SE"/>
           </a:p>
@@ -570,7 +570,7 @@
             <a:fld id="{2F70612F-D101-4AD4-8F3C-BE6AA2F3E7E9}" type="datetimeFigureOut">
               <a:rPr lang="sv-SE" smtClean="0"/>
               <a:pPr/>
-              <a:t>2014-05-12</a:t>
+              <a:t>2014-05-13</a:t>
             </a:fld>
             <a:endParaRPr lang="sv-SE"/>
           </a:p>
@@ -758,7 +758,7 @@
             <a:fld id="{2F70612F-D101-4AD4-8F3C-BE6AA2F3E7E9}" type="datetimeFigureOut">
               <a:rPr lang="sv-SE" smtClean="0"/>
               <a:pPr/>
-              <a:t>2014-05-12</a:t>
+              <a:t>2014-05-13</a:t>
             </a:fld>
             <a:endParaRPr lang="sv-SE"/>
           </a:p>
@@ -936,7 +936,7 @@
             <a:fld id="{2F70612F-D101-4AD4-8F3C-BE6AA2F3E7E9}" type="datetimeFigureOut">
               <a:rPr lang="sv-SE" smtClean="0"/>
               <a:pPr/>
-              <a:t>2014-05-12</a:t>
+              <a:t>2014-05-13</a:t>
             </a:fld>
             <a:endParaRPr lang="sv-SE"/>
           </a:p>
@@ -1207,7 +1207,7 @@
             <a:fld id="{2F70612F-D101-4AD4-8F3C-BE6AA2F3E7E9}" type="datetimeFigureOut">
               <a:rPr lang="sv-SE" smtClean="0"/>
               <a:pPr/>
-              <a:t>2014-05-12</a:t>
+              <a:t>2014-05-13</a:t>
             </a:fld>
             <a:endParaRPr lang="sv-SE"/>
           </a:p>
@@ -1678,7 +1678,7 @@
             <a:fld id="{2F70612F-D101-4AD4-8F3C-BE6AA2F3E7E9}" type="datetimeFigureOut">
               <a:rPr lang="sv-SE" smtClean="0"/>
               <a:pPr/>
-              <a:t>2014-05-12</a:t>
+              <a:t>2014-05-13</a:t>
             </a:fld>
             <a:endParaRPr lang="sv-SE"/>
           </a:p>
@@ -2170,7 +2170,7 @@
             <a:fld id="{2F70612F-D101-4AD4-8F3C-BE6AA2F3E7E9}" type="datetimeFigureOut">
               <a:rPr lang="sv-SE" smtClean="0"/>
               <a:pPr/>
-              <a:t>2014-05-12</a:t>
+              <a:t>2014-05-13</a:t>
             </a:fld>
             <a:endParaRPr lang="sv-SE"/>
           </a:p>
@@ -2299,7 +2299,7 @@
             <a:fld id="{2F70612F-D101-4AD4-8F3C-BE6AA2F3E7E9}" type="datetimeFigureOut">
               <a:rPr lang="sv-SE" smtClean="0"/>
               <a:pPr/>
-              <a:t>2014-05-12</a:t>
+              <a:t>2014-05-13</a:t>
             </a:fld>
             <a:endParaRPr lang="sv-SE"/>
           </a:p>
@@ -2446,7 +2446,7 @@
             <a:fld id="{2F70612F-D101-4AD4-8F3C-BE6AA2F3E7E9}" type="datetimeFigureOut">
               <a:rPr lang="sv-SE" smtClean="0"/>
               <a:pPr/>
-              <a:t>2014-05-12</a:t>
+              <a:t>2014-05-13</a:t>
             </a:fld>
             <a:endParaRPr lang="sv-SE"/>
           </a:p>
@@ -2771,7 +2771,7 @@
             <a:fld id="{2F70612F-D101-4AD4-8F3C-BE6AA2F3E7E9}" type="datetimeFigureOut">
               <a:rPr lang="sv-SE" smtClean="0"/>
               <a:pPr/>
-              <a:t>2014-05-12</a:t>
+              <a:t>2014-05-13</a:t>
             </a:fld>
             <a:endParaRPr lang="sv-SE"/>
           </a:p>
@@ -2908,7 +2908,7 @@
             <a:fld id="{2F70612F-D101-4AD4-8F3C-BE6AA2F3E7E9}" type="datetimeFigureOut">
               <a:rPr lang="sv-SE" smtClean="0"/>
               <a:pPr/>
-              <a:t>2014-05-12</a:t>
+              <a:t>2014-05-13</a:t>
             </a:fld>
             <a:endParaRPr lang="sv-SE"/>
           </a:p>
@@ -3692,7 +3692,7 @@
             <a:fld id="{2F70612F-D101-4AD4-8F3C-BE6AA2F3E7E9}" type="datetimeFigureOut">
               <a:rPr lang="sv-SE" smtClean="0"/>
               <a:pPr/>
-              <a:t>2014-05-12</a:t>
+              <a:t>2014-05-13</a:t>
             </a:fld>
             <a:endParaRPr lang="sv-SE"/>
           </a:p>
@@ -4379,7 +4379,7 @@
                             </p:stCondLst>
                             <p:childTnLst>
                               <p:par>
-                                <p:cTn id="5" presetID="22" presetClass="entr" presetSubtype="4" fill="hold" grpId="0" nodeType="clickEffect">
+                                <p:cTn id="5" presetID="22" presetClass="entr" presetSubtype="1" fill="hold" grpId="0" nodeType="clickEffect">
                                   <p:stCondLst>
                                     <p:cond delay="0"/>
                                   </p:stCondLst>
@@ -4406,7 +4406,7 @@
                                         <p:strVal val="visible"/>
                                       </p:to>
                                     </p:set>
-                                    <p:animEffect transition="in" filter="wipe(down)">
+                                    <p:animEffect transition="in" filter="wipe(up)">
                                       <p:cBhvr>
                                         <p:cTn id="7" dur="500"/>
                                         <p:tgtEl>
@@ -4421,15 +4421,33 @@
                                   </p:childTnLst>
                                 </p:cTn>
                               </p:par>
+                            </p:childTnLst>
+                          </p:cTn>
+                        </p:par>
+                      </p:childTnLst>
+                    </p:cTn>
+                  </p:par>
+                  <p:par>
+                    <p:cTn id="8" fill="hold">
+                      <p:stCondLst>
+                        <p:cond delay="indefinite"/>
+                      </p:stCondLst>
+                      <p:childTnLst>
+                        <p:par>
+                          <p:cTn id="9" fill="hold">
+                            <p:stCondLst>
+                              <p:cond delay="0"/>
+                            </p:stCondLst>
+                            <p:childTnLst>
                               <p:par>
-                                <p:cTn id="8" presetID="22" presetClass="entr" presetSubtype="4" fill="hold" grpId="0" nodeType="withEffect">
+                                <p:cTn id="10" presetID="22" presetClass="entr" presetSubtype="1" fill="hold" grpId="0" nodeType="clickEffect">
                                   <p:stCondLst>
                                     <p:cond delay="0"/>
                                   </p:stCondLst>
                                   <p:childTnLst>
                                     <p:set>
                                       <p:cBhvr>
-                                        <p:cTn id="9" dur="1" fill="hold">
+                                        <p:cTn id="11" dur="1" fill="hold">
                                           <p:stCondLst>
                                             <p:cond delay="0"/>
                                           </p:stCondLst>
@@ -4449,9 +4467,9 @@
                                         <p:strVal val="visible"/>
                                       </p:to>
                                     </p:set>
-                                    <p:animEffect transition="in" filter="wipe(down)">
-                                      <p:cBhvr>
-                                        <p:cTn id="10" dur="500"/>
+                                    <p:animEffect transition="in" filter="wipe(up)">
+                                      <p:cBhvr>
+                                        <p:cTn id="12" dur="500"/>
                                         <p:tgtEl>
                                           <p:spTgt spid="3">
                                             <p:txEl>
@@ -4464,15 +4482,33 @@
                                   </p:childTnLst>
                                 </p:cTn>
                               </p:par>
+                            </p:childTnLst>
+                          </p:cTn>
+                        </p:par>
+                      </p:childTnLst>
+                    </p:cTn>
+                  </p:par>
+                  <p:par>
+                    <p:cTn id="13" fill="hold">
+                      <p:stCondLst>
+                        <p:cond delay="indefinite"/>
+                      </p:stCondLst>
+                      <p:childTnLst>
+                        <p:par>
+                          <p:cTn id="14" fill="hold">
+                            <p:stCondLst>
+                              <p:cond delay="0"/>
+                            </p:stCondLst>
+                            <p:childTnLst>
                               <p:par>
-                                <p:cTn id="11" presetID="22" presetClass="entr" presetSubtype="4" fill="hold" grpId="0" nodeType="withEffect">
+                                <p:cTn id="15" presetID="22" presetClass="entr" presetSubtype="1" fill="hold" grpId="0" nodeType="clickEffect">
                                   <p:stCondLst>
                                     <p:cond delay="0"/>
                                   </p:stCondLst>
                                   <p:childTnLst>
                                     <p:set>
                                       <p:cBhvr>
-                                        <p:cTn id="12" dur="1" fill="hold">
+                                        <p:cTn id="16" dur="1" fill="hold">
                                           <p:stCondLst>
                                             <p:cond delay="0"/>
                                           </p:stCondLst>
@@ -4492,9 +4528,9 @@
                                         <p:strVal val="visible"/>
                                       </p:to>
                                     </p:set>
-                                    <p:animEffect transition="in" filter="wipe(down)">
-                                      <p:cBhvr>
-                                        <p:cTn id="13" dur="500"/>
+                                    <p:animEffect transition="in" filter="wipe(up)">
+                                      <p:cBhvr>
+                                        <p:cTn id="17" dur="500"/>
                                         <p:tgtEl>
                                           <p:spTgt spid="3">
                                             <p:txEl>
@@ -4507,15 +4543,33 @@
                                   </p:childTnLst>
                                 </p:cTn>
                               </p:par>
+                            </p:childTnLst>
+                          </p:cTn>
+                        </p:par>
+                      </p:childTnLst>
+                    </p:cTn>
+                  </p:par>
+                  <p:par>
+                    <p:cTn id="18" fill="hold">
+                      <p:stCondLst>
+                        <p:cond delay="indefinite"/>
+                      </p:stCondLst>
+                      <p:childTnLst>
+                        <p:par>
+                          <p:cTn id="19" fill="hold">
+                            <p:stCondLst>
+                              <p:cond delay="0"/>
+                            </p:stCondLst>
+                            <p:childTnLst>
                               <p:par>
-                                <p:cTn id="14" presetID="22" presetClass="entr" presetSubtype="4" fill="hold" grpId="0" nodeType="withEffect">
+                                <p:cTn id="20" presetID="22" presetClass="entr" presetSubtype="1" fill="hold" grpId="0" nodeType="clickEffect">
                                   <p:stCondLst>
                                     <p:cond delay="0"/>
                                   </p:stCondLst>
                                   <p:childTnLst>
                                     <p:set>
                                       <p:cBhvr>
-                                        <p:cTn id="15" dur="1" fill="hold">
+                                        <p:cTn id="21" dur="1" fill="hold">
                                           <p:stCondLst>
                                             <p:cond delay="0"/>
                                           </p:stCondLst>
@@ -4535,9 +4589,9 @@
                                         <p:strVal val="visible"/>
                                       </p:to>
                                     </p:set>
-                                    <p:animEffect transition="in" filter="wipe(down)">
-                                      <p:cBhvr>
-                                        <p:cTn id="16" dur="500"/>
+                                    <p:animEffect transition="in" filter="wipe(up)">
+                                      <p:cBhvr>
+                                        <p:cTn id="22" dur="500"/>
                                         <p:tgtEl>
                                           <p:spTgt spid="3">
                                             <p:txEl>
@@ -4720,7 +4774,7 @@
           <a:p>
             <a:r>
               <a:rPr lang="sv-SE" dirty="0" smtClean="0"/>
-              <a:t>Coming later...</a:t>
+              <a:t>....</a:t>
             </a:r>
             <a:endParaRPr lang="sv-SE" dirty="0"/>
           </a:p>
@@ -4883,7 +4937,6 @@
               <a:rPr lang="sv-SE" dirty="0" smtClean="0"/>
               <a:t> sprints</a:t>
             </a:r>
-            <a:endParaRPr lang="sv-SE" dirty="0" smtClean="0"/>
           </a:p>
           <a:p>
             <a:r>
@@ -4964,7 +5017,7 @@
                             </p:stCondLst>
                             <p:childTnLst>
                               <p:par>
-                                <p:cTn id="5" presetID="22" presetClass="entr" presetSubtype="4" fill="hold" grpId="0" nodeType="clickEffect">
+                                <p:cTn id="5" presetID="22" presetClass="entr" presetSubtype="1" fill="hold" grpId="0" nodeType="clickEffect">
                                   <p:stCondLst>
                                     <p:cond delay="0"/>
                                   </p:stCondLst>
@@ -4991,7 +5044,7 @@
                                         <p:strVal val="visible"/>
                                       </p:to>
                                     </p:set>
-                                    <p:animEffect transition="in" filter="wipe(down)">
+                                    <p:animEffect transition="in" filter="wipe(up)">
                                       <p:cBhvr>
                                         <p:cTn id="7" dur="500"/>
                                         <p:tgtEl>
@@ -5025,7 +5078,7 @@
                             </p:stCondLst>
                             <p:childTnLst>
                               <p:par>
-                                <p:cTn id="10" presetID="22" presetClass="entr" presetSubtype="4" fill="hold" grpId="0" nodeType="clickEffect">
+                                <p:cTn id="10" presetID="22" presetClass="entr" presetSubtype="1" fill="hold" grpId="0" nodeType="clickEffect">
                                   <p:stCondLst>
                                     <p:cond delay="0"/>
                                   </p:stCondLst>
@@ -5052,7 +5105,7 @@
                                         <p:strVal val="visible"/>
                                       </p:to>
                                     </p:set>
-                                    <p:animEffect transition="in" filter="wipe(down)">
+                                    <p:animEffect transition="in" filter="wipe(up)">
                                       <p:cBhvr>
                                         <p:cTn id="12" dur="500"/>
                                         <p:tgtEl>
@@ -5086,7 +5139,7 @@
                             </p:stCondLst>
                             <p:childTnLst>
                               <p:par>
-                                <p:cTn id="15" presetID="22" presetClass="entr" presetSubtype="4" fill="hold" grpId="0" nodeType="clickEffect">
+                                <p:cTn id="15" presetID="22" presetClass="entr" presetSubtype="1" fill="hold" grpId="0" nodeType="clickEffect">
                                   <p:stCondLst>
                                     <p:cond delay="0"/>
                                   </p:stCondLst>
@@ -5113,142 +5166,13 @@
                                         <p:strVal val="visible"/>
                                       </p:to>
                                     </p:set>
-                                    <p:animEffect transition="in" filter="wipe(down)">
+                                    <p:animEffect transition="in" filter="wipe(up)">
                                       <p:cBhvr>
                                         <p:cTn id="17" dur="500"/>
                                         <p:tgtEl>
                                           <p:spTgt spid="3">
                                             <p:txEl>
                                               <p:pRg st="2" end="2"/>
-                                            </p:txEl>
-                                          </p:spTgt>
-                                        </p:tgtEl>
-                                      </p:cBhvr>
-                                    </p:animEffect>
-                                  </p:childTnLst>
-                                </p:cTn>
-                              </p:par>
-                              <p:par>
-                                <p:cTn id="18" presetID="22" presetClass="entr" presetSubtype="4" fill="hold" grpId="0" nodeType="withEffect">
-                                  <p:stCondLst>
-                                    <p:cond delay="0"/>
-                                  </p:stCondLst>
-                                  <p:childTnLst>
-                                    <p:set>
-                                      <p:cBhvr>
-                                        <p:cTn id="19" dur="1" fill="hold">
-                                          <p:stCondLst>
-                                            <p:cond delay="0"/>
-                                          </p:stCondLst>
-                                        </p:cTn>
-                                        <p:tgtEl>
-                                          <p:spTgt spid="3">
-                                            <p:txEl>
-                                              <p:pRg st="3" end="3"/>
-                                            </p:txEl>
-                                          </p:spTgt>
-                                        </p:tgtEl>
-                                        <p:attrNameLst>
-                                          <p:attrName>style.visibility</p:attrName>
-                                        </p:attrNameLst>
-                                      </p:cBhvr>
-                                      <p:to>
-                                        <p:strVal val="visible"/>
-                                      </p:to>
-                                    </p:set>
-                                    <p:animEffect transition="in" filter="wipe(down)">
-                                      <p:cBhvr>
-                                        <p:cTn id="20" dur="500"/>
-                                        <p:tgtEl>
-                                          <p:spTgt spid="3">
-                                            <p:txEl>
-                                              <p:pRg st="3" end="3"/>
-                                            </p:txEl>
-                                          </p:spTgt>
-                                        </p:tgtEl>
-                                      </p:cBhvr>
-                                    </p:animEffect>
-                                  </p:childTnLst>
-                                </p:cTn>
-                              </p:par>
-                              <p:par>
-                                <p:cTn id="21" presetID="22" presetClass="entr" presetSubtype="4" fill="hold" grpId="0" nodeType="withEffect">
-                                  <p:stCondLst>
-                                    <p:cond delay="0"/>
-                                  </p:stCondLst>
-                                  <p:childTnLst>
-                                    <p:set>
-                                      <p:cBhvr>
-                                        <p:cTn id="22" dur="1" fill="hold">
-                                          <p:stCondLst>
-                                            <p:cond delay="0"/>
-                                          </p:stCondLst>
-                                        </p:cTn>
-                                        <p:tgtEl>
-                                          <p:spTgt spid="3">
-                                            <p:txEl>
-                                              <p:pRg st="4" end="4"/>
-                                            </p:txEl>
-                                          </p:spTgt>
-                                        </p:tgtEl>
-                                        <p:attrNameLst>
-                                          <p:attrName>style.visibility</p:attrName>
-                                        </p:attrNameLst>
-                                      </p:cBhvr>
-                                      <p:to>
-                                        <p:strVal val="visible"/>
-                                      </p:to>
-                                    </p:set>
-                                    <p:animEffect transition="in" filter="wipe(down)">
-                                      <p:cBhvr>
-                                        <p:cTn id="23" dur="500"/>
-                                        <p:tgtEl>
-                                          <p:spTgt spid="3">
-                                            <p:txEl>
-                                              <p:pRg st="4" end="4"/>
-                                            </p:txEl>
-                                          </p:spTgt>
-                                        </p:tgtEl>
-                                      </p:cBhvr>
-                                    </p:animEffect>
-                                  </p:childTnLst>
-                                </p:cTn>
-                              </p:par>
-                              <p:par>
-                                <p:cTn id="24" presetID="22" presetClass="entr" presetSubtype="4" fill="hold" grpId="0" nodeType="withEffect">
-                                  <p:stCondLst>
-                                    <p:cond delay="0"/>
-                                  </p:stCondLst>
-                                  <p:childTnLst>
-                                    <p:set>
-                                      <p:cBhvr>
-                                        <p:cTn id="25" dur="1" fill="hold">
-                                          <p:stCondLst>
-                                            <p:cond delay="0"/>
-                                          </p:stCondLst>
-                                        </p:cTn>
-                                        <p:tgtEl>
-                                          <p:spTgt spid="3">
-                                            <p:txEl>
-                                              <p:pRg st="5" end="5"/>
-                                            </p:txEl>
-                                          </p:spTgt>
-                                        </p:tgtEl>
-                                        <p:attrNameLst>
-                                          <p:attrName>style.visibility</p:attrName>
-                                        </p:attrNameLst>
-                                      </p:cBhvr>
-                                      <p:to>
-                                        <p:strVal val="visible"/>
-                                      </p:to>
-                                    </p:set>
-                                    <p:animEffect transition="in" filter="wipe(down)">
-                                      <p:cBhvr>
-                                        <p:cTn id="26" dur="500"/>
-                                        <p:tgtEl>
-                                          <p:spTgt spid="3">
-                                            <p:txEl>
-                                              <p:pRg st="5" end="5"/>
                                             </p:txEl>
                                           </p:spTgt>
                                         </p:tgtEl>
@@ -5264,26 +5188,26 @@
                     </p:cTn>
                   </p:par>
                   <p:par>
-                    <p:cTn id="27" fill="hold">
+                    <p:cTn id="18" fill="hold">
                       <p:stCondLst>
                         <p:cond delay="indefinite"/>
                       </p:stCondLst>
                       <p:childTnLst>
                         <p:par>
-                          <p:cTn id="28" fill="hold">
+                          <p:cTn id="19" fill="hold">
                             <p:stCondLst>
                               <p:cond delay="0"/>
                             </p:stCondLst>
                             <p:childTnLst>
                               <p:par>
-                                <p:cTn id="29" presetID="22" presetClass="entr" presetSubtype="4" fill="hold" grpId="0" nodeType="clickEffect">
+                                <p:cTn id="20" presetID="22" presetClass="entr" presetSubtype="1" fill="hold" grpId="0" nodeType="clickEffect">
                                   <p:stCondLst>
                                     <p:cond delay="0"/>
                                   </p:stCondLst>
                                   <p:childTnLst>
                                     <p:set>
                                       <p:cBhvr>
-                                        <p:cTn id="30" dur="1" fill="hold">
+                                        <p:cTn id="21" dur="1" fill="hold">
                                           <p:stCondLst>
                                             <p:cond delay="0"/>
                                           </p:stCondLst>
@@ -5291,7 +5215,7 @@
                                         <p:tgtEl>
                                           <p:spTgt spid="3">
                                             <p:txEl>
-                                              <p:pRg st="6" end="6"/>
+                                              <p:pRg st="3" end="3"/>
                                             </p:txEl>
                                           </p:spTgt>
                                         </p:tgtEl>
@@ -5303,13 +5227,13 @@
                                         <p:strVal val="visible"/>
                                       </p:to>
                                     </p:set>
-                                    <p:animEffect transition="in" filter="wipe(down)">
-                                      <p:cBhvr>
-                                        <p:cTn id="31" dur="500"/>
+                                    <p:animEffect transition="in" filter="wipe(up)">
+                                      <p:cBhvr>
+                                        <p:cTn id="22" dur="500"/>
                                         <p:tgtEl>
                                           <p:spTgt spid="3">
                                             <p:txEl>
-                                              <p:pRg st="6" end="6"/>
+                                              <p:pRg st="3" end="3"/>
                                             </p:txEl>
                                           </p:spTgt>
                                         </p:tgtEl>
@@ -5318,15 +5242,33 @@
                                   </p:childTnLst>
                                 </p:cTn>
                               </p:par>
+                            </p:childTnLst>
+                          </p:cTn>
+                        </p:par>
+                      </p:childTnLst>
+                    </p:cTn>
+                  </p:par>
+                  <p:par>
+                    <p:cTn id="23" fill="hold">
+                      <p:stCondLst>
+                        <p:cond delay="indefinite"/>
+                      </p:stCondLst>
+                      <p:childTnLst>
+                        <p:par>
+                          <p:cTn id="24" fill="hold">
+                            <p:stCondLst>
+                              <p:cond delay="0"/>
+                            </p:stCondLst>
+                            <p:childTnLst>
                               <p:par>
-                                <p:cTn id="32" presetID="22" presetClass="entr" presetSubtype="4" fill="hold" grpId="0" nodeType="withEffect">
+                                <p:cTn id="25" presetID="22" presetClass="entr" presetSubtype="1" fill="hold" grpId="0" nodeType="clickEffect">
                                   <p:stCondLst>
                                     <p:cond delay="0"/>
                                   </p:stCondLst>
                                   <p:childTnLst>
                                     <p:set>
                                       <p:cBhvr>
-                                        <p:cTn id="33" dur="1" fill="hold">
+                                        <p:cTn id="26" dur="1" fill="hold">
                                           <p:stCondLst>
                                             <p:cond delay="0"/>
                                           </p:stCondLst>
@@ -5334,7 +5276,7 @@
                                         <p:tgtEl>
                                           <p:spTgt spid="3">
                                             <p:txEl>
-                                              <p:pRg st="7" end="7"/>
+                                              <p:pRg st="4" end="4"/>
                                             </p:txEl>
                                           </p:spTgt>
                                         </p:tgtEl>
@@ -5346,13 +5288,13 @@
                                         <p:strVal val="visible"/>
                                       </p:to>
                                     </p:set>
-                                    <p:animEffect transition="in" filter="wipe(down)">
-                                      <p:cBhvr>
-                                        <p:cTn id="34" dur="500"/>
+                                    <p:animEffect transition="in" filter="wipe(up)">
+                                      <p:cBhvr>
+                                        <p:cTn id="27" dur="500"/>
                                         <p:tgtEl>
                                           <p:spTgt spid="3">
                                             <p:txEl>
-                                              <p:pRg st="7" end="7"/>
+                                              <p:pRg st="4" end="4"/>
                                             </p:txEl>
                                           </p:spTgt>
                                         </p:tgtEl>
@@ -5361,14 +5303,93 @@
                                   </p:childTnLst>
                                 </p:cTn>
                               </p:par>
+                            </p:childTnLst>
+                          </p:cTn>
+                        </p:par>
+                      </p:childTnLst>
+                    </p:cTn>
+                  </p:par>
+                  <p:par>
+                    <p:cTn id="28" fill="hold">
+                      <p:stCondLst>
+                        <p:cond delay="indefinite"/>
+                      </p:stCondLst>
+                      <p:childTnLst>
+                        <p:par>
+                          <p:cTn id="29" fill="hold">
+                            <p:stCondLst>
+                              <p:cond delay="0"/>
+                            </p:stCondLst>
+                            <p:childTnLst>
                               <p:par>
-                                <p:cTn id="35" presetID="22" presetClass="entr" presetSubtype="4" fill="hold" grpId="0" nodeType="withEffect">
+                                <p:cTn id="30" presetID="22" presetClass="entr" presetSubtype="1" fill="hold" grpId="0" nodeType="clickEffect">
                                   <p:stCondLst>
                                     <p:cond delay="0"/>
                                   </p:stCondLst>
                                   <p:childTnLst>
                                     <p:set>
                                       <p:cBhvr>
+                                        <p:cTn id="31" dur="1" fill="hold">
+                                          <p:stCondLst>
+                                            <p:cond delay="0"/>
+                                          </p:stCondLst>
+                                        </p:cTn>
+                                        <p:tgtEl>
+                                          <p:spTgt spid="3">
+                                            <p:txEl>
+                                              <p:pRg st="5" end="5"/>
+                                            </p:txEl>
+                                          </p:spTgt>
+                                        </p:tgtEl>
+                                        <p:attrNameLst>
+                                          <p:attrName>style.visibility</p:attrName>
+                                        </p:attrNameLst>
+                                      </p:cBhvr>
+                                      <p:to>
+                                        <p:strVal val="visible"/>
+                                      </p:to>
+                                    </p:set>
+                                    <p:animEffect transition="in" filter="wipe(up)">
+                                      <p:cBhvr>
+                                        <p:cTn id="32" dur="500"/>
+                                        <p:tgtEl>
+                                          <p:spTgt spid="3">
+                                            <p:txEl>
+                                              <p:pRg st="5" end="5"/>
+                                            </p:txEl>
+                                          </p:spTgt>
+                                        </p:tgtEl>
+                                      </p:cBhvr>
+                                    </p:animEffect>
+                                  </p:childTnLst>
+                                </p:cTn>
+                              </p:par>
+                            </p:childTnLst>
+                          </p:cTn>
+                        </p:par>
+                      </p:childTnLst>
+                    </p:cTn>
+                  </p:par>
+                  <p:par>
+                    <p:cTn id="33" fill="hold">
+                      <p:stCondLst>
+                        <p:cond delay="indefinite"/>
+                      </p:stCondLst>
+                      <p:childTnLst>
+                        <p:par>
+                          <p:cTn id="34" fill="hold">
+                            <p:stCondLst>
+                              <p:cond delay="0"/>
+                            </p:stCondLst>
+                            <p:childTnLst>
+                              <p:par>
+                                <p:cTn id="35" presetID="22" presetClass="entr" presetSubtype="1" fill="hold" grpId="0" nodeType="clickEffect">
+                                  <p:stCondLst>
+                                    <p:cond delay="0"/>
+                                  </p:stCondLst>
+                                  <p:childTnLst>
+                                    <p:set>
+                                      <p:cBhvr>
                                         <p:cTn id="36" dur="1" fill="hold">
                                           <p:stCondLst>
                                             <p:cond delay="0"/>
@@ -5377,7 +5398,7 @@
                                         <p:tgtEl>
                                           <p:spTgt spid="3">
                                             <p:txEl>
-                                              <p:pRg st="8" end="8"/>
+                                              <p:pRg st="6" end="6"/>
                                             </p:txEl>
                                           </p:spTgt>
                                         </p:tgtEl>
@@ -5389,9 +5410,131 @@
                                         <p:strVal val="visible"/>
                                       </p:to>
                                     </p:set>
-                                    <p:animEffect transition="in" filter="wipe(down)">
+                                    <p:animEffect transition="in" filter="wipe(up)">
                                       <p:cBhvr>
                                         <p:cTn id="37" dur="500"/>
+                                        <p:tgtEl>
+                                          <p:spTgt spid="3">
+                                            <p:txEl>
+                                              <p:pRg st="6" end="6"/>
+                                            </p:txEl>
+                                          </p:spTgt>
+                                        </p:tgtEl>
+                                      </p:cBhvr>
+                                    </p:animEffect>
+                                  </p:childTnLst>
+                                </p:cTn>
+                              </p:par>
+                            </p:childTnLst>
+                          </p:cTn>
+                        </p:par>
+                      </p:childTnLst>
+                    </p:cTn>
+                  </p:par>
+                  <p:par>
+                    <p:cTn id="38" fill="hold">
+                      <p:stCondLst>
+                        <p:cond delay="indefinite"/>
+                      </p:stCondLst>
+                      <p:childTnLst>
+                        <p:par>
+                          <p:cTn id="39" fill="hold">
+                            <p:stCondLst>
+                              <p:cond delay="0"/>
+                            </p:stCondLst>
+                            <p:childTnLst>
+                              <p:par>
+                                <p:cTn id="40" presetID="22" presetClass="entr" presetSubtype="1" fill="hold" grpId="0" nodeType="clickEffect">
+                                  <p:stCondLst>
+                                    <p:cond delay="0"/>
+                                  </p:stCondLst>
+                                  <p:childTnLst>
+                                    <p:set>
+                                      <p:cBhvr>
+                                        <p:cTn id="41" dur="1" fill="hold">
+                                          <p:stCondLst>
+                                            <p:cond delay="0"/>
+                                          </p:stCondLst>
+                                        </p:cTn>
+                                        <p:tgtEl>
+                                          <p:spTgt spid="3">
+                                            <p:txEl>
+                                              <p:pRg st="7" end="7"/>
+                                            </p:txEl>
+                                          </p:spTgt>
+                                        </p:tgtEl>
+                                        <p:attrNameLst>
+                                          <p:attrName>style.visibility</p:attrName>
+                                        </p:attrNameLst>
+                                      </p:cBhvr>
+                                      <p:to>
+                                        <p:strVal val="visible"/>
+                                      </p:to>
+                                    </p:set>
+                                    <p:animEffect transition="in" filter="wipe(up)">
+                                      <p:cBhvr>
+                                        <p:cTn id="42" dur="500"/>
+                                        <p:tgtEl>
+                                          <p:spTgt spid="3">
+                                            <p:txEl>
+                                              <p:pRg st="7" end="7"/>
+                                            </p:txEl>
+                                          </p:spTgt>
+                                        </p:tgtEl>
+                                      </p:cBhvr>
+                                    </p:animEffect>
+                                  </p:childTnLst>
+                                </p:cTn>
+                              </p:par>
+                            </p:childTnLst>
+                          </p:cTn>
+                        </p:par>
+                      </p:childTnLst>
+                    </p:cTn>
+                  </p:par>
+                  <p:par>
+                    <p:cTn id="43" fill="hold">
+                      <p:stCondLst>
+                        <p:cond delay="indefinite"/>
+                      </p:stCondLst>
+                      <p:childTnLst>
+                        <p:par>
+                          <p:cTn id="44" fill="hold">
+                            <p:stCondLst>
+                              <p:cond delay="0"/>
+                            </p:stCondLst>
+                            <p:childTnLst>
+                              <p:par>
+                                <p:cTn id="45" presetID="22" presetClass="entr" presetSubtype="1" fill="hold" grpId="0" nodeType="clickEffect">
+                                  <p:stCondLst>
+                                    <p:cond delay="0"/>
+                                  </p:stCondLst>
+                                  <p:childTnLst>
+                                    <p:set>
+                                      <p:cBhvr>
+                                        <p:cTn id="46" dur="1" fill="hold">
+                                          <p:stCondLst>
+                                            <p:cond delay="0"/>
+                                          </p:stCondLst>
+                                        </p:cTn>
+                                        <p:tgtEl>
+                                          <p:spTgt spid="3">
+                                            <p:txEl>
+                                              <p:pRg st="8" end="8"/>
+                                            </p:txEl>
+                                          </p:spTgt>
+                                        </p:tgtEl>
+                                        <p:attrNameLst>
+                                          <p:attrName>style.visibility</p:attrName>
+                                        </p:attrNameLst>
+                                      </p:cBhvr>
+                                      <p:to>
+                                        <p:strVal val="visible"/>
+                                      </p:to>
+                                    </p:set>
+                                    <p:animEffect transition="in" filter="wipe(up)">
+                                      <p:cBhvr>
+                                        <p:cTn id="47" dur="500"/>
                                         <p:tgtEl>
                                           <p:spTgt spid="3">
                                             <p:txEl>
@@ -5571,7 +5714,7 @@
                             </p:stCondLst>
                             <p:childTnLst>
                               <p:par>
-                                <p:cTn id="5" presetID="22" presetClass="entr" presetSubtype="4" fill="hold" grpId="0" nodeType="clickEffect">
+                                <p:cTn id="5" presetID="22" presetClass="entr" presetSubtype="1" fill="hold" grpId="0" nodeType="clickEffect">
                                   <p:stCondLst>
                                     <p:cond delay="0"/>
                                   </p:stCondLst>
@@ -5598,7 +5741,7 @@
                                         <p:strVal val="visible"/>
                                       </p:to>
                                     </p:set>
-                                    <p:animEffect transition="in" filter="wipe(down)">
+                                    <p:animEffect transition="in" filter="wipe(up)">
                                       <p:cBhvr>
                                         <p:cTn id="7" dur="500"/>
                                         <p:tgtEl>
@@ -5632,7 +5775,7 @@
                             </p:stCondLst>
                             <p:childTnLst>
                               <p:par>
-                                <p:cTn id="10" presetID="22" presetClass="entr" presetSubtype="4" fill="hold" grpId="0" nodeType="clickEffect">
+                                <p:cTn id="10" presetID="22" presetClass="entr" presetSubtype="1" fill="hold" grpId="0" nodeType="clickEffect">
                                   <p:stCondLst>
                                     <p:cond delay="0"/>
                                   </p:stCondLst>
@@ -5659,7 +5802,7 @@
                                         <p:strVal val="visible"/>
                                       </p:to>
                                     </p:set>
-                                    <p:animEffect transition="in" filter="wipe(down)">
+                                    <p:animEffect transition="in" filter="wipe(up)">
                                       <p:cBhvr>
                                         <p:cTn id="12" dur="500"/>
                                         <p:tgtEl>
@@ -5693,7 +5836,7 @@
                             </p:stCondLst>
                             <p:childTnLst>
                               <p:par>
-                                <p:cTn id="15" presetID="22" presetClass="entr" presetSubtype="4" fill="hold" grpId="0" nodeType="clickEffect">
+                                <p:cTn id="15" presetID="22" presetClass="entr" presetSubtype="1" fill="hold" grpId="0" nodeType="clickEffect">
                                   <p:stCondLst>
                                     <p:cond delay="0"/>
                                   </p:stCondLst>
@@ -5720,7 +5863,7 @@
                                         <p:strVal val="visible"/>
                                       </p:to>
                                     </p:set>
-                                    <p:animEffect transition="in" filter="wipe(down)">
+                                    <p:animEffect transition="in" filter="wipe(up)">
                                       <p:cBhvr>
                                         <p:cTn id="17" dur="500"/>
                                         <p:tgtEl>
@@ -5816,7 +5959,7 @@
             <a:picLocks noGrp="1" noChangeAspect="1"/>
           </p:cNvPicPr>
           <p:nvPr>
-            <p:ph idx="1"/>
+            <p:ph sz="half" idx="1"/>
           </p:nvPr>
         </p:nvPicPr>
         <p:blipFill>
@@ -5827,52 +5970,19 @@
         </p:blipFill>
         <p:spPr>
           <a:xfrm>
-            <a:off x="1984375" y="1447800"/>
-            <a:ext cx="6400800" cy="4800600"/>
+            <a:off x="1435100" y="2484437"/>
+            <a:ext cx="3657600" cy="2743200"/>
           </a:xfrm>
         </p:spPr>
       </p:pic>
-    </p:spTree>
-  </p:cSld>
-  <p:clrMapOvr>
-    <a:masterClrMapping/>
-  </p:clrMapOvr>
-  <p:transition/>
-  <p:timing>
-    <p:tnLst>
-      <p:par>
-        <p:cTn id="1" dur="indefinite" restart="never" nodeType="tmRoot"/>
-      </p:par>
-    </p:tnLst>
-  </p:timing>
-</p:sld>
-</file>
-
-<file path=ppt/slides/slide4.xml><?xml version="1.0" encoding="utf-8"?>
-<p:sld xmlns:a="http://schemas.openxmlformats.org/drawingml/2006/main" xmlns:r="http://schemas.openxmlformats.org/officeDocument/2006/relationships" xmlns:p="http://schemas.openxmlformats.org/presentationml/2006/main">
-  <p:cSld>
-    <p:spTree>
-      <p:nvGrpSpPr>
-        <p:cNvPr id="1" name=""/>
-        <p:cNvGrpSpPr/>
-        <p:nvPr/>
-      </p:nvGrpSpPr>
-      <p:grpSpPr>
-        <a:xfrm>
-          <a:off x="0" y="0"/>
-          <a:ext cx="0" cy="0"/>
-          <a:chOff x="0" y="0"/>
-          <a:chExt cx="0" cy="0"/>
-        </a:xfrm>
-      </p:grpSpPr>
-      <p:sp>
-        <p:nvSpPr>
-          <p:cNvPr id="2" name="Rubrik 1"/>
+      <p:sp>
+        <p:nvSpPr>
+          <p:cNvPr id="6" name="Content Placeholder 5"/>
           <p:cNvSpPr>
             <a:spLocks noGrp="1"/>
           </p:cNvSpPr>
           <p:nvPr>
-            <p:ph type="title"/>
+            <p:ph sz="half" idx="2"/>
           </p:nvPr>
         </p:nvSpPr>
         <p:spPr/>
@@ -5881,92 +5991,19 @@
           <a:lstStyle/>
           <a:p>
             <a:r>
-              <a:rPr lang="sv-SE" dirty="0" err="1" smtClean="0"/>
-              <a:t>Purpose</a:t>
-            </a:r>
-            <a:endParaRPr lang="sv-SE" dirty="0"/>
-          </a:p>
-        </p:txBody>
-      </p:sp>
-      <p:sp>
-        <p:nvSpPr>
-          <p:cNvPr id="3" name="Platshållare för innehåll 2"/>
-          <p:cNvSpPr>
-            <a:spLocks noGrp="1"/>
-          </p:cNvSpPr>
-          <p:nvPr>
-            <p:ph idx="1"/>
-          </p:nvPr>
-        </p:nvSpPr>
-        <p:spPr/>
-        <p:txBody>
-          <a:bodyPr/>
-          <a:lstStyle/>
-          <a:p>
-            <a:r>
-              <a:rPr lang="sv-SE" dirty="0" err="1" smtClean="0"/>
-              <a:t>Develop</a:t>
-            </a:r>
-            <a:r>
               <a:rPr lang="sv-SE" dirty="0" smtClean="0"/>
-              <a:t> a new software system:</a:t>
+              <a:t>Experiment aim:</a:t>
             </a:r>
           </a:p>
           <a:p>
             <a:pPr lvl="1"/>
             <a:r>
-              <a:rPr lang="sv-SE" dirty="0" smtClean="0">
-                <a:sym typeface="Wingdings" pitchFamily="2" charset="2"/>
-              </a:rPr>
-              <a:t>Reads and process </a:t>
-            </a:r>
-            <a:r>
-              <a:rPr lang="sv-SE" dirty="0" err="1" smtClean="0">
-                <a:sym typeface="Wingdings" pitchFamily="2" charset="2"/>
-              </a:rPr>
-              <a:t>mouse</a:t>
-            </a:r>
-            <a:r>
-              <a:rPr lang="sv-SE" dirty="0" smtClean="0">
-                <a:sym typeface="Wingdings" pitchFamily="2" charset="2"/>
-              </a:rPr>
-              <a:t> data</a:t>
-            </a:r>
-          </a:p>
-          <a:p>
-            <a:pPr lvl="1"/>
-            <a:r>
-              <a:rPr lang="sv-SE" dirty="0" smtClean="0">
-                <a:sym typeface="Wingdings" pitchFamily="2" charset="2"/>
-              </a:rPr>
-              <a:t>Saves and display output</a:t>
-            </a:r>
-          </a:p>
-          <a:p>
-            <a:pPr lvl="1"/>
-            <a:r>
-              <a:rPr lang="sv-SE" dirty="0" err="1" smtClean="0">
-                <a:sym typeface="Wingdings" pitchFamily="2" charset="2"/>
-              </a:rPr>
-              <a:t>User</a:t>
-            </a:r>
-            <a:r>
-              <a:rPr lang="sv-SE" dirty="0" smtClean="0">
-                <a:sym typeface="Wingdings" pitchFamily="2" charset="2"/>
-              </a:rPr>
-              <a:t> </a:t>
-            </a:r>
-            <a:r>
-              <a:rPr lang="sv-SE" dirty="0" err="1" smtClean="0">
-                <a:sym typeface="Wingdings" pitchFamily="2" charset="2"/>
-              </a:rPr>
-              <a:t>friendly</a:t>
-            </a:r>
-            <a:r>
-              <a:rPr lang="sv-SE" dirty="0" smtClean="0">
-                <a:sym typeface="Wingdings" pitchFamily="2" charset="2"/>
-              </a:rPr>
-              <a:t>!</a:t>
+              <a:rPr lang="sv-SE" dirty="0" smtClean="0"/>
+              <a:t>Study fly movement as a function of visual </a:t>
+            </a:r>
+            <a:r>
+              <a:rPr lang="sv-SE" dirty="0" smtClean="0"/>
+              <a:t>stimulus</a:t>
             </a:r>
           </a:p>
         </p:txBody>
@@ -5998,7 +6035,7 @@
                             </p:stCondLst>
                             <p:childTnLst>
                               <p:par>
-                                <p:cTn id="5" presetID="22" presetClass="entr" presetSubtype="4" fill="hold" grpId="0" nodeType="clickEffect">
+                                <p:cTn id="5" presetID="22" presetClass="entr" presetSubtype="1" fill="hold" grpId="0" nodeType="clickEffect">
                                   <p:stCondLst>
                                     <p:cond delay="0"/>
                                   </p:stCondLst>
@@ -6011,7 +6048,7 @@
                                           </p:stCondLst>
                                         </p:cTn>
                                         <p:tgtEl>
-                                          <p:spTgt spid="3">
+                                          <p:spTgt spid="6">
                                             <p:txEl>
                                               <p:pRg st="0" end="0"/>
                                             </p:txEl>
@@ -6025,11 +6062,11 @@
                                         <p:strVal val="visible"/>
                                       </p:to>
                                     </p:set>
-                                    <p:animEffect transition="in" filter="wipe(down)">
+                                    <p:animEffect transition="in" filter="wipe(up)">
                                       <p:cBhvr>
                                         <p:cTn id="7" dur="500"/>
                                         <p:tgtEl>
-                                          <p:spTgt spid="3">
+                                          <p:spTgt spid="6">
                                             <p:txEl>
                                               <p:pRg st="0" end="0"/>
                                             </p:txEl>
@@ -6040,21 +6077,39 @@
                                   </p:childTnLst>
                                 </p:cTn>
                               </p:par>
+                            </p:childTnLst>
+                          </p:cTn>
+                        </p:par>
+                      </p:childTnLst>
+                    </p:cTn>
+                  </p:par>
+                  <p:par>
+                    <p:cTn id="8" fill="hold">
+                      <p:stCondLst>
+                        <p:cond delay="indefinite"/>
+                      </p:stCondLst>
+                      <p:childTnLst>
+                        <p:par>
+                          <p:cTn id="9" fill="hold">
+                            <p:stCondLst>
+                              <p:cond delay="0"/>
+                            </p:stCondLst>
+                            <p:childTnLst>
                               <p:par>
-                                <p:cTn id="8" presetID="22" presetClass="entr" presetSubtype="4" fill="hold" grpId="0" nodeType="withEffect">
+                                <p:cTn id="10" presetID="22" presetClass="entr" presetSubtype="1" fill="hold" grpId="0" nodeType="clickEffect">
                                   <p:stCondLst>
                                     <p:cond delay="0"/>
                                   </p:stCondLst>
                                   <p:childTnLst>
                                     <p:set>
                                       <p:cBhvr>
-                                        <p:cTn id="9" dur="1" fill="hold">
+                                        <p:cTn id="11" dur="1" fill="hold">
                                           <p:stCondLst>
                                             <p:cond delay="0"/>
                                           </p:stCondLst>
                                         </p:cTn>
                                         <p:tgtEl>
-                                          <p:spTgt spid="3">
+                                          <p:spTgt spid="6">
                                             <p:txEl>
                                               <p:pRg st="1" end="1"/>
                                             </p:txEl>
@@ -6068,11 +6123,11 @@
                                         <p:strVal val="visible"/>
                                       </p:to>
                                     </p:set>
-                                    <p:animEffect transition="in" filter="wipe(down)">
-                                      <p:cBhvr>
-                                        <p:cTn id="10" dur="500"/>
-                                        <p:tgtEl>
-                                          <p:spTgt spid="3">
+                                    <p:animEffect transition="in" filter="wipe(up)">
+                                      <p:cBhvr>
+                                        <p:cTn id="12" dur="500"/>
+                                        <p:tgtEl>
+                                          <p:spTgt spid="6">
                                             <p:txEl>
                                               <p:pRg st="1" end="1"/>
                                             </p:txEl>
@@ -6083,15 +6138,198 @@
                                   </p:childTnLst>
                                 </p:cTn>
                               </p:par>
+                            </p:childTnLst>
+                          </p:cTn>
+                        </p:par>
+                      </p:childTnLst>
+                    </p:cTn>
+                  </p:par>
+                </p:childTnLst>
+              </p:cTn>
+              <p:prevCondLst>
+                <p:cond evt="onPrev" delay="0">
+                  <p:tgtEl>
+                    <p:sldTgt/>
+                  </p:tgtEl>
+                </p:cond>
+              </p:prevCondLst>
+              <p:nextCondLst>
+                <p:cond evt="onNext" delay="0">
+                  <p:tgtEl>
+                    <p:sldTgt/>
+                  </p:tgtEl>
+                </p:cond>
+              </p:nextCondLst>
+            </p:seq>
+          </p:childTnLst>
+        </p:cTn>
+      </p:par>
+    </p:tnLst>
+    <p:bldLst>
+      <p:bldP spid="6" grpId="0" build="p"/>
+    </p:bldLst>
+  </p:timing>
+</p:sld>
+</file>
+
+<file path=ppt/slides/slide4.xml><?xml version="1.0" encoding="utf-8"?>
+<p:sld xmlns:a="http://schemas.openxmlformats.org/drawingml/2006/main" xmlns:r="http://schemas.openxmlformats.org/officeDocument/2006/relationships" xmlns:p="http://schemas.openxmlformats.org/presentationml/2006/main">
+  <p:cSld>
+    <p:spTree>
+      <p:nvGrpSpPr>
+        <p:cNvPr id="1" name=""/>
+        <p:cNvGrpSpPr/>
+        <p:nvPr/>
+      </p:nvGrpSpPr>
+      <p:grpSpPr>
+        <a:xfrm>
+          <a:off x="0" y="0"/>
+          <a:ext cx="0" cy="0"/>
+          <a:chOff x="0" y="0"/>
+          <a:chExt cx="0" cy="0"/>
+        </a:xfrm>
+      </p:grpSpPr>
+      <p:sp>
+        <p:nvSpPr>
+          <p:cNvPr id="2" name="Rubrik 1"/>
+          <p:cNvSpPr>
+            <a:spLocks noGrp="1"/>
+          </p:cNvSpPr>
+          <p:nvPr>
+            <p:ph type="title"/>
+          </p:nvPr>
+        </p:nvSpPr>
+        <p:spPr/>
+        <p:txBody>
+          <a:bodyPr/>
+          <a:lstStyle/>
+          <a:p>
+            <a:r>
+              <a:rPr lang="sv-SE" dirty="0" err="1" smtClean="0"/>
+              <a:t>Purpose</a:t>
+            </a:r>
+            <a:endParaRPr lang="sv-SE" dirty="0"/>
+          </a:p>
+        </p:txBody>
+      </p:sp>
+      <p:sp>
+        <p:nvSpPr>
+          <p:cNvPr id="3" name="Platshållare för innehåll 2"/>
+          <p:cNvSpPr>
+            <a:spLocks noGrp="1"/>
+          </p:cNvSpPr>
+          <p:nvPr>
+            <p:ph idx="1"/>
+          </p:nvPr>
+        </p:nvSpPr>
+        <p:spPr/>
+        <p:txBody>
+          <a:bodyPr/>
+          <a:lstStyle/>
+          <a:p>
+            <a:r>
+              <a:rPr lang="sv-SE" dirty="0" err="1" smtClean="0"/>
+              <a:t>Develop</a:t>
+            </a:r>
+            <a:r>
+              <a:rPr lang="sv-SE" dirty="0" smtClean="0"/>
+              <a:t> a new software system:</a:t>
+            </a:r>
+          </a:p>
+          <a:p>
+            <a:pPr lvl="1"/>
+            <a:r>
+              <a:rPr lang="sv-SE" dirty="0" smtClean="0">
+                <a:sym typeface="Wingdings" pitchFamily="2" charset="2"/>
+              </a:rPr>
+              <a:t>Reads and process </a:t>
+            </a:r>
+            <a:r>
+              <a:rPr lang="sv-SE" dirty="0" err="1" smtClean="0">
+                <a:sym typeface="Wingdings" pitchFamily="2" charset="2"/>
+              </a:rPr>
+              <a:t>mouse</a:t>
+            </a:r>
+            <a:r>
+              <a:rPr lang="sv-SE" dirty="0" smtClean="0">
+                <a:sym typeface="Wingdings" pitchFamily="2" charset="2"/>
+              </a:rPr>
+              <a:t> data</a:t>
+            </a:r>
+          </a:p>
+          <a:p>
+            <a:pPr lvl="1"/>
+            <a:r>
+              <a:rPr lang="sv-SE" dirty="0" smtClean="0">
+                <a:sym typeface="Wingdings" pitchFamily="2" charset="2"/>
+              </a:rPr>
+              <a:t>Saves and display output</a:t>
+            </a:r>
+          </a:p>
+          <a:p>
+            <a:pPr lvl="1"/>
+            <a:r>
+              <a:rPr lang="sv-SE" dirty="0" err="1" smtClean="0">
+                <a:sym typeface="Wingdings" pitchFamily="2" charset="2"/>
+              </a:rPr>
+              <a:t>User</a:t>
+            </a:r>
+            <a:r>
+              <a:rPr lang="sv-SE" dirty="0" smtClean="0">
+                <a:sym typeface="Wingdings" pitchFamily="2" charset="2"/>
+              </a:rPr>
+              <a:t> </a:t>
+            </a:r>
+            <a:r>
+              <a:rPr lang="sv-SE" dirty="0" err="1" smtClean="0">
+                <a:sym typeface="Wingdings" pitchFamily="2" charset="2"/>
+              </a:rPr>
+              <a:t>friendly</a:t>
+            </a:r>
+            <a:r>
+              <a:rPr lang="sv-SE" dirty="0" smtClean="0">
+                <a:sym typeface="Wingdings" pitchFamily="2" charset="2"/>
+              </a:rPr>
+              <a:t>!</a:t>
+            </a:r>
+          </a:p>
+        </p:txBody>
+      </p:sp>
+    </p:spTree>
+  </p:cSld>
+  <p:clrMapOvr>
+    <a:masterClrMapping/>
+  </p:clrMapOvr>
+  <p:transition/>
+  <p:timing>
+    <p:tnLst>
+      <p:par>
+        <p:cTn id="1" dur="indefinite" restart="never" nodeType="tmRoot">
+          <p:childTnLst>
+            <p:seq concurrent="1" nextAc="seek">
+              <p:cTn id="2" dur="indefinite" nodeType="mainSeq">
+                <p:childTnLst>
+                  <p:par>
+                    <p:cTn id="3" fill="hold">
+                      <p:stCondLst>
+                        <p:cond delay="indefinite"/>
+                      </p:stCondLst>
+                      <p:childTnLst>
+                        <p:par>
+                          <p:cTn id="4" fill="hold">
+                            <p:stCondLst>
+                              <p:cond delay="0"/>
+                            </p:stCondLst>
+                            <p:childTnLst>
                               <p:par>
-                                <p:cTn id="11" presetID="22" presetClass="entr" presetSubtype="4" fill="hold" grpId="0" nodeType="withEffect">
+                                <p:cTn id="5" presetID="22" presetClass="entr" presetSubtype="1" fill="hold" grpId="0" nodeType="clickEffect">
                                   <p:stCondLst>
                                     <p:cond delay="0"/>
                                   </p:stCondLst>
                                   <p:childTnLst>
                                     <p:set>
                                       <p:cBhvr>
-                                        <p:cTn id="12" dur="1" fill="hold">
+                                        <p:cTn id="6" dur="1" fill="hold">
                                           <p:stCondLst>
                                             <p:cond delay="0"/>
                                           </p:stCondLst>
@@ -6099,7 +6337,7 @@
                                         <p:tgtEl>
                                           <p:spTgt spid="3">
                                             <p:txEl>
-                                              <p:pRg st="2" end="2"/>
+                                              <p:pRg st="0" end="0"/>
                                             </p:txEl>
                                           </p:spTgt>
                                         </p:tgtEl>
@@ -6111,13 +6349,13 @@
                                         <p:strVal val="visible"/>
                                       </p:to>
                                     </p:set>
-                                    <p:animEffect transition="in" filter="wipe(down)">
-                                      <p:cBhvr>
-                                        <p:cTn id="13" dur="500"/>
+                                    <p:animEffect transition="in" filter="wipe(up)">
+                                      <p:cBhvr>
+                                        <p:cTn id="7" dur="500"/>
                                         <p:tgtEl>
                                           <p:spTgt spid="3">
                                             <p:txEl>
-                                              <p:pRg st="2" end="2"/>
+                                              <p:pRg st="0" end="0"/>
                                             </p:txEl>
                                           </p:spTgt>
                                         </p:tgtEl>
@@ -6126,15 +6364,33 @@
                                   </p:childTnLst>
                                 </p:cTn>
                               </p:par>
+                            </p:childTnLst>
+                          </p:cTn>
+                        </p:par>
+                      </p:childTnLst>
+                    </p:cTn>
+                  </p:par>
+                  <p:par>
+                    <p:cTn id="8" fill="hold">
+                      <p:stCondLst>
+                        <p:cond delay="indefinite"/>
+                      </p:stCondLst>
+                      <p:childTnLst>
+                        <p:par>
+                          <p:cTn id="9" fill="hold">
+                            <p:stCondLst>
+                              <p:cond delay="0"/>
+                            </p:stCondLst>
+                            <p:childTnLst>
                               <p:par>
-                                <p:cTn id="14" presetID="22" presetClass="entr" presetSubtype="4" fill="hold" grpId="0" nodeType="withEffect">
+                                <p:cTn id="10" presetID="22" presetClass="entr" presetSubtype="1" fill="hold" grpId="0" nodeType="clickEffect">
                                   <p:stCondLst>
                                     <p:cond delay="0"/>
                                   </p:stCondLst>
                                   <p:childTnLst>
                                     <p:set>
                                       <p:cBhvr>
-                                        <p:cTn id="15" dur="1" fill="hold">
+                                        <p:cTn id="11" dur="1" fill="hold">
                                           <p:stCondLst>
                                             <p:cond delay="0"/>
                                           </p:stCondLst>
@@ -6142,7 +6398,7 @@
                                         <p:tgtEl>
                                           <p:spTgt spid="3">
                                             <p:txEl>
-                                              <p:pRg st="3" end="3"/>
+                                              <p:pRg st="1" end="1"/>
                                             </p:txEl>
                                           </p:spTgt>
                                         </p:tgtEl>
@@ -6154,9 +6410,131 @@
                                         <p:strVal val="visible"/>
                                       </p:to>
                                     </p:set>
-                                    <p:animEffect transition="in" filter="wipe(down)">
-                                      <p:cBhvr>
-                                        <p:cTn id="16" dur="500"/>
+                                    <p:animEffect transition="in" filter="wipe(up)">
+                                      <p:cBhvr>
+                                        <p:cTn id="12" dur="500"/>
+                                        <p:tgtEl>
+                                          <p:spTgt spid="3">
+                                            <p:txEl>
+                                              <p:pRg st="1" end="1"/>
+                                            </p:txEl>
+                                          </p:spTgt>
+                                        </p:tgtEl>
+                                      </p:cBhvr>
+                                    </p:animEffect>
+                                  </p:childTnLst>
+                                </p:cTn>
+                              </p:par>
+                            </p:childTnLst>
+                          </p:cTn>
+                        </p:par>
+                      </p:childTnLst>
+                    </p:cTn>
+                  </p:par>
+                  <p:par>
+                    <p:cTn id="13" fill="hold">
+                      <p:stCondLst>
+                        <p:cond delay="indefinite"/>
+                      </p:stCondLst>
+                      <p:childTnLst>
+                        <p:par>
+                          <p:cTn id="14" fill="hold">
+                            <p:stCondLst>
+                              <p:cond delay="0"/>
+                            </p:stCondLst>
+                            <p:childTnLst>
+                              <p:par>
+                                <p:cTn id="15" presetID="22" presetClass="entr" presetSubtype="1" fill="hold" grpId="0" nodeType="clickEffect">
+                                  <p:stCondLst>
+                                    <p:cond delay="0"/>
+                                  </p:stCondLst>
+                                  <p:childTnLst>
+                                    <p:set>
+                                      <p:cBhvr>
+                                        <p:cTn id="16" dur="1" fill="hold">
+                                          <p:stCondLst>
+                                            <p:cond delay="0"/>
+                                          </p:stCondLst>
+                                        </p:cTn>
+                                        <p:tgtEl>
+                                          <p:spTgt spid="3">
+                                            <p:txEl>
+                                              <p:pRg st="2" end="2"/>
+                                            </p:txEl>
+                                          </p:spTgt>
+                                        </p:tgtEl>
+                                        <p:attrNameLst>
+                                          <p:attrName>style.visibility</p:attrName>
+                                        </p:attrNameLst>
+                                      </p:cBhvr>
+                                      <p:to>
+                                        <p:strVal val="visible"/>
+                                      </p:to>
+                                    </p:set>
+                                    <p:animEffect transition="in" filter="wipe(up)">
+                                      <p:cBhvr>
+                                        <p:cTn id="17" dur="500"/>
+                                        <p:tgtEl>
+                                          <p:spTgt spid="3">
+                                            <p:txEl>
+                                              <p:pRg st="2" end="2"/>
+                                            </p:txEl>
+                                          </p:spTgt>
+                                        </p:tgtEl>
+                                      </p:cBhvr>
+                                    </p:animEffect>
+                                  </p:childTnLst>
+                                </p:cTn>
+                              </p:par>
+                            </p:childTnLst>
+                          </p:cTn>
+                        </p:par>
+                      </p:childTnLst>
+                    </p:cTn>
+                  </p:par>
+                  <p:par>
+                    <p:cTn id="18" fill="hold">
+                      <p:stCondLst>
+                        <p:cond delay="indefinite"/>
+                      </p:stCondLst>
+                      <p:childTnLst>
+                        <p:par>
+                          <p:cTn id="19" fill="hold">
+                            <p:stCondLst>
+                              <p:cond delay="0"/>
+                            </p:stCondLst>
+                            <p:childTnLst>
+                              <p:par>
+                                <p:cTn id="20" presetID="22" presetClass="entr" presetSubtype="1" fill="hold" grpId="0" nodeType="clickEffect">
+                                  <p:stCondLst>
+                                    <p:cond delay="0"/>
+                                  </p:stCondLst>
+                                  <p:childTnLst>
+                                    <p:set>
+                                      <p:cBhvr>
+                                        <p:cTn id="21" dur="1" fill="hold">
+                                          <p:stCondLst>
+                                            <p:cond delay="0"/>
+                                          </p:stCondLst>
+                                        </p:cTn>
+                                        <p:tgtEl>
+                                          <p:spTgt spid="3">
+                                            <p:txEl>
+                                              <p:pRg st="3" end="3"/>
+                                            </p:txEl>
+                                          </p:spTgt>
+                                        </p:tgtEl>
+                                        <p:attrNameLst>
+                                          <p:attrName>style.visibility</p:attrName>
+                                        </p:attrNameLst>
+                                      </p:cBhvr>
+                                      <p:to>
+                                        <p:strVal val="visible"/>
+                                      </p:to>
+                                    </p:set>
+                                    <p:animEffect transition="in" filter="wipe(up)">
+                                      <p:cBhvr>
+                                        <p:cTn id="22" dur="500"/>
                                         <p:tgtEl>
                                           <p:spTgt spid="3">
                                             <p:txEl>
@@ -6314,7 +6692,6 @@
               <a:rPr lang="sv-SE" dirty="0" smtClean="0"/>
               <a:t>)</a:t>
             </a:r>
-            <a:endParaRPr lang="sv-SE" dirty="0" smtClean="0"/>
           </a:p>
           <a:p>
             <a:pPr lvl="1"/>
@@ -6334,7 +6711,6 @@
               <a:rPr lang="sv-SE" dirty="0" smtClean="0"/>
               <a:t>)  </a:t>
             </a:r>
-            <a:endParaRPr lang="sv-SE" dirty="0" smtClean="0"/>
           </a:p>
           <a:p>
             <a:pPr lvl="1"/>
@@ -6354,7 +6730,6 @@
               <a:rPr lang="sv-SE" dirty="0" smtClean="0"/>
               <a:t>) </a:t>
             </a:r>
-            <a:endParaRPr lang="sv-SE" dirty="0" smtClean="0"/>
           </a:p>
           <a:p>
             <a:pPr lvl="1"/>
@@ -6364,11 +6739,7 @@
             </a:r>
             <a:r>
               <a:rPr lang="sv-SE" dirty="0" smtClean="0"/>
-              <a:t> </a:t>
-            </a:r>
-            <a:r>
-              <a:rPr lang="sv-SE" dirty="0" smtClean="0"/>
-              <a:t>report (5 </a:t>
+              <a:t> report (5 </a:t>
             </a:r>
             <a:r>
               <a:rPr lang="sv-SE" dirty="0" err="1" smtClean="0"/>
@@ -6378,7 +6749,6 @@
               <a:rPr lang="sv-SE" dirty="0" smtClean="0"/>
               <a:t>)</a:t>
             </a:r>
-            <a:endParaRPr lang="sv-SE" dirty="0" smtClean="0"/>
           </a:p>
           <a:p>
             <a:endParaRPr lang="sv-SE" dirty="0"/>
@@ -6412,7 +6782,7 @@
                             </p:stCondLst>
                             <p:childTnLst>
                               <p:par>
-                                <p:cTn id="5" presetID="22" presetClass="entr" presetSubtype="4" fill="hold" grpId="0" nodeType="clickEffect">
+                                <p:cTn id="5" presetID="22" presetClass="entr" presetSubtype="1" fill="hold" grpId="0" nodeType="clickEffect">
                                   <p:stCondLst>
                                     <p:cond delay="0"/>
                                   </p:stCondLst>
@@ -6439,7 +6809,7 @@
                                         <p:strVal val="visible"/>
                                       </p:to>
                                     </p:set>
-                                    <p:animEffect transition="in" filter="wipe(down)">
+                                    <p:animEffect transition="in" filter="wipe(up)">
                                       <p:cBhvr>
                                         <p:cTn id="7" dur="500"/>
                                         <p:tgtEl>
@@ -6473,7 +6843,7 @@
                             </p:stCondLst>
                             <p:childTnLst>
                               <p:par>
-                                <p:cTn id="10" presetID="22" presetClass="entr" presetSubtype="4" fill="hold" grpId="0" nodeType="clickEffect">
+                                <p:cTn id="10" presetID="22" presetClass="entr" presetSubtype="1" fill="hold" grpId="0" nodeType="clickEffect">
                                   <p:stCondLst>
                                     <p:cond delay="0"/>
                                   </p:stCondLst>
@@ -6500,7 +6870,7 @@
                                         <p:strVal val="visible"/>
                                       </p:to>
                                     </p:set>
-                                    <p:animEffect transition="in" filter="wipe(down)">
+                                    <p:animEffect transition="in" filter="wipe(up)">
                                       <p:cBhvr>
                                         <p:cTn id="12" dur="500"/>
                                         <p:tgtEl>
@@ -6534,7 +6904,7 @@
                             </p:stCondLst>
                             <p:childTnLst>
                               <p:par>
-                                <p:cTn id="15" presetID="22" presetClass="entr" presetSubtype="4" fill="hold" grpId="0" nodeType="clickEffect">
+                                <p:cTn id="15" presetID="22" presetClass="entr" presetSubtype="1" fill="hold" grpId="0" nodeType="clickEffect">
                                   <p:stCondLst>
                                     <p:cond delay="0"/>
                                   </p:stCondLst>
@@ -6561,7 +6931,7 @@
                                         <p:strVal val="visible"/>
                                       </p:to>
                                     </p:set>
-                                    <p:animEffect transition="in" filter="wipe(down)">
+                                    <p:animEffect transition="in" filter="wipe(up)">
                                       <p:cBhvr>
                                         <p:cTn id="17" dur="500"/>
                                         <p:tgtEl>
@@ -6576,15 +6946,33 @@
                                   </p:childTnLst>
                                 </p:cTn>
                               </p:par>
+                            </p:childTnLst>
+                          </p:cTn>
+                        </p:par>
+                      </p:childTnLst>
+                    </p:cTn>
+                  </p:par>
+                  <p:par>
+                    <p:cTn id="18" fill="hold">
+                      <p:stCondLst>
+                        <p:cond delay="indefinite"/>
+                      </p:stCondLst>
+                      <p:childTnLst>
+                        <p:par>
+                          <p:cTn id="19" fill="hold">
+                            <p:stCondLst>
+                              <p:cond delay="0"/>
+                            </p:stCondLst>
+                            <p:childTnLst>
                               <p:par>
-                                <p:cTn id="18" presetID="22" presetClass="entr" presetSubtype="4" fill="hold" grpId="0" nodeType="withEffect">
+                                <p:cTn id="20" presetID="22" presetClass="entr" presetSubtype="1" fill="hold" grpId="0" nodeType="clickEffect">
                                   <p:stCondLst>
                                     <p:cond delay="0"/>
                                   </p:stCondLst>
                                   <p:childTnLst>
                                     <p:set>
                                       <p:cBhvr>
-                                        <p:cTn id="19" dur="1" fill="hold">
+                                        <p:cTn id="21" dur="1" fill="hold">
                                           <p:stCondLst>
                                             <p:cond delay="0"/>
                                           </p:stCondLst>
@@ -6604,9 +6992,9 @@
                                         <p:strVal val="visible"/>
                                       </p:to>
                                     </p:set>
-                                    <p:animEffect transition="in" filter="wipe(down)">
-                                      <p:cBhvr>
-                                        <p:cTn id="20" dur="500"/>
+                                    <p:animEffect transition="in" filter="wipe(up)">
+                                      <p:cBhvr>
+                                        <p:cTn id="22" dur="500"/>
                                         <p:tgtEl>
                                           <p:spTgt spid="3">
                                             <p:txEl>
@@ -6619,15 +7007,33 @@
                                   </p:childTnLst>
                                 </p:cTn>
                               </p:par>
+                            </p:childTnLst>
+                          </p:cTn>
+                        </p:par>
+                      </p:childTnLst>
+                    </p:cTn>
+                  </p:par>
+                  <p:par>
+                    <p:cTn id="23" fill="hold">
+                      <p:stCondLst>
+                        <p:cond delay="indefinite"/>
+                      </p:stCondLst>
+                      <p:childTnLst>
+                        <p:par>
+                          <p:cTn id="24" fill="hold">
+                            <p:stCondLst>
+                              <p:cond delay="0"/>
+                            </p:stCondLst>
+                            <p:childTnLst>
                               <p:par>
-                                <p:cTn id="21" presetID="22" presetClass="entr" presetSubtype="4" fill="hold" grpId="0" nodeType="withEffect">
+                                <p:cTn id="25" presetID="22" presetClass="entr" presetSubtype="1" fill="hold" grpId="0" nodeType="clickEffect">
                                   <p:stCondLst>
                                     <p:cond delay="0"/>
                                   </p:stCondLst>
                                   <p:childTnLst>
                                     <p:set>
                                       <p:cBhvr>
-                                        <p:cTn id="22" dur="1" fill="hold">
+                                        <p:cTn id="26" dur="1" fill="hold">
                                           <p:stCondLst>
                                             <p:cond delay="0"/>
                                           </p:stCondLst>
@@ -6647,9 +7053,9 @@
                                         <p:strVal val="visible"/>
                                       </p:to>
                                     </p:set>
-                                    <p:animEffect transition="in" filter="wipe(down)">
-                                      <p:cBhvr>
-                                        <p:cTn id="23" dur="500"/>
+                                    <p:animEffect transition="in" filter="wipe(up)">
+                                      <p:cBhvr>
+                                        <p:cTn id="27" dur="500"/>
                                         <p:tgtEl>
                                           <p:spTgt spid="3">
                                             <p:txEl>
@@ -6662,15 +7068,33 @@
                                   </p:childTnLst>
                                 </p:cTn>
                               </p:par>
+                            </p:childTnLst>
+                          </p:cTn>
+                        </p:par>
+                      </p:childTnLst>
+                    </p:cTn>
+                  </p:par>
+                  <p:par>
+                    <p:cTn id="28" fill="hold">
+                      <p:stCondLst>
+                        <p:cond delay="indefinite"/>
+                      </p:stCondLst>
+                      <p:childTnLst>
+                        <p:par>
+                          <p:cTn id="29" fill="hold">
+                            <p:stCondLst>
+                              <p:cond delay="0"/>
+                            </p:stCondLst>
+                            <p:childTnLst>
                               <p:par>
-                                <p:cTn id="24" presetID="22" presetClass="entr" presetSubtype="4" fill="hold" grpId="0" nodeType="withEffect">
+                                <p:cTn id="30" presetID="22" presetClass="entr" presetSubtype="1" fill="hold" grpId="0" nodeType="clickEffect">
                                   <p:stCondLst>
                                     <p:cond delay="0"/>
                                   </p:stCondLst>
                                   <p:childTnLst>
                                     <p:set>
                                       <p:cBhvr>
-                                        <p:cTn id="25" dur="1" fill="hold">
+                                        <p:cTn id="31" dur="1" fill="hold">
                                           <p:stCondLst>
                                             <p:cond delay="0"/>
                                           </p:stCondLst>
@@ -6690,9 +7114,9 @@
                                         <p:strVal val="visible"/>
                                       </p:to>
                                     </p:set>
-                                    <p:animEffect transition="in" filter="wipe(down)">
-                                      <p:cBhvr>
-                                        <p:cTn id="26" dur="500"/>
+                                    <p:animEffect transition="in" filter="wipe(up)">
+                                      <p:cBhvr>
+                                        <p:cTn id="32" dur="500"/>
                                         <p:tgtEl>
                                           <p:spTgt spid="3">
                                             <p:txEl>
@@ -6705,15 +7129,33 @@
                                   </p:childTnLst>
                                 </p:cTn>
                               </p:par>
+                            </p:childTnLst>
+                          </p:cTn>
+                        </p:par>
+                      </p:childTnLst>
+                    </p:cTn>
+                  </p:par>
+                  <p:par>
+                    <p:cTn id="33" fill="hold">
+                      <p:stCondLst>
+                        <p:cond delay="indefinite"/>
+                      </p:stCondLst>
+                      <p:childTnLst>
+                        <p:par>
+                          <p:cTn id="34" fill="hold">
+                            <p:stCondLst>
+                              <p:cond delay="0"/>
+                            </p:stCondLst>
+                            <p:childTnLst>
                               <p:par>
-                                <p:cTn id="27" presetID="22" presetClass="entr" presetSubtype="4" fill="hold" grpId="0" nodeType="withEffect">
+                                <p:cTn id="35" presetID="22" presetClass="entr" presetSubtype="1" fill="hold" grpId="0" nodeType="clickEffect">
                                   <p:stCondLst>
                                     <p:cond delay="0"/>
                                   </p:stCondLst>
                                   <p:childTnLst>
                                     <p:set>
                                       <p:cBhvr>
-                                        <p:cTn id="28" dur="1" fill="hold">
+                                        <p:cTn id="36" dur="1" fill="hold">
                                           <p:stCondLst>
                                             <p:cond delay="0"/>
                                           </p:stCondLst>
@@ -6733,9 +7175,9 @@
                                         <p:strVal val="visible"/>
                                       </p:to>
                                     </p:set>
-                                    <p:animEffect transition="in" filter="wipe(down)">
-                                      <p:cBhvr>
-                                        <p:cTn id="29" dur="500"/>
+                                    <p:animEffect transition="in" filter="wipe(up)">
+                                      <p:cBhvr>
+                                        <p:cTn id="37" dur="500"/>
                                         <p:tgtEl>
                                           <p:spTgt spid="3">
                                             <p:txEl>
@@ -6930,7 +7372,6 @@
               <a:rPr lang="sv-SE" dirty="0" smtClean="0"/>
               <a:t> parts</a:t>
             </a:r>
-            <a:endParaRPr lang="sv-SE" dirty="0" smtClean="0"/>
           </a:p>
         </p:txBody>
       </p:sp>
@@ -6961,7 +7402,7 @@
                             </p:stCondLst>
                             <p:childTnLst>
                               <p:par>
-                                <p:cTn id="5" presetID="22" presetClass="entr" presetSubtype="4" fill="hold" grpId="0" nodeType="clickEffect">
+                                <p:cTn id="5" presetID="22" presetClass="entr" presetSubtype="1" fill="hold" grpId="0" nodeType="clickEffect">
                                   <p:stCondLst>
                                     <p:cond delay="0"/>
                                   </p:stCondLst>
@@ -6988,142 +7429,13 @@
                                         <p:strVal val="visible"/>
                                       </p:to>
                                     </p:set>
-                                    <p:animEffect transition="in" filter="wipe(down)">
+                                    <p:animEffect transition="in" filter="wipe(up)">
                                       <p:cBhvr>
                                         <p:cTn id="7" dur="500"/>
                                         <p:tgtEl>
                                           <p:spTgt spid="3">
                                             <p:txEl>
                                               <p:pRg st="0" end="0"/>
-                                            </p:txEl>
-                                          </p:spTgt>
-                                        </p:tgtEl>
-                                      </p:cBhvr>
-                                    </p:animEffect>
-                                  </p:childTnLst>
-                                </p:cTn>
-                              </p:par>
-                              <p:par>
-                                <p:cTn id="8" presetID="22" presetClass="entr" presetSubtype="4" fill="hold" grpId="0" nodeType="withEffect">
-                                  <p:stCondLst>
-                                    <p:cond delay="0"/>
-                                  </p:stCondLst>
-                                  <p:childTnLst>
-                                    <p:set>
-                                      <p:cBhvr>
-                                        <p:cTn id="9" dur="1" fill="hold">
-                                          <p:stCondLst>
-                                            <p:cond delay="0"/>
-                                          </p:stCondLst>
-                                        </p:cTn>
-                                        <p:tgtEl>
-                                          <p:spTgt spid="3">
-                                            <p:txEl>
-                                              <p:pRg st="1" end="1"/>
-                                            </p:txEl>
-                                          </p:spTgt>
-                                        </p:tgtEl>
-                                        <p:attrNameLst>
-                                          <p:attrName>style.visibility</p:attrName>
-                                        </p:attrNameLst>
-                                      </p:cBhvr>
-                                      <p:to>
-                                        <p:strVal val="visible"/>
-                                      </p:to>
-                                    </p:set>
-                                    <p:animEffect transition="in" filter="wipe(down)">
-                                      <p:cBhvr>
-                                        <p:cTn id="10" dur="500"/>
-                                        <p:tgtEl>
-                                          <p:spTgt spid="3">
-                                            <p:txEl>
-                                              <p:pRg st="1" end="1"/>
-                                            </p:txEl>
-                                          </p:spTgt>
-                                        </p:tgtEl>
-                                      </p:cBhvr>
-                                    </p:animEffect>
-                                  </p:childTnLst>
-                                </p:cTn>
-                              </p:par>
-                              <p:par>
-                                <p:cTn id="11" presetID="22" presetClass="entr" presetSubtype="4" fill="hold" grpId="0" nodeType="withEffect">
-                                  <p:stCondLst>
-                                    <p:cond delay="0"/>
-                                  </p:stCondLst>
-                                  <p:childTnLst>
-                                    <p:set>
-                                      <p:cBhvr>
-                                        <p:cTn id="12" dur="1" fill="hold">
-                                          <p:stCondLst>
-                                            <p:cond delay="0"/>
-                                          </p:stCondLst>
-                                        </p:cTn>
-                                        <p:tgtEl>
-                                          <p:spTgt spid="3">
-                                            <p:txEl>
-                                              <p:pRg st="2" end="2"/>
-                                            </p:txEl>
-                                          </p:spTgt>
-                                        </p:tgtEl>
-                                        <p:attrNameLst>
-                                          <p:attrName>style.visibility</p:attrName>
-                                        </p:attrNameLst>
-                                      </p:cBhvr>
-                                      <p:to>
-                                        <p:strVal val="visible"/>
-                                      </p:to>
-                                    </p:set>
-                                    <p:animEffect transition="in" filter="wipe(down)">
-                                      <p:cBhvr>
-                                        <p:cTn id="13" dur="500"/>
-                                        <p:tgtEl>
-                                          <p:spTgt spid="3">
-                                            <p:txEl>
-                                              <p:pRg st="2" end="2"/>
-                                            </p:txEl>
-                                          </p:spTgt>
-                                        </p:tgtEl>
-                                      </p:cBhvr>
-                                    </p:animEffect>
-                                  </p:childTnLst>
-                                </p:cTn>
-                              </p:par>
-                              <p:par>
-                                <p:cTn id="14" presetID="22" presetClass="entr" presetSubtype="4" fill="hold" grpId="0" nodeType="withEffect">
-                                  <p:stCondLst>
-                                    <p:cond delay="0"/>
-                                  </p:stCondLst>
-                                  <p:childTnLst>
-                                    <p:set>
-                                      <p:cBhvr>
-                                        <p:cTn id="15" dur="1" fill="hold">
-                                          <p:stCondLst>
-                                            <p:cond delay="0"/>
-                                          </p:stCondLst>
-                                        </p:cTn>
-                                        <p:tgtEl>
-                                          <p:spTgt spid="3">
-                                            <p:txEl>
-                                              <p:pRg st="3" end="3"/>
-                                            </p:txEl>
-                                          </p:spTgt>
-                                        </p:tgtEl>
-                                        <p:attrNameLst>
-                                          <p:attrName>style.visibility</p:attrName>
-                                        </p:attrNameLst>
-                                      </p:cBhvr>
-                                      <p:to>
-                                        <p:strVal val="visible"/>
-                                      </p:to>
-                                    </p:set>
-                                    <p:animEffect transition="in" filter="wipe(down)">
-                                      <p:cBhvr>
-                                        <p:cTn id="16" dur="500"/>
-                                        <p:tgtEl>
-                                          <p:spTgt spid="3">
-                                            <p:txEl>
-                                              <p:pRg st="3" end="3"/>
                                             </p:txEl>
                                           </p:spTgt>
                                         </p:tgtEl>
@@ -7139,26 +7451,26 @@
                     </p:cTn>
                   </p:par>
                   <p:par>
-                    <p:cTn id="17" fill="hold">
+                    <p:cTn id="8" fill="hold">
                       <p:stCondLst>
                         <p:cond delay="indefinite"/>
                       </p:stCondLst>
                       <p:childTnLst>
                         <p:par>
-                          <p:cTn id="18" fill="hold">
+                          <p:cTn id="9" fill="hold">
                             <p:stCondLst>
                               <p:cond delay="0"/>
                             </p:stCondLst>
                             <p:childTnLst>
                               <p:par>
-                                <p:cTn id="19" presetID="22" presetClass="entr" presetSubtype="4" fill="hold" grpId="0" nodeType="clickEffect">
+                                <p:cTn id="10" presetID="22" presetClass="entr" presetSubtype="1" fill="hold" grpId="0" nodeType="clickEffect">
                                   <p:stCondLst>
                                     <p:cond delay="0"/>
                                   </p:stCondLst>
                                   <p:childTnLst>
                                     <p:set>
                                       <p:cBhvr>
-                                        <p:cTn id="20" dur="1" fill="hold">
+                                        <p:cTn id="11" dur="1" fill="hold">
                                           <p:stCondLst>
                                             <p:cond delay="0"/>
                                           </p:stCondLst>
@@ -7166,7 +7478,7 @@
                                         <p:tgtEl>
                                           <p:spTgt spid="3">
                                             <p:txEl>
-                                              <p:pRg st="4" end="4"/>
+                                              <p:pRg st="1" end="1"/>
                                             </p:txEl>
                                           </p:spTgt>
                                         </p:tgtEl>
@@ -7178,13 +7490,13 @@
                                         <p:strVal val="visible"/>
                                       </p:to>
                                     </p:set>
-                                    <p:animEffect transition="in" filter="wipe(down)">
-                                      <p:cBhvr>
-                                        <p:cTn id="21" dur="500"/>
+                                    <p:animEffect transition="in" filter="wipe(up)">
+                                      <p:cBhvr>
+                                        <p:cTn id="12" dur="500"/>
                                         <p:tgtEl>
                                           <p:spTgt spid="3">
                                             <p:txEl>
-                                              <p:pRg st="4" end="4"/>
+                                              <p:pRg st="1" end="1"/>
                                             </p:txEl>
                                           </p:spTgt>
                                         </p:tgtEl>
@@ -7193,15 +7505,33 @@
                                   </p:childTnLst>
                                 </p:cTn>
                               </p:par>
+                            </p:childTnLst>
+                          </p:cTn>
+                        </p:par>
+                      </p:childTnLst>
+                    </p:cTn>
+                  </p:par>
+                  <p:par>
+                    <p:cTn id="13" fill="hold">
+                      <p:stCondLst>
+                        <p:cond delay="indefinite"/>
+                      </p:stCondLst>
+                      <p:childTnLst>
+                        <p:par>
+                          <p:cTn id="14" fill="hold">
+                            <p:stCondLst>
+                              <p:cond delay="0"/>
+                            </p:stCondLst>
+                            <p:childTnLst>
                               <p:par>
-                                <p:cTn id="22" presetID="22" presetClass="entr" presetSubtype="4" fill="hold" grpId="0" nodeType="withEffect">
+                                <p:cTn id="15" presetID="22" presetClass="entr" presetSubtype="1" fill="hold" grpId="0" nodeType="clickEffect">
                                   <p:stCondLst>
                                     <p:cond delay="0"/>
                                   </p:stCondLst>
                                   <p:childTnLst>
                                     <p:set>
                                       <p:cBhvr>
-                                        <p:cTn id="23" dur="1" fill="hold">
+                                        <p:cTn id="16" dur="1" fill="hold">
                                           <p:stCondLst>
                                             <p:cond delay="0"/>
                                           </p:stCondLst>
@@ -7209,7 +7539,7 @@
                                         <p:tgtEl>
                                           <p:spTgt spid="3">
                                             <p:txEl>
-                                              <p:pRg st="5" end="5"/>
+                                              <p:pRg st="2" end="2"/>
                                             </p:txEl>
                                           </p:spTgt>
                                         </p:tgtEl>
@@ -7221,13 +7551,13 @@
                                         <p:strVal val="visible"/>
                                       </p:to>
                                     </p:set>
-                                    <p:animEffect transition="in" filter="wipe(down)">
-                                      <p:cBhvr>
-                                        <p:cTn id="24" dur="500"/>
+                                    <p:animEffect transition="in" filter="wipe(up)">
+                                      <p:cBhvr>
+                                        <p:cTn id="17" dur="500"/>
                                         <p:tgtEl>
                                           <p:spTgt spid="3">
                                             <p:txEl>
-                                              <p:pRg st="5" end="5"/>
+                                              <p:pRg st="2" end="2"/>
                                             </p:txEl>
                                           </p:spTgt>
                                         </p:tgtEl>
@@ -7236,14 +7566,93 @@
                                   </p:childTnLst>
                                 </p:cTn>
                               </p:par>
+                            </p:childTnLst>
+                          </p:cTn>
+                        </p:par>
+                      </p:childTnLst>
+                    </p:cTn>
+                  </p:par>
+                  <p:par>
+                    <p:cTn id="18" fill="hold">
+                      <p:stCondLst>
+                        <p:cond delay="indefinite"/>
+                      </p:stCondLst>
+                      <p:childTnLst>
+                        <p:par>
+                          <p:cTn id="19" fill="hold">
+                            <p:stCondLst>
+                              <p:cond delay="0"/>
+                            </p:stCondLst>
+                            <p:childTnLst>
                               <p:par>
-                                <p:cTn id="25" presetID="22" presetClass="entr" presetSubtype="4" fill="hold" grpId="0" nodeType="withEffect">
+                                <p:cTn id="20" presetID="22" presetClass="entr" presetSubtype="1" fill="hold" grpId="0" nodeType="clickEffect">
                                   <p:stCondLst>
                                     <p:cond delay="0"/>
                                   </p:stCondLst>
                                   <p:childTnLst>
                                     <p:set>
                                       <p:cBhvr>
+                                        <p:cTn id="21" dur="1" fill="hold">
+                                          <p:stCondLst>
+                                            <p:cond delay="0"/>
+                                          </p:stCondLst>
+                                        </p:cTn>
+                                        <p:tgtEl>
+                                          <p:spTgt spid="3">
+                                            <p:txEl>
+                                              <p:pRg st="3" end="3"/>
+                                            </p:txEl>
+                                          </p:spTgt>
+                                        </p:tgtEl>
+                                        <p:attrNameLst>
+                                          <p:attrName>style.visibility</p:attrName>
+                                        </p:attrNameLst>
+                                      </p:cBhvr>
+                                      <p:to>
+                                        <p:strVal val="visible"/>
+                                      </p:to>
+                                    </p:set>
+                                    <p:animEffect transition="in" filter="wipe(up)">
+                                      <p:cBhvr>
+                                        <p:cTn id="22" dur="500"/>
+                                        <p:tgtEl>
+                                          <p:spTgt spid="3">
+                                            <p:txEl>
+                                              <p:pRg st="3" end="3"/>
+                                            </p:txEl>
+                                          </p:spTgt>
+                                        </p:tgtEl>
+                                      </p:cBhvr>
+                                    </p:animEffect>
+                                  </p:childTnLst>
+                                </p:cTn>
+                              </p:par>
+                            </p:childTnLst>
+                          </p:cTn>
+                        </p:par>
+                      </p:childTnLst>
+                    </p:cTn>
+                  </p:par>
+                  <p:par>
+                    <p:cTn id="23" fill="hold">
+                      <p:stCondLst>
+                        <p:cond delay="indefinite"/>
+                      </p:stCondLst>
+                      <p:childTnLst>
+                        <p:par>
+                          <p:cTn id="24" fill="hold">
+                            <p:stCondLst>
+                              <p:cond delay="0"/>
+                            </p:stCondLst>
+                            <p:childTnLst>
+                              <p:par>
+                                <p:cTn id="25" presetID="22" presetClass="entr" presetSubtype="1" fill="hold" grpId="0" nodeType="clickEffect">
+                                  <p:stCondLst>
+                                    <p:cond delay="0"/>
+                                  </p:stCondLst>
+                                  <p:childTnLst>
+                                    <p:set>
+                                      <p:cBhvr>
                                         <p:cTn id="26" dur="1" fill="hold">
                                           <p:stCondLst>
                                             <p:cond delay="0"/>
@@ -7252,7 +7661,7 @@
                                         <p:tgtEl>
                                           <p:spTgt spid="3">
                                             <p:txEl>
-                                              <p:pRg st="6" end="6"/>
+                                              <p:pRg st="4" end="4"/>
                                             </p:txEl>
                                           </p:spTgt>
                                         </p:tgtEl>
@@ -7264,13 +7673,13 @@
                                         <p:strVal val="visible"/>
                                       </p:to>
                                     </p:set>
-                                    <p:animEffect transition="in" filter="wipe(down)">
+                                    <p:animEffect transition="in" filter="wipe(up)">
                                       <p:cBhvr>
                                         <p:cTn id="27" dur="500"/>
                                         <p:tgtEl>
                                           <p:spTgt spid="3">
                                             <p:txEl>
-                                              <p:pRg st="6" end="6"/>
+                                              <p:pRg st="4" end="4"/>
                                             </p:txEl>
                                           </p:spTgt>
                                         </p:tgtEl>
@@ -7279,15 +7688,33 @@
                                   </p:childTnLst>
                                 </p:cTn>
                               </p:par>
+                            </p:childTnLst>
+                          </p:cTn>
+                        </p:par>
+                      </p:childTnLst>
+                    </p:cTn>
+                  </p:par>
+                  <p:par>
+                    <p:cTn id="28" fill="hold">
+                      <p:stCondLst>
+                        <p:cond delay="indefinite"/>
+                      </p:stCondLst>
+                      <p:childTnLst>
+                        <p:par>
+                          <p:cTn id="29" fill="hold">
+                            <p:stCondLst>
+                              <p:cond delay="0"/>
+                            </p:stCondLst>
+                            <p:childTnLst>
                               <p:par>
-                                <p:cTn id="28" presetID="22" presetClass="entr" presetSubtype="4" fill="hold" grpId="0" nodeType="withEffect">
+                                <p:cTn id="30" presetID="22" presetClass="entr" presetSubtype="1" fill="hold" grpId="0" nodeType="clickEffect">
                                   <p:stCondLst>
                                     <p:cond delay="0"/>
                                   </p:stCondLst>
                                   <p:childTnLst>
                                     <p:set>
                                       <p:cBhvr>
-                                        <p:cTn id="29" dur="1" fill="hold">
+                                        <p:cTn id="31" dur="1" fill="hold">
                                           <p:stCondLst>
                                             <p:cond delay="0"/>
                                           </p:stCondLst>
@@ -7295,7 +7722,7 @@
                                         <p:tgtEl>
                                           <p:spTgt spid="3">
                                             <p:txEl>
-                                              <p:pRg st="7" end="7"/>
+                                              <p:pRg st="5" end="5"/>
                                             </p:txEl>
                                           </p:spTgt>
                                         </p:tgtEl>
@@ -7307,9 +7734,131 @@
                                         <p:strVal val="visible"/>
                                       </p:to>
                                     </p:set>
-                                    <p:animEffect transition="in" filter="wipe(down)">
-                                      <p:cBhvr>
-                                        <p:cTn id="30" dur="500"/>
+                                    <p:animEffect transition="in" filter="wipe(up)">
+                                      <p:cBhvr>
+                                        <p:cTn id="32" dur="500"/>
+                                        <p:tgtEl>
+                                          <p:spTgt spid="3">
+                                            <p:txEl>
+                                              <p:pRg st="5" end="5"/>
+                                            </p:txEl>
+                                          </p:spTgt>
+                                        </p:tgtEl>
+                                      </p:cBhvr>
+                                    </p:animEffect>
+                                  </p:childTnLst>
+                                </p:cTn>
+                              </p:par>
+                            </p:childTnLst>
+                          </p:cTn>
+                        </p:par>
+                      </p:childTnLst>
+                    </p:cTn>
+                  </p:par>
+                  <p:par>
+                    <p:cTn id="33" fill="hold">
+                      <p:stCondLst>
+                        <p:cond delay="indefinite"/>
+                      </p:stCondLst>
+                      <p:childTnLst>
+                        <p:par>
+                          <p:cTn id="34" fill="hold">
+                            <p:stCondLst>
+                              <p:cond delay="0"/>
+                            </p:stCondLst>
+                            <p:childTnLst>
+                              <p:par>
+                                <p:cTn id="35" presetID="22" presetClass="entr" presetSubtype="1" fill="hold" grpId="0" nodeType="clickEffect">
+                                  <p:stCondLst>
+                                    <p:cond delay="0"/>
+                                  </p:stCondLst>
+                                  <p:childTnLst>
+                                    <p:set>
+                                      <p:cBhvr>
+                                        <p:cTn id="36" dur="1" fill="hold">
+                                          <p:stCondLst>
+                                            <p:cond delay="0"/>
+                                          </p:stCondLst>
+                                        </p:cTn>
+                                        <p:tgtEl>
+                                          <p:spTgt spid="3">
+                                            <p:txEl>
+                                              <p:pRg st="6" end="6"/>
+                                            </p:txEl>
+                                          </p:spTgt>
+                                        </p:tgtEl>
+                                        <p:attrNameLst>
+                                          <p:attrName>style.visibility</p:attrName>
+                                        </p:attrNameLst>
+                                      </p:cBhvr>
+                                      <p:to>
+                                        <p:strVal val="visible"/>
+                                      </p:to>
+                                    </p:set>
+                                    <p:animEffect transition="in" filter="wipe(up)">
+                                      <p:cBhvr>
+                                        <p:cTn id="37" dur="500"/>
+                                        <p:tgtEl>
+                                          <p:spTgt spid="3">
+                                            <p:txEl>
+                                              <p:pRg st="6" end="6"/>
+                                            </p:txEl>
+                                          </p:spTgt>
+                                        </p:tgtEl>
+                                      </p:cBhvr>
+                                    </p:animEffect>
+                                  </p:childTnLst>
+                                </p:cTn>
+                              </p:par>
+                            </p:childTnLst>
+                          </p:cTn>
+                        </p:par>
+                      </p:childTnLst>
+                    </p:cTn>
+                  </p:par>
+                  <p:par>
+                    <p:cTn id="38" fill="hold">
+                      <p:stCondLst>
+                        <p:cond delay="indefinite"/>
+                      </p:stCondLst>
+                      <p:childTnLst>
+                        <p:par>
+                          <p:cTn id="39" fill="hold">
+                            <p:stCondLst>
+                              <p:cond delay="0"/>
+                            </p:stCondLst>
+                            <p:childTnLst>
+                              <p:par>
+                                <p:cTn id="40" presetID="22" presetClass="entr" presetSubtype="1" fill="hold" grpId="0" nodeType="clickEffect">
+                                  <p:stCondLst>
+                                    <p:cond delay="0"/>
+                                  </p:stCondLst>
+                                  <p:childTnLst>
+                                    <p:set>
+                                      <p:cBhvr>
+                                        <p:cTn id="41" dur="1" fill="hold">
+                                          <p:stCondLst>
+                                            <p:cond delay="0"/>
+                                          </p:stCondLst>
+                                        </p:cTn>
+                                        <p:tgtEl>
+                                          <p:spTgt spid="3">
+                                            <p:txEl>
+                                              <p:pRg st="7" end="7"/>
+                                            </p:txEl>
+                                          </p:spTgt>
+                                        </p:tgtEl>
+                                        <p:attrNameLst>
+                                          <p:attrName>style.visibility</p:attrName>
+                                        </p:attrNameLst>
+                                      </p:cBhvr>
+                                      <p:to>
+                                        <p:strVal val="visible"/>
+                                      </p:to>
+                                    </p:set>
+                                    <p:animEffect transition="in" filter="wipe(up)">
+                                      <p:cBhvr>
+                                        <p:cTn id="42" dur="500"/>
                                         <p:tgtEl>
                                           <p:spTgt spid="3">
                                             <p:txEl>
@@ -7461,9 +8010,157 @@
   <p:timing>
     <p:tnLst>
       <p:par>
-        <p:cTn id="1" dur="indefinite" restart="never" nodeType="tmRoot"/>
+        <p:cTn id="1" dur="indefinite" restart="never" nodeType="tmRoot">
+          <p:childTnLst>
+            <p:seq concurrent="1" nextAc="seek">
+              <p:cTn id="2" dur="indefinite" nodeType="mainSeq">
+                <p:childTnLst>
+                  <p:par>
+                    <p:cTn id="3" fill="hold">
+                      <p:stCondLst>
+                        <p:cond delay="indefinite"/>
+                      </p:stCondLst>
+                      <p:childTnLst>
+                        <p:par>
+                          <p:cTn id="4" fill="hold">
+                            <p:stCondLst>
+                              <p:cond delay="0"/>
+                            </p:stCondLst>
+                            <p:childTnLst>
+                              <p:par>
+                                <p:cTn id="5" presetID="22" presetClass="entr" presetSubtype="1" fill="hold" grpId="0" nodeType="clickEffect">
+                                  <p:stCondLst>
+                                    <p:cond delay="0"/>
+                                  </p:stCondLst>
+                                  <p:childTnLst>
+                                    <p:set>
+                                      <p:cBhvr>
+                                        <p:cTn id="6" dur="1" fill="hold">
+                                          <p:stCondLst>
+                                            <p:cond delay="0"/>
+                                          </p:stCondLst>
+                                        </p:cTn>
+                                        <p:tgtEl>
+                                          <p:spTgt spid="8">
+                                            <p:txEl>
+                                              <p:pRg st="0" end="0"/>
+                                            </p:txEl>
+                                          </p:spTgt>
+                                        </p:tgtEl>
+                                        <p:attrNameLst>
+                                          <p:attrName>style.visibility</p:attrName>
+                                        </p:attrNameLst>
+                                      </p:cBhvr>
+                                      <p:to>
+                                        <p:strVal val="visible"/>
+                                      </p:to>
+                                    </p:set>
+                                    <p:animEffect transition="in" filter="wipe(up)">
+                                      <p:cBhvr>
+                                        <p:cTn id="7" dur="500"/>
+                                        <p:tgtEl>
+                                          <p:spTgt spid="8">
+                                            <p:txEl>
+                                              <p:pRg st="0" end="0"/>
+                                            </p:txEl>
+                                          </p:spTgt>
+                                        </p:tgtEl>
+                                      </p:cBhvr>
+                                    </p:animEffect>
+                                  </p:childTnLst>
+                                </p:cTn>
+                              </p:par>
+                            </p:childTnLst>
+                          </p:cTn>
+                        </p:par>
+                      </p:childTnLst>
+                    </p:cTn>
+                  </p:par>
+                  <p:par>
+                    <p:cTn id="8" fill="hold">
+                      <p:stCondLst>
+                        <p:cond delay="indefinite"/>
+                      </p:stCondLst>
+                      <p:childTnLst>
+                        <p:par>
+                          <p:cTn id="9" fill="hold">
+                            <p:stCondLst>
+                              <p:cond delay="0"/>
+                            </p:stCondLst>
+                            <p:childTnLst>
+                              <p:par>
+                                <p:cTn id="10" presetID="22" presetClass="entr" presetSubtype="1" fill="hold" grpId="0" nodeType="clickEffect">
+                                  <p:stCondLst>
+                                    <p:cond delay="0"/>
+                                  </p:stCondLst>
+                                  <p:childTnLst>
+                                    <p:set>
+                                      <p:cBhvr>
+                                        <p:cTn id="11" dur="1" fill="hold">
+                                          <p:stCondLst>
+                                            <p:cond delay="0"/>
+                                          </p:stCondLst>
+                                        </p:cTn>
+                                        <p:tgtEl>
+                                          <p:spTgt spid="8">
+                                            <p:txEl>
+                                              <p:pRg st="1" end="1"/>
+                                            </p:txEl>
+                                          </p:spTgt>
+                                        </p:tgtEl>
+                                        <p:attrNameLst>
+                                          <p:attrName>style.visibility</p:attrName>
+                                        </p:attrNameLst>
+                                      </p:cBhvr>
+                                      <p:to>
+                                        <p:strVal val="visible"/>
+                                      </p:to>
+                                    </p:set>
+                                    <p:animEffect transition="in" filter="wipe(up)">
+                                      <p:cBhvr>
+                                        <p:cTn id="12" dur="500"/>
+                                        <p:tgtEl>
+                                          <p:spTgt spid="8">
+                                            <p:txEl>
+                                              <p:pRg st="1" end="1"/>
+                                            </p:txEl>
+                                          </p:spTgt>
+                                        </p:tgtEl>
+                                      </p:cBhvr>
+                                    </p:animEffect>
+                                  </p:childTnLst>
+                                </p:cTn>
+                              </p:par>
+                            </p:childTnLst>
+                          </p:cTn>
+                        </p:par>
+                      </p:childTnLst>
+                    </p:cTn>
+                  </p:par>
+                </p:childTnLst>
+              </p:cTn>
+              <p:prevCondLst>
+                <p:cond evt="onPrev" delay="0">
+                  <p:tgtEl>
+                    <p:sldTgt/>
+                  </p:tgtEl>
+                </p:cond>
+              </p:prevCondLst>
+              <p:nextCondLst>
+                <p:cond evt="onNext" delay="0">
+                  <p:tgtEl>
+                    <p:sldTgt/>
+                  </p:tgtEl>
+                </p:cond>
+              </p:nextCondLst>
+            </p:seq>
+          </p:childTnLst>
+        </p:cTn>
       </p:par>
     </p:tnLst>
+    <p:bldLst>
+      <p:bldP spid="8" grpId="0" build="p"/>
+    </p:bldLst>
   </p:timing>
 </p:sld>
 </file>
@@ -7597,9 +8294,157 @@
   <p:timing>
     <p:tnLst>
       <p:par>
-        <p:cTn id="1" dur="indefinite" restart="never" nodeType="tmRoot"/>
+        <p:cTn id="1" dur="indefinite" restart="never" nodeType="tmRoot">
+          <p:childTnLst>
+            <p:seq concurrent="1" nextAc="seek">
+              <p:cTn id="2" dur="indefinite" nodeType="mainSeq">
+                <p:childTnLst>
+                  <p:par>
+                    <p:cTn id="3" fill="hold">
+                      <p:stCondLst>
+                        <p:cond delay="indefinite"/>
+                      </p:stCondLst>
+                      <p:childTnLst>
+                        <p:par>
+                          <p:cTn id="4" fill="hold">
+                            <p:stCondLst>
+                              <p:cond delay="0"/>
+                            </p:stCondLst>
+                            <p:childTnLst>
+                              <p:par>
+                                <p:cTn id="5" presetID="22" presetClass="entr" presetSubtype="1" fill="hold" grpId="0" nodeType="clickEffect">
+                                  <p:stCondLst>
+                                    <p:cond delay="0"/>
+                                  </p:stCondLst>
+                                  <p:childTnLst>
+                                    <p:set>
+                                      <p:cBhvr>
+                                        <p:cTn id="6" dur="1" fill="hold">
+                                          <p:stCondLst>
+                                            <p:cond delay="0"/>
+                                          </p:stCondLst>
+                                        </p:cTn>
+                                        <p:tgtEl>
+                                          <p:spTgt spid="3">
+                                            <p:txEl>
+                                              <p:pRg st="0" end="0"/>
+                                            </p:txEl>
+                                          </p:spTgt>
+                                        </p:tgtEl>
+                                        <p:attrNameLst>
+                                          <p:attrName>style.visibility</p:attrName>
+                                        </p:attrNameLst>
+                                      </p:cBhvr>
+                                      <p:to>
+                                        <p:strVal val="visible"/>
+                                      </p:to>
+                                    </p:set>
+                                    <p:animEffect transition="in" filter="wipe(up)">
+                                      <p:cBhvr>
+                                        <p:cTn id="7" dur="500"/>
+                                        <p:tgtEl>
+                                          <p:spTgt spid="3">
+                                            <p:txEl>
+                                              <p:pRg st="0" end="0"/>
+                                            </p:txEl>
+                                          </p:spTgt>
+                                        </p:tgtEl>
+                                      </p:cBhvr>
+                                    </p:animEffect>
+                                  </p:childTnLst>
+                                </p:cTn>
+                              </p:par>
+                            </p:childTnLst>
+                          </p:cTn>
+                        </p:par>
+                      </p:childTnLst>
+                    </p:cTn>
+                  </p:par>
+                  <p:par>
+                    <p:cTn id="8" fill="hold">
+                      <p:stCondLst>
+                        <p:cond delay="indefinite"/>
+                      </p:stCondLst>
+                      <p:childTnLst>
+                        <p:par>
+                          <p:cTn id="9" fill="hold">
+                            <p:stCondLst>
+                              <p:cond delay="0"/>
+                            </p:stCondLst>
+                            <p:childTnLst>
+                              <p:par>
+                                <p:cTn id="10" presetID="22" presetClass="entr" presetSubtype="1" fill="hold" grpId="0" nodeType="clickEffect">
+                                  <p:stCondLst>
+                                    <p:cond delay="0"/>
+                                  </p:stCondLst>
+                                  <p:childTnLst>
+                                    <p:set>
+                                      <p:cBhvr>
+                                        <p:cTn id="11" dur="1" fill="hold">
+                                          <p:stCondLst>
+                                            <p:cond delay="0"/>
+                                          </p:stCondLst>
+                                        </p:cTn>
+                                        <p:tgtEl>
+                                          <p:spTgt spid="3">
+                                            <p:txEl>
+                                              <p:pRg st="1" end="1"/>
+                                            </p:txEl>
+                                          </p:spTgt>
+                                        </p:tgtEl>
+                                        <p:attrNameLst>
+                                          <p:attrName>style.visibility</p:attrName>
+                                        </p:attrNameLst>
+                                      </p:cBhvr>
+                                      <p:to>
+                                        <p:strVal val="visible"/>
+                                      </p:to>
+                                    </p:set>
+                                    <p:animEffect transition="in" filter="wipe(up)">
+                                      <p:cBhvr>
+                                        <p:cTn id="12" dur="500"/>
+                                        <p:tgtEl>
+                                          <p:spTgt spid="3">
+                                            <p:txEl>
+                                              <p:pRg st="1" end="1"/>
+                                            </p:txEl>
+                                          </p:spTgt>
+                                        </p:tgtEl>
+                                      </p:cBhvr>
+                                    </p:animEffect>
+                                  </p:childTnLst>
+                                </p:cTn>
+                              </p:par>
+                            </p:childTnLst>
+                          </p:cTn>
+                        </p:par>
+                      </p:childTnLst>
+                    </p:cTn>
+                  </p:par>
+                </p:childTnLst>
+              </p:cTn>
+              <p:prevCondLst>
+                <p:cond evt="onPrev" delay="0">
+                  <p:tgtEl>
+                    <p:sldTgt/>
+                  </p:tgtEl>
+                </p:cond>
+              </p:prevCondLst>
+              <p:nextCondLst>
+                <p:cond evt="onNext" delay="0">
+                  <p:tgtEl>
+                    <p:sldTgt/>
+                  </p:tgtEl>
+                </p:cond>
+              </p:nextCondLst>
+            </p:seq>
+          </p:childTnLst>
+        </p:cTn>
       </p:par>
     </p:tnLst>
+    <p:bldLst>
+      <p:bldP spid="3" grpId="0" build="p"/>
+    </p:bldLst>
   </p:timing>
 </p:sld>
 </file>
@@ -7762,7 +8607,7 @@
                             </p:stCondLst>
                             <p:childTnLst>
                               <p:par>
-                                <p:cTn id="5" presetID="22" presetClass="entr" presetSubtype="4" fill="hold" grpId="0" nodeType="clickEffect">
+                                <p:cTn id="5" presetID="22" presetClass="entr" presetSubtype="1" fill="hold" grpId="0" nodeType="clickEffect">
                                   <p:stCondLst>
                                     <p:cond delay="0"/>
                                   </p:stCondLst>
@@ -7789,7 +8634,7 @@
                                         <p:strVal val="visible"/>
                                       </p:to>
                                     </p:set>
-                                    <p:animEffect transition="in" filter="wipe(down)">
+                                    <p:animEffect transition="in" filter="wipe(up)">
                                       <p:cBhvr>
                                         <p:cTn id="7" dur="500"/>
                                         <p:tgtEl>
@@ -7823,7 +8668,7 @@
                             </p:stCondLst>
                             <p:childTnLst>
                               <p:par>
-                                <p:cTn id="10" presetID="22" presetClass="entr" presetSubtype="4" fill="hold" grpId="0" nodeType="clickEffect">
+                                <p:cTn id="10" presetID="22" presetClass="entr" presetSubtype="1" fill="hold" grpId="0" nodeType="clickEffect">
                                   <p:stCondLst>
                                     <p:cond delay="0"/>
                                   </p:stCondLst>
@@ -7850,142 +8695,13 @@
                                         <p:strVal val="visible"/>
                                       </p:to>
                                     </p:set>
-                                    <p:animEffect transition="in" filter="wipe(down)">
+                                    <p:animEffect transition="in" filter="wipe(up)">
                                       <p:cBhvr>
                                         <p:cTn id="12" dur="500"/>
                                         <p:tgtEl>
                                           <p:spTgt spid="3">
                                             <p:txEl>
                                               <p:pRg st="1" end="1"/>
-                                            </p:txEl>
-                                          </p:spTgt>
-                                        </p:tgtEl>
-                                      </p:cBhvr>
-                                    </p:animEffect>
-                                  </p:childTnLst>
-                                </p:cTn>
-                              </p:par>
-                              <p:par>
-                                <p:cTn id="13" presetID="22" presetClass="entr" presetSubtype="4" fill="hold" grpId="0" nodeType="withEffect">
-                                  <p:stCondLst>
-                                    <p:cond delay="0"/>
-                                  </p:stCondLst>
-                                  <p:childTnLst>
-                                    <p:set>
-                                      <p:cBhvr>
-                                        <p:cTn id="14" dur="1" fill="hold">
-                                          <p:stCondLst>
-                                            <p:cond delay="0"/>
-                                          </p:stCondLst>
-                                        </p:cTn>
-                                        <p:tgtEl>
-                                          <p:spTgt spid="3">
-                                            <p:txEl>
-                                              <p:pRg st="2" end="2"/>
-                                            </p:txEl>
-                                          </p:spTgt>
-                                        </p:tgtEl>
-                                        <p:attrNameLst>
-                                          <p:attrName>style.visibility</p:attrName>
-                                        </p:attrNameLst>
-                                      </p:cBhvr>
-                                      <p:to>
-                                        <p:strVal val="visible"/>
-                                      </p:to>
-                                    </p:set>
-                                    <p:animEffect transition="in" filter="wipe(down)">
-                                      <p:cBhvr>
-                                        <p:cTn id="15" dur="500"/>
-                                        <p:tgtEl>
-                                          <p:spTgt spid="3">
-                                            <p:txEl>
-                                              <p:pRg st="2" end="2"/>
-                                            </p:txEl>
-                                          </p:spTgt>
-                                        </p:tgtEl>
-                                      </p:cBhvr>
-                                    </p:animEffect>
-                                  </p:childTnLst>
-                                </p:cTn>
-                              </p:par>
-                              <p:par>
-                                <p:cTn id="16" presetID="22" presetClass="entr" presetSubtype="4" fill="hold" grpId="0" nodeType="withEffect">
-                                  <p:stCondLst>
-                                    <p:cond delay="0"/>
-                                  </p:stCondLst>
-                                  <p:childTnLst>
-                                    <p:set>
-                                      <p:cBhvr>
-                                        <p:cTn id="17" dur="1" fill="hold">
-                                          <p:stCondLst>
-                                            <p:cond delay="0"/>
-                                          </p:stCondLst>
-                                        </p:cTn>
-                                        <p:tgtEl>
-                                          <p:spTgt spid="3">
-                                            <p:txEl>
-                                              <p:pRg st="3" end="3"/>
-                                            </p:txEl>
-                                          </p:spTgt>
-                                        </p:tgtEl>
-                                        <p:attrNameLst>
-                                          <p:attrName>style.visibility</p:attrName>
-                                        </p:attrNameLst>
-                                      </p:cBhvr>
-                                      <p:to>
-                                        <p:strVal val="visible"/>
-                                      </p:to>
-                                    </p:set>
-                                    <p:animEffect transition="in" filter="wipe(down)">
-                                      <p:cBhvr>
-                                        <p:cTn id="18" dur="500"/>
-                                        <p:tgtEl>
-                                          <p:spTgt spid="3">
-                                            <p:txEl>
-                                              <p:pRg st="3" end="3"/>
-                                            </p:txEl>
-                                          </p:spTgt>
-                                        </p:tgtEl>
-                                      </p:cBhvr>
-                                    </p:animEffect>
-                                  </p:childTnLst>
-                                </p:cTn>
-                              </p:par>
-                              <p:par>
-                                <p:cTn id="19" presetID="22" presetClass="entr" presetSubtype="4" fill="hold" grpId="0" nodeType="withEffect">
-                                  <p:stCondLst>
-                                    <p:cond delay="0"/>
-                                  </p:stCondLst>
-                                  <p:childTnLst>
-                                    <p:set>
-                                      <p:cBhvr>
-                                        <p:cTn id="20" dur="1" fill="hold">
-                                          <p:stCondLst>
-                                            <p:cond delay="0"/>
-                                          </p:stCondLst>
-                                        </p:cTn>
-                                        <p:tgtEl>
-                                          <p:spTgt spid="3">
-                                            <p:txEl>
-                                              <p:pRg st="4" end="4"/>
-                                            </p:txEl>
-                                          </p:spTgt>
-                                        </p:tgtEl>
-                                        <p:attrNameLst>
-                                          <p:attrName>style.visibility</p:attrName>
-                                        </p:attrNameLst>
-                                      </p:cBhvr>
-                                      <p:to>
-                                        <p:strVal val="visible"/>
-                                      </p:to>
-                                    </p:set>
-                                    <p:animEffect transition="in" filter="wipe(down)">
-                                      <p:cBhvr>
-                                        <p:cTn id="21" dur="500"/>
-                                        <p:tgtEl>
-                                          <p:spTgt spid="3">
-                                            <p:txEl>
-                                              <p:pRg st="4" end="4"/>
                                             </p:txEl>
                                           </p:spTgt>
                                         </p:tgtEl>
@@ -8001,26 +8717,26 @@
                     </p:cTn>
                   </p:par>
                   <p:par>
-                    <p:cTn id="22" fill="hold">
+                    <p:cTn id="13" fill="hold">
                       <p:stCondLst>
                         <p:cond delay="indefinite"/>
                       </p:stCondLst>
                       <p:childTnLst>
                         <p:par>
-                          <p:cTn id="23" fill="hold">
+                          <p:cTn id="14" fill="hold">
                             <p:stCondLst>
                               <p:cond delay="0"/>
                             </p:stCondLst>
                             <p:childTnLst>
                               <p:par>
-                                <p:cTn id="24" presetID="22" presetClass="entr" presetSubtype="4" fill="hold" grpId="0" nodeType="clickEffect">
+                                <p:cTn id="15" presetID="22" presetClass="entr" presetSubtype="1" fill="hold" grpId="0" nodeType="clickEffect">
                                   <p:stCondLst>
                                     <p:cond delay="0"/>
                                   </p:stCondLst>
                                   <p:childTnLst>
                                     <p:set>
                                       <p:cBhvr>
-                                        <p:cTn id="25" dur="1" fill="hold">
+                                        <p:cTn id="16" dur="1" fill="hold">
                                           <p:stCondLst>
                                             <p:cond delay="0"/>
                                           </p:stCondLst>
@@ -8028,7 +8744,7 @@
                                         <p:tgtEl>
                                           <p:spTgt spid="3">
                                             <p:txEl>
-                                              <p:pRg st="5" end="5"/>
+                                              <p:pRg st="2" end="2"/>
                                             </p:txEl>
                                           </p:spTgt>
                                         </p:tgtEl>
@@ -8040,13 +8756,13 @@
                                         <p:strVal val="visible"/>
                                       </p:to>
                                     </p:set>
-                                    <p:animEffect transition="in" filter="wipe(down)">
-                                      <p:cBhvr>
-                                        <p:cTn id="26" dur="500"/>
+                                    <p:animEffect transition="in" filter="wipe(up)">
+                                      <p:cBhvr>
+                                        <p:cTn id="17" dur="500"/>
                                         <p:tgtEl>
                                           <p:spTgt spid="3">
                                             <p:txEl>
-                                              <p:pRg st="5" end="5"/>
+                                              <p:pRg st="2" end="2"/>
                                             </p:txEl>
                                           </p:spTgt>
                                         </p:tgtEl>
@@ -8055,15 +8771,33 @@
                                   </p:childTnLst>
                                 </p:cTn>
                               </p:par>
+                            </p:childTnLst>
+                          </p:cTn>
+                        </p:par>
+                      </p:childTnLst>
+                    </p:cTn>
+                  </p:par>
+                  <p:par>
+                    <p:cTn id="18" fill="hold">
+                      <p:stCondLst>
+                        <p:cond delay="indefinite"/>
+                      </p:stCondLst>
+                      <p:childTnLst>
+                        <p:par>
+                          <p:cTn id="19" fill="hold">
+                            <p:stCondLst>
+                              <p:cond delay="0"/>
+                            </p:stCondLst>
+                            <p:childTnLst>
                               <p:par>
-                                <p:cTn id="27" presetID="22" presetClass="entr" presetSubtype="4" fill="hold" grpId="0" nodeType="withEffect">
+                                <p:cTn id="20" presetID="22" presetClass="entr" presetSubtype="1" fill="hold" grpId="0" nodeType="clickEffect">
                                   <p:stCondLst>
                                     <p:cond delay="0"/>
                                   </p:stCondLst>
                                   <p:childTnLst>
                                     <p:set>
                                       <p:cBhvr>
-                                        <p:cTn id="28" dur="1" fill="hold">
+                                        <p:cTn id="21" dur="1" fill="hold">
                                           <p:stCondLst>
                                             <p:cond delay="0"/>
                                           </p:stCondLst>
@@ -8071,7 +8805,7 @@
                                         <p:tgtEl>
                                           <p:spTgt spid="3">
                                             <p:txEl>
-                                              <p:pRg st="6" end="6"/>
+                                              <p:pRg st="3" end="3"/>
                                             </p:txEl>
                                           </p:spTgt>
                                         </p:tgtEl>
@@ -8083,13 +8817,13 @@
                                         <p:strVal val="visible"/>
                                       </p:to>
                                     </p:set>
-                                    <p:animEffect transition="in" filter="wipe(down)">
-                                      <p:cBhvr>
-                                        <p:cTn id="29" dur="500"/>
+                                    <p:animEffect transition="in" filter="wipe(up)">
+                                      <p:cBhvr>
+                                        <p:cTn id="22" dur="500"/>
                                         <p:tgtEl>
                                           <p:spTgt spid="3">
                                             <p:txEl>
-                                              <p:pRg st="6" end="6"/>
+                                              <p:pRg st="3" end="3"/>
                                             </p:txEl>
                                           </p:spTgt>
                                         </p:tgtEl>
@@ -8098,14 +8832,93 @@
                                   </p:childTnLst>
                                 </p:cTn>
                               </p:par>
+                            </p:childTnLst>
+                          </p:cTn>
+                        </p:par>
+                      </p:childTnLst>
+                    </p:cTn>
+                  </p:par>
+                  <p:par>
+                    <p:cTn id="23" fill="hold">
+                      <p:stCondLst>
+                        <p:cond delay="indefinite"/>
+                      </p:stCondLst>
+                      <p:childTnLst>
+                        <p:par>
+                          <p:cTn id="24" fill="hold">
+                            <p:stCondLst>
+                              <p:cond delay="0"/>
+                            </p:stCondLst>
+                            <p:childTnLst>
                               <p:par>
-                                <p:cTn id="30" presetID="22" presetClass="entr" presetSubtype="4" fill="hold" grpId="0" nodeType="withEffect">
+                                <p:cTn id="25" presetID="22" presetClass="entr" presetSubtype="1" fill="hold" grpId="0" nodeType="clickEffect">
                                   <p:stCondLst>
                                     <p:cond delay="0"/>
                                   </p:stCondLst>
                                   <p:childTnLst>
                                     <p:set>
                                       <p:cBhvr>
+                                        <p:cTn id="26" dur="1" fill="hold">
+                                          <p:stCondLst>
+                                            <p:cond delay="0"/>
+                                          </p:stCondLst>
+                                        </p:cTn>
+                                        <p:tgtEl>
+                                          <p:spTgt spid="3">
+                                            <p:txEl>
+                                              <p:pRg st="4" end="4"/>
+                                            </p:txEl>
+                                          </p:spTgt>
+                                        </p:tgtEl>
+                                        <p:attrNameLst>
+                                          <p:attrName>style.visibility</p:attrName>
+                                        </p:attrNameLst>
+                                      </p:cBhvr>
+                                      <p:to>
+                                        <p:strVal val="visible"/>
+                                      </p:to>
+                                    </p:set>
+                                    <p:animEffect transition="in" filter="wipe(up)">
+                                      <p:cBhvr>
+                                        <p:cTn id="27" dur="500"/>
+                                        <p:tgtEl>
+                                          <p:spTgt spid="3">
+                                            <p:txEl>
+                                              <p:pRg st="4" end="4"/>
+                                            </p:txEl>
+                                          </p:spTgt>
+                                        </p:tgtEl>
+                                      </p:cBhvr>
+                                    </p:animEffect>
+                                  </p:childTnLst>
+                                </p:cTn>
+                              </p:par>
+                            </p:childTnLst>
+                          </p:cTn>
+                        </p:par>
+                      </p:childTnLst>
+                    </p:cTn>
+                  </p:par>
+                  <p:par>
+                    <p:cTn id="28" fill="hold">
+                      <p:stCondLst>
+                        <p:cond delay="indefinite"/>
+                      </p:stCondLst>
+                      <p:childTnLst>
+                        <p:par>
+                          <p:cTn id="29" fill="hold">
+                            <p:stCondLst>
+                              <p:cond delay="0"/>
+                            </p:stCondLst>
+                            <p:childTnLst>
+                              <p:par>
+                                <p:cTn id="30" presetID="22" presetClass="entr" presetSubtype="1" fill="hold" grpId="0" nodeType="clickEffect">
+                                  <p:stCondLst>
+                                    <p:cond delay="0"/>
+                                  </p:stCondLst>
+                                  <p:childTnLst>
+                                    <p:set>
+                                      <p:cBhvr>
                                         <p:cTn id="31" dur="1" fill="hold">
                                           <p:stCondLst>
                                             <p:cond delay="0"/>
@@ -8114,7 +8927,7 @@
                                         <p:tgtEl>
                                           <p:spTgt spid="3">
                                             <p:txEl>
-                                              <p:pRg st="7" end="7"/>
+                                              <p:pRg st="5" end="5"/>
                                             </p:txEl>
                                           </p:spTgt>
                                         </p:tgtEl>
@@ -8126,9 +8939,131 @@
                                         <p:strVal val="visible"/>
                                       </p:to>
                                     </p:set>
-                                    <p:animEffect transition="in" filter="wipe(down)">
+                                    <p:animEffect transition="in" filter="wipe(up)">
                                       <p:cBhvr>
                                         <p:cTn id="32" dur="500"/>
+                                        <p:tgtEl>
+                                          <p:spTgt spid="3">
+                                            <p:txEl>
+                                              <p:pRg st="5" end="5"/>
+                                            </p:txEl>
+                                          </p:spTgt>
+                                        </p:tgtEl>
+                                      </p:cBhvr>
+                                    </p:animEffect>
+                                  </p:childTnLst>
+                                </p:cTn>
+                              </p:par>
+                            </p:childTnLst>
+                          </p:cTn>
+                        </p:par>
+                      </p:childTnLst>
+                    </p:cTn>
+                  </p:par>
+                  <p:par>
+                    <p:cTn id="33" fill="hold">
+                      <p:stCondLst>
+                        <p:cond delay="indefinite"/>
+                      </p:stCondLst>
+                      <p:childTnLst>
+                        <p:par>
+                          <p:cTn id="34" fill="hold">
+                            <p:stCondLst>
+                              <p:cond delay="0"/>
+                            </p:stCondLst>
+                            <p:childTnLst>
+                              <p:par>
+                                <p:cTn id="35" presetID="22" presetClass="entr" presetSubtype="1" fill="hold" grpId="0" nodeType="clickEffect">
+                                  <p:stCondLst>
+                                    <p:cond delay="0"/>
+                                  </p:stCondLst>
+                                  <p:childTnLst>
+                                    <p:set>
+                                      <p:cBhvr>
+                                        <p:cTn id="36" dur="1" fill="hold">
+                                          <p:stCondLst>
+                                            <p:cond delay="0"/>
+                                          </p:stCondLst>
+                                        </p:cTn>
+                                        <p:tgtEl>
+                                          <p:spTgt spid="3">
+                                            <p:txEl>
+                                              <p:pRg st="6" end="6"/>
+                                            </p:txEl>
+                                          </p:spTgt>
+                                        </p:tgtEl>
+                                        <p:attrNameLst>
+                                          <p:attrName>style.visibility</p:attrName>
+                                        </p:attrNameLst>
+                                      </p:cBhvr>
+                                      <p:to>
+                                        <p:strVal val="visible"/>
+                                      </p:to>
+                                    </p:set>
+                                    <p:animEffect transition="in" filter="wipe(up)">
+                                      <p:cBhvr>
+                                        <p:cTn id="37" dur="500"/>
+                                        <p:tgtEl>
+                                          <p:spTgt spid="3">
+                                            <p:txEl>
+                                              <p:pRg st="6" end="6"/>
+                                            </p:txEl>
+                                          </p:spTgt>
+                                        </p:tgtEl>
+                                      </p:cBhvr>
+                                    </p:animEffect>
+                                  </p:childTnLst>
+                                </p:cTn>
+                              </p:par>
+                            </p:childTnLst>
+                          </p:cTn>
+                        </p:par>
+                      </p:childTnLst>
+                    </p:cTn>
+                  </p:par>
+                  <p:par>
+                    <p:cTn id="38" fill="hold">
+                      <p:stCondLst>
+                        <p:cond delay="indefinite"/>
+                      </p:stCondLst>
+                      <p:childTnLst>
+                        <p:par>
+                          <p:cTn id="39" fill="hold">
+                            <p:stCondLst>
+                              <p:cond delay="0"/>
+                            </p:stCondLst>
+                            <p:childTnLst>
+                              <p:par>
+                                <p:cTn id="40" presetID="22" presetClass="entr" presetSubtype="1" fill="hold" grpId="0" nodeType="clickEffect">
+                                  <p:stCondLst>
+                                    <p:cond delay="0"/>
+                                  </p:stCondLst>
+                                  <p:childTnLst>
+                                    <p:set>
+                                      <p:cBhvr>
+                                        <p:cTn id="41" dur="1" fill="hold">
+                                          <p:stCondLst>
+                                            <p:cond delay="0"/>
+                                          </p:stCondLst>
+                                        </p:cTn>
+                                        <p:tgtEl>
+                                          <p:spTgt spid="3">
+                                            <p:txEl>
+                                              <p:pRg st="7" end="7"/>
+                                            </p:txEl>
+                                          </p:spTgt>
+                                        </p:tgtEl>
+                                        <p:attrNameLst>
+                                          <p:attrName>style.visibility</p:attrName>
+                                        </p:attrNameLst>
+                                      </p:cBhvr>
+                                      <p:to>
+                                        <p:strVal val="visible"/>
+                                      </p:to>
+                                    </p:set>
+                                    <p:animEffect transition="in" filter="wipe(up)">
+                                      <p:cBhvr>
+                                        <p:cTn id="42" dur="500"/>
                                         <p:tgtEl>
                                           <p:spTgt spid="3">
                                             <p:txEl>

--- a/presentations/presentation_1.pptx
+++ b/presentations/presentation_1.pptx
@@ -8,16 +8,17 @@
     <p:sldId id="256" r:id="rId2"/>
     <p:sldId id="257" r:id="rId3"/>
     <p:sldId id="267" r:id="rId4"/>
-    <p:sldId id="271" r:id="rId5"/>
-    <p:sldId id="258" r:id="rId6"/>
-    <p:sldId id="259" r:id="rId7"/>
-    <p:sldId id="272" r:id="rId8"/>
-    <p:sldId id="273" r:id="rId9"/>
-    <p:sldId id="261" r:id="rId10"/>
-    <p:sldId id="266" r:id="rId11"/>
-    <p:sldId id="262" r:id="rId12"/>
-    <p:sldId id="264" r:id="rId13"/>
-    <p:sldId id="265" r:id="rId14"/>
+    <p:sldId id="258" r:id="rId5"/>
+    <p:sldId id="259" r:id="rId6"/>
+    <p:sldId id="275" r:id="rId7"/>
+    <p:sldId id="274" r:id="rId8"/>
+    <p:sldId id="272" r:id="rId9"/>
+    <p:sldId id="273" r:id="rId10"/>
+    <p:sldId id="261" r:id="rId11"/>
+    <p:sldId id="266" r:id="rId12"/>
+    <p:sldId id="262" r:id="rId13"/>
+    <p:sldId id="264" r:id="rId14"/>
+    <p:sldId id="265" r:id="rId15"/>
   </p:sldIdLst>
   <p:sldSz cx="9144000" cy="6858000" type="screen4x3"/>
   <p:notesSz cx="6858000" cy="9144000"/>
@@ -254,7 +255,7 @@
             <a:fld id="{2F70612F-D101-4AD4-8F3C-BE6AA2F3E7E9}" type="datetimeFigureOut">
               <a:rPr lang="sv-SE" smtClean="0"/>
               <a:pPr/>
-              <a:t>2014-05-13</a:t>
+              <a:t>2014-05-18</a:t>
             </a:fld>
             <a:endParaRPr lang="sv-SE"/>
           </a:p>
@@ -570,7 +571,7 @@
             <a:fld id="{2F70612F-D101-4AD4-8F3C-BE6AA2F3E7E9}" type="datetimeFigureOut">
               <a:rPr lang="sv-SE" smtClean="0"/>
               <a:pPr/>
-              <a:t>2014-05-13</a:t>
+              <a:t>2014-05-18</a:t>
             </a:fld>
             <a:endParaRPr lang="sv-SE"/>
           </a:p>
@@ -758,7 +759,7 @@
             <a:fld id="{2F70612F-D101-4AD4-8F3C-BE6AA2F3E7E9}" type="datetimeFigureOut">
               <a:rPr lang="sv-SE" smtClean="0"/>
               <a:pPr/>
-              <a:t>2014-05-13</a:t>
+              <a:t>2014-05-18</a:t>
             </a:fld>
             <a:endParaRPr lang="sv-SE"/>
           </a:p>
@@ -936,7 +937,7 @@
             <a:fld id="{2F70612F-D101-4AD4-8F3C-BE6AA2F3E7E9}" type="datetimeFigureOut">
               <a:rPr lang="sv-SE" smtClean="0"/>
               <a:pPr/>
-              <a:t>2014-05-13</a:t>
+              <a:t>2014-05-18</a:t>
             </a:fld>
             <a:endParaRPr lang="sv-SE"/>
           </a:p>
@@ -1207,7 +1208,7 @@
             <a:fld id="{2F70612F-D101-4AD4-8F3C-BE6AA2F3E7E9}" type="datetimeFigureOut">
               <a:rPr lang="sv-SE" smtClean="0"/>
               <a:pPr/>
-              <a:t>2014-05-13</a:t>
+              <a:t>2014-05-18</a:t>
             </a:fld>
             <a:endParaRPr lang="sv-SE"/>
           </a:p>
@@ -1678,7 +1679,7 @@
             <a:fld id="{2F70612F-D101-4AD4-8F3C-BE6AA2F3E7E9}" type="datetimeFigureOut">
               <a:rPr lang="sv-SE" smtClean="0"/>
               <a:pPr/>
-              <a:t>2014-05-13</a:t>
+              <a:t>2014-05-18</a:t>
             </a:fld>
             <a:endParaRPr lang="sv-SE"/>
           </a:p>
@@ -2170,7 +2171,7 @@
             <a:fld id="{2F70612F-D101-4AD4-8F3C-BE6AA2F3E7E9}" type="datetimeFigureOut">
               <a:rPr lang="sv-SE" smtClean="0"/>
               <a:pPr/>
-              <a:t>2014-05-13</a:t>
+              <a:t>2014-05-18</a:t>
             </a:fld>
             <a:endParaRPr lang="sv-SE"/>
           </a:p>
@@ -2299,7 +2300,7 @@
             <a:fld id="{2F70612F-D101-4AD4-8F3C-BE6AA2F3E7E9}" type="datetimeFigureOut">
               <a:rPr lang="sv-SE" smtClean="0"/>
               <a:pPr/>
-              <a:t>2014-05-13</a:t>
+              <a:t>2014-05-18</a:t>
             </a:fld>
             <a:endParaRPr lang="sv-SE"/>
           </a:p>
@@ -2446,7 +2447,7 @@
             <a:fld id="{2F70612F-D101-4AD4-8F3C-BE6AA2F3E7E9}" type="datetimeFigureOut">
               <a:rPr lang="sv-SE" smtClean="0"/>
               <a:pPr/>
-              <a:t>2014-05-13</a:t>
+              <a:t>2014-05-18</a:t>
             </a:fld>
             <a:endParaRPr lang="sv-SE"/>
           </a:p>
@@ -2771,7 +2772,7 @@
             <a:fld id="{2F70612F-D101-4AD4-8F3C-BE6AA2F3E7E9}" type="datetimeFigureOut">
               <a:rPr lang="sv-SE" smtClean="0"/>
               <a:pPr/>
-              <a:t>2014-05-13</a:t>
+              <a:t>2014-05-18</a:t>
             </a:fld>
             <a:endParaRPr lang="sv-SE"/>
           </a:p>
@@ -2908,7 +2909,7 @@
             <a:fld id="{2F70612F-D101-4AD4-8F3C-BE6AA2F3E7E9}" type="datetimeFigureOut">
               <a:rPr lang="sv-SE" smtClean="0"/>
               <a:pPr/>
-              <a:t>2014-05-13</a:t>
+              <a:t>2014-05-18</a:t>
             </a:fld>
             <a:endParaRPr lang="sv-SE"/>
           </a:p>
@@ -3692,7 +3693,7 @@
             <a:fld id="{2F70612F-D101-4AD4-8F3C-BE6AA2F3E7E9}" type="datetimeFigureOut">
               <a:rPr lang="sv-SE" smtClean="0"/>
               <a:pPr/>
-              <a:t>2014-05-13</a:t>
+              <a:t>2014-05-18</a:t>
             </a:fld>
             <a:endParaRPr lang="sv-SE"/>
           </a:p>
@@ -4281,12 +4282,14 @@
         </p:nvSpPr>
         <p:spPr/>
         <p:txBody>
-          <a:bodyPr/>
+          <a:bodyPr>
+            <a:normAutofit/>
+          </a:bodyPr>
           <a:lstStyle/>
           <a:p>
             <a:r>
-              <a:rPr lang="sv-SE" dirty="0" smtClean="0"/>
-              <a:t>Implementation cont.</a:t>
+              <a:rPr lang="sv-SE" dirty="0" err="1" smtClean="0"/>
+              <a:t>Implementation</a:t>
             </a:r>
             <a:endParaRPr lang="sv-SE" dirty="0"/>
           </a:p>
@@ -4308,3070 +4311,76 @@
           <a:lstStyle/>
           <a:p>
             <a:r>
-              <a:rPr lang="sv-SE" dirty="0" smtClean="0"/>
-              <a:t>The Matlab-package</a:t>
+              <a:rPr lang="sv-SE" dirty="0" err="1" smtClean="0"/>
+              <a:t>Working</a:t>
+            </a:r>
+            <a:r>
+              <a:rPr lang="sv-SE" dirty="0" smtClean="0"/>
+              <a:t> in sprints</a:t>
+            </a:r>
+          </a:p>
+          <a:p>
+            <a:r>
+              <a:rPr lang="sv-SE" dirty="0" err="1" smtClean="0"/>
+              <a:t>Platform</a:t>
+            </a:r>
+            <a:r>
+              <a:rPr lang="sv-SE" dirty="0" smtClean="0"/>
+              <a:t>:</a:t>
             </a:r>
           </a:p>
           <a:p>
             <a:pPr lvl="1"/>
             <a:r>
               <a:rPr lang="sv-SE" dirty="0" smtClean="0"/>
-              <a:t>Main application</a:t>
+              <a:t>Ubuntu</a:t>
             </a:r>
           </a:p>
           <a:p>
             <a:pPr lvl="1"/>
             <a:r>
               <a:rPr lang="sv-SE" dirty="0" smtClean="0"/>
-              <a:t>GUI</a:t>
+              <a:t>Matlab</a:t>
             </a:r>
           </a:p>
           <a:p>
             <a:pPr lvl="1"/>
             <a:r>
-              <a:rPr lang="sv-SE" dirty="0" err="1" smtClean="0"/>
-              <a:t>Calculating</a:t>
-            </a:r>
-            <a:r>
-              <a:rPr lang="sv-SE" dirty="0" smtClean="0"/>
-              <a:t> </a:t>
-            </a:r>
-            <a:r>
-              <a:rPr lang="sv-SE" dirty="0" err="1" smtClean="0"/>
-              <a:t>virtual</a:t>
-            </a:r>
-            <a:r>
-              <a:rPr lang="sv-SE" dirty="0" smtClean="0"/>
-              <a:t> fly </a:t>
-            </a:r>
-            <a:r>
-              <a:rPr lang="sv-SE" dirty="0" err="1" smtClean="0"/>
-              <a:t>movement</a:t>
-            </a:r>
-            <a:endParaRPr lang="sv-SE" dirty="0"/>
-          </a:p>
-        </p:txBody>
-      </p:sp>
-    </p:spTree>
-  </p:cSld>
-  <p:clrMapOvr>
-    <a:masterClrMapping/>
-  </p:clrMapOvr>
-  <p:transition/>
-  <p:timing>
-    <p:tnLst>
-      <p:par>
-        <p:cTn id="1" dur="indefinite" restart="never" nodeType="tmRoot">
-          <p:childTnLst>
-            <p:seq concurrent="1" nextAc="seek">
-              <p:cTn id="2" dur="indefinite" nodeType="mainSeq">
-                <p:childTnLst>
-                  <p:par>
-                    <p:cTn id="3" fill="hold">
-                      <p:stCondLst>
-                        <p:cond delay="indefinite"/>
-                      </p:stCondLst>
-                      <p:childTnLst>
-                        <p:par>
-                          <p:cTn id="4" fill="hold">
-                            <p:stCondLst>
-                              <p:cond delay="0"/>
-                            </p:stCondLst>
-                            <p:childTnLst>
-                              <p:par>
-                                <p:cTn id="5" presetID="22" presetClass="entr" presetSubtype="1" fill="hold" grpId="0" nodeType="clickEffect">
-                                  <p:stCondLst>
-                                    <p:cond delay="0"/>
-                                  </p:stCondLst>
-                                  <p:childTnLst>
-                                    <p:set>
-                                      <p:cBhvr>
-                                        <p:cTn id="6" dur="1" fill="hold">
-                                          <p:stCondLst>
-                                            <p:cond delay="0"/>
-                                          </p:stCondLst>
-                                        </p:cTn>
-                                        <p:tgtEl>
-                                          <p:spTgt spid="3">
-                                            <p:txEl>
-                                              <p:pRg st="0" end="0"/>
-                                            </p:txEl>
-                                          </p:spTgt>
-                                        </p:tgtEl>
-                                        <p:attrNameLst>
-                                          <p:attrName>style.visibility</p:attrName>
-                                        </p:attrNameLst>
-                                      </p:cBhvr>
-                                      <p:to>
-                                        <p:strVal val="visible"/>
-                                      </p:to>
-                                    </p:set>
-                                    <p:animEffect transition="in" filter="wipe(up)">
-                                      <p:cBhvr>
-                                        <p:cTn id="7" dur="500"/>
-                                        <p:tgtEl>
-                                          <p:spTgt spid="3">
-                                            <p:txEl>
-                                              <p:pRg st="0" end="0"/>
-                                            </p:txEl>
-                                          </p:spTgt>
-                                        </p:tgtEl>
-                                      </p:cBhvr>
-                                    </p:animEffect>
-                                  </p:childTnLst>
-                                </p:cTn>
-                              </p:par>
-                            </p:childTnLst>
-                          </p:cTn>
-                        </p:par>
-                      </p:childTnLst>
-                    </p:cTn>
-                  </p:par>
-                  <p:par>
-                    <p:cTn id="8" fill="hold">
-                      <p:stCondLst>
-                        <p:cond delay="indefinite"/>
-                      </p:stCondLst>
-                      <p:childTnLst>
-                        <p:par>
-                          <p:cTn id="9" fill="hold">
-                            <p:stCondLst>
-                              <p:cond delay="0"/>
-                            </p:stCondLst>
-                            <p:childTnLst>
-                              <p:par>
-                                <p:cTn id="10" presetID="22" presetClass="entr" presetSubtype="1" fill="hold" grpId="0" nodeType="clickEffect">
-                                  <p:stCondLst>
-                                    <p:cond delay="0"/>
-                                  </p:stCondLst>
-                                  <p:childTnLst>
-                                    <p:set>
-                                      <p:cBhvr>
-                                        <p:cTn id="11" dur="1" fill="hold">
-                                          <p:stCondLst>
-                                            <p:cond delay="0"/>
-                                          </p:stCondLst>
-                                        </p:cTn>
-                                        <p:tgtEl>
-                                          <p:spTgt spid="3">
-                                            <p:txEl>
-                                              <p:pRg st="1" end="1"/>
-                                            </p:txEl>
-                                          </p:spTgt>
-                                        </p:tgtEl>
-                                        <p:attrNameLst>
-                                          <p:attrName>style.visibility</p:attrName>
-                                        </p:attrNameLst>
-                                      </p:cBhvr>
-                                      <p:to>
-                                        <p:strVal val="visible"/>
-                                      </p:to>
-                                    </p:set>
-                                    <p:animEffect transition="in" filter="wipe(up)">
-                                      <p:cBhvr>
-                                        <p:cTn id="12" dur="500"/>
-                                        <p:tgtEl>
-                                          <p:spTgt spid="3">
-                                            <p:txEl>
-                                              <p:pRg st="1" end="1"/>
-                                            </p:txEl>
-                                          </p:spTgt>
-                                        </p:tgtEl>
-                                      </p:cBhvr>
-                                    </p:animEffect>
-                                  </p:childTnLst>
-                                </p:cTn>
-                              </p:par>
-                            </p:childTnLst>
-                          </p:cTn>
-                        </p:par>
-                      </p:childTnLst>
-                    </p:cTn>
-                  </p:par>
-                  <p:par>
-                    <p:cTn id="13" fill="hold">
-                      <p:stCondLst>
-                        <p:cond delay="indefinite"/>
-                      </p:stCondLst>
-                      <p:childTnLst>
-                        <p:par>
-                          <p:cTn id="14" fill="hold">
-                            <p:stCondLst>
-                              <p:cond delay="0"/>
-                            </p:stCondLst>
-                            <p:childTnLst>
-                              <p:par>
-                                <p:cTn id="15" presetID="22" presetClass="entr" presetSubtype="1" fill="hold" grpId="0" nodeType="clickEffect">
-                                  <p:stCondLst>
-                                    <p:cond delay="0"/>
-                                  </p:stCondLst>
-                                  <p:childTnLst>
-                                    <p:set>
-                                      <p:cBhvr>
-                                        <p:cTn id="16" dur="1" fill="hold">
-                                          <p:stCondLst>
-                                            <p:cond delay="0"/>
-                                          </p:stCondLst>
-                                        </p:cTn>
-                                        <p:tgtEl>
-                                          <p:spTgt spid="3">
-                                            <p:txEl>
-                                              <p:pRg st="2" end="2"/>
-                                            </p:txEl>
-                                          </p:spTgt>
-                                        </p:tgtEl>
-                                        <p:attrNameLst>
-                                          <p:attrName>style.visibility</p:attrName>
-                                        </p:attrNameLst>
-                                      </p:cBhvr>
-                                      <p:to>
-                                        <p:strVal val="visible"/>
-                                      </p:to>
-                                    </p:set>
-                                    <p:animEffect transition="in" filter="wipe(up)">
-                                      <p:cBhvr>
-                                        <p:cTn id="17" dur="500"/>
-                                        <p:tgtEl>
-                                          <p:spTgt spid="3">
-                                            <p:txEl>
-                                              <p:pRg st="2" end="2"/>
-                                            </p:txEl>
-                                          </p:spTgt>
-                                        </p:tgtEl>
-                                      </p:cBhvr>
-                                    </p:animEffect>
-                                  </p:childTnLst>
-                                </p:cTn>
-                              </p:par>
-                            </p:childTnLst>
-                          </p:cTn>
-                        </p:par>
-                      </p:childTnLst>
-                    </p:cTn>
-                  </p:par>
-                  <p:par>
-                    <p:cTn id="18" fill="hold">
-                      <p:stCondLst>
-                        <p:cond delay="indefinite"/>
-                      </p:stCondLst>
-                      <p:childTnLst>
-                        <p:par>
-                          <p:cTn id="19" fill="hold">
-                            <p:stCondLst>
-                              <p:cond delay="0"/>
-                            </p:stCondLst>
-                            <p:childTnLst>
-                              <p:par>
-                                <p:cTn id="20" presetID="22" presetClass="entr" presetSubtype="1" fill="hold" grpId="0" nodeType="clickEffect">
-                                  <p:stCondLst>
-                                    <p:cond delay="0"/>
-                                  </p:stCondLst>
-                                  <p:childTnLst>
-                                    <p:set>
-                                      <p:cBhvr>
-                                        <p:cTn id="21" dur="1" fill="hold">
-                                          <p:stCondLst>
-                                            <p:cond delay="0"/>
-                                          </p:stCondLst>
-                                        </p:cTn>
-                                        <p:tgtEl>
-                                          <p:spTgt spid="3">
-                                            <p:txEl>
-                                              <p:pRg st="3" end="3"/>
-                                            </p:txEl>
-                                          </p:spTgt>
-                                        </p:tgtEl>
-                                        <p:attrNameLst>
-                                          <p:attrName>style.visibility</p:attrName>
-                                        </p:attrNameLst>
-                                      </p:cBhvr>
-                                      <p:to>
-                                        <p:strVal val="visible"/>
-                                      </p:to>
-                                    </p:set>
-                                    <p:animEffect transition="in" filter="wipe(up)">
-                                      <p:cBhvr>
-                                        <p:cTn id="22" dur="500"/>
-                                        <p:tgtEl>
-                                          <p:spTgt spid="3">
-                                            <p:txEl>
-                                              <p:pRg st="3" end="3"/>
-                                            </p:txEl>
-                                          </p:spTgt>
-                                        </p:tgtEl>
-                                      </p:cBhvr>
-                                    </p:animEffect>
-                                  </p:childTnLst>
-                                </p:cTn>
-                              </p:par>
-                            </p:childTnLst>
-                          </p:cTn>
-                        </p:par>
-                      </p:childTnLst>
-                    </p:cTn>
-                  </p:par>
-                </p:childTnLst>
-              </p:cTn>
-              <p:prevCondLst>
-                <p:cond evt="onPrev" delay="0">
-                  <p:tgtEl>
-                    <p:sldTgt/>
-                  </p:tgtEl>
-                </p:cond>
-              </p:prevCondLst>
-              <p:nextCondLst>
-                <p:cond evt="onNext" delay="0">
-                  <p:tgtEl>
-                    <p:sldTgt/>
-                  </p:tgtEl>
-                </p:cond>
-              </p:nextCondLst>
-            </p:seq>
-          </p:childTnLst>
-        </p:cTn>
-      </p:par>
-    </p:tnLst>
-    <p:bldLst>
-      <p:bldP spid="3" grpId="0" build="p"/>
-    </p:bldLst>
-  </p:timing>
-</p:sld>
-</file>
-
-<file path=ppt/slides/slide11.xml><?xml version="1.0" encoding="utf-8"?>
-<p:sld xmlns:a="http://schemas.openxmlformats.org/drawingml/2006/main" xmlns:r="http://schemas.openxmlformats.org/officeDocument/2006/relationships" xmlns:p="http://schemas.openxmlformats.org/presentationml/2006/main">
-  <p:cSld>
-    <p:spTree>
-      <p:nvGrpSpPr>
-        <p:cNvPr id="1" name=""/>
-        <p:cNvGrpSpPr/>
-        <p:nvPr/>
-      </p:nvGrpSpPr>
-      <p:grpSpPr>
-        <a:xfrm>
-          <a:off x="0" y="0"/>
-          <a:ext cx="0" cy="0"/>
-          <a:chOff x="0" y="0"/>
-          <a:chExt cx="0" cy="0"/>
-        </a:xfrm>
-      </p:grpSpPr>
-      <p:sp>
-        <p:nvSpPr>
-          <p:cNvPr id="2" name="Title 1"/>
-          <p:cNvSpPr>
-            <a:spLocks noGrp="1"/>
-          </p:cNvSpPr>
-          <p:nvPr>
-            <p:ph type="title"/>
-          </p:nvPr>
-        </p:nvSpPr>
-        <p:spPr/>
-        <p:txBody>
-          <a:bodyPr/>
-          <a:lstStyle/>
-          <a:p>
-            <a:r>
-              <a:rPr lang="sv-SE" dirty="0" smtClean="0"/>
-              <a:t>The result: FlyTracker</a:t>
-            </a:r>
-            <a:endParaRPr lang="sv-SE" dirty="0"/>
-          </a:p>
-        </p:txBody>
-      </p:sp>
-      <p:sp>
-        <p:nvSpPr>
-          <p:cNvPr id="3" name="Content Placeholder 2"/>
-          <p:cNvSpPr>
-            <a:spLocks noGrp="1"/>
-          </p:cNvSpPr>
-          <p:nvPr>
-            <p:ph idx="1"/>
-          </p:nvPr>
-        </p:nvSpPr>
-        <p:spPr/>
-        <p:txBody>
-          <a:bodyPr/>
-          <a:lstStyle/>
-          <a:p>
-            <a:r>
-              <a:rPr lang="sv-SE" dirty="0" smtClean="0"/>
-              <a:t>*Video of a fly moving and corresponding plots in real time in FlyTracker*</a:t>
-            </a:r>
-            <a:endParaRPr lang="sv-SE" dirty="0"/>
-          </a:p>
-        </p:txBody>
-      </p:sp>
-    </p:spTree>
-  </p:cSld>
-  <p:clrMapOvr>
-    <a:masterClrMapping/>
-  </p:clrMapOvr>
-  <p:transition/>
-  <p:timing>
-    <p:tnLst>
-      <p:par>
-        <p:cTn id="1" dur="indefinite" restart="never" nodeType="tmRoot"/>
-      </p:par>
-    </p:tnLst>
-  </p:timing>
-</p:sld>
-</file>
-
-<file path=ppt/slides/slide12.xml><?xml version="1.0" encoding="utf-8"?>
-<p:sld xmlns:a="http://schemas.openxmlformats.org/drawingml/2006/main" xmlns:r="http://schemas.openxmlformats.org/officeDocument/2006/relationships" xmlns:p="http://schemas.openxmlformats.org/presentationml/2006/main">
-  <p:cSld>
-    <p:spTree>
-      <p:nvGrpSpPr>
-        <p:cNvPr id="1" name=""/>
-        <p:cNvGrpSpPr/>
-        <p:nvPr/>
-      </p:nvGrpSpPr>
-      <p:grpSpPr>
-        <a:xfrm>
-          <a:off x="0" y="0"/>
-          <a:ext cx="0" cy="0"/>
-          <a:chOff x="0" y="0"/>
-          <a:chExt cx="0" cy="0"/>
-        </a:xfrm>
-      </p:grpSpPr>
-      <p:sp>
-        <p:nvSpPr>
-          <p:cNvPr id="2" name="Title 1"/>
-          <p:cNvSpPr>
-            <a:spLocks noGrp="1"/>
-          </p:cNvSpPr>
-          <p:nvPr>
-            <p:ph type="title"/>
-          </p:nvPr>
-        </p:nvSpPr>
-        <p:spPr/>
-        <p:txBody>
-          <a:bodyPr/>
-          <a:lstStyle/>
-          <a:p>
-            <a:r>
-              <a:rPr lang="sv-SE" dirty="0" smtClean="0"/>
-              <a:t>Evaluation</a:t>
-            </a:r>
-            <a:endParaRPr lang="sv-SE" dirty="0"/>
-          </a:p>
-        </p:txBody>
-      </p:sp>
-      <p:sp>
-        <p:nvSpPr>
-          <p:cNvPr id="3" name="Content Placeholder 2"/>
-          <p:cNvSpPr>
-            <a:spLocks noGrp="1"/>
-          </p:cNvSpPr>
-          <p:nvPr>
-            <p:ph idx="1"/>
-          </p:nvPr>
-        </p:nvSpPr>
-        <p:spPr/>
-        <p:txBody>
-          <a:bodyPr/>
-          <a:lstStyle/>
-          <a:p>
-            <a:r>
-              <a:rPr lang="sv-SE" dirty="0" smtClean="0"/>
-              <a:t>....</a:t>
-            </a:r>
-            <a:endParaRPr lang="sv-SE" dirty="0"/>
-          </a:p>
-        </p:txBody>
-      </p:sp>
-    </p:spTree>
-  </p:cSld>
-  <p:clrMapOvr>
-    <a:masterClrMapping/>
-  </p:clrMapOvr>
-  <p:transition/>
-  <p:timing>
-    <p:tnLst>
-      <p:par>
-        <p:cTn id="1" dur="indefinite" restart="never" nodeType="tmRoot"/>
-      </p:par>
-    </p:tnLst>
-  </p:timing>
-</p:sld>
-</file>
-
-<file path=ppt/slides/slide13.xml><?xml version="1.0" encoding="utf-8"?>
-<p:sld xmlns:a="http://schemas.openxmlformats.org/drawingml/2006/main" xmlns:r="http://schemas.openxmlformats.org/officeDocument/2006/relationships" xmlns:p="http://schemas.openxmlformats.org/presentationml/2006/main">
-  <p:cSld>
-    <p:spTree>
-      <p:nvGrpSpPr>
-        <p:cNvPr id="1" name=""/>
-        <p:cNvGrpSpPr/>
-        <p:nvPr/>
-      </p:nvGrpSpPr>
-      <p:grpSpPr>
-        <a:xfrm>
-          <a:off x="0" y="0"/>
-          <a:ext cx="0" cy="0"/>
-          <a:chOff x="0" y="0"/>
-          <a:chExt cx="0" cy="0"/>
-        </a:xfrm>
-      </p:grpSpPr>
-      <p:sp>
-        <p:nvSpPr>
-          <p:cNvPr id="2" name="Title 1"/>
-          <p:cNvSpPr>
-            <a:spLocks noGrp="1"/>
-          </p:cNvSpPr>
-          <p:nvPr>
-            <p:ph type="title"/>
-          </p:nvPr>
-        </p:nvSpPr>
-        <p:spPr/>
-        <p:txBody>
-          <a:bodyPr/>
-          <a:lstStyle/>
-          <a:p>
-            <a:r>
-              <a:rPr lang="sv-SE" dirty="0" smtClean="0"/>
-              <a:t>Conclusion</a:t>
-            </a:r>
-            <a:endParaRPr lang="sv-SE" dirty="0"/>
-          </a:p>
-        </p:txBody>
-      </p:sp>
-      <p:sp>
-        <p:nvSpPr>
-          <p:cNvPr id="3" name="Content Placeholder 2"/>
-          <p:cNvSpPr>
-            <a:spLocks noGrp="1"/>
-          </p:cNvSpPr>
-          <p:nvPr>
-            <p:ph idx="1"/>
-          </p:nvPr>
-        </p:nvSpPr>
-        <p:spPr/>
-        <p:txBody>
-          <a:bodyPr>
-            <a:normAutofit fontScale="92500" lnSpcReduction="10000"/>
-          </a:bodyPr>
-          <a:lstStyle/>
-          <a:p>
-            <a:r>
-              <a:rPr lang="sv-SE" dirty="0" err="1" smtClean="0"/>
-              <a:t>Purpose</a:t>
-            </a:r>
-            <a:r>
-              <a:rPr lang="sv-SE" dirty="0" smtClean="0"/>
-              <a:t>: </a:t>
-            </a:r>
-            <a:r>
-              <a:rPr lang="sv-SE" dirty="0" err="1" smtClean="0"/>
-              <a:t>User</a:t>
-            </a:r>
-            <a:r>
-              <a:rPr lang="sv-SE" dirty="0" smtClean="0"/>
-              <a:t> </a:t>
-            </a:r>
-            <a:r>
-              <a:rPr lang="sv-SE" dirty="0" err="1" smtClean="0"/>
-              <a:t>friendly</a:t>
-            </a:r>
-            <a:r>
-              <a:rPr lang="sv-SE" dirty="0" smtClean="0"/>
-              <a:t> and </a:t>
-            </a:r>
-            <a:r>
-              <a:rPr lang="sv-SE" dirty="0" err="1" smtClean="0"/>
-              <a:t>functional</a:t>
-            </a:r>
-            <a:r>
-              <a:rPr lang="sv-SE" dirty="0" smtClean="0"/>
-              <a:t> software system</a:t>
-            </a:r>
-          </a:p>
-          <a:p>
-            <a:r>
-              <a:rPr lang="sv-SE" dirty="0" err="1" smtClean="0"/>
-              <a:t>Result</a:t>
-            </a:r>
-            <a:r>
-              <a:rPr lang="sv-SE" dirty="0" smtClean="0"/>
-              <a:t>: </a:t>
-            </a:r>
-            <a:r>
-              <a:rPr lang="sv-SE" dirty="0" err="1" smtClean="0"/>
-              <a:t>FlyTracker</a:t>
-            </a:r>
-            <a:endParaRPr lang="sv-SE" dirty="0" smtClean="0"/>
-          </a:p>
-          <a:p>
-            <a:r>
-              <a:rPr lang="sv-SE" dirty="0" err="1" smtClean="0"/>
-              <a:t>Issues</a:t>
-            </a:r>
-            <a:r>
-              <a:rPr lang="sv-SE" dirty="0" smtClean="0"/>
-              <a:t>:</a:t>
+              <a:rPr lang="sv-SE" dirty="0" smtClean="0"/>
+              <a:t>Python</a:t>
+            </a:r>
+          </a:p>
+          <a:p>
+            <a:r>
+              <a:rPr lang="sv-SE" dirty="0" smtClean="0"/>
+              <a:t>The Python-package</a:t>
             </a:r>
           </a:p>
           <a:p>
             <a:pPr lvl="1"/>
             <a:r>
-              <a:rPr lang="sv-SE" dirty="0" err="1" smtClean="0"/>
-              <a:t>Trigger</a:t>
-            </a:r>
-            <a:endParaRPr lang="sv-SE" dirty="0" smtClean="0"/>
+              <a:rPr lang="sv-SE" dirty="0" smtClean="0"/>
+              <a:t>Reads mice</a:t>
+            </a:r>
           </a:p>
           <a:p>
             <a:pPr lvl="1"/>
             <a:r>
-              <a:rPr lang="sv-SE" dirty="0" err="1" smtClean="0"/>
-              <a:t>Calibration</a:t>
-            </a:r>
-            <a:endParaRPr lang="sv-SE" dirty="0" smtClean="0"/>
-          </a:p>
-          <a:p>
-            <a:pPr lvl="1"/>
-            <a:r>
-              <a:rPr lang="sv-SE" dirty="0" err="1" smtClean="0"/>
-              <a:t>Shorter</a:t>
-            </a:r>
-            <a:r>
-              <a:rPr lang="sv-SE" dirty="0" smtClean="0"/>
-              <a:t> sprints</a:t>
-            </a:r>
-          </a:p>
-          <a:p>
-            <a:r>
-              <a:rPr lang="sv-SE" dirty="0" err="1" smtClean="0"/>
-              <a:t>Future</a:t>
-            </a:r>
-            <a:r>
-              <a:rPr lang="sv-SE" dirty="0" smtClean="0"/>
-              <a:t> </a:t>
-            </a:r>
-            <a:r>
-              <a:rPr lang="sv-SE" dirty="0" err="1" smtClean="0"/>
-              <a:t>directions</a:t>
-            </a:r>
-            <a:endParaRPr lang="sv-SE" dirty="0" smtClean="0"/>
-          </a:p>
-          <a:p>
-            <a:pPr lvl="1"/>
-            <a:r>
-              <a:rPr lang="sv-SE" dirty="0" smtClean="0"/>
-              <a:t>Naive </a:t>
-            </a:r>
-            <a:r>
-              <a:rPr lang="sv-SE" dirty="0" err="1" smtClean="0"/>
-              <a:t>user</a:t>
-            </a:r>
-            <a:r>
-              <a:rPr lang="sv-SE" dirty="0" smtClean="0"/>
-              <a:t> </a:t>
-            </a:r>
-            <a:r>
-              <a:rPr lang="sv-SE" dirty="0" err="1" smtClean="0"/>
-              <a:t>evaluation</a:t>
-            </a:r>
-            <a:endParaRPr lang="sv-SE" dirty="0" smtClean="0"/>
-          </a:p>
-          <a:p>
-            <a:pPr lvl="1"/>
-            <a:r>
-              <a:rPr lang="sv-SE" dirty="0" err="1" smtClean="0"/>
-              <a:t>Closed-loop</a:t>
-            </a:r>
-            <a:r>
-              <a:rPr lang="sv-SE" dirty="0" smtClean="0"/>
-              <a:t> system</a:t>
+              <a:rPr lang="sv-SE" dirty="0" smtClean="0"/>
+              <a:t>Deals with starting and stopping the recording</a:t>
             </a:r>
           </a:p>
           <a:p>
             <a:pPr lvl="1"/>
             <a:endParaRPr lang="sv-SE" dirty="0" smtClean="0"/>
           </a:p>
-        </p:txBody>
-      </p:sp>
-    </p:spTree>
-  </p:cSld>
-  <p:clrMapOvr>
-    <a:masterClrMapping/>
-  </p:clrMapOvr>
-  <p:transition/>
-  <p:timing>
-    <p:tnLst>
-      <p:par>
-        <p:cTn id="1" dur="indefinite" restart="never" nodeType="tmRoot">
-          <p:childTnLst>
-            <p:seq concurrent="1" nextAc="seek">
-              <p:cTn id="2" dur="indefinite" nodeType="mainSeq">
-                <p:childTnLst>
-                  <p:par>
-                    <p:cTn id="3" fill="hold">
-                      <p:stCondLst>
-                        <p:cond delay="indefinite"/>
-                      </p:stCondLst>
-                      <p:childTnLst>
-                        <p:par>
-                          <p:cTn id="4" fill="hold">
-                            <p:stCondLst>
-                              <p:cond delay="0"/>
-                            </p:stCondLst>
-                            <p:childTnLst>
-                              <p:par>
-                                <p:cTn id="5" presetID="22" presetClass="entr" presetSubtype="1" fill="hold" grpId="0" nodeType="clickEffect">
-                                  <p:stCondLst>
-                                    <p:cond delay="0"/>
-                                  </p:stCondLst>
-                                  <p:childTnLst>
-                                    <p:set>
-                                      <p:cBhvr>
-                                        <p:cTn id="6" dur="1" fill="hold">
-                                          <p:stCondLst>
-                                            <p:cond delay="0"/>
-                                          </p:stCondLst>
-                                        </p:cTn>
-                                        <p:tgtEl>
-                                          <p:spTgt spid="3">
-                                            <p:txEl>
-                                              <p:pRg st="0" end="0"/>
-                                            </p:txEl>
-                                          </p:spTgt>
-                                        </p:tgtEl>
-                                        <p:attrNameLst>
-                                          <p:attrName>style.visibility</p:attrName>
-                                        </p:attrNameLst>
-                                      </p:cBhvr>
-                                      <p:to>
-                                        <p:strVal val="visible"/>
-                                      </p:to>
-                                    </p:set>
-                                    <p:animEffect transition="in" filter="wipe(up)">
-                                      <p:cBhvr>
-                                        <p:cTn id="7" dur="500"/>
-                                        <p:tgtEl>
-                                          <p:spTgt spid="3">
-                                            <p:txEl>
-                                              <p:pRg st="0" end="0"/>
-                                            </p:txEl>
-                                          </p:spTgt>
-                                        </p:tgtEl>
-                                      </p:cBhvr>
-                                    </p:animEffect>
-                                  </p:childTnLst>
-                                </p:cTn>
-                              </p:par>
-                            </p:childTnLst>
-                          </p:cTn>
-                        </p:par>
-                      </p:childTnLst>
-                    </p:cTn>
-                  </p:par>
-                  <p:par>
-                    <p:cTn id="8" fill="hold">
-                      <p:stCondLst>
-                        <p:cond delay="indefinite"/>
-                      </p:stCondLst>
-                      <p:childTnLst>
-                        <p:par>
-                          <p:cTn id="9" fill="hold">
-                            <p:stCondLst>
-                              <p:cond delay="0"/>
-                            </p:stCondLst>
-                            <p:childTnLst>
-                              <p:par>
-                                <p:cTn id="10" presetID="22" presetClass="entr" presetSubtype="1" fill="hold" grpId="0" nodeType="clickEffect">
-                                  <p:stCondLst>
-                                    <p:cond delay="0"/>
-                                  </p:stCondLst>
-                                  <p:childTnLst>
-                                    <p:set>
-                                      <p:cBhvr>
-                                        <p:cTn id="11" dur="1" fill="hold">
-                                          <p:stCondLst>
-                                            <p:cond delay="0"/>
-                                          </p:stCondLst>
-                                        </p:cTn>
-                                        <p:tgtEl>
-                                          <p:spTgt spid="3">
-                                            <p:txEl>
-                                              <p:pRg st="1" end="1"/>
-                                            </p:txEl>
-                                          </p:spTgt>
-                                        </p:tgtEl>
-                                        <p:attrNameLst>
-                                          <p:attrName>style.visibility</p:attrName>
-                                        </p:attrNameLst>
-                                      </p:cBhvr>
-                                      <p:to>
-                                        <p:strVal val="visible"/>
-                                      </p:to>
-                                    </p:set>
-                                    <p:animEffect transition="in" filter="wipe(up)">
-                                      <p:cBhvr>
-                                        <p:cTn id="12" dur="500"/>
-                                        <p:tgtEl>
-                                          <p:spTgt spid="3">
-                                            <p:txEl>
-                                              <p:pRg st="1" end="1"/>
-                                            </p:txEl>
-                                          </p:spTgt>
-                                        </p:tgtEl>
-                                      </p:cBhvr>
-                                    </p:animEffect>
-                                  </p:childTnLst>
-                                </p:cTn>
-                              </p:par>
-                            </p:childTnLst>
-                          </p:cTn>
-                        </p:par>
-                      </p:childTnLst>
-                    </p:cTn>
-                  </p:par>
-                  <p:par>
-                    <p:cTn id="13" fill="hold">
-                      <p:stCondLst>
-                        <p:cond delay="indefinite"/>
-                      </p:stCondLst>
-                      <p:childTnLst>
-                        <p:par>
-                          <p:cTn id="14" fill="hold">
-                            <p:stCondLst>
-                              <p:cond delay="0"/>
-                            </p:stCondLst>
-                            <p:childTnLst>
-                              <p:par>
-                                <p:cTn id="15" presetID="22" presetClass="entr" presetSubtype="1" fill="hold" grpId="0" nodeType="clickEffect">
-                                  <p:stCondLst>
-                                    <p:cond delay="0"/>
-                                  </p:stCondLst>
-                                  <p:childTnLst>
-                                    <p:set>
-                                      <p:cBhvr>
-                                        <p:cTn id="16" dur="1" fill="hold">
-                                          <p:stCondLst>
-                                            <p:cond delay="0"/>
-                                          </p:stCondLst>
-                                        </p:cTn>
-                                        <p:tgtEl>
-                                          <p:spTgt spid="3">
-                                            <p:txEl>
-                                              <p:pRg st="2" end="2"/>
-                                            </p:txEl>
-                                          </p:spTgt>
-                                        </p:tgtEl>
-                                        <p:attrNameLst>
-                                          <p:attrName>style.visibility</p:attrName>
-                                        </p:attrNameLst>
-                                      </p:cBhvr>
-                                      <p:to>
-                                        <p:strVal val="visible"/>
-                                      </p:to>
-                                    </p:set>
-                                    <p:animEffect transition="in" filter="wipe(up)">
-                                      <p:cBhvr>
-                                        <p:cTn id="17" dur="500"/>
-                                        <p:tgtEl>
-                                          <p:spTgt spid="3">
-                                            <p:txEl>
-                                              <p:pRg st="2" end="2"/>
-                                            </p:txEl>
-                                          </p:spTgt>
-                                        </p:tgtEl>
-                                      </p:cBhvr>
-                                    </p:animEffect>
-                                  </p:childTnLst>
-                                </p:cTn>
-                              </p:par>
-                            </p:childTnLst>
-                          </p:cTn>
-                        </p:par>
-                      </p:childTnLst>
-                    </p:cTn>
-                  </p:par>
-                  <p:par>
-                    <p:cTn id="18" fill="hold">
-                      <p:stCondLst>
-                        <p:cond delay="indefinite"/>
-                      </p:stCondLst>
-                      <p:childTnLst>
-                        <p:par>
-                          <p:cTn id="19" fill="hold">
-                            <p:stCondLst>
-                              <p:cond delay="0"/>
-                            </p:stCondLst>
-                            <p:childTnLst>
-                              <p:par>
-                                <p:cTn id="20" presetID="22" presetClass="entr" presetSubtype="1" fill="hold" grpId="0" nodeType="clickEffect">
-                                  <p:stCondLst>
-                                    <p:cond delay="0"/>
-                                  </p:stCondLst>
-                                  <p:childTnLst>
-                                    <p:set>
-                                      <p:cBhvr>
-                                        <p:cTn id="21" dur="1" fill="hold">
-                                          <p:stCondLst>
-                                            <p:cond delay="0"/>
-                                          </p:stCondLst>
-                                        </p:cTn>
-                                        <p:tgtEl>
-                                          <p:spTgt spid="3">
-                                            <p:txEl>
-                                              <p:pRg st="3" end="3"/>
-                                            </p:txEl>
-                                          </p:spTgt>
-                                        </p:tgtEl>
-                                        <p:attrNameLst>
-                                          <p:attrName>style.visibility</p:attrName>
-                                        </p:attrNameLst>
-                                      </p:cBhvr>
-                                      <p:to>
-                                        <p:strVal val="visible"/>
-                                      </p:to>
-                                    </p:set>
-                                    <p:animEffect transition="in" filter="wipe(up)">
-                                      <p:cBhvr>
-                                        <p:cTn id="22" dur="500"/>
-                                        <p:tgtEl>
-                                          <p:spTgt spid="3">
-                                            <p:txEl>
-                                              <p:pRg st="3" end="3"/>
-                                            </p:txEl>
-                                          </p:spTgt>
-                                        </p:tgtEl>
-                                      </p:cBhvr>
-                                    </p:animEffect>
-                                  </p:childTnLst>
-                                </p:cTn>
-                              </p:par>
-                            </p:childTnLst>
-                          </p:cTn>
-                        </p:par>
-                      </p:childTnLst>
-                    </p:cTn>
-                  </p:par>
-                  <p:par>
-                    <p:cTn id="23" fill="hold">
-                      <p:stCondLst>
-                        <p:cond delay="indefinite"/>
-                      </p:stCondLst>
-                      <p:childTnLst>
-                        <p:par>
-                          <p:cTn id="24" fill="hold">
-                            <p:stCondLst>
-                              <p:cond delay="0"/>
-                            </p:stCondLst>
-                            <p:childTnLst>
-                              <p:par>
-                                <p:cTn id="25" presetID="22" presetClass="entr" presetSubtype="1" fill="hold" grpId="0" nodeType="clickEffect">
-                                  <p:stCondLst>
-                                    <p:cond delay="0"/>
-                                  </p:stCondLst>
-                                  <p:childTnLst>
-                                    <p:set>
-                                      <p:cBhvr>
-                                        <p:cTn id="26" dur="1" fill="hold">
-                                          <p:stCondLst>
-                                            <p:cond delay="0"/>
-                                          </p:stCondLst>
-                                        </p:cTn>
-                                        <p:tgtEl>
-                                          <p:spTgt spid="3">
-                                            <p:txEl>
-                                              <p:pRg st="4" end="4"/>
-                                            </p:txEl>
-                                          </p:spTgt>
-                                        </p:tgtEl>
-                                        <p:attrNameLst>
-                                          <p:attrName>style.visibility</p:attrName>
-                                        </p:attrNameLst>
-                                      </p:cBhvr>
-                                      <p:to>
-                                        <p:strVal val="visible"/>
-                                      </p:to>
-                                    </p:set>
-                                    <p:animEffect transition="in" filter="wipe(up)">
-                                      <p:cBhvr>
-                                        <p:cTn id="27" dur="500"/>
-                                        <p:tgtEl>
-                                          <p:spTgt spid="3">
-                                            <p:txEl>
-                                              <p:pRg st="4" end="4"/>
-                                            </p:txEl>
-                                          </p:spTgt>
-                                        </p:tgtEl>
-                                      </p:cBhvr>
-                                    </p:animEffect>
-                                  </p:childTnLst>
-                                </p:cTn>
-                              </p:par>
-                            </p:childTnLst>
-                          </p:cTn>
-                        </p:par>
-                      </p:childTnLst>
-                    </p:cTn>
-                  </p:par>
-                  <p:par>
-                    <p:cTn id="28" fill="hold">
-                      <p:stCondLst>
-                        <p:cond delay="indefinite"/>
-                      </p:stCondLst>
-                      <p:childTnLst>
-                        <p:par>
-                          <p:cTn id="29" fill="hold">
-                            <p:stCondLst>
-                              <p:cond delay="0"/>
-                            </p:stCondLst>
-                            <p:childTnLst>
-                              <p:par>
-                                <p:cTn id="30" presetID="22" presetClass="entr" presetSubtype="1" fill="hold" grpId="0" nodeType="clickEffect">
-                                  <p:stCondLst>
-                                    <p:cond delay="0"/>
-                                  </p:stCondLst>
-                                  <p:childTnLst>
-                                    <p:set>
-                                      <p:cBhvr>
-                                        <p:cTn id="31" dur="1" fill="hold">
-                                          <p:stCondLst>
-                                            <p:cond delay="0"/>
-                                          </p:stCondLst>
-                                        </p:cTn>
-                                        <p:tgtEl>
-                                          <p:spTgt spid="3">
-                                            <p:txEl>
-                                              <p:pRg st="5" end="5"/>
-                                            </p:txEl>
-                                          </p:spTgt>
-                                        </p:tgtEl>
-                                        <p:attrNameLst>
-                                          <p:attrName>style.visibility</p:attrName>
-                                        </p:attrNameLst>
-                                      </p:cBhvr>
-                                      <p:to>
-                                        <p:strVal val="visible"/>
-                                      </p:to>
-                                    </p:set>
-                                    <p:animEffect transition="in" filter="wipe(up)">
-                                      <p:cBhvr>
-                                        <p:cTn id="32" dur="500"/>
-                                        <p:tgtEl>
-                                          <p:spTgt spid="3">
-                                            <p:txEl>
-                                              <p:pRg st="5" end="5"/>
-                                            </p:txEl>
-                                          </p:spTgt>
-                                        </p:tgtEl>
-                                      </p:cBhvr>
-                                    </p:animEffect>
-                                  </p:childTnLst>
-                                </p:cTn>
-                              </p:par>
-                            </p:childTnLst>
-                          </p:cTn>
-                        </p:par>
-                      </p:childTnLst>
-                    </p:cTn>
-                  </p:par>
-                  <p:par>
-                    <p:cTn id="33" fill="hold">
-                      <p:stCondLst>
-                        <p:cond delay="indefinite"/>
-                      </p:stCondLst>
-                      <p:childTnLst>
-                        <p:par>
-                          <p:cTn id="34" fill="hold">
-                            <p:stCondLst>
-                              <p:cond delay="0"/>
-                            </p:stCondLst>
-                            <p:childTnLst>
-                              <p:par>
-                                <p:cTn id="35" presetID="22" presetClass="entr" presetSubtype="1" fill="hold" grpId="0" nodeType="clickEffect">
-                                  <p:stCondLst>
-                                    <p:cond delay="0"/>
-                                  </p:stCondLst>
-                                  <p:childTnLst>
-                                    <p:set>
-                                      <p:cBhvr>
-                                        <p:cTn id="36" dur="1" fill="hold">
-                                          <p:stCondLst>
-                                            <p:cond delay="0"/>
-                                          </p:stCondLst>
-                                        </p:cTn>
-                                        <p:tgtEl>
-                                          <p:spTgt spid="3">
-                                            <p:txEl>
-                                              <p:pRg st="6" end="6"/>
-                                            </p:txEl>
-                                          </p:spTgt>
-                                        </p:tgtEl>
-                                        <p:attrNameLst>
-                                          <p:attrName>style.visibility</p:attrName>
-                                        </p:attrNameLst>
-                                      </p:cBhvr>
-                                      <p:to>
-                                        <p:strVal val="visible"/>
-                                      </p:to>
-                                    </p:set>
-                                    <p:animEffect transition="in" filter="wipe(up)">
-                                      <p:cBhvr>
-                                        <p:cTn id="37" dur="500"/>
-                                        <p:tgtEl>
-                                          <p:spTgt spid="3">
-                                            <p:txEl>
-                                              <p:pRg st="6" end="6"/>
-                                            </p:txEl>
-                                          </p:spTgt>
-                                        </p:tgtEl>
-                                      </p:cBhvr>
-                                    </p:animEffect>
-                                  </p:childTnLst>
-                                </p:cTn>
-                              </p:par>
-                            </p:childTnLst>
-                          </p:cTn>
-                        </p:par>
-                      </p:childTnLst>
-                    </p:cTn>
-                  </p:par>
-                  <p:par>
-                    <p:cTn id="38" fill="hold">
-                      <p:stCondLst>
-                        <p:cond delay="indefinite"/>
-                      </p:stCondLst>
-                      <p:childTnLst>
-                        <p:par>
-                          <p:cTn id="39" fill="hold">
-                            <p:stCondLst>
-                              <p:cond delay="0"/>
-                            </p:stCondLst>
-                            <p:childTnLst>
-                              <p:par>
-                                <p:cTn id="40" presetID="22" presetClass="entr" presetSubtype="1" fill="hold" grpId="0" nodeType="clickEffect">
-                                  <p:stCondLst>
-                                    <p:cond delay="0"/>
-                                  </p:stCondLst>
-                                  <p:childTnLst>
-                                    <p:set>
-                                      <p:cBhvr>
-                                        <p:cTn id="41" dur="1" fill="hold">
-                                          <p:stCondLst>
-                                            <p:cond delay="0"/>
-                                          </p:stCondLst>
-                                        </p:cTn>
-                                        <p:tgtEl>
-                                          <p:spTgt spid="3">
-                                            <p:txEl>
-                                              <p:pRg st="7" end="7"/>
-                                            </p:txEl>
-                                          </p:spTgt>
-                                        </p:tgtEl>
-                                        <p:attrNameLst>
-                                          <p:attrName>style.visibility</p:attrName>
-                                        </p:attrNameLst>
-                                      </p:cBhvr>
-                                      <p:to>
-                                        <p:strVal val="visible"/>
-                                      </p:to>
-                                    </p:set>
-                                    <p:animEffect transition="in" filter="wipe(up)">
-                                      <p:cBhvr>
-                                        <p:cTn id="42" dur="500"/>
-                                        <p:tgtEl>
-                                          <p:spTgt spid="3">
-                                            <p:txEl>
-                                              <p:pRg st="7" end="7"/>
-                                            </p:txEl>
-                                          </p:spTgt>
-                                        </p:tgtEl>
-                                      </p:cBhvr>
-                                    </p:animEffect>
-                                  </p:childTnLst>
-                                </p:cTn>
-                              </p:par>
-                            </p:childTnLst>
-                          </p:cTn>
-                        </p:par>
-                      </p:childTnLst>
-                    </p:cTn>
-                  </p:par>
-                  <p:par>
-                    <p:cTn id="43" fill="hold">
-                      <p:stCondLst>
-                        <p:cond delay="indefinite"/>
-                      </p:stCondLst>
-                      <p:childTnLst>
-                        <p:par>
-                          <p:cTn id="44" fill="hold">
-                            <p:stCondLst>
-                              <p:cond delay="0"/>
-                            </p:stCondLst>
-                            <p:childTnLst>
-                              <p:par>
-                                <p:cTn id="45" presetID="22" presetClass="entr" presetSubtype="1" fill="hold" grpId="0" nodeType="clickEffect">
-                                  <p:stCondLst>
-                                    <p:cond delay="0"/>
-                                  </p:stCondLst>
-                                  <p:childTnLst>
-                                    <p:set>
-                                      <p:cBhvr>
-                                        <p:cTn id="46" dur="1" fill="hold">
-                                          <p:stCondLst>
-                                            <p:cond delay="0"/>
-                                          </p:stCondLst>
-                                        </p:cTn>
-                                        <p:tgtEl>
-                                          <p:spTgt spid="3">
-                                            <p:txEl>
-                                              <p:pRg st="8" end="8"/>
-                                            </p:txEl>
-                                          </p:spTgt>
-                                        </p:tgtEl>
-                                        <p:attrNameLst>
-                                          <p:attrName>style.visibility</p:attrName>
-                                        </p:attrNameLst>
-                                      </p:cBhvr>
-                                      <p:to>
-                                        <p:strVal val="visible"/>
-                                      </p:to>
-                                    </p:set>
-                                    <p:animEffect transition="in" filter="wipe(up)">
-                                      <p:cBhvr>
-                                        <p:cTn id="47" dur="500"/>
-                                        <p:tgtEl>
-                                          <p:spTgt spid="3">
-                                            <p:txEl>
-                                              <p:pRg st="8" end="8"/>
-                                            </p:txEl>
-                                          </p:spTgt>
-                                        </p:tgtEl>
-                                      </p:cBhvr>
-                                    </p:animEffect>
-                                  </p:childTnLst>
-                                </p:cTn>
-                              </p:par>
-                            </p:childTnLst>
-                          </p:cTn>
-                        </p:par>
-                      </p:childTnLst>
-                    </p:cTn>
-                  </p:par>
-                </p:childTnLst>
-              </p:cTn>
-              <p:prevCondLst>
-                <p:cond evt="onPrev" delay="0">
-                  <p:tgtEl>
-                    <p:sldTgt/>
-                  </p:tgtEl>
-                </p:cond>
-              </p:prevCondLst>
-              <p:nextCondLst>
-                <p:cond evt="onNext" delay="0">
-                  <p:tgtEl>
-                    <p:sldTgt/>
-                  </p:tgtEl>
-                </p:cond>
-              </p:nextCondLst>
-            </p:seq>
-          </p:childTnLst>
-        </p:cTn>
-      </p:par>
-    </p:tnLst>
-    <p:bldLst>
-      <p:bldP spid="3" grpId="0" build="p"/>
-    </p:bldLst>
-  </p:timing>
-</p:sld>
-</file>
-
-<file path=ppt/slides/slide2.xml><?xml version="1.0" encoding="utf-8"?>
-<p:sld xmlns:a="http://schemas.openxmlformats.org/drawingml/2006/main" xmlns:r="http://schemas.openxmlformats.org/officeDocument/2006/relationships" xmlns:p="http://schemas.openxmlformats.org/presentationml/2006/main">
-  <p:cSld>
-    <p:spTree>
-      <p:nvGrpSpPr>
-        <p:cNvPr id="1" name=""/>
-        <p:cNvGrpSpPr/>
-        <p:nvPr/>
-      </p:nvGrpSpPr>
-      <p:grpSpPr>
-        <a:xfrm>
-          <a:off x="0" y="0"/>
-          <a:ext cx="0" cy="0"/>
-          <a:chOff x="0" y="0"/>
-          <a:chExt cx="0" cy="0"/>
-        </a:xfrm>
-      </p:grpSpPr>
-      <p:sp>
-        <p:nvSpPr>
-          <p:cNvPr id="2" name="Title 1"/>
-          <p:cNvSpPr>
-            <a:spLocks noGrp="1"/>
-          </p:cNvSpPr>
-          <p:nvPr>
-            <p:ph type="title"/>
-          </p:nvPr>
-        </p:nvSpPr>
-        <p:spPr/>
-        <p:txBody>
-          <a:bodyPr/>
-          <a:lstStyle/>
-          <a:p>
-            <a:r>
-              <a:rPr lang="sv-SE" dirty="0" smtClean="0"/>
-              <a:t>Project background</a:t>
-            </a:r>
+          <a:p>
+            <a:pPr lvl="1"/>
+            <a:endParaRPr lang="sv-SE" dirty="0" smtClean="0"/>
+          </a:p>
+          <a:p>
+            <a:pPr lvl="1"/>
             <a:endParaRPr lang="sv-SE" dirty="0"/>
-          </a:p>
-        </p:txBody>
-      </p:sp>
-      <p:sp>
-        <p:nvSpPr>
-          <p:cNvPr id="3" name="Content Placeholder 2"/>
-          <p:cNvSpPr>
-            <a:spLocks noGrp="1"/>
-          </p:cNvSpPr>
-          <p:nvPr>
-            <p:ph idx="1"/>
-          </p:nvPr>
-        </p:nvSpPr>
-        <p:spPr/>
-        <p:txBody>
-          <a:bodyPr/>
-          <a:lstStyle/>
-          <a:p>
-            <a:endParaRPr lang="sv-SE" dirty="0" smtClean="0"/>
-          </a:p>
-          <a:p>
-            <a:r>
-              <a:rPr lang="sv-SE" dirty="0" err="1" smtClean="0"/>
-              <a:t>Neuroscience</a:t>
-            </a:r>
-            <a:r>
-              <a:rPr lang="sv-SE" dirty="0" smtClean="0"/>
-              <a:t> </a:t>
-            </a:r>
-            <a:r>
-              <a:rPr lang="sv-SE" dirty="0" err="1" smtClean="0"/>
-              <a:t>department</a:t>
-            </a:r>
-            <a:r>
-              <a:rPr lang="sv-SE" dirty="0" smtClean="0"/>
-              <a:t> at BMC</a:t>
-            </a:r>
-          </a:p>
-          <a:p>
-            <a:r>
-              <a:rPr lang="sv-SE" dirty="0" smtClean="0"/>
-              <a:t>Motion vision</a:t>
-            </a:r>
-          </a:p>
-          <a:p>
-            <a:r>
-              <a:rPr lang="sv-SE" dirty="0" err="1" smtClean="0"/>
-              <a:t>Behavioural</a:t>
-            </a:r>
-            <a:r>
-              <a:rPr lang="sv-SE" dirty="0" smtClean="0"/>
-              <a:t> </a:t>
-            </a:r>
-            <a:r>
-              <a:rPr lang="sv-SE" dirty="0" err="1" smtClean="0"/>
-              <a:t>studys</a:t>
-            </a:r>
-            <a:r>
-              <a:rPr lang="sv-SE" dirty="0" smtClean="0"/>
-              <a:t> on </a:t>
-            </a:r>
-            <a:r>
-              <a:rPr lang="sv-SE" dirty="0" err="1" smtClean="0"/>
-              <a:t>flies</a:t>
-            </a:r>
-            <a:endParaRPr lang="sv-SE" dirty="0" smtClean="0"/>
-          </a:p>
-        </p:txBody>
-      </p:sp>
-    </p:spTree>
-  </p:cSld>
-  <p:clrMapOvr>
-    <a:masterClrMapping/>
-  </p:clrMapOvr>
-  <p:transition/>
-  <p:timing>
-    <p:tnLst>
-      <p:par>
-        <p:cTn id="1" dur="indefinite" restart="never" nodeType="tmRoot">
-          <p:childTnLst>
-            <p:seq concurrent="1" nextAc="seek">
-              <p:cTn id="2" dur="indefinite" nodeType="mainSeq">
-                <p:childTnLst>
-                  <p:par>
-                    <p:cTn id="3" fill="hold">
-                      <p:stCondLst>
-                        <p:cond delay="indefinite"/>
-                      </p:stCondLst>
-                      <p:childTnLst>
-                        <p:par>
-                          <p:cTn id="4" fill="hold">
-                            <p:stCondLst>
-                              <p:cond delay="0"/>
-                            </p:stCondLst>
-                            <p:childTnLst>
-                              <p:par>
-                                <p:cTn id="5" presetID="22" presetClass="entr" presetSubtype="1" fill="hold" grpId="0" nodeType="clickEffect">
-                                  <p:stCondLst>
-                                    <p:cond delay="0"/>
-                                  </p:stCondLst>
-                                  <p:childTnLst>
-                                    <p:set>
-                                      <p:cBhvr>
-                                        <p:cTn id="6" dur="1" fill="hold">
-                                          <p:stCondLst>
-                                            <p:cond delay="0"/>
-                                          </p:stCondLst>
-                                        </p:cTn>
-                                        <p:tgtEl>
-                                          <p:spTgt spid="3">
-                                            <p:txEl>
-                                              <p:pRg st="1" end="1"/>
-                                            </p:txEl>
-                                          </p:spTgt>
-                                        </p:tgtEl>
-                                        <p:attrNameLst>
-                                          <p:attrName>style.visibility</p:attrName>
-                                        </p:attrNameLst>
-                                      </p:cBhvr>
-                                      <p:to>
-                                        <p:strVal val="visible"/>
-                                      </p:to>
-                                    </p:set>
-                                    <p:animEffect transition="in" filter="wipe(up)">
-                                      <p:cBhvr>
-                                        <p:cTn id="7" dur="500"/>
-                                        <p:tgtEl>
-                                          <p:spTgt spid="3">
-                                            <p:txEl>
-                                              <p:pRg st="1" end="1"/>
-                                            </p:txEl>
-                                          </p:spTgt>
-                                        </p:tgtEl>
-                                      </p:cBhvr>
-                                    </p:animEffect>
-                                  </p:childTnLst>
-                                </p:cTn>
-                              </p:par>
-                            </p:childTnLst>
-                          </p:cTn>
-                        </p:par>
-                      </p:childTnLst>
-                    </p:cTn>
-                  </p:par>
-                  <p:par>
-                    <p:cTn id="8" fill="hold">
-                      <p:stCondLst>
-                        <p:cond delay="indefinite"/>
-                      </p:stCondLst>
-                      <p:childTnLst>
-                        <p:par>
-                          <p:cTn id="9" fill="hold">
-                            <p:stCondLst>
-                              <p:cond delay="0"/>
-                            </p:stCondLst>
-                            <p:childTnLst>
-                              <p:par>
-                                <p:cTn id="10" presetID="22" presetClass="entr" presetSubtype="1" fill="hold" grpId="0" nodeType="clickEffect">
-                                  <p:stCondLst>
-                                    <p:cond delay="0"/>
-                                  </p:stCondLst>
-                                  <p:childTnLst>
-                                    <p:set>
-                                      <p:cBhvr>
-                                        <p:cTn id="11" dur="1" fill="hold">
-                                          <p:stCondLst>
-                                            <p:cond delay="0"/>
-                                          </p:stCondLst>
-                                        </p:cTn>
-                                        <p:tgtEl>
-                                          <p:spTgt spid="3">
-                                            <p:txEl>
-                                              <p:pRg st="2" end="2"/>
-                                            </p:txEl>
-                                          </p:spTgt>
-                                        </p:tgtEl>
-                                        <p:attrNameLst>
-                                          <p:attrName>style.visibility</p:attrName>
-                                        </p:attrNameLst>
-                                      </p:cBhvr>
-                                      <p:to>
-                                        <p:strVal val="visible"/>
-                                      </p:to>
-                                    </p:set>
-                                    <p:animEffect transition="in" filter="wipe(up)">
-                                      <p:cBhvr>
-                                        <p:cTn id="12" dur="500"/>
-                                        <p:tgtEl>
-                                          <p:spTgt spid="3">
-                                            <p:txEl>
-                                              <p:pRg st="2" end="2"/>
-                                            </p:txEl>
-                                          </p:spTgt>
-                                        </p:tgtEl>
-                                      </p:cBhvr>
-                                    </p:animEffect>
-                                  </p:childTnLst>
-                                </p:cTn>
-                              </p:par>
-                            </p:childTnLst>
-                          </p:cTn>
-                        </p:par>
-                      </p:childTnLst>
-                    </p:cTn>
-                  </p:par>
-                  <p:par>
-                    <p:cTn id="13" fill="hold">
-                      <p:stCondLst>
-                        <p:cond delay="indefinite"/>
-                      </p:stCondLst>
-                      <p:childTnLst>
-                        <p:par>
-                          <p:cTn id="14" fill="hold">
-                            <p:stCondLst>
-                              <p:cond delay="0"/>
-                            </p:stCondLst>
-                            <p:childTnLst>
-                              <p:par>
-                                <p:cTn id="15" presetID="22" presetClass="entr" presetSubtype="1" fill="hold" grpId="0" nodeType="clickEffect">
-                                  <p:stCondLst>
-                                    <p:cond delay="0"/>
-                                  </p:stCondLst>
-                                  <p:childTnLst>
-                                    <p:set>
-                                      <p:cBhvr>
-                                        <p:cTn id="16" dur="1" fill="hold">
-                                          <p:stCondLst>
-                                            <p:cond delay="0"/>
-                                          </p:stCondLst>
-                                        </p:cTn>
-                                        <p:tgtEl>
-                                          <p:spTgt spid="3">
-                                            <p:txEl>
-                                              <p:pRg st="3" end="3"/>
-                                            </p:txEl>
-                                          </p:spTgt>
-                                        </p:tgtEl>
-                                        <p:attrNameLst>
-                                          <p:attrName>style.visibility</p:attrName>
-                                        </p:attrNameLst>
-                                      </p:cBhvr>
-                                      <p:to>
-                                        <p:strVal val="visible"/>
-                                      </p:to>
-                                    </p:set>
-                                    <p:animEffect transition="in" filter="wipe(up)">
-                                      <p:cBhvr>
-                                        <p:cTn id="17" dur="500"/>
-                                        <p:tgtEl>
-                                          <p:spTgt spid="3">
-                                            <p:txEl>
-                                              <p:pRg st="3" end="3"/>
-                                            </p:txEl>
-                                          </p:spTgt>
-                                        </p:tgtEl>
-                                      </p:cBhvr>
-                                    </p:animEffect>
-                                  </p:childTnLst>
-                                </p:cTn>
-                              </p:par>
-                            </p:childTnLst>
-                          </p:cTn>
-                        </p:par>
-                      </p:childTnLst>
-                    </p:cTn>
-                  </p:par>
-                </p:childTnLst>
-              </p:cTn>
-              <p:prevCondLst>
-                <p:cond evt="onPrev" delay="0">
-                  <p:tgtEl>
-                    <p:sldTgt/>
-                  </p:tgtEl>
-                </p:cond>
-              </p:prevCondLst>
-              <p:nextCondLst>
-                <p:cond evt="onNext" delay="0">
-                  <p:tgtEl>
-                    <p:sldTgt/>
-                  </p:tgtEl>
-                </p:cond>
-              </p:nextCondLst>
-            </p:seq>
-          </p:childTnLst>
-        </p:cTn>
-      </p:par>
-    </p:tnLst>
-    <p:bldLst>
-      <p:bldP spid="3" grpId="0" build="p"/>
-    </p:bldLst>
-  </p:timing>
-</p:sld>
-</file>
-
-<file path=ppt/slides/slide3.xml><?xml version="1.0" encoding="utf-8"?>
-<p:sld xmlns:a="http://schemas.openxmlformats.org/drawingml/2006/main" xmlns:r="http://schemas.openxmlformats.org/officeDocument/2006/relationships" xmlns:p="http://schemas.openxmlformats.org/presentationml/2006/main">
-  <p:cSld>
-    <p:spTree>
-      <p:nvGrpSpPr>
-        <p:cNvPr id="1" name=""/>
-        <p:cNvGrpSpPr/>
-        <p:nvPr/>
-      </p:nvGrpSpPr>
-      <p:grpSpPr>
-        <a:xfrm>
-          <a:off x="0" y="0"/>
-          <a:ext cx="0" cy="0"/>
-          <a:chOff x="0" y="0"/>
-          <a:chExt cx="0" cy="0"/>
-        </a:xfrm>
-      </p:grpSpPr>
-      <p:sp>
-        <p:nvSpPr>
-          <p:cNvPr id="4" name="Title 3"/>
-          <p:cNvSpPr>
-            <a:spLocks noGrp="1"/>
-          </p:cNvSpPr>
-          <p:nvPr>
-            <p:ph type="title"/>
-          </p:nvPr>
-        </p:nvSpPr>
-        <p:spPr/>
-        <p:txBody>
-          <a:bodyPr/>
-          <a:lstStyle/>
-          <a:p>
-            <a:r>
-              <a:rPr lang="sv-SE" dirty="0" smtClean="0"/>
-              <a:t>Track ball setup</a:t>
-            </a:r>
-            <a:endParaRPr lang="sv-SE" dirty="0"/>
-          </a:p>
-        </p:txBody>
-      </p:sp>
-      <p:pic>
-        <p:nvPicPr>
-          <p:cNvPr id="5" name="Content Placeholder 4" descr="CIMG1525.JPG"/>
-          <p:cNvPicPr>
-            <a:picLocks noGrp="1" noChangeAspect="1"/>
-          </p:cNvPicPr>
-          <p:nvPr>
-            <p:ph sz="half" idx="1"/>
-          </p:nvPr>
-        </p:nvPicPr>
-        <p:blipFill>
-          <a:blip r:embed="rId2" cstate="print"/>
-          <a:stretch>
-            <a:fillRect/>
-          </a:stretch>
-        </p:blipFill>
-        <p:spPr>
-          <a:xfrm>
-            <a:off x="1435100" y="2484437"/>
-            <a:ext cx="3657600" cy="2743200"/>
-          </a:xfrm>
-        </p:spPr>
-      </p:pic>
-      <p:sp>
-        <p:nvSpPr>
-          <p:cNvPr id="6" name="Content Placeholder 5"/>
-          <p:cNvSpPr>
-            <a:spLocks noGrp="1"/>
-          </p:cNvSpPr>
-          <p:nvPr>
-            <p:ph sz="half" idx="2"/>
-          </p:nvPr>
-        </p:nvSpPr>
-        <p:spPr/>
-        <p:txBody>
-          <a:bodyPr/>
-          <a:lstStyle/>
-          <a:p>
-            <a:r>
-              <a:rPr lang="sv-SE" dirty="0" smtClean="0"/>
-              <a:t>Experiment aim:</a:t>
-            </a:r>
-          </a:p>
-          <a:p>
-            <a:pPr lvl="1"/>
-            <a:r>
-              <a:rPr lang="sv-SE" dirty="0" smtClean="0"/>
-              <a:t>Study fly movement as a function of visual </a:t>
-            </a:r>
-            <a:r>
-              <a:rPr lang="sv-SE" dirty="0" smtClean="0"/>
-              <a:t>stimulus</a:t>
-            </a:r>
-          </a:p>
-        </p:txBody>
-      </p:sp>
-    </p:spTree>
-  </p:cSld>
-  <p:clrMapOvr>
-    <a:masterClrMapping/>
-  </p:clrMapOvr>
-  <p:transition/>
-  <p:timing>
-    <p:tnLst>
-      <p:par>
-        <p:cTn id="1" dur="indefinite" restart="never" nodeType="tmRoot">
-          <p:childTnLst>
-            <p:seq concurrent="1" nextAc="seek">
-              <p:cTn id="2" dur="indefinite" nodeType="mainSeq">
-                <p:childTnLst>
-                  <p:par>
-                    <p:cTn id="3" fill="hold">
-                      <p:stCondLst>
-                        <p:cond delay="indefinite"/>
-                      </p:stCondLst>
-                      <p:childTnLst>
-                        <p:par>
-                          <p:cTn id="4" fill="hold">
-                            <p:stCondLst>
-                              <p:cond delay="0"/>
-                            </p:stCondLst>
-                            <p:childTnLst>
-                              <p:par>
-                                <p:cTn id="5" presetID="22" presetClass="entr" presetSubtype="1" fill="hold" grpId="0" nodeType="clickEffect">
-                                  <p:stCondLst>
-                                    <p:cond delay="0"/>
-                                  </p:stCondLst>
-                                  <p:childTnLst>
-                                    <p:set>
-                                      <p:cBhvr>
-                                        <p:cTn id="6" dur="1" fill="hold">
-                                          <p:stCondLst>
-                                            <p:cond delay="0"/>
-                                          </p:stCondLst>
-                                        </p:cTn>
-                                        <p:tgtEl>
-                                          <p:spTgt spid="6">
-                                            <p:txEl>
-                                              <p:pRg st="0" end="0"/>
-                                            </p:txEl>
-                                          </p:spTgt>
-                                        </p:tgtEl>
-                                        <p:attrNameLst>
-                                          <p:attrName>style.visibility</p:attrName>
-                                        </p:attrNameLst>
-                                      </p:cBhvr>
-                                      <p:to>
-                                        <p:strVal val="visible"/>
-                                      </p:to>
-                                    </p:set>
-                                    <p:animEffect transition="in" filter="wipe(up)">
-                                      <p:cBhvr>
-                                        <p:cTn id="7" dur="500"/>
-                                        <p:tgtEl>
-                                          <p:spTgt spid="6">
-                                            <p:txEl>
-                                              <p:pRg st="0" end="0"/>
-                                            </p:txEl>
-                                          </p:spTgt>
-                                        </p:tgtEl>
-                                      </p:cBhvr>
-                                    </p:animEffect>
-                                  </p:childTnLst>
-                                </p:cTn>
-                              </p:par>
-                            </p:childTnLst>
-                          </p:cTn>
-                        </p:par>
-                      </p:childTnLst>
-                    </p:cTn>
-                  </p:par>
-                  <p:par>
-                    <p:cTn id="8" fill="hold">
-                      <p:stCondLst>
-                        <p:cond delay="indefinite"/>
-                      </p:stCondLst>
-                      <p:childTnLst>
-                        <p:par>
-                          <p:cTn id="9" fill="hold">
-                            <p:stCondLst>
-                              <p:cond delay="0"/>
-                            </p:stCondLst>
-                            <p:childTnLst>
-                              <p:par>
-                                <p:cTn id="10" presetID="22" presetClass="entr" presetSubtype="1" fill="hold" grpId="0" nodeType="clickEffect">
-                                  <p:stCondLst>
-                                    <p:cond delay="0"/>
-                                  </p:stCondLst>
-                                  <p:childTnLst>
-                                    <p:set>
-                                      <p:cBhvr>
-                                        <p:cTn id="11" dur="1" fill="hold">
-                                          <p:stCondLst>
-                                            <p:cond delay="0"/>
-                                          </p:stCondLst>
-                                        </p:cTn>
-                                        <p:tgtEl>
-                                          <p:spTgt spid="6">
-                                            <p:txEl>
-                                              <p:pRg st="1" end="1"/>
-                                            </p:txEl>
-                                          </p:spTgt>
-                                        </p:tgtEl>
-                                        <p:attrNameLst>
-                                          <p:attrName>style.visibility</p:attrName>
-                                        </p:attrNameLst>
-                                      </p:cBhvr>
-                                      <p:to>
-                                        <p:strVal val="visible"/>
-                                      </p:to>
-                                    </p:set>
-                                    <p:animEffect transition="in" filter="wipe(up)">
-                                      <p:cBhvr>
-                                        <p:cTn id="12" dur="500"/>
-                                        <p:tgtEl>
-                                          <p:spTgt spid="6">
-                                            <p:txEl>
-                                              <p:pRg st="1" end="1"/>
-                                            </p:txEl>
-                                          </p:spTgt>
-                                        </p:tgtEl>
-                                      </p:cBhvr>
-                                    </p:animEffect>
-                                  </p:childTnLst>
-                                </p:cTn>
-                              </p:par>
-                            </p:childTnLst>
-                          </p:cTn>
-                        </p:par>
-                      </p:childTnLst>
-                    </p:cTn>
-                  </p:par>
-                </p:childTnLst>
-              </p:cTn>
-              <p:prevCondLst>
-                <p:cond evt="onPrev" delay="0">
-                  <p:tgtEl>
-                    <p:sldTgt/>
-                  </p:tgtEl>
-                </p:cond>
-              </p:prevCondLst>
-              <p:nextCondLst>
-                <p:cond evt="onNext" delay="0">
-                  <p:tgtEl>
-                    <p:sldTgt/>
-                  </p:tgtEl>
-                </p:cond>
-              </p:nextCondLst>
-            </p:seq>
-          </p:childTnLst>
-        </p:cTn>
-      </p:par>
-    </p:tnLst>
-    <p:bldLst>
-      <p:bldP spid="6" grpId="0" build="p"/>
-    </p:bldLst>
-  </p:timing>
-</p:sld>
-</file>
-
-<file path=ppt/slides/slide4.xml><?xml version="1.0" encoding="utf-8"?>
-<p:sld xmlns:a="http://schemas.openxmlformats.org/drawingml/2006/main" xmlns:r="http://schemas.openxmlformats.org/officeDocument/2006/relationships" xmlns:p="http://schemas.openxmlformats.org/presentationml/2006/main">
-  <p:cSld>
-    <p:spTree>
-      <p:nvGrpSpPr>
-        <p:cNvPr id="1" name=""/>
-        <p:cNvGrpSpPr/>
-        <p:nvPr/>
-      </p:nvGrpSpPr>
-      <p:grpSpPr>
-        <a:xfrm>
-          <a:off x="0" y="0"/>
-          <a:ext cx="0" cy="0"/>
-          <a:chOff x="0" y="0"/>
-          <a:chExt cx="0" cy="0"/>
-        </a:xfrm>
-      </p:grpSpPr>
-      <p:sp>
-        <p:nvSpPr>
-          <p:cNvPr id="2" name="Rubrik 1"/>
-          <p:cNvSpPr>
-            <a:spLocks noGrp="1"/>
-          </p:cNvSpPr>
-          <p:nvPr>
-            <p:ph type="title"/>
-          </p:nvPr>
-        </p:nvSpPr>
-        <p:spPr/>
-        <p:txBody>
-          <a:bodyPr/>
-          <a:lstStyle/>
-          <a:p>
-            <a:r>
-              <a:rPr lang="sv-SE" dirty="0" err="1" smtClean="0"/>
-              <a:t>Purpose</a:t>
-            </a:r>
-            <a:endParaRPr lang="sv-SE" dirty="0"/>
-          </a:p>
-        </p:txBody>
-      </p:sp>
-      <p:sp>
-        <p:nvSpPr>
-          <p:cNvPr id="3" name="Platshållare för innehåll 2"/>
-          <p:cNvSpPr>
-            <a:spLocks noGrp="1"/>
-          </p:cNvSpPr>
-          <p:nvPr>
-            <p:ph idx="1"/>
-          </p:nvPr>
-        </p:nvSpPr>
-        <p:spPr/>
-        <p:txBody>
-          <a:bodyPr/>
-          <a:lstStyle/>
-          <a:p>
-            <a:r>
-              <a:rPr lang="sv-SE" dirty="0" err="1" smtClean="0"/>
-              <a:t>Develop</a:t>
-            </a:r>
-            <a:r>
-              <a:rPr lang="sv-SE" dirty="0" smtClean="0"/>
-              <a:t> a new software system:</a:t>
-            </a:r>
-          </a:p>
-          <a:p>
-            <a:pPr lvl="1"/>
-            <a:r>
-              <a:rPr lang="sv-SE" dirty="0" smtClean="0">
-                <a:sym typeface="Wingdings" pitchFamily="2" charset="2"/>
-              </a:rPr>
-              <a:t>Reads and process </a:t>
-            </a:r>
-            <a:r>
-              <a:rPr lang="sv-SE" dirty="0" err="1" smtClean="0">
-                <a:sym typeface="Wingdings" pitchFamily="2" charset="2"/>
-              </a:rPr>
-              <a:t>mouse</a:t>
-            </a:r>
-            <a:r>
-              <a:rPr lang="sv-SE" dirty="0" smtClean="0">
-                <a:sym typeface="Wingdings" pitchFamily="2" charset="2"/>
-              </a:rPr>
-              <a:t> data</a:t>
-            </a:r>
-          </a:p>
-          <a:p>
-            <a:pPr lvl="1"/>
-            <a:r>
-              <a:rPr lang="sv-SE" dirty="0" smtClean="0">
-                <a:sym typeface="Wingdings" pitchFamily="2" charset="2"/>
-              </a:rPr>
-              <a:t>Saves and display output</a:t>
-            </a:r>
-          </a:p>
-          <a:p>
-            <a:pPr lvl="1"/>
-            <a:r>
-              <a:rPr lang="sv-SE" dirty="0" err="1" smtClean="0">
-                <a:sym typeface="Wingdings" pitchFamily="2" charset="2"/>
-              </a:rPr>
-              <a:t>User</a:t>
-            </a:r>
-            <a:r>
-              <a:rPr lang="sv-SE" dirty="0" smtClean="0">
-                <a:sym typeface="Wingdings" pitchFamily="2" charset="2"/>
-              </a:rPr>
-              <a:t> </a:t>
-            </a:r>
-            <a:r>
-              <a:rPr lang="sv-SE" dirty="0" err="1" smtClean="0">
-                <a:sym typeface="Wingdings" pitchFamily="2" charset="2"/>
-              </a:rPr>
-              <a:t>friendly</a:t>
-            </a:r>
-            <a:r>
-              <a:rPr lang="sv-SE" dirty="0" smtClean="0">
-                <a:sym typeface="Wingdings" pitchFamily="2" charset="2"/>
-              </a:rPr>
-              <a:t>!</a:t>
-            </a:r>
-          </a:p>
-        </p:txBody>
-      </p:sp>
-    </p:spTree>
-  </p:cSld>
-  <p:clrMapOvr>
-    <a:masterClrMapping/>
-  </p:clrMapOvr>
-  <p:transition/>
-  <p:timing>
-    <p:tnLst>
-      <p:par>
-        <p:cTn id="1" dur="indefinite" restart="never" nodeType="tmRoot">
-          <p:childTnLst>
-            <p:seq concurrent="1" nextAc="seek">
-              <p:cTn id="2" dur="indefinite" nodeType="mainSeq">
-                <p:childTnLst>
-                  <p:par>
-                    <p:cTn id="3" fill="hold">
-                      <p:stCondLst>
-                        <p:cond delay="indefinite"/>
-                      </p:stCondLst>
-                      <p:childTnLst>
-                        <p:par>
-                          <p:cTn id="4" fill="hold">
-                            <p:stCondLst>
-                              <p:cond delay="0"/>
-                            </p:stCondLst>
-                            <p:childTnLst>
-                              <p:par>
-                                <p:cTn id="5" presetID="22" presetClass="entr" presetSubtype="1" fill="hold" grpId="0" nodeType="clickEffect">
-                                  <p:stCondLst>
-                                    <p:cond delay="0"/>
-                                  </p:stCondLst>
-                                  <p:childTnLst>
-                                    <p:set>
-                                      <p:cBhvr>
-                                        <p:cTn id="6" dur="1" fill="hold">
-                                          <p:stCondLst>
-                                            <p:cond delay="0"/>
-                                          </p:stCondLst>
-                                        </p:cTn>
-                                        <p:tgtEl>
-                                          <p:spTgt spid="3">
-                                            <p:txEl>
-                                              <p:pRg st="0" end="0"/>
-                                            </p:txEl>
-                                          </p:spTgt>
-                                        </p:tgtEl>
-                                        <p:attrNameLst>
-                                          <p:attrName>style.visibility</p:attrName>
-                                        </p:attrNameLst>
-                                      </p:cBhvr>
-                                      <p:to>
-                                        <p:strVal val="visible"/>
-                                      </p:to>
-                                    </p:set>
-                                    <p:animEffect transition="in" filter="wipe(up)">
-                                      <p:cBhvr>
-                                        <p:cTn id="7" dur="500"/>
-                                        <p:tgtEl>
-                                          <p:spTgt spid="3">
-                                            <p:txEl>
-                                              <p:pRg st="0" end="0"/>
-                                            </p:txEl>
-                                          </p:spTgt>
-                                        </p:tgtEl>
-                                      </p:cBhvr>
-                                    </p:animEffect>
-                                  </p:childTnLst>
-                                </p:cTn>
-                              </p:par>
-                            </p:childTnLst>
-                          </p:cTn>
-                        </p:par>
-                      </p:childTnLst>
-                    </p:cTn>
-                  </p:par>
-                  <p:par>
-                    <p:cTn id="8" fill="hold">
-                      <p:stCondLst>
-                        <p:cond delay="indefinite"/>
-                      </p:stCondLst>
-                      <p:childTnLst>
-                        <p:par>
-                          <p:cTn id="9" fill="hold">
-                            <p:stCondLst>
-                              <p:cond delay="0"/>
-                            </p:stCondLst>
-                            <p:childTnLst>
-                              <p:par>
-                                <p:cTn id="10" presetID="22" presetClass="entr" presetSubtype="1" fill="hold" grpId="0" nodeType="clickEffect">
-                                  <p:stCondLst>
-                                    <p:cond delay="0"/>
-                                  </p:stCondLst>
-                                  <p:childTnLst>
-                                    <p:set>
-                                      <p:cBhvr>
-                                        <p:cTn id="11" dur="1" fill="hold">
-                                          <p:stCondLst>
-                                            <p:cond delay="0"/>
-                                          </p:stCondLst>
-                                        </p:cTn>
-                                        <p:tgtEl>
-                                          <p:spTgt spid="3">
-                                            <p:txEl>
-                                              <p:pRg st="1" end="1"/>
-                                            </p:txEl>
-                                          </p:spTgt>
-                                        </p:tgtEl>
-                                        <p:attrNameLst>
-                                          <p:attrName>style.visibility</p:attrName>
-                                        </p:attrNameLst>
-                                      </p:cBhvr>
-                                      <p:to>
-                                        <p:strVal val="visible"/>
-                                      </p:to>
-                                    </p:set>
-                                    <p:animEffect transition="in" filter="wipe(up)">
-                                      <p:cBhvr>
-                                        <p:cTn id="12" dur="500"/>
-                                        <p:tgtEl>
-                                          <p:spTgt spid="3">
-                                            <p:txEl>
-                                              <p:pRg st="1" end="1"/>
-                                            </p:txEl>
-                                          </p:spTgt>
-                                        </p:tgtEl>
-                                      </p:cBhvr>
-                                    </p:animEffect>
-                                  </p:childTnLst>
-                                </p:cTn>
-                              </p:par>
-                            </p:childTnLst>
-                          </p:cTn>
-                        </p:par>
-                      </p:childTnLst>
-                    </p:cTn>
-                  </p:par>
-                  <p:par>
-                    <p:cTn id="13" fill="hold">
-                      <p:stCondLst>
-                        <p:cond delay="indefinite"/>
-                      </p:stCondLst>
-                      <p:childTnLst>
-                        <p:par>
-                          <p:cTn id="14" fill="hold">
-                            <p:stCondLst>
-                              <p:cond delay="0"/>
-                            </p:stCondLst>
-                            <p:childTnLst>
-                              <p:par>
-                                <p:cTn id="15" presetID="22" presetClass="entr" presetSubtype="1" fill="hold" grpId="0" nodeType="clickEffect">
-                                  <p:stCondLst>
-                                    <p:cond delay="0"/>
-                                  </p:stCondLst>
-                                  <p:childTnLst>
-                                    <p:set>
-                                      <p:cBhvr>
-                                        <p:cTn id="16" dur="1" fill="hold">
-                                          <p:stCondLst>
-                                            <p:cond delay="0"/>
-                                          </p:stCondLst>
-                                        </p:cTn>
-                                        <p:tgtEl>
-                                          <p:spTgt spid="3">
-                                            <p:txEl>
-                                              <p:pRg st="2" end="2"/>
-                                            </p:txEl>
-                                          </p:spTgt>
-                                        </p:tgtEl>
-                                        <p:attrNameLst>
-                                          <p:attrName>style.visibility</p:attrName>
-                                        </p:attrNameLst>
-                                      </p:cBhvr>
-                                      <p:to>
-                                        <p:strVal val="visible"/>
-                                      </p:to>
-                                    </p:set>
-                                    <p:animEffect transition="in" filter="wipe(up)">
-                                      <p:cBhvr>
-                                        <p:cTn id="17" dur="500"/>
-                                        <p:tgtEl>
-                                          <p:spTgt spid="3">
-                                            <p:txEl>
-                                              <p:pRg st="2" end="2"/>
-                                            </p:txEl>
-                                          </p:spTgt>
-                                        </p:tgtEl>
-                                      </p:cBhvr>
-                                    </p:animEffect>
-                                  </p:childTnLst>
-                                </p:cTn>
-                              </p:par>
-                            </p:childTnLst>
-                          </p:cTn>
-                        </p:par>
-                      </p:childTnLst>
-                    </p:cTn>
-                  </p:par>
-                  <p:par>
-                    <p:cTn id="18" fill="hold">
-                      <p:stCondLst>
-                        <p:cond delay="indefinite"/>
-                      </p:stCondLst>
-                      <p:childTnLst>
-                        <p:par>
-                          <p:cTn id="19" fill="hold">
-                            <p:stCondLst>
-                              <p:cond delay="0"/>
-                            </p:stCondLst>
-                            <p:childTnLst>
-                              <p:par>
-                                <p:cTn id="20" presetID="22" presetClass="entr" presetSubtype="1" fill="hold" grpId="0" nodeType="clickEffect">
-                                  <p:stCondLst>
-                                    <p:cond delay="0"/>
-                                  </p:stCondLst>
-                                  <p:childTnLst>
-                                    <p:set>
-                                      <p:cBhvr>
-                                        <p:cTn id="21" dur="1" fill="hold">
-                                          <p:stCondLst>
-                                            <p:cond delay="0"/>
-                                          </p:stCondLst>
-                                        </p:cTn>
-                                        <p:tgtEl>
-                                          <p:spTgt spid="3">
-                                            <p:txEl>
-                                              <p:pRg st="3" end="3"/>
-                                            </p:txEl>
-                                          </p:spTgt>
-                                        </p:tgtEl>
-                                        <p:attrNameLst>
-                                          <p:attrName>style.visibility</p:attrName>
-                                        </p:attrNameLst>
-                                      </p:cBhvr>
-                                      <p:to>
-                                        <p:strVal val="visible"/>
-                                      </p:to>
-                                    </p:set>
-                                    <p:animEffect transition="in" filter="wipe(up)">
-                                      <p:cBhvr>
-                                        <p:cTn id="22" dur="500"/>
-                                        <p:tgtEl>
-                                          <p:spTgt spid="3">
-                                            <p:txEl>
-                                              <p:pRg st="3" end="3"/>
-                                            </p:txEl>
-                                          </p:spTgt>
-                                        </p:tgtEl>
-                                      </p:cBhvr>
-                                    </p:animEffect>
-                                  </p:childTnLst>
-                                </p:cTn>
-                              </p:par>
-                            </p:childTnLst>
-                          </p:cTn>
-                        </p:par>
-                      </p:childTnLst>
-                    </p:cTn>
-                  </p:par>
-                </p:childTnLst>
-              </p:cTn>
-              <p:prevCondLst>
-                <p:cond evt="onPrev" delay="0">
-                  <p:tgtEl>
-                    <p:sldTgt/>
-                  </p:tgtEl>
-                </p:cond>
-              </p:prevCondLst>
-              <p:nextCondLst>
-                <p:cond evt="onNext" delay="0">
-                  <p:tgtEl>
-                    <p:sldTgt/>
-                  </p:tgtEl>
-                </p:cond>
-              </p:nextCondLst>
-            </p:seq>
-          </p:childTnLst>
-        </p:cTn>
-      </p:par>
-    </p:tnLst>
-    <p:bldLst>
-      <p:bldP spid="3" grpId="0" build="p"/>
-    </p:bldLst>
-  </p:timing>
-</p:sld>
-</file>
-
-<file path=ppt/slides/slide5.xml><?xml version="1.0" encoding="utf-8"?>
-<p:sld xmlns:a="http://schemas.openxmlformats.org/drawingml/2006/main" xmlns:r="http://schemas.openxmlformats.org/officeDocument/2006/relationships" xmlns:p="http://schemas.openxmlformats.org/presentationml/2006/main">
-  <p:cSld>
-    <p:spTree>
-      <p:nvGrpSpPr>
-        <p:cNvPr id="1" name=""/>
-        <p:cNvGrpSpPr/>
-        <p:nvPr/>
-      </p:nvGrpSpPr>
-      <p:grpSpPr>
-        <a:xfrm>
-          <a:off x="0" y="0"/>
-          <a:ext cx="0" cy="0"/>
-          <a:chOff x="0" y="0"/>
-          <a:chExt cx="0" cy="0"/>
-        </a:xfrm>
-      </p:grpSpPr>
-      <p:sp>
-        <p:nvSpPr>
-          <p:cNvPr id="2" name="Title 1"/>
-          <p:cNvSpPr>
-            <a:spLocks noGrp="1"/>
-          </p:cNvSpPr>
-          <p:nvPr>
-            <p:ph type="title"/>
-          </p:nvPr>
-        </p:nvSpPr>
-        <p:spPr/>
-        <p:txBody>
-          <a:bodyPr/>
-          <a:lstStyle/>
-          <a:p>
-            <a:r>
-              <a:rPr lang="sv-SE" dirty="0" smtClean="0"/>
-              <a:t>Project plan</a:t>
-            </a:r>
-            <a:endParaRPr lang="sv-SE" dirty="0"/>
-          </a:p>
-        </p:txBody>
-      </p:sp>
-      <p:sp>
-        <p:nvSpPr>
-          <p:cNvPr id="3" name="Content Placeholder 2"/>
-          <p:cNvSpPr>
-            <a:spLocks noGrp="1"/>
-          </p:cNvSpPr>
-          <p:nvPr>
-            <p:ph idx="1"/>
-          </p:nvPr>
-        </p:nvSpPr>
-        <p:spPr/>
-        <p:txBody>
-          <a:bodyPr/>
-          <a:lstStyle/>
-          <a:p>
-            <a:r>
-              <a:rPr lang="sv-SE" dirty="0" smtClean="0"/>
-              <a:t>20 </a:t>
-            </a:r>
-            <a:r>
-              <a:rPr lang="sv-SE" dirty="0" err="1" smtClean="0"/>
-              <a:t>weeks</a:t>
-            </a:r>
-            <a:endParaRPr lang="sv-SE" dirty="0" smtClean="0"/>
-          </a:p>
-          <a:p>
-            <a:r>
-              <a:rPr lang="sv-SE" dirty="0" err="1" smtClean="0"/>
-              <a:t>Agile</a:t>
-            </a:r>
-            <a:r>
-              <a:rPr lang="sv-SE" dirty="0" smtClean="0"/>
-              <a:t> </a:t>
-            </a:r>
-            <a:r>
-              <a:rPr lang="sv-SE" dirty="0" err="1" smtClean="0"/>
-              <a:t>user-centered</a:t>
-            </a:r>
-            <a:r>
-              <a:rPr lang="sv-SE" dirty="0" smtClean="0"/>
-              <a:t> process</a:t>
-            </a:r>
-          </a:p>
-          <a:p>
-            <a:r>
-              <a:rPr lang="sv-SE" dirty="0" smtClean="0"/>
-              <a:t>The plan:</a:t>
-            </a:r>
-          </a:p>
-          <a:p>
-            <a:pPr lvl="1"/>
-            <a:r>
-              <a:rPr lang="sv-SE" dirty="0" smtClean="0"/>
-              <a:t>Initial </a:t>
-            </a:r>
-            <a:r>
-              <a:rPr lang="sv-SE" dirty="0" err="1" smtClean="0"/>
-              <a:t>phase</a:t>
-            </a:r>
-            <a:r>
-              <a:rPr lang="sv-SE" dirty="0" smtClean="0"/>
-              <a:t> (3 </a:t>
-            </a:r>
-            <a:r>
-              <a:rPr lang="sv-SE" dirty="0" err="1" smtClean="0"/>
-              <a:t>weeks</a:t>
-            </a:r>
-            <a:r>
-              <a:rPr lang="sv-SE" dirty="0" smtClean="0"/>
-              <a:t>)</a:t>
-            </a:r>
-          </a:p>
-          <a:p>
-            <a:pPr lvl="1"/>
-            <a:r>
-              <a:rPr lang="sv-SE" dirty="0" err="1" smtClean="0"/>
-              <a:t>Implementation</a:t>
-            </a:r>
-            <a:r>
-              <a:rPr lang="sv-SE" dirty="0" smtClean="0"/>
-              <a:t> (10 </a:t>
-            </a:r>
-            <a:r>
-              <a:rPr lang="sv-SE" dirty="0" err="1" smtClean="0"/>
-              <a:t>weeks</a:t>
-            </a:r>
-            <a:r>
-              <a:rPr lang="sv-SE" dirty="0" smtClean="0"/>
-              <a:t>)  </a:t>
-            </a:r>
-          </a:p>
-          <a:p>
-            <a:pPr lvl="1"/>
-            <a:r>
-              <a:rPr lang="sv-SE" dirty="0" err="1" smtClean="0"/>
-              <a:t>Evaluation</a:t>
-            </a:r>
-            <a:r>
-              <a:rPr lang="sv-SE" dirty="0" smtClean="0"/>
-              <a:t> (2 </a:t>
-            </a:r>
-            <a:r>
-              <a:rPr lang="sv-SE" dirty="0" err="1" smtClean="0"/>
-              <a:t>weeks</a:t>
-            </a:r>
-            <a:r>
-              <a:rPr lang="sv-SE" dirty="0" smtClean="0"/>
-              <a:t>) </a:t>
-            </a:r>
-          </a:p>
-          <a:p>
-            <a:pPr lvl="1"/>
-            <a:r>
-              <a:rPr lang="sv-SE" dirty="0" err="1" smtClean="0"/>
-              <a:t>Finalizing</a:t>
-            </a:r>
-            <a:r>
-              <a:rPr lang="sv-SE" dirty="0" smtClean="0"/>
-              <a:t> report (5 </a:t>
-            </a:r>
-            <a:r>
-              <a:rPr lang="sv-SE" dirty="0" err="1" smtClean="0"/>
-              <a:t>weeks</a:t>
-            </a:r>
-            <a:r>
-              <a:rPr lang="sv-SE" dirty="0" smtClean="0"/>
-              <a:t>)</a:t>
-            </a:r>
-          </a:p>
-          <a:p>
-            <a:endParaRPr lang="sv-SE" dirty="0"/>
-          </a:p>
-        </p:txBody>
-      </p:sp>
-    </p:spTree>
-  </p:cSld>
-  <p:clrMapOvr>
-    <a:masterClrMapping/>
-  </p:clrMapOvr>
-  <p:transition/>
-  <p:timing>
-    <p:tnLst>
-      <p:par>
-        <p:cTn id="1" dur="indefinite" restart="never" nodeType="tmRoot">
-          <p:childTnLst>
-            <p:seq concurrent="1" nextAc="seek">
-              <p:cTn id="2" dur="indefinite" nodeType="mainSeq">
-                <p:childTnLst>
-                  <p:par>
-                    <p:cTn id="3" fill="hold">
-                      <p:stCondLst>
-                        <p:cond delay="indefinite"/>
-                      </p:stCondLst>
-                      <p:childTnLst>
-                        <p:par>
-                          <p:cTn id="4" fill="hold">
-                            <p:stCondLst>
-                              <p:cond delay="0"/>
-                            </p:stCondLst>
-                            <p:childTnLst>
-                              <p:par>
-                                <p:cTn id="5" presetID="22" presetClass="entr" presetSubtype="1" fill="hold" grpId="0" nodeType="clickEffect">
-                                  <p:stCondLst>
-                                    <p:cond delay="0"/>
-                                  </p:stCondLst>
-                                  <p:childTnLst>
-                                    <p:set>
-                                      <p:cBhvr>
-                                        <p:cTn id="6" dur="1" fill="hold">
-                                          <p:stCondLst>
-                                            <p:cond delay="0"/>
-                                          </p:stCondLst>
-                                        </p:cTn>
-                                        <p:tgtEl>
-                                          <p:spTgt spid="3">
-                                            <p:txEl>
-                                              <p:pRg st="0" end="0"/>
-                                            </p:txEl>
-                                          </p:spTgt>
-                                        </p:tgtEl>
-                                        <p:attrNameLst>
-                                          <p:attrName>style.visibility</p:attrName>
-                                        </p:attrNameLst>
-                                      </p:cBhvr>
-                                      <p:to>
-                                        <p:strVal val="visible"/>
-                                      </p:to>
-                                    </p:set>
-                                    <p:animEffect transition="in" filter="wipe(up)">
-                                      <p:cBhvr>
-                                        <p:cTn id="7" dur="500"/>
-                                        <p:tgtEl>
-                                          <p:spTgt spid="3">
-                                            <p:txEl>
-                                              <p:pRg st="0" end="0"/>
-                                            </p:txEl>
-                                          </p:spTgt>
-                                        </p:tgtEl>
-                                      </p:cBhvr>
-                                    </p:animEffect>
-                                  </p:childTnLst>
-                                </p:cTn>
-                              </p:par>
-                            </p:childTnLst>
-                          </p:cTn>
-                        </p:par>
-                      </p:childTnLst>
-                    </p:cTn>
-                  </p:par>
-                  <p:par>
-                    <p:cTn id="8" fill="hold">
-                      <p:stCondLst>
-                        <p:cond delay="indefinite"/>
-                      </p:stCondLst>
-                      <p:childTnLst>
-                        <p:par>
-                          <p:cTn id="9" fill="hold">
-                            <p:stCondLst>
-                              <p:cond delay="0"/>
-                            </p:stCondLst>
-                            <p:childTnLst>
-                              <p:par>
-                                <p:cTn id="10" presetID="22" presetClass="entr" presetSubtype="1" fill="hold" grpId="0" nodeType="clickEffect">
-                                  <p:stCondLst>
-                                    <p:cond delay="0"/>
-                                  </p:stCondLst>
-                                  <p:childTnLst>
-                                    <p:set>
-                                      <p:cBhvr>
-                                        <p:cTn id="11" dur="1" fill="hold">
-                                          <p:stCondLst>
-                                            <p:cond delay="0"/>
-                                          </p:stCondLst>
-                                        </p:cTn>
-                                        <p:tgtEl>
-                                          <p:spTgt spid="3">
-                                            <p:txEl>
-                                              <p:pRg st="1" end="1"/>
-                                            </p:txEl>
-                                          </p:spTgt>
-                                        </p:tgtEl>
-                                        <p:attrNameLst>
-                                          <p:attrName>style.visibility</p:attrName>
-                                        </p:attrNameLst>
-                                      </p:cBhvr>
-                                      <p:to>
-                                        <p:strVal val="visible"/>
-                                      </p:to>
-                                    </p:set>
-                                    <p:animEffect transition="in" filter="wipe(up)">
-                                      <p:cBhvr>
-                                        <p:cTn id="12" dur="500"/>
-                                        <p:tgtEl>
-                                          <p:spTgt spid="3">
-                                            <p:txEl>
-                                              <p:pRg st="1" end="1"/>
-                                            </p:txEl>
-                                          </p:spTgt>
-                                        </p:tgtEl>
-                                      </p:cBhvr>
-                                    </p:animEffect>
-                                  </p:childTnLst>
-                                </p:cTn>
-                              </p:par>
-                            </p:childTnLst>
-                          </p:cTn>
-                        </p:par>
-                      </p:childTnLst>
-                    </p:cTn>
-                  </p:par>
-                  <p:par>
-                    <p:cTn id="13" fill="hold">
-                      <p:stCondLst>
-                        <p:cond delay="indefinite"/>
-                      </p:stCondLst>
-                      <p:childTnLst>
-                        <p:par>
-                          <p:cTn id="14" fill="hold">
-                            <p:stCondLst>
-                              <p:cond delay="0"/>
-                            </p:stCondLst>
-                            <p:childTnLst>
-                              <p:par>
-                                <p:cTn id="15" presetID="22" presetClass="entr" presetSubtype="1" fill="hold" grpId="0" nodeType="clickEffect">
-                                  <p:stCondLst>
-                                    <p:cond delay="0"/>
-                                  </p:stCondLst>
-                                  <p:childTnLst>
-                                    <p:set>
-                                      <p:cBhvr>
-                                        <p:cTn id="16" dur="1" fill="hold">
-                                          <p:stCondLst>
-                                            <p:cond delay="0"/>
-                                          </p:stCondLst>
-                                        </p:cTn>
-                                        <p:tgtEl>
-                                          <p:spTgt spid="3">
-                                            <p:txEl>
-                                              <p:pRg st="2" end="2"/>
-                                            </p:txEl>
-                                          </p:spTgt>
-                                        </p:tgtEl>
-                                        <p:attrNameLst>
-                                          <p:attrName>style.visibility</p:attrName>
-                                        </p:attrNameLst>
-                                      </p:cBhvr>
-                                      <p:to>
-                                        <p:strVal val="visible"/>
-                                      </p:to>
-                                    </p:set>
-                                    <p:animEffect transition="in" filter="wipe(up)">
-                                      <p:cBhvr>
-                                        <p:cTn id="17" dur="500"/>
-                                        <p:tgtEl>
-                                          <p:spTgt spid="3">
-                                            <p:txEl>
-                                              <p:pRg st="2" end="2"/>
-                                            </p:txEl>
-                                          </p:spTgt>
-                                        </p:tgtEl>
-                                      </p:cBhvr>
-                                    </p:animEffect>
-                                  </p:childTnLst>
-                                </p:cTn>
-                              </p:par>
-                            </p:childTnLst>
-                          </p:cTn>
-                        </p:par>
-                      </p:childTnLst>
-                    </p:cTn>
-                  </p:par>
-                  <p:par>
-                    <p:cTn id="18" fill="hold">
-                      <p:stCondLst>
-                        <p:cond delay="indefinite"/>
-                      </p:stCondLst>
-                      <p:childTnLst>
-                        <p:par>
-                          <p:cTn id="19" fill="hold">
-                            <p:stCondLst>
-                              <p:cond delay="0"/>
-                            </p:stCondLst>
-                            <p:childTnLst>
-                              <p:par>
-                                <p:cTn id="20" presetID="22" presetClass="entr" presetSubtype="1" fill="hold" grpId="0" nodeType="clickEffect">
-                                  <p:stCondLst>
-                                    <p:cond delay="0"/>
-                                  </p:stCondLst>
-                                  <p:childTnLst>
-                                    <p:set>
-                                      <p:cBhvr>
-                                        <p:cTn id="21" dur="1" fill="hold">
-                                          <p:stCondLst>
-                                            <p:cond delay="0"/>
-                                          </p:stCondLst>
-                                        </p:cTn>
-                                        <p:tgtEl>
-                                          <p:spTgt spid="3">
-                                            <p:txEl>
-                                              <p:pRg st="3" end="3"/>
-                                            </p:txEl>
-                                          </p:spTgt>
-                                        </p:tgtEl>
-                                        <p:attrNameLst>
-                                          <p:attrName>style.visibility</p:attrName>
-                                        </p:attrNameLst>
-                                      </p:cBhvr>
-                                      <p:to>
-                                        <p:strVal val="visible"/>
-                                      </p:to>
-                                    </p:set>
-                                    <p:animEffect transition="in" filter="wipe(up)">
-                                      <p:cBhvr>
-                                        <p:cTn id="22" dur="500"/>
-                                        <p:tgtEl>
-                                          <p:spTgt spid="3">
-                                            <p:txEl>
-                                              <p:pRg st="3" end="3"/>
-                                            </p:txEl>
-                                          </p:spTgt>
-                                        </p:tgtEl>
-                                      </p:cBhvr>
-                                    </p:animEffect>
-                                  </p:childTnLst>
-                                </p:cTn>
-                              </p:par>
-                            </p:childTnLst>
-                          </p:cTn>
-                        </p:par>
-                      </p:childTnLst>
-                    </p:cTn>
-                  </p:par>
-                  <p:par>
-                    <p:cTn id="23" fill="hold">
-                      <p:stCondLst>
-                        <p:cond delay="indefinite"/>
-                      </p:stCondLst>
-                      <p:childTnLst>
-                        <p:par>
-                          <p:cTn id="24" fill="hold">
-                            <p:stCondLst>
-                              <p:cond delay="0"/>
-                            </p:stCondLst>
-                            <p:childTnLst>
-                              <p:par>
-                                <p:cTn id="25" presetID="22" presetClass="entr" presetSubtype="1" fill="hold" grpId="0" nodeType="clickEffect">
-                                  <p:stCondLst>
-                                    <p:cond delay="0"/>
-                                  </p:stCondLst>
-                                  <p:childTnLst>
-                                    <p:set>
-                                      <p:cBhvr>
-                                        <p:cTn id="26" dur="1" fill="hold">
-                                          <p:stCondLst>
-                                            <p:cond delay="0"/>
-                                          </p:stCondLst>
-                                        </p:cTn>
-                                        <p:tgtEl>
-                                          <p:spTgt spid="3">
-                                            <p:txEl>
-                                              <p:pRg st="4" end="4"/>
-                                            </p:txEl>
-                                          </p:spTgt>
-                                        </p:tgtEl>
-                                        <p:attrNameLst>
-                                          <p:attrName>style.visibility</p:attrName>
-                                        </p:attrNameLst>
-                                      </p:cBhvr>
-                                      <p:to>
-                                        <p:strVal val="visible"/>
-                                      </p:to>
-                                    </p:set>
-                                    <p:animEffect transition="in" filter="wipe(up)">
-                                      <p:cBhvr>
-                                        <p:cTn id="27" dur="500"/>
-                                        <p:tgtEl>
-                                          <p:spTgt spid="3">
-                                            <p:txEl>
-                                              <p:pRg st="4" end="4"/>
-                                            </p:txEl>
-                                          </p:spTgt>
-                                        </p:tgtEl>
-                                      </p:cBhvr>
-                                    </p:animEffect>
-                                  </p:childTnLst>
-                                </p:cTn>
-                              </p:par>
-                            </p:childTnLst>
-                          </p:cTn>
-                        </p:par>
-                      </p:childTnLst>
-                    </p:cTn>
-                  </p:par>
-                  <p:par>
-                    <p:cTn id="28" fill="hold">
-                      <p:stCondLst>
-                        <p:cond delay="indefinite"/>
-                      </p:stCondLst>
-                      <p:childTnLst>
-                        <p:par>
-                          <p:cTn id="29" fill="hold">
-                            <p:stCondLst>
-                              <p:cond delay="0"/>
-                            </p:stCondLst>
-                            <p:childTnLst>
-                              <p:par>
-                                <p:cTn id="30" presetID="22" presetClass="entr" presetSubtype="1" fill="hold" grpId="0" nodeType="clickEffect">
-                                  <p:stCondLst>
-                                    <p:cond delay="0"/>
-                                  </p:stCondLst>
-                                  <p:childTnLst>
-                                    <p:set>
-                                      <p:cBhvr>
-                                        <p:cTn id="31" dur="1" fill="hold">
-                                          <p:stCondLst>
-                                            <p:cond delay="0"/>
-                                          </p:stCondLst>
-                                        </p:cTn>
-                                        <p:tgtEl>
-                                          <p:spTgt spid="3">
-                                            <p:txEl>
-                                              <p:pRg st="5" end="5"/>
-                                            </p:txEl>
-                                          </p:spTgt>
-                                        </p:tgtEl>
-                                        <p:attrNameLst>
-                                          <p:attrName>style.visibility</p:attrName>
-                                        </p:attrNameLst>
-                                      </p:cBhvr>
-                                      <p:to>
-                                        <p:strVal val="visible"/>
-                                      </p:to>
-                                    </p:set>
-                                    <p:animEffect transition="in" filter="wipe(up)">
-                                      <p:cBhvr>
-                                        <p:cTn id="32" dur="500"/>
-                                        <p:tgtEl>
-                                          <p:spTgt spid="3">
-                                            <p:txEl>
-                                              <p:pRg st="5" end="5"/>
-                                            </p:txEl>
-                                          </p:spTgt>
-                                        </p:tgtEl>
-                                      </p:cBhvr>
-                                    </p:animEffect>
-                                  </p:childTnLst>
-                                </p:cTn>
-                              </p:par>
-                            </p:childTnLst>
-                          </p:cTn>
-                        </p:par>
-                      </p:childTnLst>
-                    </p:cTn>
-                  </p:par>
-                  <p:par>
-                    <p:cTn id="33" fill="hold">
-                      <p:stCondLst>
-                        <p:cond delay="indefinite"/>
-                      </p:stCondLst>
-                      <p:childTnLst>
-                        <p:par>
-                          <p:cTn id="34" fill="hold">
-                            <p:stCondLst>
-                              <p:cond delay="0"/>
-                            </p:stCondLst>
-                            <p:childTnLst>
-                              <p:par>
-                                <p:cTn id="35" presetID="22" presetClass="entr" presetSubtype="1" fill="hold" grpId="0" nodeType="clickEffect">
-                                  <p:stCondLst>
-                                    <p:cond delay="0"/>
-                                  </p:stCondLst>
-                                  <p:childTnLst>
-                                    <p:set>
-                                      <p:cBhvr>
-                                        <p:cTn id="36" dur="1" fill="hold">
-                                          <p:stCondLst>
-                                            <p:cond delay="0"/>
-                                          </p:stCondLst>
-                                        </p:cTn>
-                                        <p:tgtEl>
-                                          <p:spTgt spid="3">
-                                            <p:txEl>
-                                              <p:pRg st="6" end="6"/>
-                                            </p:txEl>
-                                          </p:spTgt>
-                                        </p:tgtEl>
-                                        <p:attrNameLst>
-                                          <p:attrName>style.visibility</p:attrName>
-                                        </p:attrNameLst>
-                                      </p:cBhvr>
-                                      <p:to>
-                                        <p:strVal val="visible"/>
-                                      </p:to>
-                                    </p:set>
-                                    <p:animEffect transition="in" filter="wipe(up)">
-                                      <p:cBhvr>
-                                        <p:cTn id="37" dur="500"/>
-                                        <p:tgtEl>
-                                          <p:spTgt spid="3">
-                                            <p:txEl>
-                                              <p:pRg st="6" end="6"/>
-                                            </p:txEl>
-                                          </p:spTgt>
-                                        </p:tgtEl>
-                                      </p:cBhvr>
-                                    </p:animEffect>
-                                  </p:childTnLst>
-                                </p:cTn>
-                              </p:par>
-                            </p:childTnLst>
-                          </p:cTn>
-                        </p:par>
-                      </p:childTnLst>
-                    </p:cTn>
-                  </p:par>
-                </p:childTnLst>
-              </p:cTn>
-              <p:prevCondLst>
-                <p:cond evt="onPrev" delay="0">
-                  <p:tgtEl>
-                    <p:sldTgt/>
-                  </p:tgtEl>
-                </p:cond>
-              </p:prevCondLst>
-              <p:nextCondLst>
-                <p:cond evt="onNext" delay="0">
-                  <p:tgtEl>
-                    <p:sldTgt/>
-                  </p:tgtEl>
-                </p:cond>
-              </p:nextCondLst>
-            </p:seq>
-          </p:childTnLst>
-        </p:cTn>
-      </p:par>
-    </p:tnLst>
-    <p:bldLst>
-      <p:bldP spid="3" grpId="0" build="p"/>
-    </p:bldLst>
-  </p:timing>
-</p:sld>
-</file>
-
-<file path=ppt/slides/slide6.xml><?xml version="1.0" encoding="utf-8"?>
-<p:sld xmlns:a="http://schemas.openxmlformats.org/drawingml/2006/main" xmlns:r="http://schemas.openxmlformats.org/officeDocument/2006/relationships" xmlns:p="http://schemas.openxmlformats.org/presentationml/2006/main">
-  <p:cSld>
-    <p:spTree>
-      <p:nvGrpSpPr>
-        <p:cNvPr id="1" name=""/>
-        <p:cNvGrpSpPr/>
-        <p:nvPr/>
-      </p:nvGrpSpPr>
-      <p:grpSpPr>
-        <a:xfrm>
-          <a:off x="0" y="0"/>
-          <a:ext cx="0" cy="0"/>
-          <a:chOff x="0" y="0"/>
-          <a:chExt cx="0" cy="0"/>
-        </a:xfrm>
-      </p:grpSpPr>
-      <p:sp>
-        <p:nvSpPr>
-          <p:cNvPr id="2" name="Title 1"/>
-          <p:cNvSpPr>
-            <a:spLocks noGrp="1"/>
-          </p:cNvSpPr>
-          <p:nvPr>
-            <p:ph type="title"/>
-          </p:nvPr>
-        </p:nvSpPr>
-        <p:spPr/>
-        <p:txBody>
-          <a:bodyPr/>
-          <a:lstStyle/>
-          <a:p>
-            <a:r>
-              <a:rPr lang="sv-SE" dirty="0" smtClean="0"/>
-              <a:t>Analysis</a:t>
-            </a:r>
-            <a:endParaRPr lang="sv-SE" dirty="0"/>
-          </a:p>
-        </p:txBody>
-      </p:sp>
-      <p:sp>
-        <p:nvSpPr>
-          <p:cNvPr id="3" name="Content Placeholder 2"/>
-          <p:cNvSpPr>
-            <a:spLocks noGrp="1"/>
-          </p:cNvSpPr>
-          <p:nvPr>
-            <p:ph idx="1"/>
-          </p:nvPr>
-        </p:nvSpPr>
-        <p:spPr/>
-        <p:txBody>
-          <a:bodyPr/>
-          <a:lstStyle/>
-          <a:p>
-            <a:r>
-              <a:rPr lang="sv-SE" dirty="0" err="1" smtClean="0"/>
-              <a:t>Requirements</a:t>
-            </a:r>
-            <a:r>
-              <a:rPr lang="sv-SE" dirty="0" smtClean="0"/>
-              <a:t> </a:t>
-            </a:r>
-            <a:r>
-              <a:rPr lang="sv-SE" dirty="0" err="1" smtClean="0"/>
-              <a:t>engineering</a:t>
-            </a:r>
-            <a:endParaRPr lang="sv-SE" dirty="0" smtClean="0"/>
-          </a:p>
-          <a:p>
-            <a:pPr lvl="1"/>
-            <a:r>
-              <a:rPr lang="sv-SE" dirty="0" err="1" smtClean="0"/>
-              <a:t>Identification</a:t>
-            </a:r>
-            <a:endParaRPr lang="sv-SE" dirty="0" smtClean="0"/>
-          </a:p>
-          <a:p>
-            <a:pPr lvl="1"/>
-            <a:r>
-              <a:rPr lang="sv-SE" dirty="0" smtClean="0"/>
-              <a:t>Definition</a:t>
-            </a:r>
-          </a:p>
-          <a:p>
-            <a:pPr lvl="1"/>
-            <a:r>
-              <a:rPr lang="sv-SE" dirty="0" err="1" smtClean="0"/>
-              <a:t>Prioritization</a:t>
-            </a:r>
-            <a:endParaRPr lang="sv-SE" dirty="0" smtClean="0"/>
-          </a:p>
-          <a:p>
-            <a:r>
-              <a:rPr lang="sv-SE" dirty="0" smtClean="0"/>
-              <a:t>Design</a:t>
-            </a:r>
-          </a:p>
-          <a:p>
-            <a:pPr lvl="1"/>
-            <a:r>
-              <a:rPr lang="sv-SE" dirty="0" err="1" smtClean="0"/>
-              <a:t>Agile</a:t>
-            </a:r>
-            <a:r>
-              <a:rPr lang="sv-SE" dirty="0" smtClean="0"/>
-              <a:t> </a:t>
-            </a:r>
-            <a:r>
-              <a:rPr lang="sv-SE" dirty="0" err="1" smtClean="0"/>
-              <a:t>manifesto</a:t>
-            </a:r>
-            <a:endParaRPr lang="sv-SE" dirty="0" smtClean="0"/>
-          </a:p>
-          <a:p>
-            <a:pPr lvl="1"/>
-            <a:r>
-              <a:rPr lang="sv-SE" dirty="0" err="1" smtClean="0"/>
-              <a:t>User</a:t>
-            </a:r>
-            <a:r>
-              <a:rPr lang="sv-SE" dirty="0" smtClean="0"/>
-              <a:t> </a:t>
-            </a:r>
-            <a:r>
-              <a:rPr lang="sv-SE" dirty="0" err="1" smtClean="0"/>
-              <a:t>focus</a:t>
-            </a:r>
-            <a:endParaRPr lang="sv-SE" dirty="0" smtClean="0"/>
-          </a:p>
-          <a:p>
-            <a:pPr lvl="1"/>
-            <a:r>
-              <a:rPr lang="sv-SE" dirty="0" err="1" smtClean="0"/>
-              <a:t>Two</a:t>
-            </a:r>
-            <a:r>
-              <a:rPr lang="sv-SE" dirty="0" smtClean="0"/>
-              <a:t> </a:t>
-            </a:r>
-            <a:r>
-              <a:rPr lang="sv-SE" dirty="0" err="1" smtClean="0"/>
-              <a:t>main</a:t>
-            </a:r>
-            <a:r>
-              <a:rPr lang="sv-SE" dirty="0" smtClean="0"/>
-              <a:t> parts</a:t>
-            </a:r>
           </a:p>
         </p:txBody>
       </p:sp>
@@ -7905,7 +4914,7 @@
 </p:sld>
 </file>
 
-<file path=ppt/slides/slide7.xml><?xml version="1.0" encoding="utf-8"?>
+<file path=ppt/slides/slide11.xml><?xml version="1.0" encoding="utf-8"?>
 <p:sld xmlns:a="http://schemas.openxmlformats.org/drawingml/2006/main" xmlns:r="http://schemas.openxmlformats.org/officeDocument/2006/relationships" xmlns:p="http://schemas.openxmlformats.org/presentationml/2006/main">
   <p:cSld>
     <p:spTree>
@@ -7924,7 +4933,7 @@
       </p:grpSpPr>
       <p:sp>
         <p:nvSpPr>
-          <p:cNvPr id="7" name="Rubrik 6"/>
+          <p:cNvPr id="2" name="Title 1"/>
           <p:cNvSpPr>
             <a:spLocks noGrp="1"/>
           </p:cNvSpPr>
@@ -7938,8 +4947,8 @@
           <a:lstStyle/>
           <a:p>
             <a:r>
-              <a:rPr lang="sv-SE" dirty="0" err="1" smtClean="0"/>
-              <a:t>Calibration</a:t>
+              <a:rPr lang="sv-SE" dirty="0" smtClean="0"/>
+              <a:t>Implementation cont.</a:t>
             </a:r>
             <a:endParaRPr lang="sv-SE" dirty="0"/>
           </a:p>
@@ -7947,12 +4956,12 @@
       </p:sp>
       <p:sp>
         <p:nvSpPr>
-          <p:cNvPr id="8" name="Platshållare för innehåll 7"/>
+          <p:cNvPr id="3" name="Content Placeholder 2"/>
           <p:cNvSpPr>
             <a:spLocks noGrp="1"/>
           </p:cNvSpPr>
           <p:nvPr>
-            <p:ph sz="half" idx="1"/>
+            <p:ph idx="1"/>
           </p:nvPr>
         </p:nvSpPr>
         <p:spPr/>
@@ -7961,330 +4970,50 @@
           <a:lstStyle/>
           <a:p>
             <a:r>
-              <a:rPr lang="sv-SE" dirty="0" err="1" smtClean="0"/>
-              <a:t>Tricky</a:t>
-            </a:r>
-            <a:r>
-              <a:rPr lang="sv-SE" dirty="0" smtClean="0"/>
-              <a:t>!</a:t>
-            </a:r>
-          </a:p>
-          <a:p>
-            <a:r>
-              <a:rPr lang="sv-SE" dirty="0" smtClean="0"/>
-              <a:t>Iterative design</a:t>
+              <a:rPr lang="sv-SE" dirty="0" smtClean="0"/>
+              <a:t>The Matlab-package</a:t>
+            </a:r>
+          </a:p>
+          <a:p>
+            <a:pPr lvl="1"/>
+            <a:r>
+              <a:rPr lang="sv-SE" dirty="0" smtClean="0"/>
+              <a:t>Main application</a:t>
+            </a:r>
+          </a:p>
+          <a:p>
+            <a:pPr lvl="1"/>
+            <a:r>
+              <a:rPr lang="sv-SE" dirty="0" smtClean="0"/>
+              <a:t>GUI</a:t>
+            </a:r>
+          </a:p>
+          <a:p>
+            <a:pPr lvl="1"/>
+            <a:r>
+              <a:rPr lang="sv-SE" dirty="0" err="1" smtClean="0"/>
+              <a:t>Calculating</a:t>
+            </a:r>
+            <a:r>
+              <a:rPr lang="sv-SE" dirty="0" smtClean="0"/>
+              <a:t> </a:t>
+            </a:r>
+            <a:r>
+              <a:rPr lang="sv-SE" dirty="0" err="1" smtClean="0"/>
+              <a:t>virtual</a:t>
+            </a:r>
+            <a:r>
+              <a:rPr lang="sv-SE" dirty="0" smtClean="0"/>
+              <a:t> fly </a:t>
+            </a:r>
+            <a:r>
+              <a:rPr lang="sv-SE" dirty="0" err="1" smtClean="0"/>
+              <a:t>movement</a:t>
             </a:r>
             <a:endParaRPr lang="sv-SE" dirty="0"/>
           </a:p>
         </p:txBody>
       </p:sp>
-      <p:pic>
-        <p:nvPicPr>
-          <p:cNvPr id="10" name="Content Placeholder 3" descr="onstartup.png"/>
-          <p:cNvPicPr>
-            <a:picLocks noGrp="1" noChangeAspect="1"/>
-          </p:cNvPicPr>
-          <p:nvPr>
-            <p:ph sz="half" idx="2"/>
-          </p:nvPr>
-        </p:nvPicPr>
-        <p:blipFill>
-          <a:blip r:embed="rId2" cstate="print"/>
-          <a:stretch>
-            <a:fillRect/>
-          </a:stretch>
-        </p:blipFill>
-        <p:spPr>
-          <a:xfrm>
-            <a:off x="5460099" y="1524000"/>
-            <a:ext cx="3291101" cy="4664075"/>
-          </a:xfrm>
-        </p:spPr>
-      </p:pic>
-    </p:spTree>
-  </p:cSld>
-  <p:clrMapOvr>
-    <a:masterClrMapping/>
-  </p:clrMapOvr>
-  <p:transition/>
-  <p:timing>
-    <p:tnLst>
-      <p:par>
-        <p:cTn id="1" dur="indefinite" restart="never" nodeType="tmRoot">
-          <p:childTnLst>
-            <p:seq concurrent="1" nextAc="seek">
-              <p:cTn id="2" dur="indefinite" nodeType="mainSeq">
-                <p:childTnLst>
-                  <p:par>
-                    <p:cTn id="3" fill="hold">
-                      <p:stCondLst>
-                        <p:cond delay="indefinite"/>
-                      </p:stCondLst>
-                      <p:childTnLst>
-                        <p:par>
-                          <p:cTn id="4" fill="hold">
-                            <p:stCondLst>
-                              <p:cond delay="0"/>
-                            </p:stCondLst>
-                            <p:childTnLst>
-                              <p:par>
-                                <p:cTn id="5" presetID="22" presetClass="entr" presetSubtype="1" fill="hold" grpId="0" nodeType="clickEffect">
-                                  <p:stCondLst>
-                                    <p:cond delay="0"/>
-                                  </p:stCondLst>
-                                  <p:childTnLst>
-                                    <p:set>
-                                      <p:cBhvr>
-                                        <p:cTn id="6" dur="1" fill="hold">
-                                          <p:stCondLst>
-                                            <p:cond delay="0"/>
-                                          </p:stCondLst>
-                                        </p:cTn>
-                                        <p:tgtEl>
-                                          <p:spTgt spid="8">
-                                            <p:txEl>
-                                              <p:pRg st="0" end="0"/>
-                                            </p:txEl>
-                                          </p:spTgt>
-                                        </p:tgtEl>
-                                        <p:attrNameLst>
-                                          <p:attrName>style.visibility</p:attrName>
-                                        </p:attrNameLst>
-                                      </p:cBhvr>
-                                      <p:to>
-                                        <p:strVal val="visible"/>
-                                      </p:to>
-                                    </p:set>
-                                    <p:animEffect transition="in" filter="wipe(up)">
-                                      <p:cBhvr>
-                                        <p:cTn id="7" dur="500"/>
-                                        <p:tgtEl>
-                                          <p:spTgt spid="8">
-                                            <p:txEl>
-                                              <p:pRg st="0" end="0"/>
-                                            </p:txEl>
-                                          </p:spTgt>
-                                        </p:tgtEl>
-                                      </p:cBhvr>
-                                    </p:animEffect>
-                                  </p:childTnLst>
-                                </p:cTn>
-                              </p:par>
-                            </p:childTnLst>
-                          </p:cTn>
-                        </p:par>
-                      </p:childTnLst>
-                    </p:cTn>
-                  </p:par>
-                  <p:par>
-                    <p:cTn id="8" fill="hold">
-                      <p:stCondLst>
-                        <p:cond delay="indefinite"/>
-                      </p:stCondLst>
-                      <p:childTnLst>
-                        <p:par>
-                          <p:cTn id="9" fill="hold">
-                            <p:stCondLst>
-                              <p:cond delay="0"/>
-                            </p:stCondLst>
-                            <p:childTnLst>
-                              <p:par>
-                                <p:cTn id="10" presetID="22" presetClass="entr" presetSubtype="1" fill="hold" grpId="0" nodeType="clickEffect">
-                                  <p:stCondLst>
-                                    <p:cond delay="0"/>
-                                  </p:stCondLst>
-                                  <p:childTnLst>
-                                    <p:set>
-                                      <p:cBhvr>
-                                        <p:cTn id="11" dur="1" fill="hold">
-                                          <p:stCondLst>
-                                            <p:cond delay="0"/>
-                                          </p:stCondLst>
-                                        </p:cTn>
-                                        <p:tgtEl>
-                                          <p:spTgt spid="8">
-                                            <p:txEl>
-                                              <p:pRg st="1" end="1"/>
-                                            </p:txEl>
-                                          </p:spTgt>
-                                        </p:tgtEl>
-                                        <p:attrNameLst>
-                                          <p:attrName>style.visibility</p:attrName>
-                                        </p:attrNameLst>
-                                      </p:cBhvr>
-                                      <p:to>
-                                        <p:strVal val="visible"/>
-                                      </p:to>
-                                    </p:set>
-                                    <p:animEffect transition="in" filter="wipe(up)">
-                                      <p:cBhvr>
-                                        <p:cTn id="12" dur="500"/>
-                                        <p:tgtEl>
-                                          <p:spTgt spid="8">
-                                            <p:txEl>
-                                              <p:pRg st="1" end="1"/>
-                                            </p:txEl>
-                                          </p:spTgt>
-                                        </p:tgtEl>
-                                      </p:cBhvr>
-                                    </p:animEffect>
-                                  </p:childTnLst>
-                                </p:cTn>
-                              </p:par>
-                            </p:childTnLst>
-                          </p:cTn>
-                        </p:par>
-                      </p:childTnLst>
-                    </p:cTn>
-                  </p:par>
-                </p:childTnLst>
-              </p:cTn>
-              <p:prevCondLst>
-                <p:cond evt="onPrev" delay="0">
-                  <p:tgtEl>
-                    <p:sldTgt/>
-                  </p:tgtEl>
-                </p:cond>
-              </p:prevCondLst>
-              <p:nextCondLst>
-                <p:cond evt="onNext" delay="0">
-                  <p:tgtEl>
-                    <p:sldTgt/>
-                  </p:tgtEl>
-                </p:cond>
-              </p:nextCondLst>
-            </p:seq>
-          </p:childTnLst>
-        </p:cTn>
-      </p:par>
-    </p:tnLst>
-    <p:bldLst>
-      <p:bldP spid="8" grpId="0" build="p"/>
-    </p:bldLst>
-  </p:timing>
-</p:sld>
-</file>
-
-<file path=ppt/slides/slide8.xml><?xml version="1.0" encoding="utf-8"?>
-<p:sld xmlns:a="http://schemas.openxmlformats.org/drawingml/2006/main" xmlns:r="http://schemas.openxmlformats.org/officeDocument/2006/relationships" xmlns:p="http://schemas.openxmlformats.org/presentationml/2006/main">
-  <p:cSld>
-    <p:spTree>
-      <p:nvGrpSpPr>
-        <p:cNvPr id="1" name=""/>
-        <p:cNvGrpSpPr/>
-        <p:nvPr/>
-      </p:nvGrpSpPr>
-      <p:grpSpPr>
-        <a:xfrm>
-          <a:off x="0" y="0"/>
-          <a:ext cx="0" cy="0"/>
-          <a:chOff x="0" y="0"/>
-          <a:chExt cx="0" cy="0"/>
-        </a:xfrm>
-      </p:grpSpPr>
-      <p:sp>
-        <p:nvSpPr>
-          <p:cNvPr id="2" name="Rubrik 1"/>
-          <p:cNvSpPr>
-            <a:spLocks noGrp="1"/>
-          </p:cNvSpPr>
-          <p:nvPr>
-            <p:ph type="title"/>
-          </p:nvPr>
-        </p:nvSpPr>
-        <p:spPr/>
-        <p:txBody>
-          <a:bodyPr/>
-          <a:lstStyle/>
-          <a:p>
-            <a:r>
-              <a:rPr lang="sv-SE" dirty="0" smtClean="0"/>
-              <a:t>The </a:t>
-            </a:r>
-            <a:r>
-              <a:rPr lang="sv-SE" dirty="0" err="1" smtClean="0"/>
-              <a:t>main</a:t>
-            </a:r>
-            <a:r>
-              <a:rPr lang="sv-SE" dirty="0" smtClean="0"/>
-              <a:t> </a:t>
-            </a:r>
-            <a:r>
-              <a:rPr lang="sv-SE" dirty="0" err="1" smtClean="0"/>
-              <a:t>view</a:t>
-            </a:r>
-            <a:endParaRPr lang="sv-SE" dirty="0"/>
-          </a:p>
-        </p:txBody>
-      </p:sp>
-      <p:sp>
-        <p:nvSpPr>
-          <p:cNvPr id="3" name="Platshållare för innehåll 2"/>
-          <p:cNvSpPr>
-            <a:spLocks noGrp="1"/>
-          </p:cNvSpPr>
-          <p:nvPr>
-            <p:ph sz="half" idx="1"/>
-          </p:nvPr>
-        </p:nvSpPr>
-        <p:spPr/>
-        <p:txBody>
-          <a:bodyPr/>
-          <a:lstStyle/>
-          <a:p>
-            <a:r>
-              <a:rPr lang="sv-SE" dirty="0" smtClean="0"/>
-              <a:t>Straight forward</a:t>
-            </a:r>
-          </a:p>
-          <a:p>
-            <a:r>
-              <a:rPr lang="sv-SE" dirty="0" err="1" smtClean="0"/>
-              <a:t>Following</a:t>
-            </a:r>
-            <a:r>
-              <a:rPr lang="sv-SE" dirty="0" smtClean="0"/>
-              <a:t> </a:t>
-            </a:r>
-            <a:r>
-              <a:rPr lang="sv-SE" dirty="0" err="1" smtClean="0"/>
-              <a:t>usability</a:t>
-            </a:r>
-            <a:r>
-              <a:rPr lang="sv-SE" dirty="0" smtClean="0"/>
-              <a:t> </a:t>
-            </a:r>
-            <a:r>
-              <a:rPr lang="sv-SE" dirty="0" err="1" smtClean="0"/>
-              <a:t>heuristics</a:t>
-            </a:r>
-            <a:endParaRPr lang="sv-SE" dirty="0"/>
-          </a:p>
-        </p:txBody>
-      </p:sp>
-      <p:pic>
-        <p:nvPicPr>
-          <p:cNvPr id="5" name="Content Placeholder 6" descr="mainwindow.png"/>
-          <p:cNvPicPr>
-            <a:picLocks noGrp="1" noChangeAspect="1"/>
-          </p:cNvPicPr>
-          <p:nvPr>
-            <p:ph sz="half" idx="2"/>
-          </p:nvPr>
-        </p:nvPicPr>
-        <p:blipFill>
-          <a:blip r:embed="rId2" cstate="print"/>
-          <a:stretch>
-            <a:fillRect/>
-          </a:stretch>
-        </p:blipFill>
-        <p:spPr>
-          <a:xfrm>
-            <a:off x="5276850" y="2436123"/>
-            <a:ext cx="3657600" cy="2839828"/>
-          </a:xfrm>
-        </p:spPr>
-      </p:pic>
     </p:spTree>
   </p:cSld>
   <p:clrMapOvr>
@@ -8421,6 +5150,128 @@
                       </p:childTnLst>
                     </p:cTn>
                   </p:par>
+                  <p:par>
+                    <p:cTn id="13" fill="hold">
+                      <p:stCondLst>
+                        <p:cond delay="indefinite"/>
+                      </p:stCondLst>
+                      <p:childTnLst>
+                        <p:par>
+                          <p:cTn id="14" fill="hold">
+                            <p:stCondLst>
+                              <p:cond delay="0"/>
+                            </p:stCondLst>
+                            <p:childTnLst>
+                              <p:par>
+                                <p:cTn id="15" presetID="22" presetClass="entr" presetSubtype="1" fill="hold" grpId="0" nodeType="clickEffect">
+                                  <p:stCondLst>
+                                    <p:cond delay="0"/>
+                                  </p:stCondLst>
+                                  <p:childTnLst>
+                                    <p:set>
+                                      <p:cBhvr>
+                                        <p:cTn id="16" dur="1" fill="hold">
+                                          <p:stCondLst>
+                                            <p:cond delay="0"/>
+                                          </p:stCondLst>
+                                        </p:cTn>
+                                        <p:tgtEl>
+                                          <p:spTgt spid="3">
+                                            <p:txEl>
+                                              <p:pRg st="2" end="2"/>
+                                            </p:txEl>
+                                          </p:spTgt>
+                                        </p:tgtEl>
+                                        <p:attrNameLst>
+                                          <p:attrName>style.visibility</p:attrName>
+                                        </p:attrNameLst>
+                                      </p:cBhvr>
+                                      <p:to>
+                                        <p:strVal val="visible"/>
+                                      </p:to>
+                                    </p:set>
+                                    <p:animEffect transition="in" filter="wipe(up)">
+                                      <p:cBhvr>
+                                        <p:cTn id="17" dur="500"/>
+                                        <p:tgtEl>
+                                          <p:spTgt spid="3">
+                                            <p:txEl>
+                                              <p:pRg st="2" end="2"/>
+                                            </p:txEl>
+                                          </p:spTgt>
+                                        </p:tgtEl>
+                                      </p:cBhvr>
+                                    </p:animEffect>
+                                  </p:childTnLst>
+                                </p:cTn>
+                              </p:par>
+                            </p:childTnLst>
+                          </p:cTn>
+                        </p:par>
+                      </p:childTnLst>
+                    </p:cTn>
+                  </p:par>
+                  <p:par>
+                    <p:cTn id="18" fill="hold">
+                      <p:stCondLst>
+                        <p:cond delay="indefinite"/>
+                      </p:stCondLst>
+                      <p:childTnLst>
+                        <p:par>
+                          <p:cTn id="19" fill="hold">
+                            <p:stCondLst>
+                              <p:cond delay="0"/>
+                            </p:stCondLst>
+                            <p:childTnLst>
+                              <p:par>
+                                <p:cTn id="20" presetID="22" presetClass="entr" presetSubtype="1" fill="hold" grpId="0" nodeType="clickEffect">
+                                  <p:stCondLst>
+                                    <p:cond delay="0"/>
+                                  </p:stCondLst>
+                                  <p:childTnLst>
+                                    <p:set>
+                                      <p:cBhvr>
+                                        <p:cTn id="21" dur="1" fill="hold">
+                                          <p:stCondLst>
+                                            <p:cond delay="0"/>
+                                          </p:stCondLst>
+                                        </p:cTn>
+                                        <p:tgtEl>
+                                          <p:spTgt spid="3">
+                                            <p:txEl>
+                                              <p:pRg st="3" end="3"/>
+                                            </p:txEl>
+                                          </p:spTgt>
+                                        </p:tgtEl>
+                                        <p:attrNameLst>
+                                          <p:attrName>style.visibility</p:attrName>
+                                        </p:attrNameLst>
+                                      </p:cBhvr>
+                                      <p:to>
+                                        <p:strVal val="visible"/>
+                                      </p:to>
+                                    </p:set>
+                                    <p:animEffect transition="in" filter="wipe(up)">
+                                      <p:cBhvr>
+                                        <p:cTn id="22" dur="500"/>
+                                        <p:tgtEl>
+                                          <p:spTgt spid="3">
+                                            <p:txEl>
+                                              <p:pRg st="3" end="3"/>
+                                            </p:txEl>
+                                          </p:spTgt>
+                                        </p:tgtEl>
+                                      </p:cBhvr>
+                                    </p:animEffect>
+                                  </p:childTnLst>
+                                </p:cTn>
+                              </p:par>
+                            </p:childTnLst>
+                          </p:cTn>
+                        </p:par>
+                      </p:childTnLst>
+                    </p:cTn>
+                  </p:par>
                 </p:childTnLst>
               </p:cTn>
               <p:prevCondLst>
@@ -8449,7 +5300,7 @@
 </p:sld>
 </file>
 
-<file path=ppt/slides/slide9.xml><?xml version="1.0" encoding="utf-8"?>
+<file path=ppt/slides/slide12.xml><?xml version="1.0" encoding="utf-8"?>
 <p:sld xmlns:a="http://schemas.openxmlformats.org/drawingml/2006/main" xmlns:r="http://schemas.openxmlformats.org/officeDocument/2006/relationships" xmlns:p="http://schemas.openxmlformats.org/presentationml/2006/main">
   <p:cSld>
     <p:spTree>
@@ -8478,14 +5329,12 @@
         </p:nvSpPr>
         <p:spPr/>
         <p:txBody>
-          <a:bodyPr>
-            <a:normAutofit/>
-          </a:bodyPr>
+          <a:bodyPr/>
           <a:lstStyle/>
           <a:p>
             <a:r>
-              <a:rPr lang="sv-SE" dirty="0" err="1" smtClean="0"/>
-              <a:t>Implementation</a:t>
+              <a:rPr lang="sv-SE" dirty="0" smtClean="0"/>
+              <a:t>The result: FlyTracker</a:t>
             </a:r>
             <a:endParaRPr lang="sv-SE" dirty="0"/>
           </a:p>
@@ -8507,18 +5356,135 @@
           <a:lstStyle/>
           <a:p>
             <a:r>
-              <a:rPr lang="sv-SE" dirty="0" err="1" smtClean="0"/>
-              <a:t>Working</a:t>
-            </a:r>
-            <a:r>
-              <a:rPr lang="sv-SE" dirty="0" smtClean="0"/>
-              <a:t> in sprints</a:t>
-            </a:r>
-          </a:p>
-          <a:p>
-            <a:r>
-              <a:rPr lang="sv-SE" dirty="0" err="1" smtClean="0"/>
-              <a:t>Platform</a:t>
+              <a:rPr lang="sv-SE" dirty="0" smtClean="0"/>
+              <a:t>*Video of a fly moving and corresponding plots in real time in FlyTracker*</a:t>
+            </a:r>
+            <a:endParaRPr lang="sv-SE" dirty="0"/>
+          </a:p>
+        </p:txBody>
+      </p:sp>
+    </p:spTree>
+  </p:cSld>
+  <p:clrMapOvr>
+    <a:masterClrMapping/>
+  </p:clrMapOvr>
+  <p:transition/>
+  <p:timing>
+    <p:tnLst>
+      <p:par>
+        <p:cTn id="1" dur="indefinite" restart="never" nodeType="tmRoot"/>
+      </p:par>
+    </p:tnLst>
+  </p:timing>
+</p:sld>
+</file>
+
+<file path=ppt/slides/slide13.xml><?xml version="1.0" encoding="utf-8"?>
+<p:sld xmlns:a="http://schemas.openxmlformats.org/drawingml/2006/main" xmlns:r="http://schemas.openxmlformats.org/officeDocument/2006/relationships" xmlns:p="http://schemas.openxmlformats.org/presentationml/2006/main">
+  <p:cSld>
+    <p:spTree>
+      <p:nvGrpSpPr>
+        <p:cNvPr id="1" name=""/>
+        <p:cNvGrpSpPr/>
+        <p:nvPr/>
+      </p:nvGrpSpPr>
+      <p:grpSpPr>
+        <a:xfrm>
+          <a:off x="0" y="0"/>
+          <a:ext cx="0" cy="0"/>
+          <a:chOff x="0" y="0"/>
+          <a:chExt cx="0" cy="0"/>
+        </a:xfrm>
+      </p:grpSpPr>
+      <p:sp>
+        <p:nvSpPr>
+          <p:cNvPr id="2" name="Title 1"/>
+          <p:cNvSpPr>
+            <a:spLocks noGrp="1"/>
+          </p:cNvSpPr>
+          <p:nvPr>
+            <p:ph type="title"/>
+          </p:nvPr>
+        </p:nvSpPr>
+        <p:spPr/>
+        <p:txBody>
+          <a:bodyPr/>
+          <a:lstStyle/>
+          <a:p>
+            <a:r>
+              <a:rPr lang="sv-SE" dirty="0" smtClean="0"/>
+              <a:t>Evaluation</a:t>
+            </a:r>
+            <a:endParaRPr lang="sv-SE" dirty="0"/>
+          </a:p>
+        </p:txBody>
+      </p:sp>
+      <p:sp>
+        <p:nvSpPr>
+          <p:cNvPr id="3" name="Content Placeholder 2"/>
+          <p:cNvSpPr>
+            <a:spLocks noGrp="1"/>
+          </p:cNvSpPr>
+          <p:nvPr>
+            <p:ph idx="1"/>
+          </p:nvPr>
+        </p:nvSpPr>
+        <p:spPr/>
+        <p:txBody>
+          <a:bodyPr>
+            <a:normAutofit lnSpcReduction="10000"/>
+          </a:bodyPr>
+          <a:lstStyle/>
+          <a:p>
+            <a:r>
+              <a:rPr lang="sv-SE" dirty="0" err="1" smtClean="0"/>
+              <a:t>Interview</a:t>
+            </a:r>
+            <a:r>
+              <a:rPr lang="sv-SE" dirty="0" smtClean="0"/>
+              <a:t> with the </a:t>
+            </a:r>
+            <a:r>
+              <a:rPr lang="sv-SE" dirty="0" err="1" smtClean="0"/>
+              <a:t>main</a:t>
+            </a:r>
+            <a:r>
+              <a:rPr lang="sv-SE" dirty="0" smtClean="0"/>
+              <a:t> </a:t>
+            </a:r>
+            <a:r>
+              <a:rPr lang="sv-SE" dirty="0" err="1" smtClean="0"/>
+              <a:t>user</a:t>
+            </a:r>
+            <a:endParaRPr lang="sv-SE" dirty="0" smtClean="0"/>
+          </a:p>
+          <a:p>
+            <a:r>
+              <a:rPr lang="sv-SE" dirty="0" err="1" smtClean="0"/>
+              <a:t>Nielsen’s</a:t>
+            </a:r>
+            <a:r>
+              <a:rPr lang="sv-SE" dirty="0" smtClean="0"/>
+              <a:t> </a:t>
+            </a:r>
+            <a:r>
+              <a:rPr lang="sv-SE" dirty="0" err="1" smtClean="0"/>
+              <a:t>usability</a:t>
+            </a:r>
+            <a:r>
+              <a:rPr lang="sv-SE" dirty="0" smtClean="0"/>
+              <a:t> </a:t>
+            </a:r>
+            <a:r>
+              <a:rPr lang="sv-SE" dirty="0" err="1" smtClean="0"/>
+              <a:t>heuristics</a:t>
+            </a:r>
+            <a:endParaRPr lang="sv-SE" dirty="0" smtClean="0"/>
+          </a:p>
+          <a:p>
+            <a:r>
+              <a:rPr lang="sv-SE" dirty="0" err="1" smtClean="0"/>
+              <a:t>Results</a:t>
             </a:r>
             <a:r>
               <a:rPr lang="sv-SE" dirty="0" smtClean="0"/>
@@ -8529,53 +5495,1854 @@
             <a:pPr lvl="1"/>
             <a:r>
               <a:rPr lang="sv-SE" dirty="0" smtClean="0"/>
-              <a:t>Ubuntu</a:t>
-            </a:r>
+              <a:t>Overall high </a:t>
+            </a:r>
+            <a:r>
+              <a:rPr lang="sv-SE" dirty="0" err="1" smtClean="0"/>
+              <a:t>level</a:t>
+            </a:r>
+            <a:r>
+              <a:rPr lang="sv-SE" dirty="0" smtClean="0"/>
+              <a:t> of </a:t>
+            </a:r>
+            <a:r>
+              <a:rPr lang="sv-SE" dirty="0" err="1" smtClean="0"/>
+              <a:t>usability</a:t>
+            </a:r>
+            <a:endParaRPr lang="sv-SE" dirty="0" smtClean="0"/>
           </a:p>
           <a:p>
             <a:pPr lvl="1"/>
             <a:r>
               <a:rPr lang="sv-SE" dirty="0" smtClean="0"/>
-              <a:t>Matlab</a:t>
-            </a:r>
+              <a:t>2D-plot, real time </a:t>
+            </a:r>
+            <a:r>
+              <a:rPr lang="sv-SE" dirty="0" err="1" smtClean="0"/>
+              <a:t>plotting</a:t>
+            </a:r>
+            <a:r>
+              <a:rPr lang="sv-SE" dirty="0" smtClean="0"/>
+              <a:t> and </a:t>
+            </a:r>
+            <a:r>
+              <a:rPr lang="sv-SE" dirty="0" err="1" smtClean="0"/>
+              <a:t>saving</a:t>
+            </a:r>
+            <a:r>
+              <a:rPr lang="sv-SE" dirty="0" smtClean="0"/>
+              <a:t> best </a:t>
+            </a:r>
+            <a:r>
+              <a:rPr lang="sv-SE" dirty="0" err="1" smtClean="0"/>
+              <a:t>functions</a:t>
+            </a:r>
+            <a:endParaRPr lang="sv-SE" dirty="0" smtClean="0"/>
           </a:p>
           <a:p>
             <a:pPr lvl="1"/>
             <a:r>
               <a:rPr lang="sv-SE" dirty="0" smtClean="0"/>
-              <a:t>Python</a:t>
-            </a:r>
-          </a:p>
-          <a:p>
-            <a:r>
-              <a:rPr lang="sv-SE" dirty="0" smtClean="0"/>
-              <a:t>The Python-package</a:t>
+              <a:t>Major </a:t>
+            </a:r>
+            <a:r>
+              <a:rPr lang="sv-SE" dirty="0" err="1" smtClean="0"/>
+              <a:t>issue</a:t>
+            </a:r>
+            <a:r>
+              <a:rPr lang="sv-SE" dirty="0" smtClean="0"/>
+              <a:t>: </a:t>
+            </a:r>
+            <a:r>
+              <a:rPr lang="sv-SE" dirty="0" err="1" smtClean="0"/>
+              <a:t>Losing</a:t>
+            </a:r>
+            <a:r>
+              <a:rPr lang="sv-SE" dirty="0" smtClean="0"/>
+              <a:t> </a:t>
+            </a:r>
+            <a:r>
+              <a:rPr lang="sv-SE" dirty="0" err="1" smtClean="0"/>
+              <a:t>control</a:t>
+            </a:r>
+            <a:r>
+              <a:rPr lang="sv-SE" dirty="0" smtClean="0"/>
+              <a:t> of </a:t>
+            </a:r>
+            <a:r>
+              <a:rPr lang="sv-SE" dirty="0" err="1" smtClean="0"/>
+              <a:t>mouse</a:t>
+            </a:r>
+            <a:r>
+              <a:rPr lang="sv-SE" dirty="0" smtClean="0"/>
+              <a:t> </a:t>
+            </a:r>
+            <a:r>
+              <a:rPr lang="sv-SE" dirty="0" err="1" smtClean="0"/>
+              <a:t>cursor</a:t>
+            </a:r>
+            <a:r>
+              <a:rPr lang="sv-SE" dirty="0" smtClean="0"/>
+              <a:t> </a:t>
+            </a:r>
+            <a:r>
+              <a:rPr lang="sv-SE" dirty="0" err="1" smtClean="0"/>
+              <a:t>during</a:t>
+            </a:r>
+            <a:r>
+              <a:rPr lang="sv-SE" dirty="0" smtClean="0"/>
+              <a:t> experiments</a:t>
             </a:r>
           </a:p>
           <a:p>
             <a:pPr lvl="1"/>
             <a:r>
               <a:rPr lang="sv-SE" dirty="0" smtClean="0"/>
-              <a:t>Reads mice</a:t>
+              <a:t>Minor </a:t>
+            </a:r>
+            <a:r>
+              <a:rPr lang="sv-SE" dirty="0" err="1" smtClean="0"/>
+              <a:t>issues</a:t>
+            </a:r>
+            <a:r>
+              <a:rPr lang="sv-SE" dirty="0" smtClean="0"/>
+              <a:t>: Display </a:t>
+            </a:r>
+            <a:r>
+              <a:rPr lang="sv-SE" dirty="0" err="1" smtClean="0"/>
+              <a:t>more</a:t>
+            </a:r>
+            <a:r>
+              <a:rPr lang="sv-SE" dirty="0" smtClean="0"/>
+              <a:t> info, </a:t>
+            </a:r>
+            <a:r>
+              <a:rPr lang="sv-SE" dirty="0" err="1" smtClean="0"/>
+              <a:t>change</a:t>
+            </a:r>
+            <a:r>
+              <a:rPr lang="sv-SE" dirty="0" smtClean="0"/>
+              <a:t> </a:t>
+            </a:r>
+            <a:r>
+              <a:rPr lang="sv-SE" dirty="0" err="1" smtClean="0"/>
+              <a:t>wording</a:t>
+            </a:r>
+            <a:endParaRPr lang="sv-SE" dirty="0" smtClean="0"/>
+          </a:p>
+        </p:txBody>
+      </p:sp>
+    </p:spTree>
+  </p:cSld>
+  <p:clrMapOvr>
+    <a:masterClrMapping/>
+  </p:clrMapOvr>
+  <p:transition/>
+  <p:timing>
+    <p:tnLst>
+      <p:par>
+        <p:cTn id="1" dur="indefinite" restart="never" nodeType="tmRoot"/>
+      </p:par>
+    </p:tnLst>
+  </p:timing>
+</p:sld>
+</file>
+
+<file path=ppt/slides/slide14.xml><?xml version="1.0" encoding="utf-8"?>
+<p:sld xmlns:a="http://schemas.openxmlformats.org/drawingml/2006/main" xmlns:r="http://schemas.openxmlformats.org/officeDocument/2006/relationships" xmlns:p="http://schemas.openxmlformats.org/presentationml/2006/main">
+  <p:cSld>
+    <p:spTree>
+      <p:nvGrpSpPr>
+        <p:cNvPr id="1" name=""/>
+        <p:cNvGrpSpPr/>
+        <p:nvPr/>
+      </p:nvGrpSpPr>
+      <p:grpSpPr>
+        <a:xfrm>
+          <a:off x="0" y="0"/>
+          <a:ext cx="0" cy="0"/>
+          <a:chOff x="0" y="0"/>
+          <a:chExt cx="0" cy="0"/>
+        </a:xfrm>
+      </p:grpSpPr>
+      <p:sp>
+        <p:nvSpPr>
+          <p:cNvPr id="2" name="Title 1"/>
+          <p:cNvSpPr>
+            <a:spLocks noGrp="1"/>
+          </p:cNvSpPr>
+          <p:nvPr>
+            <p:ph type="title"/>
+          </p:nvPr>
+        </p:nvSpPr>
+        <p:spPr/>
+        <p:txBody>
+          <a:bodyPr/>
+          <a:lstStyle/>
+          <a:p>
+            <a:r>
+              <a:rPr lang="sv-SE" dirty="0" smtClean="0"/>
+              <a:t>Conclusion</a:t>
+            </a:r>
+            <a:endParaRPr lang="sv-SE" dirty="0"/>
+          </a:p>
+        </p:txBody>
+      </p:sp>
+      <p:sp>
+        <p:nvSpPr>
+          <p:cNvPr id="3" name="Content Placeholder 2"/>
+          <p:cNvSpPr>
+            <a:spLocks noGrp="1"/>
+          </p:cNvSpPr>
+          <p:nvPr>
+            <p:ph idx="1"/>
+          </p:nvPr>
+        </p:nvSpPr>
+        <p:spPr/>
+        <p:txBody>
+          <a:bodyPr>
+            <a:normAutofit fontScale="92500" lnSpcReduction="10000"/>
+          </a:bodyPr>
+          <a:lstStyle/>
+          <a:p>
+            <a:r>
+              <a:rPr lang="sv-SE" dirty="0" err="1" smtClean="0"/>
+              <a:t>Purpose</a:t>
+            </a:r>
+            <a:r>
+              <a:rPr lang="sv-SE" dirty="0" smtClean="0"/>
+              <a:t>: </a:t>
+            </a:r>
+            <a:r>
+              <a:rPr lang="sv-SE" dirty="0" err="1" smtClean="0"/>
+              <a:t>User</a:t>
+            </a:r>
+            <a:r>
+              <a:rPr lang="sv-SE" dirty="0" smtClean="0"/>
+              <a:t> </a:t>
+            </a:r>
+            <a:r>
+              <a:rPr lang="sv-SE" dirty="0" err="1" smtClean="0"/>
+              <a:t>friendly</a:t>
+            </a:r>
+            <a:r>
+              <a:rPr lang="sv-SE" dirty="0" smtClean="0"/>
+              <a:t> and </a:t>
+            </a:r>
+            <a:r>
+              <a:rPr lang="sv-SE" dirty="0" err="1" smtClean="0"/>
+              <a:t>functional</a:t>
+            </a:r>
+            <a:r>
+              <a:rPr lang="sv-SE" dirty="0" smtClean="0"/>
+              <a:t> software system</a:t>
+            </a:r>
+          </a:p>
+          <a:p>
+            <a:r>
+              <a:rPr lang="sv-SE" dirty="0" err="1" smtClean="0"/>
+              <a:t>Result</a:t>
+            </a:r>
+            <a:r>
+              <a:rPr lang="sv-SE" dirty="0" smtClean="0"/>
+              <a:t>: </a:t>
+            </a:r>
+            <a:r>
+              <a:rPr lang="sv-SE" dirty="0" err="1" smtClean="0"/>
+              <a:t>FlyTracker</a:t>
+            </a:r>
+            <a:endParaRPr lang="sv-SE" dirty="0" smtClean="0"/>
+          </a:p>
+          <a:p>
+            <a:r>
+              <a:rPr lang="sv-SE" dirty="0" err="1" smtClean="0"/>
+              <a:t>Issues</a:t>
+            </a:r>
+            <a:r>
+              <a:rPr lang="sv-SE" dirty="0" smtClean="0"/>
+              <a:t>:</a:t>
             </a:r>
           </a:p>
           <a:p>
             <a:pPr lvl="1"/>
             <a:r>
-              <a:rPr lang="sv-SE" dirty="0" smtClean="0"/>
-              <a:t>Deals with starting and stopping the recording</a:t>
+              <a:rPr lang="sv-SE" dirty="0" err="1" smtClean="0"/>
+              <a:t>Calibration</a:t>
+            </a:r>
+            <a:endParaRPr lang="sv-SE" dirty="0" smtClean="0"/>
+          </a:p>
+          <a:p>
+            <a:pPr lvl="1"/>
+            <a:r>
+              <a:rPr lang="sv-SE" dirty="0" err="1" smtClean="0"/>
+              <a:t>Trigger</a:t>
+            </a:r>
+            <a:endParaRPr lang="sv-SE" dirty="0" smtClean="0"/>
+          </a:p>
+          <a:p>
+            <a:pPr lvl="1"/>
+            <a:r>
+              <a:rPr lang="sv-SE" dirty="0" err="1" smtClean="0"/>
+              <a:t>Shorter</a:t>
+            </a:r>
+            <a:r>
+              <a:rPr lang="sv-SE" dirty="0" smtClean="0"/>
+              <a:t> sprints</a:t>
+            </a:r>
+          </a:p>
+          <a:p>
+            <a:r>
+              <a:rPr lang="sv-SE" dirty="0" err="1" smtClean="0"/>
+              <a:t>Future</a:t>
+            </a:r>
+            <a:r>
+              <a:rPr lang="sv-SE" dirty="0" smtClean="0"/>
+              <a:t> </a:t>
+            </a:r>
+            <a:r>
+              <a:rPr lang="sv-SE" dirty="0" err="1" smtClean="0"/>
+              <a:t>directions</a:t>
+            </a:r>
+            <a:endParaRPr lang="sv-SE" dirty="0" smtClean="0"/>
+          </a:p>
+          <a:p>
+            <a:pPr lvl="1"/>
+            <a:r>
+              <a:rPr lang="sv-SE" dirty="0" smtClean="0"/>
+              <a:t>Naive </a:t>
+            </a:r>
+            <a:r>
+              <a:rPr lang="sv-SE" dirty="0" err="1" smtClean="0"/>
+              <a:t>user</a:t>
+            </a:r>
+            <a:r>
+              <a:rPr lang="sv-SE" dirty="0" smtClean="0"/>
+              <a:t> </a:t>
+            </a:r>
+            <a:r>
+              <a:rPr lang="sv-SE" dirty="0" err="1" smtClean="0"/>
+              <a:t>evaluation</a:t>
+            </a:r>
+            <a:endParaRPr lang="sv-SE" dirty="0" smtClean="0"/>
+          </a:p>
+          <a:p>
+            <a:pPr lvl="1"/>
+            <a:r>
+              <a:rPr lang="sv-SE" dirty="0" err="1" smtClean="0"/>
+              <a:t>Closed-loop</a:t>
+            </a:r>
+            <a:r>
+              <a:rPr lang="sv-SE" dirty="0" smtClean="0"/>
+              <a:t> system</a:t>
             </a:r>
           </a:p>
           <a:p>
             <a:pPr lvl="1"/>
             <a:endParaRPr lang="sv-SE" dirty="0" smtClean="0"/>
           </a:p>
+        </p:txBody>
+      </p:sp>
+    </p:spTree>
+  </p:cSld>
+  <p:clrMapOvr>
+    <a:masterClrMapping/>
+  </p:clrMapOvr>
+  <p:transition/>
+  <p:timing>
+    <p:tnLst>
+      <p:par>
+        <p:cTn id="1" dur="indefinite" restart="never" nodeType="tmRoot">
+          <p:childTnLst>
+            <p:seq concurrent="1" nextAc="seek">
+              <p:cTn id="2" dur="indefinite" nodeType="mainSeq">
+                <p:childTnLst>
+                  <p:par>
+                    <p:cTn id="3" fill="hold">
+                      <p:stCondLst>
+                        <p:cond delay="indefinite"/>
+                      </p:stCondLst>
+                      <p:childTnLst>
+                        <p:par>
+                          <p:cTn id="4" fill="hold">
+                            <p:stCondLst>
+                              <p:cond delay="0"/>
+                            </p:stCondLst>
+                            <p:childTnLst>
+                              <p:par>
+                                <p:cTn id="5" presetID="22" presetClass="entr" presetSubtype="1" fill="hold" grpId="0" nodeType="clickEffect">
+                                  <p:stCondLst>
+                                    <p:cond delay="0"/>
+                                  </p:stCondLst>
+                                  <p:childTnLst>
+                                    <p:set>
+                                      <p:cBhvr>
+                                        <p:cTn id="6" dur="1" fill="hold">
+                                          <p:stCondLst>
+                                            <p:cond delay="0"/>
+                                          </p:stCondLst>
+                                        </p:cTn>
+                                        <p:tgtEl>
+                                          <p:spTgt spid="3">
+                                            <p:txEl>
+                                              <p:pRg st="0" end="0"/>
+                                            </p:txEl>
+                                          </p:spTgt>
+                                        </p:tgtEl>
+                                        <p:attrNameLst>
+                                          <p:attrName>style.visibility</p:attrName>
+                                        </p:attrNameLst>
+                                      </p:cBhvr>
+                                      <p:to>
+                                        <p:strVal val="visible"/>
+                                      </p:to>
+                                    </p:set>
+                                    <p:animEffect transition="in" filter="wipe(up)">
+                                      <p:cBhvr>
+                                        <p:cTn id="7" dur="500"/>
+                                        <p:tgtEl>
+                                          <p:spTgt spid="3">
+                                            <p:txEl>
+                                              <p:pRg st="0" end="0"/>
+                                            </p:txEl>
+                                          </p:spTgt>
+                                        </p:tgtEl>
+                                      </p:cBhvr>
+                                    </p:animEffect>
+                                  </p:childTnLst>
+                                </p:cTn>
+                              </p:par>
+                            </p:childTnLst>
+                          </p:cTn>
+                        </p:par>
+                      </p:childTnLst>
+                    </p:cTn>
+                  </p:par>
+                  <p:par>
+                    <p:cTn id="8" fill="hold">
+                      <p:stCondLst>
+                        <p:cond delay="indefinite"/>
+                      </p:stCondLst>
+                      <p:childTnLst>
+                        <p:par>
+                          <p:cTn id="9" fill="hold">
+                            <p:stCondLst>
+                              <p:cond delay="0"/>
+                            </p:stCondLst>
+                            <p:childTnLst>
+                              <p:par>
+                                <p:cTn id="10" presetID="22" presetClass="entr" presetSubtype="1" fill="hold" grpId="0" nodeType="clickEffect">
+                                  <p:stCondLst>
+                                    <p:cond delay="0"/>
+                                  </p:stCondLst>
+                                  <p:childTnLst>
+                                    <p:set>
+                                      <p:cBhvr>
+                                        <p:cTn id="11" dur="1" fill="hold">
+                                          <p:stCondLst>
+                                            <p:cond delay="0"/>
+                                          </p:stCondLst>
+                                        </p:cTn>
+                                        <p:tgtEl>
+                                          <p:spTgt spid="3">
+                                            <p:txEl>
+                                              <p:pRg st="1" end="1"/>
+                                            </p:txEl>
+                                          </p:spTgt>
+                                        </p:tgtEl>
+                                        <p:attrNameLst>
+                                          <p:attrName>style.visibility</p:attrName>
+                                        </p:attrNameLst>
+                                      </p:cBhvr>
+                                      <p:to>
+                                        <p:strVal val="visible"/>
+                                      </p:to>
+                                    </p:set>
+                                    <p:animEffect transition="in" filter="wipe(up)">
+                                      <p:cBhvr>
+                                        <p:cTn id="12" dur="500"/>
+                                        <p:tgtEl>
+                                          <p:spTgt spid="3">
+                                            <p:txEl>
+                                              <p:pRg st="1" end="1"/>
+                                            </p:txEl>
+                                          </p:spTgt>
+                                        </p:tgtEl>
+                                      </p:cBhvr>
+                                    </p:animEffect>
+                                  </p:childTnLst>
+                                </p:cTn>
+                              </p:par>
+                            </p:childTnLst>
+                          </p:cTn>
+                        </p:par>
+                      </p:childTnLst>
+                    </p:cTn>
+                  </p:par>
+                  <p:par>
+                    <p:cTn id="13" fill="hold">
+                      <p:stCondLst>
+                        <p:cond delay="indefinite"/>
+                      </p:stCondLst>
+                      <p:childTnLst>
+                        <p:par>
+                          <p:cTn id="14" fill="hold">
+                            <p:stCondLst>
+                              <p:cond delay="0"/>
+                            </p:stCondLst>
+                            <p:childTnLst>
+                              <p:par>
+                                <p:cTn id="15" presetID="22" presetClass="entr" presetSubtype="1" fill="hold" grpId="0" nodeType="clickEffect">
+                                  <p:stCondLst>
+                                    <p:cond delay="0"/>
+                                  </p:stCondLst>
+                                  <p:childTnLst>
+                                    <p:set>
+                                      <p:cBhvr>
+                                        <p:cTn id="16" dur="1" fill="hold">
+                                          <p:stCondLst>
+                                            <p:cond delay="0"/>
+                                          </p:stCondLst>
+                                        </p:cTn>
+                                        <p:tgtEl>
+                                          <p:spTgt spid="3">
+                                            <p:txEl>
+                                              <p:pRg st="2" end="2"/>
+                                            </p:txEl>
+                                          </p:spTgt>
+                                        </p:tgtEl>
+                                        <p:attrNameLst>
+                                          <p:attrName>style.visibility</p:attrName>
+                                        </p:attrNameLst>
+                                      </p:cBhvr>
+                                      <p:to>
+                                        <p:strVal val="visible"/>
+                                      </p:to>
+                                    </p:set>
+                                    <p:animEffect transition="in" filter="wipe(up)">
+                                      <p:cBhvr>
+                                        <p:cTn id="17" dur="500"/>
+                                        <p:tgtEl>
+                                          <p:spTgt spid="3">
+                                            <p:txEl>
+                                              <p:pRg st="2" end="2"/>
+                                            </p:txEl>
+                                          </p:spTgt>
+                                        </p:tgtEl>
+                                      </p:cBhvr>
+                                    </p:animEffect>
+                                  </p:childTnLst>
+                                </p:cTn>
+                              </p:par>
+                            </p:childTnLst>
+                          </p:cTn>
+                        </p:par>
+                      </p:childTnLst>
+                    </p:cTn>
+                  </p:par>
+                  <p:par>
+                    <p:cTn id="18" fill="hold">
+                      <p:stCondLst>
+                        <p:cond delay="indefinite"/>
+                      </p:stCondLst>
+                      <p:childTnLst>
+                        <p:par>
+                          <p:cTn id="19" fill="hold">
+                            <p:stCondLst>
+                              <p:cond delay="0"/>
+                            </p:stCondLst>
+                            <p:childTnLst>
+                              <p:par>
+                                <p:cTn id="20" presetID="22" presetClass="entr" presetSubtype="1" fill="hold" grpId="0" nodeType="clickEffect">
+                                  <p:stCondLst>
+                                    <p:cond delay="0"/>
+                                  </p:stCondLst>
+                                  <p:childTnLst>
+                                    <p:set>
+                                      <p:cBhvr>
+                                        <p:cTn id="21" dur="1" fill="hold">
+                                          <p:stCondLst>
+                                            <p:cond delay="0"/>
+                                          </p:stCondLst>
+                                        </p:cTn>
+                                        <p:tgtEl>
+                                          <p:spTgt spid="3">
+                                            <p:txEl>
+                                              <p:pRg st="3" end="3"/>
+                                            </p:txEl>
+                                          </p:spTgt>
+                                        </p:tgtEl>
+                                        <p:attrNameLst>
+                                          <p:attrName>style.visibility</p:attrName>
+                                        </p:attrNameLst>
+                                      </p:cBhvr>
+                                      <p:to>
+                                        <p:strVal val="visible"/>
+                                      </p:to>
+                                    </p:set>
+                                    <p:animEffect transition="in" filter="wipe(up)">
+                                      <p:cBhvr>
+                                        <p:cTn id="22" dur="500"/>
+                                        <p:tgtEl>
+                                          <p:spTgt spid="3">
+                                            <p:txEl>
+                                              <p:pRg st="3" end="3"/>
+                                            </p:txEl>
+                                          </p:spTgt>
+                                        </p:tgtEl>
+                                      </p:cBhvr>
+                                    </p:animEffect>
+                                  </p:childTnLst>
+                                </p:cTn>
+                              </p:par>
+                              <p:par>
+                                <p:cTn id="23" presetID="22" presetClass="entr" presetSubtype="1" fill="hold" grpId="0" nodeType="withEffect">
+                                  <p:stCondLst>
+                                    <p:cond delay="0"/>
+                                  </p:stCondLst>
+                                  <p:childTnLst>
+                                    <p:set>
+                                      <p:cBhvr>
+                                        <p:cTn id="24" dur="1" fill="hold">
+                                          <p:stCondLst>
+                                            <p:cond delay="0"/>
+                                          </p:stCondLst>
+                                        </p:cTn>
+                                        <p:tgtEl>
+                                          <p:spTgt spid="3">
+                                            <p:txEl>
+                                              <p:pRg st="4" end="4"/>
+                                            </p:txEl>
+                                          </p:spTgt>
+                                        </p:tgtEl>
+                                        <p:attrNameLst>
+                                          <p:attrName>style.visibility</p:attrName>
+                                        </p:attrNameLst>
+                                      </p:cBhvr>
+                                      <p:to>
+                                        <p:strVal val="visible"/>
+                                      </p:to>
+                                    </p:set>
+                                    <p:animEffect transition="in" filter="wipe(up)">
+                                      <p:cBhvr>
+                                        <p:cTn id="25" dur="500"/>
+                                        <p:tgtEl>
+                                          <p:spTgt spid="3">
+                                            <p:txEl>
+                                              <p:pRg st="4" end="4"/>
+                                            </p:txEl>
+                                          </p:spTgt>
+                                        </p:tgtEl>
+                                      </p:cBhvr>
+                                    </p:animEffect>
+                                  </p:childTnLst>
+                                </p:cTn>
+                              </p:par>
+                            </p:childTnLst>
+                          </p:cTn>
+                        </p:par>
+                      </p:childTnLst>
+                    </p:cTn>
+                  </p:par>
+                  <p:par>
+                    <p:cTn id="26" fill="hold">
+                      <p:stCondLst>
+                        <p:cond delay="indefinite"/>
+                      </p:stCondLst>
+                      <p:childTnLst>
+                        <p:par>
+                          <p:cTn id="27" fill="hold">
+                            <p:stCondLst>
+                              <p:cond delay="0"/>
+                            </p:stCondLst>
+                            <p:childTnLst>
+                              <p:par>
+                                <p:cTn id="28" presetID="22" presetClass="entr" presetSubtype="1" fill="hold" grpId="0" nodeType="clickEffect">
+                                  <p:stCondLst>
+                                    <p:cond delay="0"/>
+                                  </p:stCondLst>
+                                  <p:childTnLst>
+                                    <p:set>
+                                      <p:cBhvr>
+                                        <p:cTn id="29" dur="1" fill="hold">
+                                          <p:stCondLst>
+                                            <p:cond delay="0"/>
+                                          </p:stCondLst>
+                                        </p:cTn>
+                                        <p:tgtEl>
+                                          <p:spTgt spid="3">
+                                            <p:txEl>
+                                              <p:pRg st="5" end="5"/>
+                                            </p:txEl>
+                                          </p:spTgt>
+                                        </p:tgtEl>
+                                        <p:attrNameLst>
+                                          <p:attrName>style.visibility</p:attrName>
+                                        </p:attrNameLst>
+                                      </p:cBhvr>
+                                      <p:to>
+                                        <p:strVal val="visible"/>
+                                      </p:to>
+                                    </p:set>
+                                    <p:animEffect transition="in" filter="wipe(up)">
+                                      <p:cBhvr>
+                                        <p:cTn id="30" dur="500"/>
+                                        <p:tgtEl>
+                                          <p:spTgt spid="3">
+                                            <p:txEl>
+                                              <p:pRg st="5" end="5"/>
+                                            </p:txEl>
+                                          </p:spTgt>
+                                        </p:tgtEl>
+                                      </p:cBhvr>
+                                    </p:animEffect>
+                                  </p:childTnLst>
+                                </p:cTn>
+                              </p:par>
+                            </p:childTnLst>
+                          </p:cTn>
+                        </p:par>
+                      </p:childTnLst>
+                    </p:cTn>
+                  </p:par>
+                  <p:par>
+                    <p:cTn id="31" fill="hold">
+                      <p:stCondLst>
+                        <p:cond delay="indefinite"/>
+                      </p:stCondLst>
+                      <p:childTnLst>
+                        <p:par>
+                          <p:cTn id="32" fill="hold">
+                            <p:stCondLst>
+                              <p:cond delay="0"/>
+                            </p:stCondLst>
+                            <p:childTnLst>
+                              <p:par>
+                                <p:cTn id="33" presetID="22" presetClass="entr" presetSubtype="1" fill="hold" grpId="0" nodeType="clickEffect">
+                                  <p:stCondLst>
+                                    <p:cond delay="0"/>
+                                  </p:stCondLst>
+                                  <p:childTnLst>
+                                    <p:set>
+                                      <p:cBhvr>
+                                        <p:cTn id="34" dur="1" fill="hold">
+                                          <p:stCondLst>
+                                            <p:cond delay="0"/>
+                                          </p:stCondLst>
+                                        </p:cTn>
+                                        <p:tgtEl>
+                                          <p:spTgt spid="3">
+                                            <p:txEl>
+                                              <p:pRg st="6" end="6"/>
+                                            </p:txEl>
+                                          </p:spTgt>
+                                        </p:tgtEl>
+                                        <p:attrNameLst>
+                                          <p:attrName>style.visibility</p:attrName>
+                                        </p:attrNameLst>
+                                      </p:cBhvr>
+                                      <p:to>
+                                        <p:strVal val="visible"/>
+                                      </p:to>
+                                    </p:set>
+                                    <p:animEffect transition="in" filter="wipe(up)">
+                                      <p:cBhvr>
+                                        <p:cTn id="35" dur="500"/>
+                                        <p:tgtEl>
+                                          <p:spTgt spid="3">
+                                            <p:txEl>
+                                              <p:pRg st="6" end="6"/>
+                                            </p:txEl>
+                                          </p:spTgt>
+                                        </p:tgtEl>
+                                      </p:cBhvr>
+                                    </p:animEffect>
+                                  </p:childTnLst>
+                                </p:cTn>
+                              </p:par>
+                            </p:childTnLst>
+                          </p:cTn>
+                        </p:par>
+                      </p:childTnLst>
+                    </p:cTn>
+                  </p:par>
+                  <p:par>
+                    <p:cTn id="36" fill="hold">
+                      <p:stCondLst>
+                        <p:cond delay="indefinite"/>
+                      </p:stCondLst>
+                      <p:childTnLst>
+                        <p:par>
+                          <p:cTn id="37" fill="hold">
+                            <p:stCondLst>
+                              <p:cond delay="0"/>
+                            </p:stCondLst>
+                            <p:childTnLst>
+                              <p:par>
+                                <p:cTn id="38" presetID="22" presetClass="entr" presetSubtype="1" fill="hold" grpId="0" nodeType="clickEffect">
+                                  <p:stCondLst>
+                                    <p:cond delay="0"/>
+                                  </p:stCondLst>
+                                  <p:childTnLst>
+                                    <p:set>
+                                      <p:cBhvr>
+                                        <p:cTn id="39" dur="1" fill="hold">
+                                          <p:stCondLst>
+                                            <p:cond delay="0"/>
+                                          </p:stCondLst>
+                                        </p:cTn>
+                                        <p:tgtEl>
+                                          <p:spTgt spid="3">
+                                            <p:txEl>
+                                              <p:pRg st="7" end="7"/>
+                                            </p:txEl>
+                                          </p:spTgt>
+                                        </p:tgtEl>
+                                        <p:attrNameLst>
+                                          <p:attrName>style.visibility</p:attrName>
+                                        </p:attrNameLst>
+                                      </p:cBhvr>
+                                      <p:to>
+                                        <p:strVal val="visible"/>
+                                      </p:to>
+                                    </p:set>
+                                    <p:animEffect transition="in" filter="wipe(up)">
+                                      <p:cBhvr>
+                                        <p:cTn id="40" dur="500"/>
+                                        <p:tgtEl>
+                                          <p:spTgt spid="3">
+                                            <p:txEl>
+                                              <p:pRg st="7" end="7"/>
+                                            </p:txEl>
+                                          </p:spTgt>
+                                        </p:tgtEl>
+                                      </p:cBhvr>
+                                    </p:animEffect>
+                                  </p:childTnLst>
+                                </p:cTn>
+                              </p:par>
+                            </p:childTnLst>
+                          </p:cTn>
+                        </p:par>
+                      </p:childTnLst>
+                    </p:cTn>
+                  </p:par>
+                  <p:par>
+                    <p:cTn id="41" fill="hold">
+                      <p:stCondLst>
+                        <p:cond delay="indefinite"/>
+                      </p:stCondLst>
+                      <p:childTnLst>
+                        <p:par>
+                          <p:cTn id="42" fill="hold">
+                            <p:stCondLst>
+                              <p:cond delay="0"/>
+                            </p:stCondLst>
+                            <p:childTnLst>
+                              <p:par>
+                                <p:cTn id="43" presetID="22" presetClass="entr" presetSubtype="1" fill="hold" grpId="0" nodeType="clickEffect">
+                                  <p:stCondLst>
+                                    <p:cond delay="0"/>
+                                  </p:stCondLst>
+                                  <p:childTnLst>
+                                    <p:set>
+                                      <p:cBhvr>
+                                        <p:cTn id="44" dur="1" fill="hold">
+                                          <p:stCondLst>
+                                            <p:cond delay="0"/>
+                                          </p:stCondLst>
+                                        </p:cTn>
+                                        <p:tgtEl>
+                                          <p:spTgt spid="3">
+                                            <p:txEl>
+                                              <p:pRg st="8" end="8"/>
+                                            </p:txEl>
+                                          </p:spTgt>
+                                        </p:tgtEl>
+                                        <p:attrNameLst>
+                                          <p:attrName>style.visibility</p:attrName>
+                                        </p:attrNameLst>
+                                      </p:cBhvr>
+                                      <p:to>
+                                        <p:strVal val="visible"/>
+                                      </p:to>
+                                    </p:set>
+                                    <p:animEffect transition="in" filter="wipe(up)">
+                                      <p:cBhvr>
+                                        <p:cTn id="45" dur="500"/>
+                                        <p:tgtEl>
+                                          <p:spTgt spid="3">
+                                            <p:txEl>
+                                              <p:pRg st="8" end="8"/>
+                                            </p:txEl>
+                                          </p:spTgt>
+                                        </p:tgtEl>
+                                      </p:cBhvr>
+                                    </p:animEffect>
+                                  </p:childTnLst>
+                                </p:cTn>
+                              </p:par>
+                            </p:childTnLst>
+                          </p:cTn>
+                        </p:par>
+                      </p:childTnLst>
+                    </p:cTn>
+                  </p:par>
+                </p:childTnLst>
+              </p:cTn>
+              <p:prevCondLst>
+                <p:cond evt="onPrev" delay="0">
+                  <p:tgtEl>
+                    <p:sldTgt/>
+                  </p:tgtEl>
+                </p:cond>
+              </p:prevCondLst>
+              <p:nextCondLst>
+                <p:cond evt="onNext" delay="0">
+                  <p:tgtEl>
+                    <p:sldTgt/>
+                  </p:tgtEl>
+                </p:cond>
+              </p:nextCondLst>
+            </p:seq>
+          </p:childTnLst>
+        </p:cTn>
+      </p:par>
+    </p:tnLst>
+    <p:bldLst>
+      <p:bldP spid="3" grpId="0" build="p"/>
+    </p:bldLst>
+  </p:timing>
+</p:sld>
+</file>
+
+<file path=ppt/slides/slide2.xml><?xml version="1.0" encoding="utf-8"?>
+<p:sld xmlns:a="http://schemas.openxmlformats.org/drawingml/2006/main" xmlns:r="http://schemas.openxmlformats.org/officeDocument/2006/relationships" xmlns:p="http://schemas.openxmlformats.org/presentationml/2006/main">
+  <p:cSld>
+    <p:spTree>
+      <p:nvGrpSpPr>
+        <p:cNvPr id="1" name=""/>
+        <p:cNvGrpSpPr/>
+        <p:nvPr/>
+      </p:nvGrpSpPr>
+      <p:grpSpPr>
+        <a:xfrm>
+          <a:off x="0" y="0"/>
+          <a:ext cx="0" cy="0"/>
+          <a:chOff x="0" y="0"/>
+          <a:chExt cx="0" cy="0"/>
+        </a:xfrm>
+      </p:grpSpPr>
+      <p:sp>
+        <p:nvSpPr>
+          <p:cNvPr id="2" name="Title 1"/>
+          <p:cNvSpPr>
+            <a:spLocks noGrp="1"/>
+          </p:cNvSpPr>
+          <p:nvPr>
+            <p:ph type="title"/>
+          </p:nvPr>
+        </p:nvSpPr>
+        <p:spPr/>
+        <p:txBody>
+          <a:bodyPr/>
+          <a:lstStyle/>
+          <a:p>
+            <a:r>
+              <a:rPr lang="sv-SE" dirty="0" smtClean="0"/>
+              <a:t>Project background</a:t>
+            </a:r>
+            <a:endParaRPr lang="sv-SE" dirty="0"/>
+          </a:p>
+        </p:txBody>
+      </p:sp>
+      <p:sp>
+        <p:nvSpPr>
+          <p:cNvPr id="3" name="Content Placeholder 2"/>
+          <p:cNvSpPr>
+            <a:spLocks noGrp="1"/>
+          </p:cNvSpPr>
+          <p:nvPr>
+            <p:ph idx="1"/>
+          </p:nvPr>
+        </p:nvSpPr>
+        <p:spPr/>
+        <p:txBody>
+          <a:bodyPr/>
+          <a:lstStyle/>
+          <a:p>
+            <a:endParaRPr lang="sv-SE" dirty="0" smtClean="0"/>
+          </a:p>
+          <a:p>
+            <a:r>
+              <a:rPr lang="sv-SE" dirty="0" err="1" smtClean="0"/>
+              <a:t>Neuroscience</a:t>
+            </a:r>
+            <a:r>
+              <a:rPr lang="sv-SE" dirty="0" smtClean="0"/>
+              <a:t> </a:t>
+            </a:r>
+            <a:r>
+              <a:rPr lang="sv-SE" dirty="0" err="1" smtClean="0"/>
+              <a:t>department</a:t>
+            </a:r>
+            <a:r>
+              <a:rPr lang="sv-SE" dirty="0" smtClean="0"/>
+              <a:t> at BMC</a:t>
+            </a:r>
+          </a:p>
+          <a:p>
+            <a:r>
+              <a:rPr lang="sv-SE" dirty="0" smtClean="0"/>
+              <a:t>Motion vision</a:t>
+            </a:r>
+          </a:p>
+          <a:p>
+            <a:r>
+              <a:rPr lang="sv-SE" dirty="0" err="1" smtClean="0"/>
+              <a:t>Behavioural</a:t>
+            </a:r>
+            <a:r>
+              <a:rPr lang="sv-SE" dirty="0" smtClean="0"/>
+              <a:t> </a:t>
+            </a:r>
+            <a:r>
+              <a:rPr lang="sv-SE" dirty="0" err="1" smtClean="0"/>
+              <a:t>studys</a:t>
+            </a:r>
+            <a:r>
+              <a:rPr lang="sv-SE" dirty="0" smtClean="0"/>
+              <a:t> on </a:t>
+            </a:r>
+            <a:r>
+              <a:rPr lang="sv-SE" dirty="0" err="1" smtClean="0"/>
+              <a:t>flies</a:t>
+            </a:r>
+            <a:endParaRPr lang="sv-SE" dirty="0" smtClean="0"/>
+          </a:p>
+        </p:txBody>
+      </p:sp>
+    </p:spTree>
+  </p:cSld>
+  <p:clrMapOvr>
+    <a:masterClrMapping/>
+  </p:clrMapOvr>
+  <p:transition/>
+  <p:timing>
+    <p:tnLst>
+      <p:par>
+        <p:cTn id="1" dur="indefinite" restart="never" nodeType="tmRoot">
+          <p:childTnLst>
+            <p:seq concurrent="1" nextAc="seek">
+              <p:cTn id="2" dur="indefinite" nodeType="mainSeq">
+                <p:childTnLst>
+                  <p:par>
+                    <p:cTn id="3" fill="hold">
+                      <p:stCondLst>
+                        <p:cond delay="indefinite"/>
+                      </p:stCondLst>
+                      <p:childTnLst>
+                        <p:par>
+                          <p:cTn id="4" fill="hold">
+                            <p:stCondLst>
+                              <p:cond delay="0"/>
+                            </p:stCondLst>
+                            <p:childTnLst>
+                              <p:par>
+                                <p:cTn id="5" presetID="22" presetClass="entr" presetSubtype="1" fill="hold" grpId="0" nodeType="clickEffect">
+                                  <p:stCondLst>
+                                    <p:cond delay="0"/>
+                                  </p:stCondLst>
+                                  <p:childTnLst>
+                                    <p:set>
+                                      <p:cBhvr>
+                                        <p:cTn id="6" dur="1" fill="hold">
+                                          <p:stCondLst>
+                                            <p:cond delay="0"/>
+                                          </p:stCondLst>
+                                        </p:cTn>
+                                        <p:tgtEl>
+                                          <p:spTgt spid="3">
+                                            <p:txEl>
+                                              <p:pRg st="1" end="1"/>
+                                            </p:txEl>
+                                          </p:spTgt>
+                                        </p:tgtEl>
+                                        <p:attrNameLst>
+                                          <p:attrName>style.visibility</p:attrName>
+                                        </p:attrNameLst>
+                                      </p:cBhvr>
+                                      <p:to>
+                                        <p:strVal val="visible"/>
+                                      </p:to>
+                                    </p:set>
+                                    <p:animEffect transition="in" filter="wipe(up)">
+                                      <p:cBhvr>
+                                        <p:cTn id="7" dur="500"/>
+                                        <p:tgtEl>
+                                          <p:spTgt spid="3">
+                                            <p:txEl>
+                                              <p:pRg st="1" end="1"/>
+                                            </p:txEl>
+                                          </p:spTgt>
+                                        </p:tgtEl>
+                                      </p:cBhvr>
+                                    </p:animEffect>
+                                  </p:childTnLst>
+                                </p:cTn>
+                              </p:par>
+                            </p:childTnLst>
+                          </p:cTn>
+                        </p:par>
+                      </p:childTnLst>
+                    </p:cTn>
+                  </p:par>
+                  <p:par>
+                    <p:cTn id="8" fill="hold">
+                      <p:stCondLst>
+                        <p:cond delay="indefinite"/>
+                      </p:stCondLst>
+                      <p:childTnLst>
+                        <p:par>
+                          <p:cTn id="9" fill="hold">
+                            <p:stCondLst>
+                              <p:cond delay="0"/>
+                            </p:stCondLst>
+                            <p:childTnLst>
+                              <p:par>
+                                <p:cTn id="10" presetID="22" presetClass="entr" presetSubtype="1" fill="hold" grpId="0" nodeType="clickEffect">
+                                  <p:stCondLst>
+                                    <p:cond delay="0"/>
+                                  </p:stCondLst>
+                                  <p:childTnLst>
+                                    <p:set>
+                                      <p:cBhvr>
+                                        <p:cTn id="11" dur="1" fill="hold">
+                                          <p:stCondLst>
+                                            <p:cond delay="0"/>
+                                          </p:stCondLst>
+                                        </p:cTn>
+                                        <p:tgtEl>
+                                          <p:spTgt spid="3">
+                                            <p:txEl>
+                                              <p:pRg st="2" end="2"/>
+                                            </p:txEl>
+                                          </p:spTgt>
+                                        </p:tgtEl>
+                                        <p:attrNameLst>
+                                          <p:attrName>style.visibility</p:attrName>
+                                        </p:attrNameLst>
+                                      </p:cBhvr>
+                                      <p:to>
+                                        <p:strVal val="visible"/>
+                                      </p:to>
+                                    </p:set>
+                                    <p:animEffect transition="in" filter="wipe(up)">
+                                      <p:cBhvr>
+                                        <p:cTn id="12" dur="500"/>
+                                        <p:tgtEl>
+                                          <p:spTgt spid="3">
+                                            <p:txEl>
+                                              <p:pRg st="2" end="2"/>
+                                            </p:txEl>
+                                          </p:spTgt>
+                                        </p:tgtEl>
+                                      </p:cBhvr>
+                                    </p:animEffect>
+                                  </p:childTnLst>
+                                </p:cTn>
+                              </p:par>
+                            </p:childTnLst>
+                          </p:cTn>
+                        </p:par>
+                      </p:childTnLst>
+                    </p:cTn>
+                  </p:par>
+                  <p:par>
+                    <p:cTn id="13" fill="hold">
+                      <p:stCondLst>
+                        <p:cond delay="indefinite"/>
+                      </p:stCondLst>
+                      <p:childTnLst>
+                        <p:par>
+                          <p:cTn id="14" fill="hold">
+                            <p:stCondLst>
+                              <p:cond delay="0"/>
+                            </p:stCondLst>
+                            <p:childTnLst>
+                              <p:par>
+                                <p:cTn id="15" presetID="22" presetClass="entr" presetSubtype="1" fill="hold" grpId="0" nodeType="clickEffect">
+                                  <p:stCondLst>
+                                    <p:cond delay="0"/>
+                                  </p:stCondLst>
+                                  <p:childTnLst>
+                                    <p:set>
+                                      <p:cBhvr>
+                                        <p:cTn id="16" dur="1" fill="hold">
+                                          <p:stCondLst>
+                                            <p:cond delay="0"/>
+                                          </p:stCondLst>
+                                        </p:cTn>
+                                        <p:tgtEl>
+                                          <p:spTgt spid="3">
+                                            <p:txEl>
+                                              <p:pRg st="3" end="3"/>
+                                            </p:txEl>
+                                          </p:spTgt>
+                                        </p:tgtEl>
+                                        <p:attrNameLst>
+                                          <p:attrName>style.visibility</p:attrName>
+                                        </p:attrNameLst>
+                                      </p:cBhvr>
+                                      <p:to>
+                                        <p:strVal val="visible"/>
+                                      </p:to>
+                                    </p:set>
+                                    <p:animEffect transition="in" filter="wipe(up)">
+                                      <p:cBhvr>
+                                        <p:cTn id="17" dur="500"/>
+                                        <p:tgtEl>
+                                          <p:spTgt spid="3">
+                                            <p:txEl>
+                                              <p:pRg st="3" end="3"/>
+                                            </p:txEl>
+                                          </p:spTgt>
+                                        </p:tgtEl>
+                                      </p:cBhvr>
+                                    </p:animEffect>
+                                  </p:childTnLst>
+                                </p:cTn>
+                              </p:par>
+                            </p:childTnLst>
+                          </p:cTn>
+                        </p:par>
+                      </p:childTnLst>
+                    </p:cTn>
+                  </p:par>
+                </p:childTnLst>
+              </p:cTn>
+              <p:prevCondLst>
+                <p:cond evt="onPrev" delay="0">
+                  <p:tgtEl>
+                    <p:sldTgt/>
+                  </p:tgtEl>
+                </p:cond>
+              </p:prevCondLst>
+              <p:nextCondLst>
+                <p:cond evt="onNext" delay="0">
+                  <p:tgtEl>
+                    <p:sldTgt/>
+                  </p:tgtEl>
+                </p:cond>
+              </p:nextCondLst>
+            </p:seq>
+          </p:childTnLst>
+        </p:cTn>
+      </p:par>
+    </p:tnLst>
+    <p:bldLst>
+      <p:bldP spid="3" grpId="0" build="p"/>
+    </p:bldLst>
+  </p:timing>
+</p:sld>
+</file>
+
+<file path=ppt/slides/slide3.xml><?xml version="1.0" encoding="utf-8"?>
+<p:sld xmlns:a="http://schemas.openxmlformats.org/drawingml/2006/main" xmlns:r="http://schemas.openxmlformats.org/officeDocument/2006/relationships" xmlns:p="http://schemas.openxmlformats.org/presentationml/2006/main">
+  <p:cSld>
+    <p:spTree>
+      <p:nvGrpSpPr>
+        <p:cNvPr id="1" name=""/>
+        <p:cNvGrpSpPr/>
+        <p:nvPr/>
+      </p:nvGrpSpPr>
+      <p:grpSpPr>
+        <a:xfrm>
+          <a:off x="0" y="0"/>
+          <a:ext cx="0" cy="0"/>
+          <a:chOff x="0" y="0"/>
+          <a:chExt cx="0" cy="0"/>
+        </a:xfrm>
+      </p:grpSpPr>
+      <p:sp>
+        <p:nvSpPr>
+          <p:cNvPr id="4" name="Title 3"/>
+          <p:cNvSpPr>
+            <a:spLocks noGrp="1"/>
+          </p:cNvSpPr>
+          <p:nvPr>
+            <p:ph type="title"/>
+          </p:nvPr>
+        </p:nvSpPr>
+        <p:spPr/>
+        <p:txBody>
+          <a:bodyPr/>
+          <a:lstStyle/>
+          <a:p>
+            <a:r>
+              <a:rPr lang="sv-SE" dirty="0" smtClean="0"/>
+              <a:t>Track ball setup</a:t>
+            </a:r>
+            <a:endParaRPr lang="sv-SE" dirty="0"/>
+          </a:p>
+        </p:txBody>
+      </p:sp>
+      <p:pic>
+        <p:nvPicPr>
+          <p:cNvPr id="5" name="Content Placeholder 4" descr="CIMG1525.JPG"/>
+          <p:cNvPicPr>
+            <a:picLocks noGrp="1" noChangeAspect="1"/>
+          </p:cNvPicPr>
+          <p:nvPr>
+            <p:ph sz="half" idx="1"/>
+          </p:nvPr>
+        </p:nvPicPr>
+        <p:blipFill>
+          <a:blip r:embed="rId2" cstate="print"/>
+          <a:stretch>
+            <a:fillRect/>
+          </a:stretch>
+        </p:blipFill>
+        <p:spPr>
+          <a:xfrm>
+            <a:off x="1435100" y="2484437"/>
+            <a:ext cx="3657600" cy="2743200"/>
+          </a:xfrm>
+        </p:spPr>
+      </p:pic>
+      <p:sp>
+        <p:nvSpPr>
+          <p:cNvPr id="6" name="Content Placeholder 5"/>
+          <p:cNvSpPr>
+            <a:spLocks noGrp="1"/>
+          </p:cNvSpPr>
+          <p:nvPr>
+            <p:ph sz="half" idx="2"/>
+          </p:nvPr>
+        </p:nvSpPr>
+        <p:spPr/>
+        <p:txBody>
+          <a:bodyPr/>
+          <a:lstStyle/>
+          <a:p>
+            <a:r>
+              <a:rPr lang="sv-SE" dirty="0" smtClean="0"/>
+              <a:t>Experiment </a:t>
+            </a:r>
+            <a:r>
+              <a:rPr lang="sv-SE" dirty="0" err="1" smtClean="0"/>
+              <a:t>aim</a:t>
+            </a:r>
+            <a:r>
+              <a:rPr lang="sv-SE" dirty="0" smtClean="0"/>
+              <a:t>:</a:t>
+            </a:r>
+          </a:p>
           <a:p>
             <a:pPr lvl="1"/>
+            <a:r>
+              <a:rPr lang="sv-SE" dirty="0" err="1" smtClean="0"/>
+              <a:t>Study</a:t>
+            </a:r>
+            <a:r>
+              <a:rPr lang="sv-SE" dirty="0" smtClean="0"/>
+              <a:t> fly </a:t>
+            </a:r>
+            <a:r>
+              <a:rPr lang="sv-SE" dirty="0" err="1" smtClean="0"/>
+              <a:t>movement</a:t>
+            </a:r>
+            <a:r>
+              <a:rPr lang="sv-SE" dirty="0" smtClean="0"/>
+              <a:t> as a </a:t>
+            </a:r>
+            <a:r>
+              <a:rPr lang="sv-SE" dirty="0" err="1" smtClean="0"/>
+              <a:t>function</a:t>
+            </a:r>
+            <a:r>
+              <a:rPr lang="sv-SE" dirty="0" smtClean="0"/>
+              <a:t> of </a:t>
+            </a:r>
+            <a:r>
+              <a:rPr lang="sv-SE" dirty="0" err="1" smtClean="0"/>
+              <a:t>visual</a:t>
+            </a:r>
+            <a:r>
+              <a:rPr lang="sv-SE" dirty="0" smtClean="0"/>
+              <a:t> stimulus</a:t>
+            </a:r>
+          </a:p>
+          <a:p>
+            <a:r>
+              <a:rPr lang="sv-SE" dirty="0" err="1" smtClean="0"/>
+              <a:t>Thesis</a:t>
+            </a:r>
+            <a:r>
+              <a:rPr lang="sv-SE" dirty="0" smtClean="0"/>
+              <a:t> </a:t>
+            </a:r>
+            <a:r>
+              <a:rPr lang="sv-SE" dirty="0" err="1" smtClean="0"/>
+              <a:t>purpose</a:t>
+            </a:r>
+            <a:r>
+              <a:rPr lang="sv-SE" dirty="0" smtClean="0"/>
+              <a:t>:</a:t>
+            </a:r>
+          </a:p>
+          <a:p>
+            <a:pPr lvl="1"/>
+            <a:r>
+              <a:rPr lang="sv-SE" dirty="0" smtClean="0"/>
+              <a:t>Design and </a:t>
+            </a:r>
+            <a:r>
+              <a:rPr lang="sv-SE" dirty="0" err="1" smtClean="0"/>
+              <a:t>implement</a:t>
+            </a:r>
+            <a:r>
+              <a:rPr lang="sv-SE" dirty="0" smtClean="0"/>
+              <a:t> a new </a:t>
+            </a:r>
+            <a:r>
+              <a:rPr lang="sv-SE" dirty="0" err="1" smtClean="0"/>
+              <a:t>user</a:t>
+            </a:r>
+            <a:r>
+              <a:rPr lang="sv-SE" dirty="0" smtClean="0"/>
+              <a:t> </a:t>
+            </a:r>
+            <a:r>
+              <a:rPr lang="sv-SE" dirty="0" err="1" smtClean="0"/>
+              <a:t>friendly</a:t>
+            </a:r>
+            <a:r>
+              <a:rPr lang="sv-SE" dirty="0" smtClean="0"/>
+              <a:t> software system</a:t>
+            </a:r>
+          </a:p>
+        </p:txBody>
+      </p:sp>
+    </p:spTree>
+  </p:cSld>
+  <p:clrMapOvr>
+    <a:masterClrMapping/>
+  </p:clrMapOvr>
+  <p:transition/>
+  <p:timing>
+    <p:tnLst>
+      <p:par>
+        <p:cTn id="1" dur="indefinite" restart="never" nodeType="tmRoot">
+          <p:childTnLst>
+            <p:seq concurrent="1" nextAc="seek">
+              <p:cTn id="2" dur="indefinite" nodeType="mainSeq">
+                <p:childTnLst>
+                  <p:par>
+                    <p:cTn id="3" fill="hold">
+                      <p:stCondLst>
+                        <p:cond delay="indefinite"/>
+                      </p:stCondLst>
+                      <p:childTnLst>
+                        <p:par>
+                          <p:cTn id="4" fill="hold">
+                            <p:stCondLst>
+                              <p:cond delay="0"/>
+                            </p:stCondLst>
+                            <p:childTnLst>
+                              <p:par>
+                                <p:cTn id="5" presetID="22" presetClass="entr" presetSubtype="1" fill="hold" grpId="0" nodeType="clickEffect">
+                                  <p:stCondLst>
+                                    <p:cond delay="0"/>
+                                  </p:stCondLst>
+                                  <p:childTnLst>
+                                    <p:set>
+                                      <p:cBhvr>
+                                        <p:cTn id="6" dur="1" fill="hold">
+                                          <p:stCondLst>
+                                            <p:cond delay="0"/>
+                                          </p:stCondLst>
+                                        </p:cTn>
+                                        <p:tgtEl>
+                                          <p:spTgt spid="6">
+                                            <p:txEl>
+                                              <p:pRg st="0" end="0"/>
+                                            </p:txEl>
+                                          </p:spTgt>
+                                        </p:tgtEl>
+                                        <p:attrNameLst>
+                                          <p:attrName>style.visibility</p:attrName>
+                                        </p:attrNameLst>
+                                      </p:cBhvr>
+                                      <p:to>
+                                        <p:strVal val="visible"/>
+                                      </p:to>
+                                    </p:set>
+                                    <p:animEffect transition="in" filter="wipe(up)">
+                                      <p:cBhvr>
+                                        <p:cTn id="7" dur="500"/>
+                                        <p:tgtEl>
+                                          <p:spTgt spid="6">
+                                            <p:txEl>
+                                              <p:pRg st="0" end="0"/>
+                                            </p:txEl>
+                                          </p:spTgt>
+                                        </p:tgtEl>
+                                      </p:cBhvr>
+                                    </p:animEffect>
+                                  </p:childTnLst>
+                                </p:cTn>
+                              </p:par>
+                              <p:par>
+                                <p:cTn id="8" presetID="22" presetClass="entr" presetSubtype="1" fill="hold" grpId="0" nodeType="withEffect">
+                                  <p:stCondLst>
+                                    <p:cond delay="0"/>
+                                  </p:stCondLst>
+                                  <p:childTnLst>
+                                    <p:set>
+                                      <p:cBhvr>
+                                        <p:cTn id="9" dur="1" fill="hold">
+                                          <p:stCondLst>
+                                            <p:cond delay="0"/>
+                                          </p:stCondLst>
+                                        </p:cTn>
+                                        <p:tgtEl>
+                                          <p:spTgt spid="6">
+                                            <p:txEl>
+                                              <p:pRg st="1" end="1"/>
+                                            </p:txEl>
+                                          </p:spTgt>
+                                        </p:tgtEl>
+                                        <p:attrNameLst>
+                                          <p:attrName>style.visibility</p:attrName>
+                                        </p:attrNameLst>
+                                      </p:cBhvr>
+                                      <p:to>
+                                        <p:strVal val="visible"/>
+                                      </p:to>
+                                    </p:set>
+                                    <p:animEffect transition="in" filter="wipe(up)">
+                                      <p:cBhvr>
+                                        <p:cTn id="10" dur="500"/>
+                                        <p:tgtEl>
+                                          <p:spTgt spid="6">
+                                            <p:txEl>
+                                              <p:pRg st="1" end="1"/>
+                                            </p:txEl>
+                                          </p:spTgt>
+                                        </p:tgtEl>
+                                      </p:cBhvr>
+                                    </p:animEffect>
+                                  </p:childTnLst>
+                                </p:cTn>
+                              </p:par>
+                            </p:childTnLst>
+                          </p:cTn>
+                        </p:par>
+                      </p:childTnLst>
+                    </p:cTn>
+                  </p:par>
+                  <p:par>
+                    <p:cTn id="11" fill="hold">
+                      <p:stCondLst>
+                        <p:cond delay="indefinite"/>
+                      </p:stCondLst>
+                      <p:childTnLst>
+                        <p:par>
+                          <p:cTn id="12" fill="hold">
+                            <p:stCondLst>
+                              <p:cond delay="0"/>
+                            </p:stCondLst>
+                            <p:childTnLst>
+                              <p:par>
+                                <p:cTn id="13" presetID="22" presetClass="entr" presetSubtype="1" fill="hold" grpId="0" nodeType="clickEffect">
+                                  <p:stCondLst>
+                                    <p:cond delay="0"/>
+                                  </p:stCondLst>
+                                  <p:childTnLst>
+                                    <p:set>
+                                      <p:cBhvr>
+                                        <p:cTn id="14" dur="1" fill="hold">
+                                          <p:stCondLst>
+                                            <p:cond delay="0"/>
+                                          </p:stCondLst>
+                                        </p:cTn>
+                                        <p:tgtEl>
+                                          <p:spTgt spid="6">
+                                            <p:txEl>
+                                              <p:pRg st="2" end="2"/>
+                                            </p:txEl>
+                                          </p:spTgt>
+                                        </p:tgtEl>
+                                        <p:attrNameLst>
+                                          <p:attrName>style.visibility</p:attrName>
+                                        </p:attrNameLst>
+                                      </p:cBhvr>
+                                      <p:to>
+                                        <p:strVal val="visible"/>
+                                      </p:to>
+                                    </p:set>
+                                    <p:animEffect transition="in" filter="wipe(up)">
+                                      <p:cBhvr>
+                                        <p:cTn id="15" dur="500"/>
+                                        <p:tgtEl>
+                                          <p:spTgt spid="6">
+                                            <p:txEl>
+                                              <p:pRg st="2" end="2"/>
+                                            </p:txEl>
+                                          </p:spTgt>
+                                        </p:tgtEl>
+                                      </p:cBhvr>
+                                    </p:animEffect>
+                                  </p:childTnLst>
+                                </p:cTn>
+                              </p:par>
+                              <p:par>
+                                <p:cTn id="16" presetID="22" presetClass="entr" presetSubtype="1" fill="hold" grpId="0" nodeType="withEffect">
+                                  <p:stCondLst>
+                                    <p:cond delay="0"/>
+                                  </p:stCondLst>
+                                  <p:childTnLst>
+                                    <p:set>
+                                      <p:cBhvr>
+                                        <p:cTn id="17" dur="1" fill="hold">
+                                          <p:stCondLst>
+                                            <p:cond delay="0"/>
+                                          </p:stCondLst>
+                                        </p:cTn>
+                                        <p:tgtEl>
+                                          <p:spTgt spid="6">
+                                            <p:txEl>
+                                              <p:pRg st="3" end="3"/>
+                                            </p:txEl>
+                                          </p:spTgt>
+                                        </p:tgtEl>
+                                        <p:attrNameLst>
+                                          <p:attrName>style.visibility</p:attrName>
+                                        </p:attrNameLst>
+                                      </p:cBhvr>
+                                      <p:to>
+                                        <p:strVal val="visible"/>
+                                      </p:to>
+                                    </p:set>
+                                    <p:animEffect transition="in" filter="wipe(up)">
+                                      <p:cBhvr>
+                                        <p:cTn id="18" dur="500"/>
+                                        <p:tgtEl>
+                                          <p:spTgt spid="6">
+                                            <p:txEl>
+                                              <p:pRg st="3" end="3"/>
+                                            </p:txEl>
+                                          </p:spTgt>
+                                        </p:tgtEl>
+                                      </p:cBhvr>
+                                    </p:animEffect>
+                                  </p:childTnLst>
+                                </p:cTn>
+                              </p:par>
+                            </p:childTnLst>
+                          </p:cTn>
+                        </p:par>
+                      </p:childTnLst>
+                    </p:cTn>
+                  </p:par>
+                </p:childTnLst>
+              </p:cTn>
+              <p:prevCondLst>
+                <p:cond evt="onPrev" delay="0">
+                  <p:tgtEl>
+                    <p:sldTgt/>
+                  </p:tgtEl>
+                </p:cond>
+              </p:prevCondLst>
+              <p:nextCondLst>
+                <p:cond evt="onNext" delay="0">
+                  <p:tgtEl>
+                    <p:sldTgt/>
+                  </p:tgtEl>
+                </p:cond>
+              </p:nextCondLst>
+            </p:seq>
+          </p:childTnLst>
+        </p:cTn>
+      </p:par>
+    </p:tnLst>
+    <p:bldLst>
+      <p:bldP spid="6" grpId="0" build="p"/>
+    </p:bldLst>
+  </p:timing>
+</p:sld>
+</file>
+
+<file path=ppt/slides/slide4.xml><?xml version="1.0" encoding="utf-8"?>
+<p:sld xmlns:a="http://schemas.openxmlformats.org/drawingml/2006/main" xmlns:r="http://schemas.openxmlformats.org/officeDocument/2006/relationships" xmlns:p="http://schemas.openxmlformats.org/presentationml/2006/main">
+  <p:cSld>
+    <p:spTree>
+      <p:nvGrpSpPr>
+        <p:cNvPr id="1" name=""/>
+        <p:cNvGrpSpPr/>
+        <p:nvPr/>
+      </p:nvGrpSpPr>
+      <p:grpSpPr>
+        <a:xfrm>
+          <a:off x="0" y="0"/>
+          <a:ext cx="0" cy="0"/>
+          <a:chOff x="0" y="0"/>
+          <a:chExt cx="0" cy="0"/>
+        </a:xfrm>
+      </p:grpSpPr>
+      <p:sp>
+        <p:nvSpPr>
+          <p:cNvPr id="2" name="Title 1"/>
+          <p:cNvSpPr>
+            <a:spLocks noGrp="1"/>
+          </p:cNvSpPr>
+          <p:nvPr>
+            <p:ph type="title"/>
+          </p:nvPr>
+        </p:nvSpPr>
+        <p:spPr/>
+        <p:txBody>
+          <a:bodyPr/>
+          <a:lstStyle/>
+          <a:p>
+            <a:r>
+              <a:rPr lang="sv-SE" dirty="0" smtClean="0"/>
+              <a:t>Project plan</a:t>
+            </a:r>
+            <a:endParaRPr lang="sv-SE" dirty="0"/>
+          </a:p>
+        </p:txBody>
+      </p:sp>
+      <p:sp>
+        <p:nvSpPr>
+          <p:cNvPr id="3" name="Content Placeholder 2"/>
+          <p:cNvSpPr>
+            <a:spLocks noGrp="1"/>
+          </p:cNvSpPr>
+          <p:nvPr>
+            <p:ph idx="1"/>
+          </p:nvPr>
+        </p:nvSpPr>
+        <p:spPr/>
+        <p:txBody>
+          <a:bodyPr/>
+          <a:lstStyle/>
+          <a:p>
+            <a:r>
+              <a:rPr lang="sv-SE" dirty="0" smtClean="0"/>
+              <a:t>20 </a:t>
+            </a:r>
+            <a:r>
+              <a:rPr lang="sv-SE" dirty="0" err="1" smtClean="0"/>
+              <a:t>weeks</a:t>
+            </a:r>
             <a:endParaRPr lang="sv-SE" dirty="0" smtClean="0"/>
           </a:p>
           <a:p>
+            <a:r>
+              <a:rPr lang="sv-SE" dirty="0" err="1" smtClean="0"/>
+              <a:t>Agile</a:t>
+            </a:r>
+            <a:r>
+              <a:rPr lang="sv-SE" dirty="0" smtClean="0"/>
+              <a:t> </a:t>
+            </a:r>
+            <a:r>
+              <a:rPr lang="sv-SE" dirty="0" err="1" smtClean="0"/>
+              <a:t>user-centered</a:t>
+            </a:r>
+            <a:r>
+              <a:rPr lang="sv-SE" dirty="0" smtClean="0"/>
+              <a:t> process</a:t>
+            </a:r>
+          </a:p>
+          <a:p>
+            <a:r>
+              <a:rPr lang="sv-SE" dirty="0" smtClean="0"/>
+              <a:t>The plan:</a:t>
+            </a:r>
+          </a:p>
+          <a:p>
             <a:pPr lvl="1"/>
+            <a:r>
+              <a:rPr lang="sv-SE" dirty="0" smtClean="0"/>
+              <a:t>Initial </a:t>
+            </a:r>
+            <a:r>
+              <a:rPr lang="sv-SE" dirty="0" err="1" smtClean="0"/>
+              <a:t>phase</a:t>
+            </a:r>
+            <a:r>
+              <a:rPr lang="sv-SE" dirty="0" smtClean="0"/>
+              <a:t> (3 </a:t>
+            </a:r>
+            <a:r>
+              <a:rPr lang="sv-SE" dirty="0" err="1" smtClean="0"/>
+              <a:t>weeks</a:t>
+            </a:r>
+            <a:r>
+              <a:rPr lang="sv-SE" dirty="0" smtClean="0"/>
+              <a:t>)</a:t>
+            </a:r>
+          </a:p>
+          <a:p>
+            <a:pPr lvl="1"/>
+            <a:r>
+              <a:rPr lang="sv-SE" dirty="0" err="1" smtClean="0"/>
+              <a:t>Implementation</a:t>
+            </a:r>
+            <a:r>
+              <a:rPr lang="sv-SE" dirty="0" smtClean="0"/>
+              <a:t> (10 </a:t>
+            </a:r>
+            <a:r>
+              <a:rPr lang="sv-SE" dirty="0" err="1" smtClean="0"/>
+              <a:t>weeks</a:t>
+            </a:r>
+            <a:r>
+              <a:rPr lang="sv-SE" dirty="0" smtClean="0"/>
+              <a:t>)  </a:t>
+            </a:r>
+          </a:p>
+          <a:p>
+            <a:pPr lvl="1"/>
+            <a:r>
+              <a:rPr lang="sv-SE" dirty="0" err="1" smtClean="0"/>
+              <a:t>Evaluation</a:t>
+            </a:r>
+            <a:r>
+              <a:rPr lang="sv-SE" dirty="0" smtClean="0"/>
+              <a:t> (2 </a:t>
+            </a:r>
+            <a:r>
+              <a:rPr lang="sv-SE" dirty="0" err="1" smtClean="0"/>
+              <a:t>weeks</a:t>
+            </a:r>
+            <a:r>
+              <a:rPr lang="sv-SE" dirty="0" smtClean="0"/>
+              <a:t>) </a:t>
+            </a:r>
+          </a:p>
+          <a:p>
+            <a:pPr lvl="1"/>
+            <a:r>
+              <a:rPr lang="sv-SE" dirty="0" err="1" smtClean="0"/>
+              <a:t>Finalizing</a:t>
+            </a:r>
+            <a:r>
+              <a:rPr lang="sv-SE" dirty="0" smtClean="0"/>
+              <a:t> report (5 </a:t>
+            </a:r>
+            <a:r>
+              <a:rPr lang="sv-SE" dirty="0" err="1" smtClean="0"/>
+              <a:t>weeks</a:t>
+            </a:r>
+            <a:r>
+              <a:rPr lang="sv-SE" dirty="0" smtClean="0"/>
+              <a:t>)</a:t>
+            </a:r>
+          </a:p>
+          <a:p>
             <a:endParaRPr lang="sv-SE" dirty="0"/>
           </a:p>
         </p:txBody>
@@ -9021,27 +7788,153 @@
                       </p:childTnLst>
                     </p:cTn>
                   </p:par>
+                </p:childTnLst>
+              </p:cTn>
+              <p:prevCondLst>
+                <p:cond evt="onPrev" delay="0">
+                  <p:tgtEl>
+                    <p:sldTgt/>
+                  </p:tgtEl>
+                </p:cond>
+              </p:prevCondLst>
+              <p:nextCondLst>
+                <p:cond evt="onNext" delay="0">
+                  <p:tgtEl>
+                    <p:sldTgt/>
+                  </p:tgtEl>
+                </p:cond>
+              </p:nextCondLst>
+            </p:seq>
+          </p:childTnLst>
+        </p:cTn>
+      </p:par>
+    </p:tnLst>
+    <p:bldLst>
+      <p:bldP spid="3" grpId="0" build="p"/>
+    </p:bldLst>
+  </p:timing>
+</p:sld>
+</file>
+
+<file path=ppt/slides/slide5.xml><?xml version="1.0" encoding="utf-8"?>
+<p:sld xmlns:a="http://schemas.openxmlformats.org/drawingml/2006/main" xmlns:r="http://schemas.openxmlformats.org/officeDocument/2006/relationships" xmlns:p="http://schemas.openxmlformats.org/presentationml/2006/main">
+  <p:cSld>
+    <p:spTree>
+      <p:nvGrpSpPr>
+        <p:cNvPr id="1" name=""/>
+        <p:cNvGrpSpPr/>
+        <p:nvPr/>
+      </p:nvGrpSpPr>
+      <p:grpSpPr>
+        <a:xfrm>
+          <a:off x="0" y="0"/>
+          <a:ext cx="0" cy="0"/>
+          <a:chOff x="0" y="0"/>
+          <a:chExt cx="0" cy="0"/>
+        </a:xfrm>
+      </p:grpSpPr>
+      <p:sp>
+        <p:nvSpPr>
+          <p:cNvPr id="2" name="Title 1"/>
+          <p:cNvSpPr>
+            <a:spLocks noGrp="1"/>
+          </p:cNvSpPr>
+          <p:nvPr>
+            <p:ph type="title"/>
+          </p:nvPr>
+        </p:nvSpPr>
+        <p:spPr/>
+        <p:txBody>
+          <a:bodyPr/>
+          <a:lstStyle/>
+          <a:p>
+            <a:r>
+              <a:rPr lang="sv-SE" dirty="0" err="1" smtClean="0"/>
+              <a:t>Requirements</a:t>
+            </a:r>
+            <a:r>
+              <a:rPr lang="sv-SE" dirty="0" smtClean="0"/>
+              <a:t> </a:t>
+            </a:r>
+            <a:r>
+              <a:rPr lang="sv-SE" dirty="0" err="1" smtClean="0"/>
+              <a:t>engineering</a:t>
+            </a:r>
+            <a:endParaRPr lang="sv-SE" dirty="0"/>
+          </a:p>
+        </p:txBody>
+      </p:sp>
+      <p:sp>
+        <p:nvSpPr>
+          <p:cNvPr id="3" name="Content Placeholder 2"/>
+          <p:cNvSpPr>
+            <a:spLocks noGrp="1"/>
+          </p:cNvSpPr>
+          <p:nvPr>
+            <p:ph idx="1"/>
+          </p:nvPr>
+        </p:nvSpPr>
+        <p:spPr/>
+        <p:txBody>
+          <a:bodyPr/>
+          <a:lstStyle/>
+          <a:p>
+            <a:r>
+              <a:rPr lang="sv-SE" dirty="0" err="1" smtClean="0"/>
+              <a:t>Identification</a:t>
+            </a:r>
+            <a:endParaRPr lang="sv-SE" dirty="0" smtClean="0"/>
+          </a:p>
+          <a:p>
+            <a:r>
+              <a:rPr lang="sv-SE" dirty="0" smtClean="0"/>
+              <a:t>Definition</a:t>
+            </a:r>
+          </a:p>
+          <a:p>
+            <a:r>
+              <a:rPr lang="sv-SE" dirty="0" err="1" smtClean="0"/>
+              <a:t>Prioritization</a:t>
+            </a:r>
+            <a:endParaRPr lang="sv-SE" dirty="0" smtClean="0"/>
+          </a:p>
+        </p:txBody>
+      </p:sp>
+    </p:spTree>
+  </p:cSld>
+  <p:clrMapOvr>
+    <a:masterClrMapping/>
+  </p:clrMapOvr>
+  <p:transition/>
+  <p:timing>
+    <p:tnLst>
+      <p:par>
+        <p:cTn id="1" dur="indefinite" restart="never" nodeType="tmRoot">
+          <p:childTnLst>
+            <p:seq concurrent="1" nextAc="seek">
+              <p:cTn id="2" dur="indefinite" nodeType="mainSeq">
+                <p:childTnLst>
                   <p:par>
-                    <p:cTn id="38" fill="hold">
+                    <p:cTn id="3" fill="hold">
                       <p:stCondLst>
                         <p:cond delay="indefinite"/>
                       </p:stCondLst>
                       <p:childTnLst>
                         <p:par>
-                          <p:cTn id="39" fill="hold">
+                          <p:cTn id="4" fill="hold">
                             <p:stCondLst>
                               <p:cond delay="0"/>
                             </p:stCondLst>
                             <p:childTnLst>
                               <p:par>
-                                <p:cTn id="40" presetID="22" presetClass="entr" presetSubtype="1" fill="hold" grpId="0" nodeType="clickEffect">
+                                <p:cTn id="5" presetID="22" presetClass="entr" presetSubtype="1" fill="hold" grpId="0" nodeType="clickEffect">
                                   <p:stCondLst>
                                     <p:cond delay="0"/>
                                   </p:stCondLst>
                                   <p:childTnLst>
                                     <p:set>
                                       <p:cBhvr>
-                                        <p:cTn id="41" dur="1" fill="hold">
+                                        <p:cTn id="6" dur="1" fill="hold">
                                           <p:stCondLst>
                                             <p:cond delay="0"/>
                                           </p:stCondLst>
@@ -9049,7 +7942,7 @@
                                         <p:tgtEl>
                                           <p:spTgt spid="3">
                                             <p:txEl>
-                                              <p:pRg st="7" end="7"/>
+                                              <p:pRg st="0" end="0"/>
                                             </p:txEl>
                                           </p:spTgt>
                                         </p:tgtEl>
@@ -9063,11 +7956,1251 @@
                                     </p:set>
                                     <p:animEffect transition="in" filter="wipe(up)">
                                       <p:cBhvr>
-                                        <p:cTn id="42" dur="500"/>
+                                        <p:cTn id="7" dur="500"/>
                                         <p:tgtEl>
                                           <p:spTgt spid="3">
                                             <p:txEl>
-                                              <p:pRg st="7" end="7"/>
+                                              <p:pRg st="0" end="0"/>
+                                            </p:txEl>
+                                          </p:spTgt>
+                                        </p:tgtEl>
+                                      </p:cBhvr>
+                                    </p:animEffect>
+                                  </p:childTnLst>
+                                </p:cTn>
+                              </p:par>
+                            </p:childTnLst>
+                          </p:cTn>
+                        </p:par>
+                      </p:childTnLst>
+                    </p:cTn>
+                  </p:par>
+                  <p:par>
+                    <p:cTn id="8" fill="hold">
+                      <p:stCondLst>
+                        <p:cond delay="indefinite"/>
+                      </p:stCondLst>
+                      <p:childTnLst>
+                        <p:par>
+                          <p:cTn id="9" fill="hold">
+                            <p:stCondLst>
+                              <p:cond delay="0"/>
+                            </p:stCondLst>
+                            <p:childTnLst>
+                              <p:par>
+                                <p:cTn id="10" presetID="22" presetClass="entr" presetSubtype="1" fill="hold" grpId="0" nodeType="clickEffect">
+                                  <p:stCondLst>
+                                    <p:cond delay="0"/>
+                                  </p:stCondLst>
+                                  <p:childTnLst>
+                                    <p:set>
+                                      <p:cBhvr>
+                                        <p:cTn id="11" dur="1" fill="hold">
+                                          <p:stCondLst>
+                                            <p:cond delay="0"/>
+                                          </p:stCondLst>
+                                        </p:cTn>
+                                        <p:tgtEl>
+                                          <p:spTgt spid="3">
+                                            <p:txEl>
+                                              <p:pRg st="1" end="1"/>
+                                            </p:txEl>
+                                          </p:spTgt>
+                                        </p:tgtEl>
+                                        <p:attrNameLst>
+                                          <p:attrName>style.visibility</p:attrName>
+                                        </p:attrNameLst>
+                                      </p:cBhvr>
+                                      <p:to>
+                                        <p:strVal val="visible"/>
+                                      </p:to>
+                                    </p:set>
+                                    <p:animEffect transition="in" filter="wipe(up)">
+                                      <p:cBhvr>
+                                        <p:cTn id="12" dur="500"/>
+                                        <p:tgtEl>
+                                          <p:spTgt spid="3">
+                                            <p:txEl>
+                                              <p:pRg st="1" end="1"/>
+                                            </p:txEl>
+                                          </p:spTgt>
+                                        </p:tgtEl>
+                                      </p:cBhvr>
+                                    </p:animEffect>
+                                  </p:childTnLst>
+                                </p:cTn>
+                              </p:par>
+                            </p:childTnLst>
+                          </p:cTn>
+                        </p:par>
+                      </p:childTnLst>
+                    </p:cTn>
+                  </p:par>
+                  <p:par>
+                    <p:cTn id="13" fill="hold">
+                      <p:stCondLst>
+                        <p:cond delay="indefinite"/>
+                      </p:stCondLst>
+                      <p:childTnLst>
+                        <p:par>
+                          <p:cTn id="14" fill="hold">
+                            <p:stCondLst>
+                              <p:cond delay="0"/>
+                            </p:stCondLst>
+                            <p:childTnLst>
+                              <p:par>
+                                <p:cTn id="15" presetID="22" presetClass="entr" presetSubtype="1" fill="hold" grpId="0" nodeType="clickEffect">
+                                  <p:stCondLst>
+                                    <p:cond delay="0"/>
+                                  </p:stCondLst>
+                                  <p:childTnLst>
+                                    <p:set>
+                                      <p:cBhvr>
+                                        <p:cTn id="16" dur="1" fill="hold">
+                                          <p:stCondLst>
+                                            <p:cond delay="0"/>
+                                          </p:stCondLst>
+                                        </p:cTn>
+                                        <p:tgtEl>
+                                          <p:spTgt spid="3">
+                                            <p:txEl>
+                                              <p:pRg st="2" end="2"/>
+                                            </p:txEl>
+                                          </p:spTgt>
+                                        </p:tgtEl>
+                                        <p:attrNameLst>
+                                          <p:attrName>style.visibility</p:attrName>
+                                        </p:attrNameLst>
+                                      </p:cBhvr>
+                                      <p:to>
+                                        <p:strVal val="visible"/>
+                                      </p:to>
+                                    </p:set>
+                                    <p:animEffect transition="in" filter="wipe(up)">
+                                      <p:cBhvr>
+                                        <p:cTn id="17" dur="500"/>
+                                        <p:tgtEl>
+                                          <p:spTgt spid="3">
+                                            <p:txEl>
+                                              <p:pRg st="2" end="2"/>
+                                            </p:txEl>
+                                          </p:spTgt>
+                                        </p:tgtEl>
+                                      </p:cBhvr>
+                                    </p:animEffect>
+                                  </p:childTnLst>
+                                </p:cTn>
+                              </p:par>
+                            </p:childTnLst>
+                          </p:cTn>
+                        </p:par>
+                      </p:childTnLst>
+                    </p:cTn>
+                  </p:par>
+                </p:childTnLst>
+              </p:cTn>
+              <p:prevCondLst>
+                <p:cond evt="onPrev" delay="0">
+                  <p:tgtEl>
+                    <p:sldTgt/>
+                  </p:tgtEl>
+                </p:cond>
+              </p:prevCondLst>
+              <p:nextCondLst>
+                <p:cond evt="onNext" delay="0">
+                  <p:tgtEl>
+                    <p:sldTgt/>
+                  </p:tgtEl>
+                </p:cond>
+              </p:nextCondLst>
+            </p:seq>
+          </p:childTnLst>
+        </p:cTn>
+      </p:par>
+    </p:tnLst>
+    <p:bldLst>
+      <p:bldP spid="3" grpId="0" build="p"/>
+    </p:bldLst>
+  </p:timing>
+</p:sld>
+</file>
+
+<file path=ppt/slides/slide6.xml><?xml version="1.0" encoding="utf-8"?>
+<p:sld xmlns:a="http://schemas.openxmlformats.org/drawingml/2006/main" xmlns:r="http://schemas.openxmlformats.org/officeDocument/2006/relationships" xmlns:p="http://schemas.openxmlformats.org/presentationml/2006/main">
+  <p:cSld>
+    <p:spTree>
+      <p:nvGrpSpPr>
+        <p:cNvPr id="1" name=""/>
+        <p:cNvGrpSpPr/>
+        <p:nvPr/>
+      </p:nvGrpSpPr>
+      <p:grpSpPr>
+        <a:xfrm>
+          <a:off x="0" y="0"/>
+          <a:ext cx="0" cy="0"/>
+          <a:chOff x="0" y="0"/>
+          <a:chExt cx="0" cy="0"/>
+        </a:xfrm>
+      </p:grpSpPr>
+      <p:sp>
+        <p:nvSpPr>
+          <p:cNvPr id="2" name="Rubrik 1"/>
+          <p:cNvSpPr>
+            <a:spLocks noGrp="1"/>
+          </p:cNvSpPr>
+          <p:nvPr>
+            <p:ph type="title"/>
+          </p:nvPr>
+        </p:nvSpPr>
+        <p:spPr/>
+        <p:txBody>
+          <a:bodyPr>
+            <a:normAutofit fontScale="90000"/>
+          </a:bodyPr>
+          <a:lstStyle/>
+          <a:p>
+            <a:r>
+              <a:rPr lang="sv-SE" dirty="0" err="1" smtClean="0"/>
+              <a:t>Requirements</a:t>
+            </a:r>
+            <a:r>
+              <a:rPr lang="sv-SE" dirty="0" smtClean="0"/>
+              <a:t> </a:t>
+            </a:r>
+            <a:r>
+              <a:rPr lang="sv-SE" dirty="0" err="1" smtClean="0"/>
+              <a:t>engineering</a:t>
+            </a:r>
+            <a:r>
+              <a:rPr lang="sv-SE" dirty="0" smtClean="0"/>
+              <a:t> </a:t>
+            </a:r>
+            <a:r>
+              <a:rPr lang="sv-SE" dirty="0" err="1" smtClean="0"/>
+              <a:t>cont</a:t>
+            </a:r>
+            <a:r>
+              <a:rPr lang="sv-SE" dirty="0" smtClean="0"/>
+              <a:t>. </a:t>
+            </a:r>
+            <a:endParaRPr lang="sv-SE" dirty="0"/>
+          </a:p>
+        </p:txBody>
+      </p:sp>
+      <p:sp>
+        <p:nvSpPr>
+          <p:cNvPr id="3" name="Platshållare för innehåll 2"/>
+          <p:cNvSpPr>
+            <a:spLocks noGrp="1"/>
+          </p:cNvSpPr>
+          <p:nvPr>
+            <p:ph idx="1"/>
+          </p:nvPr>
+        </p:nvSpPr>
+        <p:spPr/>
+        <p:txBody>
+          <a:bodyPr/>
+          <a:lstStyle/>
+          <a:p>
+            <a:r>
+              <a:rPr lang="sv-SE" dirty="0" err="1" smtClean="0"/>
+              <a:t>Result</a:t>
+            </a:r>
+            <a:r>
+              <a:rPr lang="sv-SE" dirty="0" smtClean="0"/>
+              <a:t>:</a:t>
+            </a:r>
+          </a:p>
+          <a:p>
+            <a:pPr lvl="1"/>
+            <a:r>
+              <a:rPr lang="sv-SE" dirty="0" err="1" smtClean="0"/>
+              <a:t>Raw</a:t>
+            </a:r>
+            <a:r>
+              <a:rPr lang="sv-SE" dirty="0" smtClean="0"/>
+              <a:t> </a:t>
+            </a:r>
+            <a:r>
+              <a:rPr lang="sv-SE" dirty="0" err="1" smtClean="0"/>
+              <a:t>mouse</a:t>
+            </a:r>
+            <a:r>
+              <a:rPr lang="sv-SE" dirty="0" smtClean="0"/>
+              <a:t> data </a:t>
+            </a:r>
+            <a:r>
+              <a:rPr lang="sv-SE" dirty="0" smtClean="0">
+                <a:sym typeface="Wingdings" pitchFamily="2" charset="2"/>
+              </a:rPr>
+              <a:t> </a:t>
+            </a:r>
+            <a:r>
+              <a:rPr lang="sv-SE" dirty="0" err="1" smtClean="0">
+                <a:sym typeface="Wingdings" pitchFamily="2" charset="2"/>
+              </a:rPr>
+              <a:t>Coordinates</a:t>
+            </a:r>
+            <a:r>
+              <a:rPr lang="sv-SE" dirty="0" smtClean="0">
+                <a:sym typeface="Wingdings" pitchFamily="2" charset="2"/>
+              </a:rPr>
+              <a:t> in the </a:t>
+            </a:r>
+            <a:r>
+              <a:rPr lang="sv-SE" dirty="0" err="1" smtClean="0">
+                <a:sym typeface="Wingdings" pitchFamily="2" charset="2"/>
+              </a:rPr>
+              <a:t>fly’s</a:t>
+            </a:r>
+            <a:r>
+              <a:rPr lang="sv-SE" dirty="0" smtClean="0">
+                <a:sym typeface="Wingdings" pitchFamily="2" charset="2"/>
+              </a:rPr>
+              <a:t> </a:t>
+            </a:r>
+            <a:r>
+              <a:rPr lang="sv-SE" dirty="0" err="1" smtClean="0">
+                <a:sym typeface="Wingdings" pitchFamily="2" charset="2"/>
+              </a:rPr>
+              <a:t>coordinate</a:t>
+            </a:r>
+            <a:r>
+              <a:rPr lang="sv-SE" dirty="0" smtClean="0">
+                <a:sym typeface="Wingdings" pitchFamily="2" charset="2"/>
+              </a:rPr>
+              <a:t> plane</a:t>
+            </a:r>
+          </a:p>
+          <a:p>
+            <a:pPr lvl="1"/>
+            <a:r>
+              <a:rPr lang="sv-SE" dirty="0" smtClean="0">
+                <a:sym typeface="Wingdings" pitchFamily="2" charset="2"/>
+              </a:rPr>
+              <a:t>Save and display data in </a:t>
+            </a:r>
+            <a:r>
+              <a:rPr lang="sv-SE" dirty="0" err="1" smtClean="0">
+                <a:sym typeface="Wingdings" pitchFamily="2" charset="2"/>
+              </a:rPr>
+              <a:t>appropriate</a:t>
+            </a:r>
+            <a:r>
+              <a:rPr lang="sv-SE" dirty="0" smtClean="0">
+                <a:sym typeface="Wingdings" pitchFamily="2" charset="2"/>
+              </a:rPr>
+              <a:t> format</a:t>
+            </a:r>
+          </a:p>
+          <a:p>
+            <a:pPr lvl="1"/>
+            <a:r>
+              <a:rPr lang="sv-SE" dirty="0" err="1" smtClean="0">
+                <a:sym typeface="Wingdings" pitchFamily="2" charset="2"/>
+              </a:rPr>
+              <a:t>Trigger</a:t>
+            </a:r>
+            <a:r>
+              <a:rPr lang="sv-SE" dirty="0" smtClean="0">
+                <a:sym typeface="Wingdings" pitchFamily="2" charset="2"/>
+              </a:rPr>
+              <a:t> system</a:t>
+            </a:r>
+          </a:p>
+          <a:p>
+            <a:pPr lvl="1"/>
+            <a:r>
+              <a:rPr lang="sv-SE" dirty="0" err="1" smtClean="0">
+                <a:sym typeface="Wingdings" pitchFamily="2" charset="2"/>
+              </a:rPr>
+              <a:t>Low</a:t>
+            </a:r>
+            <a:r>
+              <a:rPr lang="sv-SE" dirty="0" smtClean="0">
+                <a:sym typeface="Wingdings" pitchFamily="2" charset="2"/>
+              </a:rPr>
+              <a:t> </a:t>
+            </a:r>
+            <a:r>
+              <a:rPr lang="sv-SE" dirty="0" err="1" smtClean="0">
+                <a:sym typeface="Wingdings" pitchFamily="2" charset="2"/>
+              </a:rPr>
+              <a:t>latency</a:t>
+            </a:r>
+            <a:endParaRPr lang="sv-SE" dirty="0" smtClean="0">
+              <a:sym typeface="Wingdings" pitchFamily="2" charset="2"/>
+            </a:endParaRPr>
+          </a:p>
+        </p:txBody>
+      </p:sp>
+    </p:spTree>
+  </p:cSld>
+  <p:clrMapOvr>
+    <a:masterClrMapping/>
+  </p:clrMapOvr>
+  <p:transition/>
+  <p:timing>
+    <p:tnLst>
+      <p:par>
+        <p:cTn id="1" dur="indefinite" restart="never" nodeType="tmRoot"/>
+      </p:par>
+    </p:tnLst>
+  </p:timing>
+</p:sld>
+</file>
+
+<file path=ppt/slides/slide7.xml><?xml version="1.0" encoding="utf-8"?>
+<p:sld xmlns:a="http://schemas.openxmlformats.org/drawingml/2006/main" xmlns:r="http://schemas.openxmlformats.org/officeDocument/2006/relationships" xmlns:p="http://schemas.openxmlformats.org/presentationml/2006/main">
+  <p:cSld>
+    <p:spTree>
+      <p:nvGrpSpPr>
+        <p:cNvPr id="1" name=""/>
+        <p:cNvGrpSpPr/>
+        <p:nvPr/>
+      </p:nvGrpSpPr>
+      <p:grpSpPr>
+        <a:xfrm>
+          <a:off x="0" y="0"/>
+          <a:ext cx="0" cy="0"/>
+          <a:chOff x="0" y="0"/>
+          <a:chExt cx="0" cy="0"/>
+        </a:xfrm>
+      </p:grpSpPr>
+      <p:sp>
+        <p:nvSpPr>
+          <p:cNvPr id="2" name="Rubrik 1"/>
+          <p:cNvSpPr>
+            <a:spLocks noGrp="1"/>
+          </p:cNvSpPr>
+          <p:nvPr>
+            <p:ph type="title"/>
+          </p:nvPr>
+        </p:nvSpPr>
+        <p:spPr/>
+        <p:txBody>
+          <a:bodyPr>
+            <a:normAutofit/>
+          </a:bodyPr>
+          <a:lstStyle/>
+          <a:p>
+            <a:r>
+              <a:rPr lang="sv-SE" dirty="0" smtClean="0"/>
+              <a:t>Design</a:t>
+            </a:r>
+            <a:endParaRPr lang="sv-SE" dirty="0"/>
+          </a:p>
+        </p:txBody>
+      </p:sp>
+      <p:sp>
+        <p:nvSpPr>
+          <p:cNvPr id="3" name="Platshållare för innehåll 2"/>
+          <p:cNvSpPr>
+            <a:spLocks noGrp="1"/>
+          </p:cNvSpPr>
+          <p:nvPr>
+            <p:ph idx="1"/>
+          </p:nvPr>
+        </p:nvSpPr>
+        <p:spPr/>
+        <p:txBody>
+          <a:bodyPr/>
+          <a:lstStyle/>
+          <a:p>
+            <a:r>
+              <a:rPr lang="sv-SE" dirty="0" err="1" smtClean="0"/>
+              <a:t>Agile</a:t>
+            </a:r>
+            <a:r>
+              <a:rPr lang="sv-SE" dirty="0" smtClean="0"/>
+              <a:t> </a:t>
+            </a:r>
+            <a:r>
+              <a:rPr lang="sv-SE" dirty="0" err="1" smtClean="0"/>
+              <a:t>manifesto</a:t>
+            </a:r>
+            <a:endParaRPr lang="sv-SE" dirty="0" smtClean="0"/>
+          </a:p>
+          <a:p>
+            <a:r>
+              <a:rPr lang="sv-SE" dirty="0" err="1" smtClean="0"/>
+              <a:t>User</a:t>
+            </a:r>
+            <a:r>
+              <a:rPr lang="sv-SE" dirty="0" smtClean="0"/>
+              <a:t> </a:t>
+            </a:r>
+            <a:r>
+              <a:rPr lang="sv-SE" dirty="0" err="1" smtClean="0"/>
+              <a:t>focus</a:t>
+            </a:r>
+            <a:endParaRPr lang="sv-SE" dirty="0" smtClean="0"/>
+          </a:p>
+          <a:p>
+            <a:r>
+              <a:rPr lang="sv-SE" dirty="0" smtClean="0"/>
+              <a:t>Paper </a:t>
+            </a:r>
+            <a:r>
+              <a:rPr lang="sv-SE" dirty="0" err="1" smtClean="0"/>
+              <a:t>prototypes</a:t>
+            </a:r>
+            <a:endParaRPr lang="sv-SE" dirty="0" smtClean="0"/>
+          </a:p>
+          <a:p>
+            <a:r>
+              <a:rPr lang="sv-SE" dirty="0" err="1" smtClean="0"/>
+              <a:t>Result</a:t>
+            </a:r>
+            <a:r>
+              <a:rPr lang="sv-SE" dirty="0" smtClean="0"/>
+              <a:t>:</a:t>
+            </a:r>
+          </a:p>
+          <a:p>
+            <a:pPr lvl="1"/>
+            <a:r>
+              <a:rPr lang="sv-SE" dirty="0" err="1" smtClean="0"/>
+              <a:t>Calibration</a:t>
+            </a:r>
+            <a:r>
+              <a:rPr lang="sv-SE" dirty="0" smtClean="0"/>
+              <a:t> part</a:t>
+            </a:r>
+          </a:p>
+          <a:p>
+            <a:pPr lvl="1"/>
+            <a:r>
+              <a:rPr lang="sv-SE" dirty="0" smtClean="0"/>
+              <a:t>Experimental part</a:t>
+            </a:r>
+          </a:p>
+        </p:txBody>
+      </p:sp>
+    </p:spTree>
+  </p:cSld>
+  <p:clrMapOvr>
+    <a:masterClrMapping/>
+  </p:clrMapOvr>
+  <p:transition/>
+  <p:timing>
+    <p:tnLst>
+      <p:par>
+        <p:cTn id="1" dur="indefinite" restart="never" nodeType="tmRoot"/>
+      </p:par>
+    </p:tnLst>
+  </p:timing>
+</p:sld>
+</file>
+
+<file path=ppt/slides/slide8.xml><?xml version="1.0" encoding="utf-8"?>
+<p:sld xmlns:a="http://schemas.openxmlformats.org/drawingml/2006/main" xmlns:r="http://schemas.openxmlformats.org/officeDocument/2006/relationships" xmlns:p="http://schemas.openxmlformats.org/presentationml/2006/main">
+  <p:cSld>
+    <p:spTree>
+      <p:nvGrpSpPr>
+        <p:cNvPr id="1" name=""/>
+        <p:cNvGrpSpPr/>
+        <p:nvPr/>
+      </p:nvGrpSpPr>
+      <p:grpSpPr>
+        <a:xfrm>
+          <a:off x="0" y="0"/>
+          <a:ext cx="0" cy="0"/>
+          <a:chOff x="0" y="0"/>
+          <a:chExt cx="0" cy="0"/>
+        </a:xfrm>
+      </p:grpSpPr>
+      <p:sp>
+        <p:nvSpPr>
+          <p:cNvPr id="7" name="Rubrik 6"/>
+          <p:cNvSpPr>
+            <a:spLocks noGrp="1"/>
+          </p:cNvSpPr>
+          <p:nvPr>
+            <p:ph type="title"/>
+          </p:nvPr>
+        </p:nvSpPr>
+        <p:spPr/>
+        <p:txBody>
+          <a:bodyPr/>
+          <a:lstStyle/>
+          <a:p>
+            <a:r>
+              <a:rPr lang="sv-SE" dirty="0" err="1" smtClean="0"/>
+              <a:t>Calibration</a:t>
+            </a:r>
+            <a:endParaRPr lang="sv-SE" dirty="0"/>
+          </a:p>
+        </p:txBody>
+      </p:sp>
+      <p:sp>
+        <p:nvSpPr>
+          <p:cNvPr id="8" name="Platshållare för innehåll 7"/>
+          <p:cNvSpPr>
+            <a:spLocks noGrp="1"/>
+          </p:cNvSpPr>
+          <p:nvPr>
+            <p:ph sz="half" idx="1"/>
+          </p:nvPr>
+        </p:nvSpPr>
+        <p:spPr/>
+        <p:txBody>
+          <a:bodyPr/>
+          <a:lstStyle/>
+          <a:p>
+            <a:r>
+              <a:rPr lang="sv-SE" dirty="0" err="1" smtClean="0"/>
+              <a:t>Calibrate</a:t>
+            </a:r>
+            <a:r>
+              <a:rPr lang="sv-SE" dirty="0" smtClean="0"/>
+              <a:t> </a:t>
+            </a:r>
+            <a:r>
+              <a:rPr lang="sv-SE" dirty="0" err="1" smtClean="0"/>
+              <a:t>measurement</a:t>
+            </a:r>
+            <a:r>
+              <a:rPr lang="sv-SE" dirty="0" smtClean="0"/>
+              <a:t> to </a:t>
+            </a:r>
+            <a:r>
+              <a:rPr lang="sv-SE" dirty="0" err="1" smtClean="0"/>
+              <a:t>coordinates</a:t>
+            </a:r>
+            <a:endParaRPr lang="sv-SE" dirty="0" smtClean="0"/>
+          </a:p>
+          <a:p>
+            <a:r>
+              <a:rPr lang="sv-SE" dirty="0" err="1" smtClean="0"/>
+              <a:t>Tricky</a:t>
+            </a:r>
+            <a:r>
+              <a:rPr lang="sv-SE" dirty="0" smtClean="0"/>
+              <a:t>!</a:t>
+            </a:r>
+          </a:p>
+          <a:p>
+            <a:pPr lvl="1"/>
+            <a:r>
+              <a:rPr lang="sv-SE" dirty="0" err="1" smtClean="0"/>
+              <a:t>Physical</a:t>
+            </a:r>
+            <a:r>
+              <a:rPr lang="sv-SE" dirty="0" smtClean="0"/>
+              <a:t> </a:t>
+            </a:r>
+            <a:r>
+              <a:rPr lang="sv-SE" dirty="0" err="1" smtClean="0"/>
+              <a:t>setup</a:t>
+            </a:r>
+            <a:endParaRPr lang="sv-SE" dirty="0" smtClean="0"/>
+          </a:p>
+          <a:p>
+            <a:pPr lvl="1"/>
+            <a:r>
+              <a:rPr lang="sv-SE" dirty="0" smtClean="0"/>
+              <a:t>Design of </a:t>
+            </a:r>
+            <a:r>
+              <a:rPr lang="sv-SE" dirty="0" err="1" smtClean="0"/>
+              <a:t>interactive</a:t>
+            </a:r>
+            <a:r>
+              <a:rPr lang="sv-SE" dirty="0" smtClean="0"/>
+              <a:t> </a:t>
+            </a:r>
+            <a:r>
+              <a:rPr lang="sv-SE" dirty="0" err="1" smtClean="0"/>
+              <a:t>calibration</a:t>
+            </a:r>
+            <a:endParaRPr lang="sv-SE" dirty="0" smtClean="0"/>
+          </a:p>
+          <a:p>
+            <a:r>
+              <a:rPr lang="sv-SE" dirty="0" smtClean="0"/>
+              <a:t>Iterative design</a:t>
+            </a:r>
+            <a:endParaRPr lang="sv-SE" dirty="0"/>
+          </a:p>
+        </p:txBody>
+      </p:sp>
+      <p:pic>
+        <p:nvPicPr>
+          <p:cNvPr id="10" name="Content Placeholder 3" descr="onstartup.png"/>
+          <p:cNvPicPr>
+            <a:picLocks noGrp="1" noChangeAspect="1"/>
+          </p:cNvPicPr>
+          <p:nvPr>
+            <p:ph sz="half" idx="2"/>
+          </p:nvPr>
+        </p:nvPicPr>
+        <p:blipFill>
+          <a:blip r:embed="rId2" cstate="print"/>
+          <a:stretch>
+            <a:fillRect/>
+          </a:stretch>
+        </p:blipFill>
+        <p:spPr>
+          <a:xfrm>
+            <a:off x="5460099" y="1524000"/>
+            <a:ext cx="3291101" cy="4664075"/>
+          </a:xfrm>
+        </p:spPr>
+      </p:pic>
+    </p:spTree>
+  </p:cSld>
+  <p:clrMapOvr>
+    <a:masterClrMapping/>
+  </p:clrMapOvr>
+  <p:transition/>
+  <p:timing>
+    <p:tnLst>
+      <p:par>
+        <p:cTn id="1" dur="indefinite" restart="never" nodeType="tmRoot">
+          <p:childTnLst>
+            <p:seq concurrent="1" nextAc="seek">
+              <p:cTn id="2" dur="indefinite" nodeType="mainSeq">
+                <p:childTnLst>
+                  <p:par>
+                    <p:cTn id="3" fill="hold">
+                      <p:stCondLst>
+                        <p:cond delay="indefinite"/>
+                      </p:stCondLst>
+                      <p:childTnLst>
+                        <p:par>
+                          <p:cTn id="4" fill="hold">
+                            <p:stCondLst>
+                              <p:cond delay="0"/>
+                            </p:stCondLst>
+                            <p:childTnLst>
+                              <p:par>
+                                <p:cTn id="5" presetID="22" presetClass="entr" presetSubtype="1" fill="hold" grpId="0" nodeType="clickEffect">
+                                  <p:stCondLst>
+                                    <p:cond delay="0"/>
+                                  </p:stCondLst>
+                                  <p:childTnLst>
+                                    <p:set>
+                                      <p:cBhvr>
+                                        <p:cTn id="6" dur="1" fill="hold">
+                                          <p:stCondLst>
+                                            <p:cond delay="0"/>
+                                          </p:stCondLst>
+                                        </p:cTn>
+                                        <p:tgtEl>
+                                          <p:spTgt spid="8">
+                                            <p:txEl>
+                                              <p:pRg st="0" end="0"/>
+                                            </p:txEl>
+                                          </p:spTgt>
+                                        </p:tgtEl>
+                                        <p:attrNameLst>
+                                          <p:attrName>style.visibility</p:attrName>
+                                        </p:attrNameLst>
+                                      </p:cBhvr>
+                                      <p:to>
+                                        <p:strVal val="visible"/>
+                                      </p:to>
+                                    </p:set>
+                                    <p:animEffect transition="in" filter="wipe(up)">
+                                      <p:cBhvr>
+                                        <p:cTn id="7" dur="500"/>
+                                        <p:tgtEl>
+                                          <p:spTgt spid="8">
+                                            <p:txEl>
+                                              <p:pRg st="0" end="0"/>
+                                            </p:txEl>
+                                          </p:spTgt>
+                                        </p:tgtEl>
+                                      </p:cBhvr>
+                                    </p:animEffect>
+                                  </p:childTnLst>
+                                </p:cTn>
+                              </p:par>
+                            </p:childTnLst>
+                          </p:cTn>
+                        </p:par>
+                      </p:childTnLst>
+                    </p:cTn>
+                  </p:par>
+                  <p:par>
+                    <p:cTn id="8" fill="hold">
+                      <p:stCondLst>
+                        <p:cond delay="indefinite"/>
+                      </p:stCondLst>
+                      <p:childTnLst>
+                        <p:par>
+                          <p:cTn id="9" fill="hold">
+                            <p:stCondLst>
+                              <p:cond delay="0"/>
+                            </p:stCondLst>
+                            <p:childTnLst>
+                              <p:par>
+                                <p:cTn id="10" presetID="22" presetClass="entr" presetSubtype="1" fill="hold" grpId="0" nodeType="clickEffect">
+                                  <p:stCondLst>
+                                    <p:cond delay="0"/>
+                                  </p:stCondLst>
+                                  <p:childTnLst>
+                                    <p:set>
+                                      <p:cBhvr>
+                                        <p:cTn id="11" dur="1" fill="hold">
+                                          <p:stCondLst>
+                                            <p:cond delay="0"/>
+                                          </p:stCondLst>
+                                        </p:cTn>
+                                        <p:tgtEl>
+                                          <p:spTgt spid="8">
+                                            <p:txEl>
+                                              <p:pRg st="1" end="1"/>
+                                            </p:txEl>
+                                          </p:spTgt>
+                                        </p:tgtEl>
+                                        <p:attrNameLst>
+                                          <p:attrName>style.visibility</p:attrName>
+                                        </p:attrNameLst>
+                                      </p:cBhvr>
+                                      <p:to>
+                                        <p:strVal val="visible"/>
+                                      </p:to>
+                                    </p:set>
+                                    <p:animEffect transition="in" filter="wipe(up)">
+                                      <p:cBhvr>
+                                        <p:cTn id="12" dur="500"/>
+                                        <p:tgtEl>
+                                          <p:spTgt spid="8">
+                                            <p:txEl>
+                                              <p:pRg st="1" end="1"/>
+                                            </p:txEl>
+                                          </p:spTgt>
+                                        </p:tgtEl>
+                                      </p:cBhvr>
+                                    </p:animEffect>
+                                  </p:childTnLst>
+                                </p:cTn>
+                              </p:par>
+                              <p:par>
+                                <p:cTn id="13" presetID="22" presetClass="entr" presetSubtype="1" fill="hold" grpId="0" nodeType="withEffect">
+                                  <p:stCondLst>
+                                    <p:cond delay="0"/>
+                                  </p:stCondLst>
+                                  <p:childTnLst>
+                                    <p:set>
+                                      <p:cBhvr>
+                                        <p:cTn id="14" dur="1" fill="hold">
+                                          <p:stCondLst>
+                                            <p:cond delay="0"/>
+                                          </p:stCondLst>
+                                        </p:cTn>
+                                        <p:tgtEl>
+                                          <p:spTgt spid="8">
+                                            <p:txEl>
+                                              <p:pRg st="2" end="2"/>
+                                            </p:txEl>
+                                          </p:spTgt>
+                                        </p:tgtEl>
+                                        <p:attrNameLst>
+                                          <p:attrName>style.visibility</p:attrName>
+                                        </p:attrNameLst>
+                                      </p:cBhvr>
+                                      <p:to>
+                                        <p:strVal val="visible"/>
+                                      </p:to>
+                                    </p:set>
+                                    <p:animEffect transition="in" filter="wipe(up)">
+                                      <p:cBhvr>
+                                        <p:cTn id="15" dur="500"/>
+                                        <p:tgtEl>
+                                          <p:spTgt spid="8">
+                                            <p:txEl>
+                                              <p:pRg st="2" end="2"/>
+                                            </p:txEl>
+                                          </p:spTgt>
+                                        </p:tgtEl>
+                                      </p:cBhvr>
+                                    </p:animEffect>
+                                  </p:childTnLst>
+                                </p:cTn>
+                              </p:par>
+                              <p:par>
+                                <p:cTn id="16" presetID="22" presetClass="entr" presetSubtype="1" fill="hold" grpId="0" nodeType="withEffect">
+                                  <p:stCondLst>
+                                    <p:cond delay="0"/>
+                                  </p:stCondLst>
+                                  <p:childTnLst>
+                                    <p:set>
+                                      <p:cBhvr>
+                                        <p:cTn id="17" dur="1" fill="hold">
+                                          <p:stCondLst>
+                                            <p:cond delay="0"/>
+                                          </p:stCondLst>
+                                        </p:cTn>
+                                        <p:tgtEl>
+                                          <p:spTgt spid="8">
+                                            <p:txEl>
+                                              <p:pRg st="3" end="3"/>
+                                            </p:txEl>
+                                          </p:spTgt>
+                                        </p:tgtEl>
+                                        <p:attrNameLst>
+                                          <p:attrName>style.visibility</p:attrName>
+                                        </p:attrNameLst>
+                                      </p:cBhvr>
+                                      <p:to>
+                                        <p:strVal val="visible"/>
+                                      </p:to>
+                                    </p:set>
+                                    <p:animEffect transition="in" filter="wipe(up)">
+                                      <p:cBhvr>
+                                        <p:cTn id="18" dur="500"/>
+                                        <p:tgtEl>
+                                          <p:spTgt spid="8">
+                                            <p:txEl>
+                                              <p:pRg st="3" end="3"/>
+                                            </p:txEl>
+                                          </p:spTgt>
+                                        </p:tgtEl>
+                                      </p:cBhvr>
+                                    </p:animEffect>
+                                  </p:childTnLst>
+                                </p:cTn>
+                              </p:par>
+                            </p:childTnLst>
+                          </p:cTn>
+                        </p:par>
+                      </p:childTnLst>
+                    </p:cTn>
+                  </p:par>
+                  <p:par>
+                    <p:cTn id="19" fill="hold">
+                      <p:stCondLst>
+                        <p:cond delay="indefinite"/>
+                      </p:stCondLst>
+                      <p:childTnLst>
+                        <p:par>
+                          <p:cTn id="20" fill="hold">
+                            <p:stCondLst>
+                              <p:cond delay="0"/>
+                            </p:stCondLst>
+                            <p:childTnLst>
+                              <p:par>
+                                <p:cTn id="21" presetID="22" presetClass="entr" presetSubtype="1" fill="hold" grpId="0" nodeType="clickEffect">
+                                  <p:stCondLst>
+                                    <p:cond delay="0"/>
+                                  </p:stCondLst>
+                                  <p:childTnLst>
+                                    <p:set>
+                                      <p:cBhvr>
+                                        <p:cTn id="22" dur="1" fill="hold">
+                                          <p:stCondLst>
+                                            <p:cond delay="0"/>
+                                          </p:stCondLst>
+                                        </p:cTn>
+                                        <p:tgtEl>
+                                          <p:spTgt spid="8">
+                                            <p:txEl>
+                                              <p:pRg st="4" end="4"/>
+                                            </p:txEl>
+                                          </p:spTgt>
+                                        </p:tgtEl>
+                                        <p:attrNameLst>
+                                          <p:attrName>style.visibility</p:attrName>
+                                        </p:attrNameLst>
+                                      </p:cBhvr>
+                                      <p:to>
+                                        <p:strVal val="visible"/>
+                                      </p:to>
+                                    </p:set>
+                                    <p:animEffect transition="in" filter="wipe(up)">
+                                      <p:cBhvr>
+                                        <p:cTn id="23" dur="500"/>
+                                        <p:tgtEl>
+                                          <p:spTgt spid="8">
+                                            <p:txEl>
+                                              <p:pRg st="4" end="4"/>
+                                            </p:txEl>
+                                          </p:spTgt>
+                                        </p:tgtEl>
+                                      </p:cBhvr>
+                                    </p:animEffect>
+                                  </p:childTnLst>
+                                </p:cTn>
+                              </p:par>
+                            </p:childTnLst>
+                          </p:cTn>
+                        </p:par>
+                      </p:childTnLst>
+                    </p:cTn>
+                  </p:par>
+                </p:childTnLst>
+              </p:cTn>
+              <p:prevCondLst>
+                <p:cond evt="onPrev" delay="0">
+                  <p:tgtEl>
+                    <p:sldTgt/>
+                  </p:tgtEl>
+                </p:cond>
+              </p:prevCondLst>
+              <p:nextCondLst>
+                <p:cond evt="onNext" delay="0">
+                  <p:tgtEl>
+                    <p:sldTgt/>
+                  </p:tgtEl>
+                </p:cond>
+              </p:nextCondLst>
+            </p:seq>
+          </p:childTnLst>
+        </p:cTn>
+      </p:par>
+    </p:tnLst>
+    <p:bldLst>
+      <p:bldP spid="8" grpId="0" build="p"/>
+    </p:bldLst>
+  </p:timing>
+</p:sld>
+</file>
+
+<file path=ppt/slides/slide9.xml><?xml version="1.0" encoding="utf-8"?>
+<p:sld xmlns:a="http://schemas.openxmlformats.org/drawingml/2006/main" xmlns:r="http://schemas.openxmlformats.org/officeDocument/2006/relationships" xmlns:p="http://schemas.openxmlformats.org/presentationml/2006/main">
+  <p:cSld>
+    <p:spTree>
+      <p:nvGrpSpPr>
+        <p:cNvPr id="1" name=""/>
+        <p:cNvGrpSpPr/>
+        <p:nvPr/>
+      </p:nvGrpSpPr>
+      <p:grpSpPr>
+        <a:xfrm>
+          <a:off x="0" y="0"/>
+          <a:ext cx="0" cy="0"/>
+          <a:chOff x="0" y="0"/>
+          <a:chExt cx="0" cy="0"/>
+        </a:xfrm>
+      </p:grpSpPr>
+      <p:sp>
+        <p:nvSpPr>
+          <p:cNvPr id="2" name="Rubrik 1"/>
+          <p:cNvSpPr>
+            <a:spLocks noGrp="1"/>
+          </p:cNvSpPr>
+          <p:nvPr>
+            <p:ph type="title"/>
+          </p:nvPr>
+        </p:nvSpPr>
+        <p:spPr/>
+        <p:txBody>
+          <a:bodyPr/>
+          <a:lstStyle/>
+          <a:p>
+            <a:r>
+              <a:rPr lang="sv-SE" dirty="0" smtClean="0"/>
+              <a:t>The </a:t>
+            </a:r>
+            <a:r>
+              <a:rPr lang="sv-SE" dirty="0" err="1" smtClean="0"/>
+              <a:t>main</a:t>
+            </a:r>
+            <a:r>
+              <a:rPr lang="sv-SE" dirty="0" smtClean="0"/>
+              <a:t> </a:t>
+            </a:r>
+            <a:r>
+              <a:rPr lang="sv-SE" dirty="0" err="1" smtClean="0"/>
+              <a:t>view</a:t>
+            </a:r>
+            <a:endParaRPr lang="sv-SE" dirty="0"/>
+          </a:p>
+        </p:txBody>
+      </p:sp>
+      <p:sp>
+        <p:nvSpPr>
+          <p:cNvPr id="3" name="Platshållare för innehåll 2"/>
+          <p:cNvSpPr>
+            <a:spLocks noGrp="1"/>
+          </p:cNvSpPr>
+          <p:nvPr>
+            <p:ph sz="half" idx="1"/>
+          </p:nvPr>
+        </p:nvSpPr>
+        <p:spPr/>
+        <p:txBody>
+          <a:bodyPr/>
+          <a:lstStyle/>
+          <a:p>
+            <a:r>
+              <a:rPr lang="sv-SE" dirty="0" smtClean="0"/>
+              <a:t>Straight forward</a:t>
+            </a:r>
+          </a:p>
+          <a:p>
+            <a:r>
+              <a:rPr lang="sv-SE" dirty="0" err="1" smtClean="0"/>
+              <a:t>Following</a:t>
+            </a:r>
+            <a:r>
+              <a:rPr lang="sv-SE" dirty="0" smtClean="0"/>
+              <a:t> </a:t>
+            </a:r>
+            <a:r>
+              <a:rPr lang="sv-SE" dirty="0" err="1" smtClean="0"/>
+              <a:t>usability</a:t>
+            </a:r>
+            <a:r>
+              <a:rPr lang="sv-SE" dirty="0" smtClean="0"/>
+              <a:t> </a:t>
+            </a:r>
+            <a:r>
+              <a:rPr lang="sv-SE" dirty="0" err="1" smtClean="0"/>
+              <a:t>heuristics</a:t>
+            </a:r>
+            <a:endParaRPr lang="sv-SE" dirty="0"/>
+          </a:p>
+        </p:txBody>
+      </p:sp>
+      <p:pic>
+        <p:nvPicPr>
+          <p:cNvPr id="5" name="Content Placeholder 6" descr="mainwindow.png"/>
+          <p:cNvPicPr>
+            <a:picLocks noGrp="1" noChangeAspect="1"/>
+          </p:cNvPicPr>
+          <p:nvPr>
+            <p:ph sz="half" idx="2"/>
+          </p:nvPr>
+        </p:nvPicPr>
+        <p:blipFill>
+          <a:blip r:embed="rId2" cstate="print"/>
+          <a:stretch>
+            <a:fillRect/>
+          </a:stretch>
+        </p:blipFill>
+        <p:spPr>
+          <a:xfrm>
+            <a:off x="5276850" y="2436123"/>
+            <a:ext cx="3657600" cy="2839828"/>
+          </a:xfrm>
+        </p:spPr>
+      </p:pic>
+    </p:spTree>
+  </p:cSld>
+  <p:clrMapOvr>
+    <a:masterClrMapping/>
+  </p:clrMapOvr>
+  <p:transition/>
+  <p:timing>
+    <p:tnLst>
+      <p:par>
+        <p:cTn id="1" dur="indefinite" restart="never" nodeType="tmRoot">
+          <p:childTnLst>
+            <p:seq concurrent="1" nextAc="seek">
+              <p:cTn id="2" dur="indefinite" nodeType="mainSeq">
+                <p:childTnLst>
+                  <p:par>
+                    <p:cTn id="3" fill="hold">
+                      <p:stCondLst>
+                        <p:cond delay="indefinite"/>
+                      </p:stCondLst>
+                      <p:childTnLst>
+                        <p:par>
+                          <p:cTn id="4" fill="hold">
+                            <p:stCondLst>
+                              <p:cond delay="0"/>
+                            </p:stCondLst>
+                            <p:childTnLst>
+                              <p:par>
+                                <p:cTn id="5" presetID="22" presetClass="entr" presetSubtype="1" fill="hold" grpId="0" nodeType="clickEffect">
+                                  <p:stCondLst>
+                                    <p:cond delay="0"/>
+                                  </p:stCondLst>
+                                  <p:childTnLst>
+                                    <p:set>
+                                      <p:cBhvr>
+                                        <p:cTn id="6" dur="1" fill="hold">
+                                          <p:stCondLst>
+                                            <p:cond delay="0"/>
+                                          </p:stCondLst>
+                                        </p:cTn>
+                                        <p:tgtEl>
+                                          <p:spTgt spid="3">
+                                            <p:txEl>
+                                              <p:pRg st="0" end="0"/>
+                                            </p:txEl>
+                                          </p:spTgt>
+                                        </p:tgtEl>
+                                        <p:attrNameLst>
+                                          <p:attrName>style.visibility</p:attrName>
+                                        </p:attrNameLst>
+                                      </p:cBhvr>
+                                      <p:to>
+                                        <p:strVal val="visible"/>
+                                      </p:to>
+                                    </p:set>
+                                    <p:animEffect transition="in" filter="wipe(up)">
+                                      <p:cBhvr>
+                                        <p:cTn id="7" dur="500"/>
+                                        <p:tgtEl>
+                                          <p:spTgt spid="3">
+                                            <p:txEl>
+                                              <p:pRg st="0" end="0"/>
+                                            </p:txEl>
+                                          </p:spTgt>
+                                        </p:tgtEl>
+                                      </p:cBhvr>
+                                    </p:animEffect>
+                                  </p:childTnLst>
+                                </p:cTn>
+                              </p:par>
+                            </p:childTnLst>
+                          </p:cTn>
+                        </p:par>
+                      </p:childTnLst>
+                    </p:cTn>
+                  </p:par>
+                  <p:par>
+                    <p:cTn id="8" fill="hold">
+                      <p:stCondLst>
+                        <p:cond delay="indefinite"/>
+                      </p:stCondLst>
+                      <p:childTnLst>
+                        <p:par>
+                          <p:cTn id="9" fill="hold">
+                            <p:stCondLst>
+                              <p:cond delay="0"/>
+                            </p:stCondLst>
+                            <p:childTnLst>
+                              <p:par>
+                                <p:cTn id="10" presetID="22" presetClass="entr" presetSubtype="1" fill="hold" grpId="0" nodeType="clickEffect">
+                                  <p:stCondLst>
+                                    <p:cond delay="0"/>
+                                  </p:stCondLst>
+                                  <p:childTnLst>
+                                    <p:set>
+                                      <p:cBhvr>
+                                        <p:cTn id="11" dur="1" fill="hold">
+                                          <p:stCondLst>
+                                            <p:cond delay="0"/>
+                                          </p:stCondLst>
+                                        </p:cTn>
+                                        <p:tgtEl>
+                                          <p:spTgt spid="3">
+                                            <p:txEl>
+                                              <p:pRg st="1" end="1"/>
+                                            </p:txEl>
+                                          </p:spTgt>
+                                        </p:tgtEl>
+                                        <p:attrNameLst>
+                                          <p:attrName>style.visibility</p:attrName>
+                                        </p:attrNameLst>
+                                      </p:cBhvr>
+                                      <p:to>
+                                        <p:strVal val="visible"/>
+                                      </p:to>
+                                    </p:set>
+                                    <p:animEffect transition="in" filter="wipe(up)">
+                                      <p:cBhvr>
+                                        <p:cTn id="12" dur="500"/>
+                                        <p:tgtEl>
+                                          <p:spTgt spid="3">
+                                            <p:txEl>
+                                              <p:pRg st="1" end="1"/>
                                             </p:txEl>
                                           </p:spTgt>
                                         </p:tgtEl>

--- a/presentations/presentation_1.pptx
+++ b/presentations/presentation_1.pptx
@@ -4,6 +4,9 @@
   <p:sldMasterIdLst>
     <p:sldMasterId id="2147483660" r:id="rId1"/>
   </p:sldMasterIdLst>
+  <p:notesMasterIdLst>
+    <p:notesMasterId r:id="rId16"/>
+  </p:notesMasterIdLst>
   <p:sldIdLst>
     <p:sldId id="256" r:id="rId2"/>
     <p:sldId id="257" r:id="rId3"/>
@@ -120,6 +123,442 @@
 </p:presentation>
 </file>
 
+<file path=ppt/notesMasters/notesMaster1.xml><?xml version="1.0" encoding="utf-8"?>
+<p:notesMaster xmlns:a="http://schemas.openxmlformats.org/drawingml/2006/main" xmlns:r="http://schemas.openxmlformats.org/officeDocument/2006/relationships" xmlns:p="http://schemas.openxmlformats.org/presentationml/2006/main">
+  <p:cSld>
+    <p:bg>
+      <p:bgRef idx="1001">
+        <a:schemeClr val="bg1"/>
+      </p:bgRef>
+    </p:bg>
+    <p:spTree>
+      <p:nvGrpSpPr>
+        <p:cNvPr id="1" name=""/>
+        <p:cNvGrpSpPr/>
+        <p:nvPr/>
+      </p:nvGrpSpPr>
+      <p:grpSpPr>
+        <a:xfrm>
+          <a:off x="0" y="0"/>
+          <a:ext cx="0" cy="0"/>
+          <a:chOff x="0" y="0"/>
+          <a:chExt cx="0" cy="0"/>
+        </a:xfrm>
+      </p:grpSpPr>
+      <p:sp>
+        <p:nvSpPr>
+          <p:cNvPr id="2" name="Header Placeholder 1"/>
+          <p:cNvSpPr>
+            <a:spLocks noGrp="1"/>
+          </p:cNvSpPr>
+          <p:nvPr>
+            <p:ph type="hdr" sz="quarter"/>
+          </p:nvPr>
+        </p:nvSpPr>
+        <p:spPr>
+          <a:xfrm>
+            <a:off x="0" y="0"/>
+            <a:ext cx="2971800" cy="457200"/>
+          </a:xfrm>
+          <a:prstGeom prst="rect">
+            <a:avLst/>
+          </a:prstGeom>
+        </p:spPr>
+        <p:txBody>
+          <a:bodyPr vert="horz" lIns="91440" tIns="45720" rIns="91440" bIns="45720" rtlCol="0"/>
+          <a:lstStyle>
+            <a:lvl1pPr algn="l">
+              <a:defRPr sz="1200"/>
+            </a:lvl1pPr>
+          </a:lstStyle>
+          <a:p>
+            <a:endParaRPr lang="sv-SE"/>
+          </a:p>
+        </p:txBody>
+      </p:sp>
+      <p:sp>
+        <p:nvSpPr>
+          <p:cNvPr id="3" name="Date Placeholder 2"/>
+          <p:cNvSpPr>
+            <a:spLocks noGrp="1"/>
+          </p:cNvSpPr>
+          <p:nvPr>
+            <p:ph type="dt" idx="1"/>
+          </p:nvPr>
+        </p:nvSpPr>
+        <p:spPr>
+          <a:xfrm>
+            <a:off x="3884613" y="0"/>
+            <a:ext cx="2971800" cy="457200"/>
+          </a:xfrm>
+          <a:prstGeom prst="rect">
+            <a:avLst/>
+          </a:prstGeom>
+        </p:spPr>
+        <p:txBody>
+          <a:bodyPr vert="horz" lIns="91440" tIns="45720" rIns="91440" bIns="45720" rtlCol="0"/>
+          <a:lstStyle>
+            <a:lvl1pPr algn="r">
+              <a:defRPr sz="1200"/>
+            </a:lvl1pPr>
+          </a:lstStyle>
+          <a:p>
+            <a:fld id="{95B0EECD-C57A-4101-A3EB-3048063A3D1A}" type="datetimeFigureOut">
+              <a:rPr lang="sv-SE" smtClean="0"/>
+              <a:t>2014-05-19</a:t>
+            </a:fld>
+            <a:endParaRPr lang="sv-SE"/>
+          </a:p>
+        </p:txBody>
+      </p:sp>
+      <p:sp>
+        <p:nvSpPr>
+          <p:cNvPr id="4" name="Slide Image Placeholder 3"/>
+          <p:cNvSpPr>
+            <a:spLocks noGrp="1" noRot="1" noChangeAspect="1"/>
+          </p:cNvSpPr>
+          <p:nvPr>
+            <p:ph type="sldImg" idx="2"/>
+          </p:nvPr>
+        </p:nvSpPr>
+        <p:spPr>
+          <a:xfrm>
+            <a:off x="1143000" y="685800"/>
+            <a:ext cx="4572000" cy="3429000"/>
+          </a:xfrm>
+          <a:prstGeom prst="rect">
+            <a:avLst/>
+          </a:prstGeom>
+          <a:noFill/>
+          <a:ln w="12700">
+            <a:solidFill>
+              <a:prstClr val="black"/>
+            </a:solidFill>
+          </a:ln>
+        </p:spPr>
+        <p:txBody>
+          <a:bodyPr vert="horz" lIns="91440" tIns="45720" rIns="91440" bIns="45720" rtlCol="0" anchor="ctr"/>
+          <a:lstStyle/>
+          <a:p>
+            <a:endParaRPr lang="sv-SE"/>
+          </a:p>
+        </p:txBody>
+      </p:sp>
+      <p:sp>
+        <p:nvSpPr>
+          <p:cNvPr id="5" name="Notes Placeholder 4"/>
+          <p:cNvSpPr>
+            <a:spLocks noGrp="1"/>
+          </p:cNvSpPr>
+          <p:nvPr>
+            <p:ph type="body" sz="quarter" idx="3"/>
+          </p:nvPr>
+        </p:nvSpPr>
+        <p:spPr>
+          <a:xfrm>
+            <a:off x="685800" y="4343400"/>
+            <a:ext cx="5486400" cy="4114800"/>
+          </a:xfrm>
+          <a:prstGeom prst="rect">
+            <a:avLst/>
+          </a:prstGeom>
+        </p:spPr>
+        <p:txBody>
+          <a:bodyPr vert="horz" lIns="91440" tIns="45720" rIns="91440" bIns="45720" rtlCol="0">
+            <a:normAutofit/>
+          </a:bodyPr>
+          <a:lstStyle/>
+          <a:p>
+            <a:pPr lvl="0"/>
+            <a:r>
+              <a:rPr lang="en-US" smtClean="0"/>
+              <a:t>Click to edit Master text styles</a:t>
+            </a:r>
+          </a:p>
+          <a:p>
+            <a:pPr lvl="1"/>
+            <a:r>
+              <a:rPr lang="en-US" smtClean="0"/>
+              <a:t>Second level</a:t>
+            </a:r>
+          </a:p>
+          <a:p>
+            <a:pPr lvl="2"/>
+            <a:r>
+              <a:rPr lang="en-US" smtClean="0"/>
+              <a:t>Third level</a:t>
+            </a:r>
+          </a:p>
+          <a:p>
+            <a:pPr lvl="3"/>
+            <a:r>
+              <a:rPr lang="en-US" smtClean="0"/>
+              <a:t>Fourth level</a:t>
+            </a:r>
+          </a:p>
+          <a:p>
+            <a:pPr lvl="4"/>
+            <a:r>
+              <a:rPr lang="en-US" smtClean="0"/>
+              <a:t>Fifth level</a:t>
+            </a:r>
+            <a:endParaRPr lang="sv-SE"/>
+          </a:p>
+        </p:txBody>
+      </p:sp>
+      <p:sp>
+        <p:nvSpPr>
+          <p:cNvPr id="6" name="Footer Placeholder 5"/>
+          <p:cNvSpPr>
+            <a:spLocks noGrp="1"/>
+          </p:cNvSpPr>
+          <p:nvPr>
+            <p:ph type="ftr" sz="quarter" idx="4"/>
+          </p:nvPr>
+        </p:nvSpPr>
+        <p:spPr>
+          <a:xfrm>
+            <a:off x="0" y="8685213"/>
+            <a:ext cx="2971800" cy="457200"/>
+          </a:xfrm>
+          <a:prstGeom prst="rect">
+            <a:avLst/>
+          </a:prstGeom>
+        </p:spPr>
+        <p:txBody>
+          <a:bodyPr vert="horz" lIns="91440" tIns="45720" rIns="91440" bIns="45720" rtlCol="0" anchor="b"/>
+          <a:lstStyle>
+            <a:lvl1pPr algn="l">
+              <a:defRPr sz="1200"/>
+            </a:lvl1pPr>
+          </a:lstStyle>
+          <a:p>
+            <a:endParaRPr lang="sv-SE"/>
+          </a:p>
+        </p:txBody>
+      </p:sp>
+      <p:sp>
+        <p:nvSpPr>
+          <p:cNvPr id="7" name="Slide Number Placeholder 6"/>
+          <p:cNvSpPr>
+            <a:spLocks noGrp="1"/>
+          </p:cNvSpPr>
+          <p:nvPr>
+            <p:ph type="sldNum" sz="quarter" idx="5"/>
+          </p:nvPr>
+        </p:nvSpPr>
+        <p:spPr>
+          <a:xfrm>
+            <a:off x="3884613" y="8685213"/>
+            <a:ext cx="2971800" cy="457200"/>
+          </a:xfrm>
+          <a:prstGeom prst="rect">
+            <a:avLst/>
+          </a:prstGeom>
+        </p:spPr>
+        <p:txBody>
+          <a:bodyPr vert="horz" lIns="91440" tIns="45720" rIns="91440" bIns="45720" rtlCol="0" anchor="b"/>
+          <a:lstStyle>
+            <a:lvl1pPr algn="r">
+              <a:defRPr sz="1200"/>
+            </a:lvl1pPr>
+          </a:lstStyle>
+          <a:p>
+            <a:fld id="{0002D4AA-ECCD-4AAE-928A-061DA56661C0}" type="slidenum">
+              <a:rPr lang="sv-SE" smtClean="0"/>
+              <a:t>‹#›</a:t>
+            </a:fld>
+            <a:endParaRPr lang="sv-SE"/>
+          </a:p>
+        </p:txBody>
+      </p:sp>
+    </p:spTree>
+  </p:cSld>
+  <p:clrMap bg1="lt1" tx1="dk1" bg2="lt2" tx2="dk2" accent1="accent1" accent2="accent2" accent3="accent3" accent4="accent4" accent5="accent5" accent6="accent6" hlink="hlink" folHlink="folHlink"/>
+  <p:notesStyle>
+    <a:lvl1pPr marL="0" algn="l" defTabSz="914400" rtl="0" eaLnBrk="1" latinLnBrk="0" hangingPunct="1">
+      <a:defRPr sz="1200" kern="1200">
+        <a:solidFill>
+          <a:schemeClr val="tx1"/>
+        </a:solidFill>
+        <a:latin typeface="+mn-lt"/>
+        <a:ea typeface="+mn-ea"/>
+        <a:cs typeface="+mn-cs"/>
+      </a:defRPr>
+    </a:lvl1pPr>
+    <a:lvl2pPr marL="457200" algn="l" defTabSz="914400" rtl="0" eaLnBrk="1" latinLnBrk="0" hangingPunct="1">
+      <a:defRPr sz="1200" kern="1200">
+        <a:solidFill>
+          <a:schemeClr val="tx1"/>
+        </a:solidFill>
+        <a:latin typeface="+mn-lt"/>
+        <a:ea typeface="+mn-ea"/>
+        <a:cs typeface="+mn-cs"/>
+      </a:defRPr>
+    </a:lvl2pPr>
+    <a:lvl3pPr marL="914400" algn="l" defTabSz="914400" rtl="0" eaLnBrk="1" latinLnBrk="0" hangingPunct="1">
+      <a:defRPr sz="1200" kern="1200">
+        <a:solidFill>
+          <a:schemeClr val="tx1"/>
+        </a:solidFill>
+        <a:latin typeface="+mn-lt"/>
+        <a:ea typeface="+mn-ea"/>
+        <a:cs typeface="+mn-cs"/>
+      </a:defRPr>
+    </a:lvl3pPr>
+    <a:lvl4pPr marL="1371600" algn="l" defTabSz="914400" rtl="0" eaLnBrk="1" latinLnBrk="0" hangingPunct="1">
+      <a:defRPr sz="1200" kern="1200">
+        <a:solidFill>
+          <a:schemeClr val="tx1"/>
+        </a:solidFill>
+        <a:latin typeface="+mn-lt"/>
+        <a:ea typeface="+mn-ea"/>
+        <a:cs typeface="+mn-cs"/>
+      </a:defRPr>
+    </a:lvl4pPr>
+    <a:lvl5pPr marL="1828800" algn="l" defTabSz="914400" rtl="0" eaLnBrk="1" latinLnBrk="0" hangingPunct="1">
+      <a:defRPr sz="1200" kern="1200">
+        <a:solidFill>
+          <a:schemeClr val="tx1"/>
+        </a:solidFill>
+        <a:latin typeface="+mn-lt"/>
+        <a:ea typeface="+mn-ea"/>
+        <a:cs typeface="+mn-cs"/>
+      </a:defRPr>
+    </a:lvl5pPr>
+    <a:lvl6pPr marL="2286000" algn="l" defTabSz="914400" rtl="0" eaLnBrk="1" latinLnBrk="0" hangingPunct="1">
+      <a:defRPr sz="1200" kern="1200">
+        <a:solidFill>
+          <a:schemeClr val="tx1"/>
+        </a:solidFill>
+        <a:latin typeface="+mn-lt"/>
+        <a:ea typeface="+mn-ea"/>
+        <a:cs typeface="+mn-cs"/>
+      </a:defRPr>
+    </a:lvl6pPr>
+    <a:lvl7pPr marL="2743200" algn="l" defTabSz="914400" rtl="0" eaLnBrk="1" latinLnBrk="0" hangingPunct="1">
+      <a:defRPr sz="1200" kern="1200">
+        <a:solidFill>
+          <a:schemeClr val="tx1"/>
+        </a:solidFill>
+        <a:latin typeface="+mn-lt"/>
+        <a:ea typeface="+mn-ea"/>
+        <a:cs typeface="+mn-cs"/>
+      </a:defRPr>
+    </a:lvl7pPr>
+    <a:lvl8pPr marL="3200400" algn="l" defTabSz="914400" rtl="0" eaLnBrk="1" latinLnBrk="0" hangingPunct="1">
+      <a:defRPr sz="1200" kern="1200">
+        <a:solidFill>
+          <a:schemeClr val="tx1"/>
+        </a:solidFill>
+        <a:latin typeface="+mn-lt"/>
+        <a:ea typeface="+mn-ea"/>
+        <a:cs typeface="+mn-cs"/>
+      </a:defRPr>
+    </a:lvl8pPr>
+    <a:lvl9pPr marL="3657600" algn="l" defTabSz="914400" rtl="0" eaLnBrk="1" latinLnBrk="0" hangingPunct="1">
+      <a:defRPr sz="1200" kern="1200">
+        <a:solidFill>
+          <a:schemeClr val="tx1"/>
+        </a:solidFill>
+        <a:latin typeface="+mn-lt"/>
+        <a:ea typeface="+mn-ea"/>
+        <a:cs typeface="+mn-cs"/>
+      </a:defRPr>
+    </a:lvl9pPr>
+  </p:notesStyle>
+</p:notesMaster>
+</file>
+
+<file path=ppt/notesSlides/notesSlide1.xml><?xml version="1.0" encoding="utf-8"?>
+<p:notes xmlns:a="http://schemas.openxmlformats.org/drawingml/2006/main" xmlns:r="http://schemas.openxmlformats.org/officeDocument/2006/relationships" xmlns:p="http://schemas.openxmlformats.org/presentationml/2006/main">
+  <p:cSld>
+    <p:spTree>
+      <p:nvGrpSpPr>
+        <p:cNvPr id="1" name=""/>
+        <p:cNvGrpSpPr/>
+        <p:nvPr/>
+      </p:nvGrpSpPr>
+      <p:grpSpPr>
+        <a:xfrm>
+          <a:off x="0" y="0"/>
+          <a:ext cx="0" cy="0"/>
+          <a:chOff x="0" y="0"/>
+          <a:chExt cx="0" cy="0"/>
+        </a:xfrm>
+      </p:grpSpPr>
+      <p:sp>
+        <p:nvSpPr>
+          <p:cNvPr id="2" name="Slide Image Placeholder 1"/>
+          <p:cNvSpPr>
+            <a:spLocks noGrp="1" noRot="1" noChangeAspect="1"/>
+          </p:cNvSpPr>
+          <p:nvPr>
+            <p:ph type="sldImg"/>
+          </p:nvPr>
+        </p:nvSpPr>
+        <p:spPr/>
+      </p:sp>
+      <p:sp>
+        <p:nvSpPr>
+          <p:cNvPr id="3" name="Notes Placeholder 2"/>
+          <p:cNvSpPr>
+            <a:spLocks noGrp="1"/>
+          </p:cNvSpPr>
+          <p:nvPr>
+            <p:ph type="body" idx="1"/>
+          </p:nvPr>
+        </p:nvSpPr>
+        <p:spPr/>
+        <p:txBody>
+          <a:bodyPr>
+            <a:normAutofit/>
+          </a:bodyPr>
+          <a:lstStyle/>
+          <a:p>
+            <a:r>
+              <a:rPr lang="sv-SE" dirty="0" smtClean="0"/>
+              <a:t>Mention that you shouldnt be able to read the</a:t>
+            </a:r>
+            <a:r>
+              <a:rPr lang="sv-SE" baseline="0" dirty="0" smtClean="0"/>
+              <a:t> text</a:t>
+            </a:r>
+            <a:endParaRPr lang="sv-SE" dirty="0"/>
+          </a:p>
+        </p:txBody>
+      </p:sp>
+      <p:sp>
+        <p:nvSpPr>
+          <p:cNvPr id="4" name="Slide Number Placeholder 3"/>
+          <p:cNvSpPr>
+            <a:spLocks noGrp="1"/>
+          </p:cNvSpPr>
+          <p:nvPr>
+            <p:ph type="sldNum" sz="quarter" idx="10"/>
+          </p:nvPr>
+        </p:nvSpPr>
+        <p:spPr/>
+        <p:txBody>
+          <a:bodyPr/>
+          <a:lstStyle/>
+          <a:p>
+            <a:fld id="{0002D4AA-ECCD-4AAE-928A-061DA56661C0}" type="slidenum">
+              <a:rPr lang="sv-SE" smtClean="0"/>
+              <a:t>8</a:t>
+            </a:fld>
+            <a:endParaRPr lang="sv-SE"/>
+          </a:p>
+        </p:txBody>
+      </p:sp>
+    </p:spTree>
+  </p:cSld>
+  <p:clrMapOvr>
+    <a:masterClrMapping/>
+  </p:clrMapOvr>
+</p:notes>
+</file>
+
 <file path=ppt/slideLayouts/slideLayout1.xml><?xml version="1.0" encoding="utf-8"?>
 <p:sldLayout xmlns:a="http://schemas.openxmlformats.org/drawingml/2006/main" xmlns:r="http://schemas.openxmlformats.org/officeDocument/2006/relationships" xmlns:p="http://schemas.openxmlformats.org/presentationml/2006/main" type="title" preserve="1">
   <p:cSld name="Title Slide">
@@ -255,7 +694,7 @@
             <a:fld id="{2F70612F-D101-4AD4-8F3C-BE6AA2F3E7E9}" type="datetimeFigureOut">
               <a:rPr lang="sv-SE" smtClean="0"/>
               <a:pPr/>
-              <a:t>2014-05-18</a:t>
+              <a:t>2014-05-19</a:t>
             </a:fld>
             <a:endParaRPr lang="sv-SE"/>
           </a:p>
@@ -571,7 +1010,7 @@
             <a:fld id="{2F70612F-D101-4AD4-8F3C-BE6AA2F3E7E9}" type="datetimeFigureOut">
               <a:rPr lang="sv-SE" smtClean="0"/>
               <a:pPr/>
-              <a:t>2014-05-18</a:t>
+              <a:t>2014-05-19</a:t>
             </a:fld>
             <a:endParaRPr lang="sv-SE"/>
           </a:p>
@@ -759,7 +1198,7 @@
             <a:fld id="{2F70612F-D101-4AD4-8F3C-BE6AA2F3E7E9}" type="datetimeFigureOut">
               <a:rPr lang="sv-SE" smtClean="0"/>
               <a:pPr/>
-              <a:t>2014-05-18</a:t>
+              <a:t>2014-05-19</a:t>
             </a:fld>
             <a:endParaRPr lang="sv-SE"/>
           </a:p>
@@ -937,7 +1376,7 @@
             <a:fld id="{2F70612F-D101-4AD4-8F3C-BE6AA2F3E7E9}" type="datetimeFigureOut">
               <a:rPr lang="sv-SE" smtClean="0"/>
               <a:pPr/>
-              <a:t>2014-05-18</a:t>
+              <a:t>2014-05-19</a:t>
             </a:fld>
             <a:endParaRPr lang="sv-SE"/>
           </a:p>
@@ -1208,7 +1647,7 @@
             <a:fld id="{2F70612F-D101-4AD4-8F3C-BE6AA2F3E7E9}" type="datetimeFigureOut">
               <a:rPr lang="sv-SE" smtClean="0"/>
               <a:pPr/>
-              <a:t>2014-05-18</a:t>
+              <a:t>2014-05-19</a:t>
             </a:fld>
             <a:endParaRPr lang="sv-SE"/>
           </a:p>
@@ -1679,7 +2118,7 @@
             <a:fld id="{2F70612F-D101-4AD4-8F3C-BE6AA2F3E7E9}" type="datetimeFigureOut">
               <a:rPr lang="sv-SE" smtClean="0"/>
               <a:pPr/>
-              <a:t>2014-05-18</a:t>
+              <a:t>2014-05-19</a:t>
             </a:fld>
             <a:endParaRPr lang="sv-SE"/>
           </a:p>
@@ -2171,7 +2610,7 @@
             <a:fld id="{2F70612F-D101-4AD4-8F3C-BE6AA2F3E7E9}" type="datetimeFigureOut">
               <a:rPr lang="sv-SE" smtClean="0"/>
               <a:pPr/>
-              <a:t>2014-05-18</a:t>
+              <a:t>2014-05-19</a:t>
             </a:fld>
             <a:endParaRPr lang="sv-SE"/>
           </a:p>
@@ -2300,7 +2739,7 @@
             <a:fld id="{2F70612F-D101-4AD4-8F3C-BE6AA2F3E7E9}" type="datetimeFigureOut">
               <a:rPr lang="sv-SE" smtClean="0"/>
               <a:pPr/>
-              <a:t>2014-05-18</a:t>
+              <a:t>2014-05-19</a:t>
             </a:fld>
             <a:endParaRPr lang="sv-SE"/>
           </a:p>
@@ -2447,7 +2886,7 @@
             <a:fld id="{2F70612F-D101-4AD4-8F3C-BE6AA2F3E7E9}" type="datetimeFigureOut">
               <a:rPr lang="sv-SE" smtClean="0"/>
               <a:pPr/>
-              <a:t>2014-05-18</a:t>
+              <a:t>2014-05-19</a:t>
             </a:fld>
             <a:endParaRPr lang="sv-SE"/>
           </a:p>
@@ -2772,7 +3211,7 @@
             <a:fld id="{2F70612F-D101-4AD4-8F3C-BE6AA2F3E7E9}" type="datetimeFigureOut">
               <a:rPr lang="sv-SE" smtClean="0"/>
               <a:pPr/>
-              <a:t>2014-05-18</a:t>
+              <a:t>2014-05-19</a:t>
             </a:fld>
             <a:endParaRPr lang="sv-SE"/>
           </a:p>
@@ -2909,7 +3348,7 @@
             <a:fld id="{2F70612F-D101-4AD4-8F3C-BE6AA2F3E7E9}" type="datetimeFigureOut">
               <a:rPr lang="sv-SE" smtClean="0"/>
               <a:pPr/>
-              <a:t>2014-05-18</a:t>
+              <a:t>2014-05-19</a:t>
             </a:fld>
             <a:endParaRPr lang="sv-SE"/>
           </a:p>
@@ -3693,7 +4132,7 @@
             <a:fld id="{2F70612F-D101-4AD4-8F3C-BE6AA2F3E7E9}" type="datetimeFigureOut">
               <a:rPr lang="sv-SE" smtClean="0"/>
               <a:pPr/>
-              <a:t>2014-05-18</a:t>
+              <a:t>2014-05-19</a:t>
             </a:fld>
             <a:endParaRPr lang="sv-SE"/>
           </a:p>
@@ -5437,16 +5876,14 @@
           <a:lstStyle/>
           <a:p>
             <a:r>
+              <a:rPr lang="sv-SE" dirty="0" smtClean="0"/>
+              <a:t>Interview and user review</a:t>
+            </a:r>
+          </a:p>
+          <a:p>
+            <a:r>
               <a:rPr lang="sv-SE" dirty="0" err="1" smtClean="0"/>
-              <a:t>Interview</a:t>
-            </a:r>
-            <a:r>
-              <a:rPr lang="sv-SE" dirty="0" smtClean="0"/>
-              <a:t> with the </a:t>
-            </a:r>
-            <a:r>
-              <a:rPr lang="sv-SE" dirty="0" err="1" smtClean="0"/>
-              <a:t>main</a:t>
+              <a:t>Nielsen’s</a:t>
             </a:r>
             <a:r>
               <a:rPr lang="sv-SE" dirty="0" smtClean="0"/>
@@ -5454,14 +5891,7 @@
             </a:r>
             <a:r>
               <a:rPr lang="sv-SE" dirty="0" err="1" smtClean="0"/>
-              <a:t>user</a:t>
-            </a:r>
-            <a:endParaRPr lang="sv-SE" dirty="0" smtClean="0"/>
-          </a:p>
-          <a:p>
-            <a:r>
-              <a:rPr lang="sv-SE" dirty="0" err="1" smtClean="0"/>
-              <a:t>Nielsen’s</a:t>
+              <a:t>usability</a:t>
             </a:r>
             <a:r>
               <a:rPr lang="sv-SE" dirty="0" smtClean="0"/>
@@ -5469,14 +5899,6 @@
             </a:r>
             <a:r>
               <a:rPr lang="sv-SE" dirty="0" err="1" smtClean="0"/>
-              <a:t>usability</a:t>
-            </a:r>
-            <a:r>
-              <a:rPr lang="sv-SE" dirty="0" smtClean="0"/>
-              <a:t> </a:t>
-            </a:r>
-            <a:r>
-              <a:rPr lang="sv-SE" dirty="0" err="1" smtClean="0"/>
               <a:t>heuristics</a:t>
             </a:r>
             <a:endParaRPr lang="sv-SE" dirty="0" smtClean="0"/>
@@ -5515,29 +5937,8 @@
             <a:pPr lvl="1"/>
             <a:r>
               <a:rPr lang="sv-SE" dirty="0" smtClean="0"/>
-              <a:t>2D-plot, real time </a:t>
-            </a:r>
-            <a:r>
-              <a:rPr lang="sv-SE" dirty="0" err="1" smtClean="0"/>
-              <a:t>plotting</a:t>
-            </a:r>
-            <a:r>
-              <a:rPr lang="sv-SE" dirty="0" smtClean="0"/>
-              <a:t> and </a:t>
-            </a:r>
-            <a:r>
-              <a:rPr lang="sv-SE" dirty="0" err="1" smtClean="0"/>
-              <a:t>saving</a:t>
-            </a:r>
-            <a:r>
-              <a:rPr lang="sv-SE" dirty="0" smtClean="0"/>
-              <a:t> best </a:t>
-            </a:r>
-            <a:r>
-              <a:rPr lang="sv-SE" dirty="0" err="1" smtClean="0"/>
-              <a:t>functions</a:t>
-            </a:r>
-            <a:endParaRPr lang="sv-SE" dirty="0" smtClean="0"/>
+              <a:t>Plotting, real time plotting and saving best functions</a:t>
+            </a:r>
           </a:p>
           <a:p>
             <a:pPr lvl="1"/>
@@ -5641,9 +6042,462 @@
   <p:timing>
     <p:tnLst>
       <p:par>
-        <p:cTn id="1" dur="indefinite" restart="never" nodeType="tmRoot"/>
+        <p:cTn id="1" dur="indefinite" restart="never" nodeType="tmRoot">
+          <p:childTnLst>
+            <p:seq concurrent="1" nextAc="seek">
+              <p:cTn id="2" dur="indefinite" nodeType="mainSeq">
+                <p:childTnLst>
+                  <p:par>
+                    <p:cTn id="3" fill="hold">
+                      <p:stCondLst>
+                        <p:cond delay="indefinite"/>
+                      </p:stCondLst>
+                      <p:childTnLst>
+                        <p:par>
+                          <p:cTn id="4" fill="hold">
+                            <p:stCondLst>
+                              <p:cond delay="0"/>
+                            </p:stCondLst>
+                            <p:childTnLst>
+                              <p:par>
+                                <p:cTn id="5" presetID="10" presetClass="entr" presetSubtype="0" fill="hold" grpId="0" nodeType="clickEffect">
+                                  <p:stCondLst>
+                                    <p:cond delay="0"/>
+                                  </p:stCondLst>
+                                  <p:childTnLst>
+                                    <p:set>
+                                      <p:cBhvr>
+                                        <p:cTn id="6" dur="1" fill="hold">
+                                          <p:stCondLst>
+                                            <p:cond delay="0"/>
+                                          </p:stCondLst>
+                                        </p:cTn>
+                                        <p:tgtEl>
+                                          <p:spTgt spid="3">
+                                            <p:txEl>
+                                              <p:pRg st="0" end="0"/>
+                                            </p:txEl>
+                                          </p:spTgt>
+                                        </p:tgtEl>
+                                        <p:attrNameLst>
+                                          <p:attrName>style.visibility</p:attrName>
+                                        </p:attrNameLst>
+                                      </p:cBhvr>
+                                      <p:to>
+                                        <p:strVal val="visible"/>
+                                      </p:to>
+                                    </p:set>
+                                    <p:animEffect transition="in" filter="fade">
+                                      <p:cBhvr>
+                                        <p:cTn id="7" dur="2000"/>
+                                        <p:tgtEl>
+                                          <p:spTgt spid="3">
+                                            <p:txEl>
+                                              <p:pRg st="0" end="0"/>
+                                            </p:txEl>
+                                          </p:spTgt>
+                                        </p:tgtEl>
+                                      </p:cBhvr>
+                                    </p:animEffect>
+                                  </p:childTnLst>
+                                </p:cTn>
+                              </p:par>
+                            </p:childTnLst>
+                          </p:cTn>
+                        </p:par>
+                      </p:childTnLst>
+                    </p:cTn>
+                  </p:par>
+                  <p:par>
+                    <p:cTn id="8" fill="hold">
+                      <p:stCondLst>
+                        <p:cond delay="indefinite"/>
+                      </p:stCondLst>
+                      <p:childTnLst>
+                        <p:par>
+                          <p:cTn id="9" fill="hold">
+                            <p:stCondLst>
+                              <p:cond delay="0"/>
+                            </p:stCondLst>
+                            <p:childTnLst>
+                              <p:par>
+                                <p:cTn id="10" presetID="10" presetClass="entr" presetSubtype="0" fill="hold" grpId="0" nodeType="clickEffect">
+                                  <p:stCondLst>
+                                    <p:cond delay="0"/>
+                                  </p:stCondLst>
+                                  <p:childTnLst>
+                                    <p:set>
+                                      <p:cBhvr>
+                                        <p:cTn id="11" dur="1" fill="hold">
+                                          <p:stCondLst>
+                                            <p:cond delay="0"/>
+                                          </p:stCondLst>
+                                        </p:cTn>
+                                        <p:tgtEl>
+                                          <p:spTgt spid="3">
+                                            <p:txEl>
+                                              <p:pRg st="1" end="1"/>
+                                            </p:txEl>
+                                          </p:spTgt>
+                                        </p:tgtEl>
+                                        <p:attrNameLst>
+                                          <p:attrName>style.visibility</p:attrName>
+                                        </p:attrNameLst>
+                                      </p:cBhvr>
+                                      <p:to>
+                                        <p:strVal val="visible"/>
+                                      </p:to>
+                                    </p:set>
+                                    <p:animEffect transition="in" filter="fade">
+                                      <p:cBhvr>
+                                        <p:cTn id="12" dur="2000"/>
+                                        <p:tgtEl>
+                                          <p:spTgt spid="3">
+                                            <p:txEl>
+                                              <p:pRg st="1" end="1"/>
+                                            </p:txEl>
+                                          </p:spTgt>
+                                        </p:tgtEl>
+                                      </p:cBhvr>
+                                    </p:animEffect>
+                                  </p:childTnLst>
+                                </p:cTn>
+                              </p:par>
+                            </p:childTnLst>
+                          </p:cTn>
+                        </p:par>
+                      </p:childTnLst>
+                    </p:cTn>
+                  </p:par>
+                  <p:par>
+                    <p:cTn id="13" fill="hold">
+                      <p:stCondLst>
+                        <p:cond delay="indefinite"/>
+                      </p:stCondLst>
+                      <p:childTnLst>
+                        <p:par>
+                          <p:cTn id="14" fill="hold">
+                            <p:stCondLst>
+                              <p:cond delay="0"/>
+                            </p:stCondLst>
+                            <p:childTnLst>
+                              <p:par>
+                                <p:cTn id="15" presetID="10" presetClass="entr" presetSubtype="0" fill="hold" grpId="0" nodeType="clickEffect">
+                                  <p:stCondLst>
+                                    <p:cond delay="0"/>
+                                  </p:stCondLst>
+                                  <p:childTnLst>
+                                    <p:set>
+                                      <p:cBhvr>
+                                        <p:cTn id="16" dur="1" fill="hold">
+                                          <p:stCondLst>
+                                            <p:cond delay="0"/>
+                                          </p:stCondLst>
+                                        </p:cTn>
+                                        <p:tgtEl>
+                                          <p:spTgt spid="3">
+                                            <p:txEl>
+                                              <p:pRg st="2" end="2"/>
+                                            </p:txEl>
+                                          </p:spTgt>
+                                        </p:tgtEl>
+                                        <p:attrNameLst>
+                                          <p:attrName>style.visibility</p:attrName>
+                                        </p:attrNameLst>
+                                      </p:cBhvr>
+                                      <p:to>
+                                        <p:strVal val="visible"/>
+                                      </p:to>
+                                    </p:set>
+                                    <p:animEffect transition="in" filter="fade">
+                                      <p:cBhvr>
+                                        <p:cTn id="17" dur="2000"/>
+                                        <p:tgtEl>
+                                          <p:spTgt spid="3">
+                                            <p:txEl>
+                                              <p:pRg st="2" end="2"/>
+                                            </p:txEl>
+                                          </p:spTgt>
+                                        </p:tgtEl>
+                                      </p:cBhvr>
+                                    </p:animEffect>
+                                  </p:childTnLst>
+                                </p:cTn>
+                              </p:par>
+                            </p:childTnLst>
+                          </p:cTn>
+                        </p:par>
+                      </p:childTnLst>
+                    </p:cTn>
+                  </p:par>
+                  <p:par>
+                    <p:cTn id="18" fill="hold">
+                      <p:stCondLst>
+                        <p:cond delay="indefinite"/>
+                      </p:stCondLst>
+                      <p:childTnLst>
+                        <p:par>
+                          <p:cTn id="19" fill="hold">
+                            <p:stCondLst>
+                              <p:cond delay="0"/>
+                            </p:stCondLst>
+                            <p:childTnLst>
+                              <p:par>
+                                <p:cTn id="20" presetID="10" presetClass="entr" presetSubtype="0" fill="hold" grpId="0" nodeType="clickEffect">
+                                  <p:stCondLst>
+                                    <p:cond delay="0"/>
+                                  </p:stCondLst>
+                                  <p:childTnLst>
+                                    <p:set>
+                                      <p:cBhvr>
+                                        <p:cTn id="21" dur="1" fill="hold">
+                                          <p:stCondLst>
+                                            <p:cond delay="0"/>
+                                          </p:stCondLst>
+                                        </p:cTn>
+                                        <p:tgtEl>
+                                          <p:spTgt spid="3">
+                                            <p:txEl>
+                                              <p:pRg st="3" end="3"/>
+                                            </p:txEl>
+                                          </p:spTgt>
+                                        </p:tgtEl>
+                                        <p:attrNameLst>
+                                          <p:attrName>style.visibility</p:attrName>
+                                        </p:attrNameLst>
+                                      </p:cBhvr>
+                                      <p:to>
+                                        <p:strVal val="visible"/>
+                                      </p:to>
+                                    </p:set>
+                                    <p:animEffect transition="in" filter="fade">
+                                      <p:cBhvr>
+                                        <p:cTn id="22" dur="2000"/>
+                                        <p:tgtEl>
+                                          <p:spTgt spid="3">
+                                            <p:txEl>
+                                              <p:pRg st="3" end="3"/>
+                                            </p:txEl>
+                                          </p:spTgt>
+                                        </p:tgtEl>
+                                      </p:cBhvr>
+                                    </p:animEffect>
+                                  </p:childTnLst>
+                                </p:cTn>
+                              </p:par>
+                            </p:childTnLst>
+                          </p:cTn>
+                        </p:par>
+                      </p:childTnLst>
+                    </p:cTn>
+                  </p:par>
+                  <p:par>
+                    <p:cTn id="23" fill="hold">
+                      <p:stCondLst>
+                        <p:cond delay="indefinite"/>
+                      </p:stCondLst>
+                      <p:childTnLst>
+                        <p:par>
+                          <p:cTn id="24" fill="hold">
+                            <p:stCondLst>
+                              <p:cond delay="0"/>
+                            </p:stCondLst>
+                            <p:childTnLst>
+                              <p:par>
+                                <p:cTn id="25" presetID="10" presetClass="entr" presetSubtype="0" fill="hold" grpId="0" nodeType="clickEffect">
+                                  <p:stCondLst>
+                                    <p:cond delay="0"/>
+                                  </p:stCondLst>
+                                  <p:childTnLst>
+                                    <p:set>
+                                      <p:cBhvr>
+                                        <p:cTn id="26" dur="1" fill="hold">
+                                          <p:stCondLst>
+                                            <p:cond delay="0"/>
+                                          </p:stCondLst>
+                                        </p:cTn>
+                                        <p:tgtEl>
+                                          <p:spTgt spid="3">
+                                            <p:txEl>
+                                              <p:pRg st="4" end="4"/>
+                                            </p:txEl>
+                                          </p:spTgt>
+                                        </p:tgtEl>
+                                        <p:attrNameLst>
+                                          <p:attrName>style.visibility</p:attrName>
+                                        </p:attrNameLst>
+                                      </p:cBhvr>
+                                      <p:to>
+                                        <p:strVal val="visible"/>
+                                      </p:to>
+                                    </p:set>
+                                    <p:animEffect transition="in" filter="fade">
+                                      <p:cBhvr>
+                                        <p:cTn id="27" dur="2000"/>
+                                        <p:tgtEl>
+                                          <p:spTgt spid="3">
+                                            <p:txEl>
+                                              <p:pRg st="4" end="4"/>
+                                            </p:txEl>
+                                          </p:spTgt>
+                                        </p:tgtEl>
+                                      </p:cBhvr>
+                                    </p:animEffect>
+                                  </p:childTnLst>
+                                </p:cTn>
+                              </p:par>
+                            </p:childTnLst>
+                          </p:cTn>
+                        </p:par>
+                      </p:childTnLst>
+                    </p:cTn>
+                  </p:par>
+                  <p:par>
+                    <p:cTn id="28" fill="hold">
+                      <p:stCondLst>
+                        <p:cond delay="indefinite"/>
+                      </p:stCondLst>
+                      <p:childTnLst>
+                        <p:par>
+                          <p:cTn id="29" fill="hold">
+                            <p:stCondLst>
+                              <p:cond delay="0"/>
+                            </p:stCondLst>
+                            <p:childTnLst>
+                              <p:par>
+                                <p:cTn id="30" presetID="10" presetClass="entr" presetSubtype="0" fill="hold" grpId="0" nodeType="clickEffect">
+                                  <p:stCondLst>
+                                    <p:cond delay="0"/>
+                                  </p:stCondLst>
+                                  <p:childTnLst>
+                                    <p:set>
+                                      <p:cBhvr>
+                                        <p:cTn id="31" dur="1" fill="hold">
+                                          <p:stCondLst>
+                                            <p:cond delay="0"/>
+                                          </p:stCondLst>
+                                        </p:cTn>
+                                        <p:tgtEl>
+                                          <p:spTgt spid="3">
+                                            <p:txEl>
+                                              <p:pRg st="5" end="5"/>
+                                            </p:txEl>
+                                          </p:spTgt>
+                                        </p:tgtEl>
+                                        <p:attrNameLst>
+                                          <p:attrName>style.visibility</p:attrName>
+                                        </p:attrNameLst>
+                                      </p:cBhvr>
+                                      <p:to>
+                                        <p:strVal val="visible"/>
+                                      </p:to>
+                                    </p:set>
+                                    <p:animEffect transition="in" filter="fade">
+                                      <p:cBhvr>
+                                        <p:cTn id="32" dur="2000"/>
+                                        <p:tgtEl>
+                                          <p:spTgt spid="3">
+                                            <p:txEl>
+                                              <p:pRg st="5" end="5"/>
+                                            </p:txEl>
+                                          </p:spTgt>
+                                        </p:tgtEl>
+                                      </p:cBhvr>
+                                    </p:animEffect>
+                                  </p:childTnLst>
+                                </p:cTn>
+                              </p:par>
+                            </p:childTnLst>
+                          </p:cTn>
+                        </p:par>
+                      </p:childTnLst>
+                    </p:cTn>
+                  </p:par>
+                  <p:par>
+                    <p:cTn id="33" fill="hold">
+                      <p:stCondLst>
+                        <p:cond delay="indefinite"/>
+                      </p:stCondLst>
+                      <p:childTnLst>
+                        <p:par>
+                          <p:cTn id="34" fill="hold">
+                            <p:stCondLst>
+                              <p:cond delay="0"/>
+                            </p:stCondLst>
+                            <p:childTnLst>
+                              <p:par>
+                                <p:cTn id="35" presetID="10" presetClass="entr" presetSubtype="0" fill="hold" grpId="0" nodeType="clickEffect">
+                                  <p:stCondLst>
+                                    <p:cond delay="0"/>
+                                  </p:stCondLst>
+                                  <p:childTnLst>
+                                    <p:set>
+                                      <p:cBhvr>
+                                        <p:cTn id="36" dur="1" fill="hold">
+                                          <p:stCondLst>
+                                            <p:cond delay="0"/>
+                                          </p:stCondLst>
+                                        </p:cTn>
+                                        <p:tgtEl>
+                                          <p:spTgt spid="3">
+                                            <p:txEl>
+                                              <p:pRg st="6" end="6"/>
+                                            </p:txEl>
+                                          </p:spTgt>
+                                        </p:tgtEl>
+                                        <p:attrNameLst>
+                                          <p:attrName>style.visibility</p:attrName>
+                                        </p:attrNameLst>
+                                      </p:cBhvr>
+                                      <p:to>
+                                        <p:strVal val="visible"/>
+                                      </p:to>
+                                    </p:set>
+                                    <p:animEffect transition="in" filter="fade">
+                                      <p:cBhvr>
+                                        <p:cTn id="37" dur="2000"/>
+                                        <p:tgtEl>
+                                          <p:spTgt spid="3">
+                                            <p:txEl>
+                                              <p:pRg st="6" end="6"/>
+                                            </p:txEl>
+                                          </p:spTgt>
+                                        </p:tgtEl>
+                                      </p:cBhvr>
+                                    </p:animEffect>
+                                  </p:childTnLst>
+                                </p:cTn>
+                              </p:par>
+                            </p:childTnLst>
+                          </p:cTn>
+                        </p:par>
+                      </p:childTnLst>
+                    </p:cTn>
+                  </p:par>
+                </p:childTnLst>
+              </p:cTn>
+              <p:prevCondLst>
+                <p:cond evt="onPrev" delay="0">
+                  <p:tgtEl>
+                    <p:sldTgt/>
+                  </p:tgtEl>
+                </p:cond>
+              </p:prevCondLst>
+              <p:nextCondLst>
+                <p:cond evt="onNext" delay="0">
+                  <p:tgtEl>
+                    <p:sldTgt/>
+                  </p:tgtEl>
+                </p:cond>
+              </p:nextCondLst>
+            </p:seq>
+          </p:childTnLst>
+        </p:cTn>
       </p:par>
     </p:tnLst>
+    <p:bldLst>
+      <p:bldP spid="3" grpId="0" build="p"/>
+    </p:bldLst>
   </p:timing>
 </p:sld>
 </file>
@@ -5701,7 +6555,7 @@
         <p:spPr/>
         <p:txBody>
           <a:bodyPr>
-            <a:normAutofit fontScale="92500" lnSpcReduction="10000"/>
+            <a:normAutofit/>
           </a:bodyPr>
           <a:lstStyle/>
           <a:p>
@@ -5809,36 +6663,8 @@
             <a:pPr lvl="1"/>
             <a:r>
               <a:rPr lang="sv-SE" dirty="0" smtClean="0"/>
-              <a:t>Naive </a:t>
-            </a:r>
-            <a:r>
-              <a:rPr lang="sv-SE" dirty="0" err="1" smtClean="0"/>
-              <a:t>user</a:t>
-            </a:r>
-            <a:r>
-              <a:rPr lang="sv-SE" dirty="0" smtClean="0"/>
-              <a:t> </a:t>
-            </a:r>
-            <a:r>
-              <a:rPr lang="sv-SE" dirty="0" err="1" smtClean="0"/>
-              <a:t>evaluation</a:t>
-            </a:r>
-            <a:endParaRPr lang="sv-SE" dirty="0" smtClean="0"/>
-          </a:p>
-          <a:p>
-            <a:pPr lvl="1"/>
-            <a:r>
-              <a:rPr lang="sv-SE" dirty="0" err="1" smtClean="0"/>
-              <a:t>Closed-loop</a:t>
-            </a:r>
-            <a:r>
-              <a:rPr lang="sv-SE" dirty="0" smtClean="0"/>
-              <a:t> system</a:t>
-            </a:r>
-          </a:p>
-          <a:p>
-            <a:pPr lvl="1"/>
-            <a:endParaRPr lang="sv-SE" dirty="0" smtClean="0"/>
+              <a:t>Naive user evaluation</a:t>
+            </a:r>
           </a:p>
         </p:txBody>
       </p:sp>
@@ -6094,15 +6920,33 @@
                                   </p:childTnLst>
                                 </p:cTn>
                               </p:par>
+                            </p:childTnLst>
+                          </p:cTn>
+                        </p:par>
+                      </p:childTnLst>
+                    </p:cTn>
+                  </p:par>
+                  <p:par>
+                    <p:cTn id="23" fill="hold">
+                      <p:stCondLst>
+                        <p:cond delay="indefinite"/>
+                      </p:stCondLst>
+                      <p:childTnLst>
+                        <p:par>
+                          <p:cTn id="24" fill="hold">
+                            <p:stCondLst>
+                              <p:cond delay="0"/>
+                            </p:stCondLst>
+                            <p:childTnLst>
                               <p:par>
-                                <p:cTn id="23" presetID="22" presetClass="entr" presetSubtype="1" fill="hold" grpId="0" nodeType="withEffect">
+                                <p:cTn id="25" presetID="22" presetClass="entr" presetSubtype="1" fill="hold" grpId="0" nodeType="clickEffect">
                                   <p:stCondLst>
                                     <p:cond delay="0"/>
                                   </p:stCondLst>
                                   <p:childTnLst>
                                     <p:set>
                                       <p:cBhvr>
-                                        <p:cTn id="24" dur="1" fill="hold">
+                                        <p:cTn id="26" dur="1" fill="hold">
                                           <p:stCondLst>
                                             <p:cond delay="0"/>
                                           </p:stCondLst>
@@ -6124,7 +6968,7 @@
                                     </p:set>
                                     <p:animEffect transition="in" filter="wipe(up)">
                                       <p:cBhvr>
-                                        <p:cTn id="25" dur="500"/>
+                                        <p:cTn id="27" dur="500"/>
                                         <p:tgtEl>
                                           <p:spTgt spid="3">
                                             <p:txEl>
@@ -6144,26 +6988,26 @@
                     </p:cTn>
                   </p:par>
                   <p:par>
-                    <p:cTn id="26" fill="hold">
+                    <p:cTn id="28" fill="hold">
                       <p:stCondLst>
                         <p:cond delay="indefinite"/>
                       </p:stCondLst>
                       <p:childTnLst>
                         <p:par>
-                          <p:cTn id="27" fill="hold">
+                          <p:cTn id="29" fill="hold">
                             <p:stCondLst>
                               <p:cond delay="0"/>
                             </p:stCondLst>
                             <p:childTnLst>
                               <p:par>
-                                <p:cTn id="28" presetID="22" presetClass="entr" presetSubtype="1" fill="hold" grpId="0" nodeType="clickEffect">
+                                <p:cTn id="30" presetID="22" presetClass="entr" presetSubtype="1" fill="hold" grpId="0" nodeType="clickEffect">
                                   <p:stCondLst>
                                     <p:cond delay="0"/>
                                   </p:stCondLst>
                                   <p:childTnLst>
                                     <p:set>
                                       <p:cBhvr>
-                                        <p:cTn id="29" dur="1" fill="hold">
+                                        <p:cTn id="31" dur="1" fill="hold">
                                           <p:stCondLst>
                                             <p:cond delay="0"/>
                                           </p:stCondLst>
@@ -6185,7 +7029,7 @@
                                     </p:set>
                                     <p:animEffect transition="in" filter="wipe(up)">
                                       <p:cBhvr>
-                                        <p:cTn id="30" dur="500"/>
+                                        <p:cTn id="32" dur="500"/>
                                         <p:tgtEl>
                                           <p:spTgt spid="3">
                                             <p:txEl>
@@ -6205,26 +7049,26 @@
                     </p:cTn>
                   </p:par>
                   <p:par>
-                    <p:cTn id="31" fill="hold">
+                    <p:cTn id="33" fill="hold">
                       <p:stCondLst>
                         <p:cond delay="indefinite"/>
                       </p:stCondLst>
                       <p:childTnLst>
                         <p:par>
-                          <p:cTn id="32" fill="hold">
+                          <p:cTn id="34" fill="hold">
                             <p:stCondLst>
                               <p:cond delay="0"/>
                             </p:stCondLst>
                             <p:childTnLst>
                               <p:par>
-                                <p:cTn id="33" presetID="22" presetClass="entr" presetSubtype="1" fill="hold" grpId="0" nodeType="clickEffect">
+                                <p:cTn id="35" presetID="22" presetClass="entr" presetSubtype="1" fill="hold" grpId="0" nodeType="clickEffect">
                                   <p:stCondLst>
                                     <p:cond delay="0"/>
                                   </p:stCondLst>
                                   <p:childTnLst>
                                     <p:set>
                                       <p:cBhvr>
-                                        <p:cTn id="34" dur="1" fill="hold">
+                                        <p:cTn id="36" dur="1" fill="hold">
                                           <p:stCondLst>
                                             <p:cond delay="0"/>
                                           </p:stCondLst>
@@ -6246,7 +7090,7 @@
                                     </p:set>
                                     <p:animEffect transition="in" filter="wipe(up)">
                                       <p:cBhvr>
-                                        <p:cTn id="35" dur="500"/>
+                                        <p:cTn id="37" dur="500"/>
                                         <p:tgtEl>
                                           <p:spTgt spid="3">
                                             <p:txEl>
@@ -6266,26 +7110,26 @@
                     </p:cTn>
                   </p:par>
                   <p:par>
-                    <p:cTn id="36" fill="hold">
+                    <p:cTn id="38" fill="hold">
                       <p:stCondLst>
                         <p:cond delay="indefinite"/>
                       </p:stCondLst>
                       <p:childTnLst>
                         <p:par>
-                          <p:cTn id="37" fill="hold">
+                          <p:cTn id="39" fill="hold">
                             <p:stCondLst>
                               <p:cond delay="0"/>
                             </p:stCondLst>
                             <p:childTnLst>
                               <p:par>
-                                <p:cTn id="38" presetID="22" presetClass="entr" presetSubtype="1" fill="hold" grpId="0" nodeType="clickEffect">
+                                <p:cTn id="40" presetID="22" presetClass="entr" presetSubtype="1" fill="hold" grpId="0" nodeType="clickEffect">
                                   <p:stCondLst>
                                     <p:cond delay="0"/>
                                   </p:stCondLst>
                                   <p:childTnLst>
                                     <p:set>
                                       <p:cBhvr>
-                                        <p:cTn id="39" dur="1" fill="hold">
+                                        <p:cTn id="41" dur="1" fill="hold">
                                           <p:stCondLst>
                                             <p:cond delay="0"/>
                                           </p:stCondLst>
@@ -6307,72 +7151,11 @@
                                     </p:set>
                                     <p:animEffect transition="in" filter="wipe(up)">
                                       <p:cBhvr>
-                                        <p:cTn id="40" dur="500"/>
+                                        <p:cTn id="42" dur="500"/>
                                         <p:tgtEl>
                                           <p:spTgt spid="3">
                                             <p:txEl>
                                               <p:pRg st="7" end="7"/>
-                                            </p:txEl>
-                                          </p:spTgt>
-                                        </p:tgtEl>
-                                      </p:cBhvr>
-                                    </p:animEffect>
-                                  </p:childTnLst>
-                                </p:cTn>
-                              </p:par>
-                            </p:childTnLst>
-                          </p:cTn>
-                        </p:par>
-                      </p:childTnLst>
-                    </p:cTn>
-                  </p:par>
-                  <p:par>
-                    <p:cTn id="41" fill="hold">
-                      <p:stCondLst>
-                        <p:cond delay="indefinite"/>
-                      </p:stCondLst>
-                      <p:childTnLst>
-                        <p:par>
-                          <p:cTn id="42" fill="hold">
-                            <p:stCondLst>
-                              <p:cond delay="0"/>
-                            </p:stCondLst>
-                            <p:childTnLst>
-                              <p:par>
-                                <p:cTn id="43" presetID="22" presetClass="entr" presetSubtype="1" fill="hold" grpId="0" nodeType="clickEffect">
-                                  <p:stCondLst>
-                                    <p:cond delay="0"/>
-                                  </p:stCondLst>
-                                  <p:childTnLst>
-                                    <p:set>
-                                      <p:cBhvr>
-                                        <p:cTn id="44" dur="1" fill="hold">
-                                          <p:stCondLst>
-                                            <p:cond delay="0"/>
-                                          </p:stCondLst>
-                                        </p:cTn>
-                                        <p:tgtEl>
-                                          <p:spTgt spid="3">
-                                            <p:txEl>
-                                              <p:pRg st="8" end="8"/>
-                                            </p:txEl>
-                                          </p:spTgt>
-                                        </p:tgtEl>
-                                        <p:attrNameLst>
-                                          <p:attrName>style.visibility</p:attrName>
-                                        </p:attrNameLst>
-                                      </p:cBhvr>
-                                      <p:to>
-                                        <p:strVal val="visible"/>
-                                      </p:to>
-                                    </p:set>
-                                    <p:animEffect transition="in" filter="wipe(up)">
-                                      <p:cBhvr>
-                                        <p:cTn id="45" dur="500"/>
-                                        <p:tgtEl>
-                                          <p:spTgt spid="3">
-                                            <p:txEl>
-                                              <p:pRg st="8" end="8"/>
                                             </p:txEl>
                                           </p:spTgt>
                                         </p:tgtEl>
@@ -6470,24 +7253,9 @@
           <a:bodyPr/>
           <a:lstStyle/>
           <a:p>
-            <a:endParaRPr lang="sv-SE" dirty="0" smtClean="0"/>
-          </a:p>
-          <a:p>
-            <a:r>
-              <a:rPr lang="sv-SE" dirty="0" err="1" smtClean="0"/>
-              <a:t>Neuroscience</a:t>
-            </a:r>
             <a:r>
               <a:rPr lang="sv-SE" dirty="0" smtClean="0"/>
-              <a:t> </a:t>
-            </a:r>
-            <a:r>
-              <a:rPr lang="sv-SE" dirty="0" err="1" smtClean="0"/>
-              <a:t>department</a:t>
-            </a:r>
-            <a:r>
-              <a:rPr lang="sv-SE" dirty="0" smtClean="0"/>
-              <a:t> at BMC</a:t>
+              <a:t>Neuroscience department at BMC</a:t>
             </a:r>
           </a:p>
           <a:p>
@@ -6563,7 +7331,7 @@
                                         <p:tgtEl>
                                           <p:spTgt spid="3">
                                             <p:txEl>
-                                              <p:pRg st="1" end="1"/>
+                                              <p:pRg st="0" end="0"/>
                                             </p:txEl>
                                           </p:spTgt>
                                         </p:tgtEl>
@@ -6581,7 +7349,7 @@
                                         <p:tgtEl>
                                           <p:spTgt spid="3">
                                             <p:txEl>
-                                              <p:pRg st="1" end="1"/>
+                                              <p:pRg st="0" end="0"/>
                                             </p:txEl>
                                           </p:spTgt>
                                         </p:tgtEl>
@@ -6624,7 +7392,7 @@
                                         <p:tgtEl>
                                           <p:spTgt spid="3">
                                             <p:txEl>
-                                              <p:pRg st="2" end="2"/>
+                                              <p:pRg st="1" end="1"/>
                                             </p:txEl>
                                           </p:spTgt>
                                         </p:tgtEl>
@@ -6642,7 +7410,7 @@
                                         <p:tgtEl>
                                           <p:spTgt spid="3">
                                             <p:txEl>
-                                              <p:pRg st="2" end="2"/>
+                                              <p:pRg st="1" end="1"/>
                                             </p:txEl>
                                           </p:spTgt>
                                         </p:tgtEl>
@@ -6685,7 +7453,7 @@
                                         <p:tgtEl>
                                           <p:spTgt spid="3">
                                             <p:txEl>
-                                              <p:pRg st="3" end="3"/>
+                                              <p:pRg st="2" end="2"/>
                                             </p:txEl>
                                           </p:spTgt>
                                         </p:tgtEl>
@@ -6703,7 +7471,7 @@
                                         <p:tgtEl>
                                           <p:spTgt spid="3">
                                             <p:txEl>
-                                              <p:pRg st="3" end="3"/>
+                                              <p:pRg st="2" end="2"/>
                                             </p:txEl>
                                           </p:spTgt>
                                         </p:tgtEl>
@@ -7374,7 +8142,7 @@
                             </p:stCondLst>
                             <p:childTnLst>
                               <p:par>
-                                <p:cTn id="5" presetID="22" presetClass="entr" presetSubtype="1" fill="hold" grpId="0" nodeType="clickEffect">
+                                <p:cTn id="5" presetID="22" presetClass="entr" presetSubtype="4" fill="hold" grpId="0" nodeType="clickEffect">
                                   <p:stCondLst>
                                     <p:cond delay="0"/>
                                   </p:stCondLst>
@@ -7401,7 +8169,7 @@
                                         <p:strVal val="visible"/>
                                       </p:to>
                                     </p:set>
-                                    <p:animEffect transition="in" filter="wipe(up)">
+                                    <p:animEffect transition="in" filter="wipe(down)">
                                       <p:cBhvr>
                                         <p:cTn id="7" dur="500"/>
                                         <p:tgtEl>
@@ -7435,7 +8203,7 @@
                             </p:stCondLst>
                             <p:childTnLst>
                               <p:par>
-                                <p:cTn id="10" presetID="22" presetClass="entr" presetSubtype="1" fill="hold" grpId="0" nodeType="clickEffect">
+                                <p:cTn id="10" presetID="22" presetClass="entr" presetSubtype="4" fill="hold" grpId="0" nodeType="clickEffect">
                                   <p:stCondLst>
                                     <p:cond delay="0"/>
                                   </p:stCondLst>
@@ -7462,7 +8230,7 @@
                                         <p:strVal val="visible"/>
                                       </p:to>
                                     </p:set>
-                                    <p:animEffect transition="in" filter="wipe(up)">
+                                    <p:animEffect transition="in" filter="wipe(down)">
                                       <p:cBhvr>
                                         <p:cTn id="12" dur="500"/>
                                         <p:tgtEl>
@@ -7496,7 +8264,7 @@
                             </p:stCondLst>
                             <p:childTnLst>
                               <p:par>
-                                <p:cTn id="15" presetID="22" presetClass="entr" presetSubtype="1" fill="hold" grpId="0" nodeType="clickEffect">
+                                <p:cTn id="15" presetID="22" presetClass="entr" presetSubtype="4" fill="hold" grpId="0" nodeType="clickEffect">
                                   <p:stCondLst>
                                     <p:cond delay="0"/>
                                   </p:stCondLst>
@@ -7523,7 +8291,7 @@
                                         <p:strVal val="visible"/>
                                       </p:to>
                                     </p:set>
-                                    <p:animEffect transition="in" filter="wipe(up)">
+                                    <p:animEffect transition="in" filter="wipe(down)">
                                       <p:cBhvr>
                                         <p:cTn id="17" dur="500"/>
                                         <p:tgtEl>
@@ -7538,33 +8306,15 @@
                                   </p:childTnLst>
                                 </p:cTn>
                               </p:par>
-                            </p:childTnLst>
-                          </p:cTn>
-                        </p:par>
-                      </p:childTnLst>
-                    </p:cTn>
-                  </p:par>
-                  <p:par>
-                    <p:cTn id="18" fill="hold">
-                      <p:stCondLst>
-                        <p:cond delay="indefinite"/>
-                      </p:stCondLst>
-                      <p:childTnLst>
-                        <p:par>
-                          <p:cTn id="19" fill="hold">
-                            <p:stCondLst>
-                              <p:cond delay="0"/>
-                            </p:stCondLst>
-                            <p:childTnLst>
                               <p:par>
-                                <p:cTn id="20" presetID="22" presetClass="entr" presetSubtype="1" fill="hold" grpId="0" nodeType="clickEffect">
+                                <p:cTn id="18" presetID="22" presetClass="entr" presetSubtype="4" fill="hold" grpId="0" nodeType="withEffect">
                                   <p:stCondLst>
                                     <p:cond delay="0"/>
                                   </p:stCondLst>
                                   <p:childTnLst>
                                     <p:set>
                                       <p:cBhvr>
-                                        <p:cTn id="21" dur="1" fill="hold">
+                                        <p:cTn id="19" dur="1" fill="hold">
                                           <p:stCondLst>
                                             <p:cond delay="0"/>
                                           </p:stCondLst>
@@ -7584,9 +8334,9 @@
                                         <p:strVal val="visible"/>
                                       </p:to>
                                     </p:set>
-                                    <p:animEffect transition="in" filter="wipe(up)">
-                                      <p:cBhvr>
-                                        <p:cTn id="22" dur="500"/>
+                                    <p:animEffect transition="in" filter="wipe(down)">
+                                      <p:cBhvr>
+                                        <p:cTn id="20" dur="500"/>
                                         <p:tgtEl>
                                           <p:spTgt spid="3">
                                             <p:txEl>
@@ -7599,33 +8349,15 @@
                                   </p:childTnLst>
                                 </p:cTn>
                               </p:par>
-                            </p:childTnLst>
-                          </p:cTn>
-                        </p:par>
-                      </p:childTnLst>
-                    </p:cTn>
-                  </p:par>
-                  <p:par>
-                    <p:cTn id="23" fill="hold">
-                      <p:stCondLst>
-                        <p:cond delay="indefinite"/>
-                      </p:stCondLst>
-                      <p:childTnLst>
-                        <p:par>
-                          <p:cTn id="24" fill="hold">
-                            <p:stCondLst>
-                              <p:cond delay="0"/>
-                            </p:stCondLst>
-                            <p:childTnLst>
                               <p:par>
-                                <p:cTn id="25" presetID="22" presetClass="entr" presetSubtype="1" fill="hold" grpId="0" nodeType="clickEffect">
+                                <p:cTn id="21" presetID="22" presetClass="entr" presetSubtype="4" fill="hold" grpId="0" nodeType="withEffect">
                                   <p:stCondLst>
                                     <p:cond delay="0"/>
                                   </p:stCondLst>
                                   <p:childTnLst>
                                     <p:set>
                                       <p:cBhvr>
-                                        <p:cTn id="26" dur="1" fill="hold">
+                                        <p:cTn id="22" dur="1" fill="hold">
                                           <p:stCondLst>
                                             <p:cond delay="0"/>
                                           </p:stCondLst>
@@ -7645,9 +8377,9 @@
                                         <p:strVal val="visible"/>
                                       </p:to>
                                     </p:set>
-                                    <p:animEffect transition="in" filter="wipe(up)">
-                                      <p:cBhvr>
-                                        <p:cTn id="27" dur="500"/>
+                                    <p:animEffect transition="in" filter="wipe(down)">
+                                      <p:cBhvr>
+                                        <p:cTn id="23" dur="500"/>
                                         <p:tgtEl>
                                           <p:spTgt spid="3">
                                             <p:txEl>
@@ -7660,33 +8392,15 @@
                                   </p:childTnLst>
                                 </p:cTn>
                               </p:par>
-                            </p:childTnLst>
-                          </p:cTn>
-                        </p:par>
-                      </p:childTnLst>
-                    </p:cTn>
-                  </p:par>
-                  <p:par>
-                    <p:cTn id="28" fill="hold">
-                      <p:stCondLst>
-                        <p:cond delay="indefinite"/>
-                      </p:stCondLst>
-                      <p:childTnLst>
-                        <p:par>
-                          <p:cTn id="29" fill="hold">
-                            <p:stCondLst>
-                              <p:cond delay="0"/>
-                            </p:stCondLst>
-                            <p:childTnLst>
                               <p:par>
-                                <p:cTn id="30" presetID="22" presetClass="entr" presetSubtype="1" fill="hold" grpId="0" nodeType="clickEffect">
+                                <p:cTn id="24" presetID="22" presetClass="entr" presetSubtype="4" fill="hold" grpId="0" nodeType="withEffect">
                                   <p:stCondLst>
                                     <p:cond delay="0"/>
                                   </p:stCondLst>
                                   <p:childTnLst>
                                     <p:set>
                                       <p:cBhvr>
-                                        <p:cTn id="31" dur="1" fill="hold">
+                                        <p:cTn id="25" dur="1" fill="hold">
                                           <p:stCondLst>
                                             <p:cond delay="0"/>
                                           </p:stCondLst>
@@ -7706,9 +8420,9 @@
                                         <p:strVal val="visible"/>
                                       </p:to>
                                     </p:set>
-                                    <p:animEffect transition="in" filter="wipe(up)">
-                                      <p:cBhvr>
-                                        <p:cTn id="32" dur="500"/>
+                                    <p:animEffect transition="in" filter="wipe(down)">
+                                      <p:cBhvr>
+                                        <p:cTn id="26" dur="500"/>
                                         <p:tgtEl>
                                           <p:spTgt spid="3">
                                             <p:txEl>
@@ -7721,33 +8435,15 @@
                                   </p:childTnLst>
                                 </p:cTn>
                               </p:par>
-                            </p:childTnLst>
-                          </p:cTn>
-                        </p:par>
-                      </p:childTnLst>
-                    </p:cTn>
-                  </p:par>
-                  <p:par>
-                    <p:cTn id="33" fill="hold">
-                      <p:stCondLst>
-                        <p:cond delay="indefinite"/>
-                      </p:stCondLst>
-                      <p:childTnLst>
-                        <p:par>
-                          <p:cTn id="34" fill="hold">
-                            <p:stCondLst>
-                              <p:cond delay="0"/>
-                            </p:stCondLst>
-                            <p:childTnLst>
                               <p:par>
-                                <p:cTn id="35" presetID="22" presetClass="entr" presetSubtype="1" fill="hold" grpId="0" nodeType="clickEffect">
+                                <p:cTn id="27" presetID="22" presetClass="entr" presetSubtype="4" fill="hold" grpId="0" nodeType="withEffect">
                                   <p:stCondLst>
                                     <p:cond delay="0"/>
                                   </p:stCondLst>
                                   <p:childTnLst>
                                     <p:set>
                                       <p:cBhvr>
-                                        <p:cTn id="36" dur="1" fill="hold">
+                                        <p:cTn id="28" dur="1" fill="hold">
                                           <p:stCondLst>
                                             <p:cond delay="0"/>
                                           </p:stCondLst>
@@ -7767,9 +8463,9 @@
                                         <p:strVal val="visible"/>
                                       </p:to>
                                     </p:set>
-                                    <p:animEffect transition="in" filter="wipe(up)">
-                                      <p:cBhvr>
-                                        <p:cTn id="37" dur="500"/>
+                                    <p:animEffect transition="in" filter="wipe(down)">
+                                      <p:cBhvr>
+                                        <p:cTn id="29" dur="500"/>
                                         <p:tgtEl>
                                           <p:spTgt spid="3">
                                             <p:txEl>
@@ -8296,41 +8992,11 @@
           <a:p>
             <a:pPr lvl="1"/>
             <a:r>
-              <a:rPr lang="sv-SE" dirty="0" err="1" smtClean="0">
-                <a:sym typeface="Wingdings" pitchFamily="2" charset="2"/>
-              </a:rPr>
-              <a:t>Trigger</a:t>
-            </a:r>
-            <a:r>
               <a:rPr lang="sv-SE" dirty="0" smtClean="0">
                 <a:sym typeface="Wingdings" pitchFamily="2" charset="2"/>
               </a:rPr>
-              <a:t> system</a:t>
-            </a:r>
-          </a:p>
-          <a:p>
-            <a:pPr lvl="1"/>
-            <a:r>
-              <a:rPr lang="sv-SE" dirty="0" err="1" smtClean="0">
-                <a:sym typeface="Wingdings" pitchFamily="2" charset="2"/>
-              </a:rPr>
-              <a:t>Low</a:t>
-            </a:r>
-            <a:r>
-              <a:rPr lang="sv-SE" dirty="0" smtClean="0">
-                <a:sym typeface="Wingdings" pitchFamily="2" charset="2"/>
-              </a:rPr>
-              <a:t> </a:t>
-            </a:r>
-            <a:r>
-              <a:rPr lang="sv-SE" dirty="0" err="1" smtClean="0">
-                <a:sym typeface="Wingdings" pitchFamily="2" charset="2"/>
-              </a:rPr>
-              <a:t>latency</a:t>
-            </a:r>
-            <a:endParaRPr lang="sv-SE" dirty="0" smtClean="0">
-              <a:sym typeface="Wingdings" pitchFamily="2" charset="2"/>
-            </a:endParaRPr>
+              <a:t>Trigger system</a:t>
+            </a:r>
           </a:p>
         </p:txBody>
       </p:sp>
@@ -8343,9 +9009,279 @@
   <p:timing>
     <p:tnLst>
       <p:par>
-        <p:cTn id="1" dur="indefinite" restart="never" nodeType="tmRoot"/>
+        <p:cTn id="1" dur="indefinite" restart="never" nodeType="tmRoot">
+          <p:childTnLst>
+            <p:seq concurrent="1" nextAc="seek">
+              <p:cTn id="2" dur="indefinite" nodeType="mainSeq">
+                <p:childTnLst>
+                  <p:par>
+                    <p:cTn id="3" fill="hold">
+                      <p:stCondLst>
+                        <p:cond delay="indefinite"/>
+                      </p:stCondLst>
+                      <p:childTnLst>
+                        <p:par>
+                          <p:cTn id="4" fill="hold">
+                            <p:stCondLst>
+                              <p:cond delay="0"/>
+                            </p:stCondLst>
+                            <p:childTnLst>
+                              <p:par>
+                                <p:cTn id="5" presetID="22" presetClass="entr" presetSubtype="1" fill="hold" grpId="0" nodeType="clickEffect">
+                                  <p:stCondLst>
+                                    <p:cond delay="0"/>
+                                  </p:stCondLst>
+                                  <p:childTnLst>
+                                    <p:set>
+                                      <p:cBhvr>
+                                        <p:cTn id="6" dur="1" fill="hold">
+                                          <p:stCondLst>
+                                            <p:cond delay="0"/>
+                                          </p:stCondLst>
+                                        </p:cTn>
+                                        <p:tgtEl>
+                                          <p:spTgt spid="3">
+                                            <p:txEl>
+                                              <p:pRg st="0" end="0"/>
+                                            </p:txEl>
+                                          </p:spTgt>
+                                        </p:tgtEl>
+                                        <p:attrNameLst>
+                                          <p:attrName>style.visibility</p:attrName>
+                                        </p:attrNameLst>
+                                      </p:cBhvr>
+                                      <p:to>
+                                        <p:strVal val="visible"/>
+                                      </p:to>
+                                    </p:set>
+                                    <p:animEffect transition="in" filter="wipe(up)">
+                                      <p:cBhvr>
+                                        <p:cTn id="7" dur="500"/>
+                                        <p:tgtEl>
+                                          <p:spTgt spid="3">
+                                            <p:txEl>
+                                              <p:pRg st="0" end="0"/>
+                                            </p:txEl>
+                                          </p:spTgt>
+                                        </p:tgtEl>
+                                      </p:cBhvr>
+                                    </p:animEffect>
+                                  </p:childTnLst>
+                                </p:cTn>
+                              </p:par>
+                            </p:childTnLst>
+                          </p:cTn>
+                        </p:par>
+                      </p:childTnLst>
+                    </p:cTn>
+                  </p:par>
+                  <p:par>
+                    <p:cTn id="8" fill="hold">
+                      <p:stCondLst>
+                        <p:cond delay="indefinite"/>
+                      </p:stCondLst>
+                      <p:childTnLst>
+                        <p:par>
+                          <p:cTn id="9" fill="hold">
+                            <p:stCondLst>
+                              <p:cond delay="0"/>
+                            </p:stCondLst>
+                            <p:childTnLst>
+                              <p:par>
+                                <p:cTn id="10" presetID="22" presetClass="entr" presetSubtype="1" fill="hold" grpId="0" nodeType="clickEffect">
+                                  <p:stCondLst>
+                                    <p:cond delay="0"/>
+                                  </p:stCondLst>
+                                  <p:childTnLst>
+                                    <p:set>
+                                      <p:cBhvr>
+                                        <p:cTn id="11" dur="1" fill="hold">
+                                          <p:stCondLst>
+                                            <p:cond delay="0"/>
+                                          </p:stCondLst>
+                                        </p:cTn>
+                                        <p:tgtEl>
+                                          <p:spTgt spid="3">
+                                            <p:txEl>
+                                              <p:pRg st="1" end="1"/>
+                                            </p:txEl>
+                                          </p:spTgt>
+                                        </p:tgtEl>
+                                        <p:attrNameLst>
+                                          <p:attrName>style.visibility</p:attrName>
+                                        </p:attrNameLst>
+                                      </p:cBhvr>
+                                      <p:to>
+                                        <p:strVal val="visible"/>
+                                      </p:to>
+                                    </p:set>
+                                    <p:animEffect transition="in" filter="wipe(up)">
+                                      <p:cBhvr>
+                                        <p:cTn id="12" dur="500"/>
+                                        <p:tgtEl>
+                                          <p:spTgt spid="3">
+                                            <p:txEl>
+                                              <p:pRg st="1" end="1"/>
+                                            </p:txEl>
+                                          </p:spTgt>
+                                        </p:tgtEl>
+                                      </p:cBhvr>
+                                    </p:animEffect>
+                                  </p:childTnLst>
+                                </p:cTn>
+                              </p:par>
+                            </p:childTnLst>
+                          </p:cTn>
+                        </p:par>
+                      </p:childTnLst>
+                    </p:cTn>
+                  </p:par>
+                  <p:par>
+                    <p:cTn id="13" fill="hold">
+                      <p:stCondLst>
+                        <p:cond delay="indefinite"/>
+                      </p:stCondLst>
+                      <p:childTnLst>
+                        <p:par>
+                          <p:cTn id="14" fill="hold">
+                            <p:stCondLst>
+                              <p:cond delay="0"/>
+                            </p:stCondLst>
+                            <p:childTnLst>
+                              <p:par>
+                                <p:cTn id="15" presetID="22" presetClass="entr" presetSubtype="1" fill="hold" grpId="0" nodeType="clickEffect">
+                                  <p:stCondLst>
+                                    <p:cond delay="0"/>
+                                  </p:stCondLst>
+                                  <p:childTnLst>
+                                    <p:set>
+                                      <p:cBhvr>
+                                        <p:cTn id="16" dur="1" fill="hold">
+                                          <p:stCondLst>
+                                            <p:cond delay="0"/>
+                                          </p:stCondLst>
+                                        </p:cTn>
+                                        <p:tgtEl>
+                                          <p:spTgt spid="3">
+                                            <p:txEl>
+                                              <p:pRg st="2" end="2"/>
+                                            </p:txEl>
+                                          </p:spTgt>
+                                        </p:tgtEl>
+                                        <p:attrNameLst>
+                                          <p:attrName>style.visibility</p:attrName>
+                                        </p:attrNameLst>
+                                      </p:cBhvr>
+                                      <p:to>
+                                        <p:strVal val="visible"/>
+                                      </p:to>
+                                    </p:set>
+                                    <p:animEffect transition="in" filter="wipe(up)">
+                                      <p:cBhvr>
+                                        <p:cTn id="17" dur="500"/>
+                                        <p:tgtEl>
+                                          <p:spTgt spid="3">
+                                            <p:txEl>
+                                              <p:pRg st="2" end="2"/>
+                                            </p:txEl>
+                                          </p:spTgt>
+                                        </p:tgtEl>
+                                      </p:cBhvr>
+                                    </p:animEffect>
+                                  </p:childTnLst>
+                                </p:cTn>
+                              </p:par>
+                            </p:childTnLst>
+                          </p:cTn>
+                        </p:par>
+                      </p:childTnLst>
+                    </p:cTn>
+                  </p:par>
+                  <p:par>
+                    <p:cTn id="18" fill="hold">
+                      <p:stCondLst>
+                        <p:cond delay="indefinite"/>
+                      </p:stCondLst>
+                      <p:childTnLst>
+                        <p:par>
+                          <p:cTn id="19" fill="hold">
+                            <p:stCondLst>
+                              <p:cond delay="0"/>
+                            </p:stCondLst>
+                            <p:childTnLst>
+                              <p:par>
+                                <p:cTn id="20" presetID="22" presetClass="entr" presetSubtype="1" fill="hold" grpId="0" nodeType="clickEffect">
+                                  <p:stCondLst>
+                                    <p:cond delay="0"/>
+                                  </p:stCondLst>
+                                  <p:childTnLst>
+                                    <p:set>
+                                      <p:cBhvr>
+                                        <p:cTn id="21" dur="1" fill="hold">
+                                          <p:stCondLst>
+                                            <p:cond delay="0"/>
+                                          </p:stCondLst>
+                                        </p:cTn>
+                                        <p:tgtEl>
+                                          <p:spTgt spid="3">
+                                            <p:txEl>
+                                              <p:pRg st="3" end="3"/>
+                                            </p:txEl>
+                                          </p:spTgt>
+                                        </p:tgtEl>
+                                        <p:attrNameLst>
+                                          <p:attrName>style.visibility</p:attrName>
+                                        </p:attrNameLst>
+                                      </p:cBhvr>
+                                      <p:to>
+                                        <p:strVal val="visible"/>
+                                      </p:to>
+                                    </p:set>
+                                    <p:animEffect transition="in" filter="wipe(up)">
+                                      <p:cBhvr>
+                                        <p:cTn id="22" dur="500"/>
+                                        <p:tgtEl>
+                                          <p:spTgt spid="3">
+                                            <p:txEl>
+                                              <p:pRg st="3" end="3"/>
+                                            </p:txEl>
+                                          </p:spTgt>
+                                        </p:tgtEl>
+                                      </p:cBhvr>
+                                    </p:animEffect>
+                                  </p:childTnLst>
+                                </p:cTn>
+                              </p:par>
+                            </p:childTnLst>
+                          </p:cTn>
+                        </p:par>
+                      </p:childTnLst>
+                    </p:cTn>
+                  </p:par>
+                </p:childTnLst>
+              </p:cTn>
+              <p:prevCondLst>
+                <p:cond evt="onPrev" delay="0">
+                  <p:tgtEl>
+                    <p:sldTgt/>
+                  </p:tgtEl>
+                </p:cond>
+              </p:prevCondLst>
+              <p:nextCondLst>
+                <p:cond evt="onNext" delay="0">
+                  <p:tgtEl>
+                    <p:sldTgt/>
+                  </p:tgtEl>
+                </p:cond>
+              </p:nextCondLst>
+            </p:seq>
+          </p:childTnLst>
+        </p:cTn>
       </p:par>
     </p:tnLst>
+    <p:bldLst>
+      <p:bldP spid="3" grpId="0" build="p"/>
+    </p:bldLst>
   </p:timing>
 </p:sld>
 </file>
@@ -8408,18 +9344,9 @@
           <a:lstStyle/>
           <a:p>
             <a:r>
-              <a:rPr lang="sv-SE" dirty="0" err="1" smtClean="0"/>
-              <a:t>Agile</a:t>
-            </a:r>
-            <a:r>
               <a:rPr lang="sv-SE" dirty="0" smtClean="0"/>
-              <a:t> </a:t>
-            </a:r>
-            <a:r>
-              <a:rPr lang="sv-SE" dirty="0" err="1" smtClean="0"/>
-              <a:t>manifesto</a:t>
-            </a:r>
-            <a:endParaRPr lang="sv-SE" dirty="0" smtClean="0"/>
+              <a:t>Iterative design</a:t>
+            </a:r>
           </a:p>
           <a:p>
             <a:r>
@@ -8486,9 +9413,401 @@
   <p:timing>
     <p:tnLst>
       <p:par>
-        <p:cTn id="1" dur="indefinite" restart="never" nodeType="tmRoot"/>
+        <p:cTn id="1" dur="indefinite" restart="never" nodeType="tmRoot">
+          <p:childTnLst>
+            <p:seq concurrent="1" nextAc="seek">
+              <p:cTn id="2" dur="indefinite" nodeType="mainSeq">
+                <p:childTnLst>
+                  <p:par>
+                    <p:cTn id="3" fill="hold">
+                      <p:stCondLst>
+                        <p:cond delay="indefinite"/>
+                      </p:stCondLst>
+                      <p:childTnLst>
+                        <p:par>
+                          <p:cTn id="4" fill="hold">
+                            <p:stCondLst>
+                              <p:cond delay="0"/>
+                            </p:stCondLst>
+                            <p:childTnLst>
+                              <p:par>
+                                <p:cTn id="5" presetID="22" presetClass="entr" presetSubtype="1" fill="hold" grpId="0" nodeType="clickEffect">
+                                  <p:stCondLst>
+                                    <p:cond delay="0"/>
+                                  </p:stCondLst>
+                                  <p:childTnLst>
+                                    <p:set>
+                                      <p:cBhvr>
+                                        <p:cTn id="6" dur="1" fill="hold">
+                                          <p:stCondLst>
+                                            <p:cond delay="0"/>
+                                          </p:stCondLst>
+                                        </p:cTn>
+                                        <p:tgtEl>
+                                          <p:spTgt spid="3">
+                                            <p:txEl>
+                                              <p:pRg st="0" end="0"/>
+                                            </p:txEl>
+                                          </p:spTgt>
+                                        </p:tgtEl>
+                                        <p:attrNameLst>
+                                          <p:attrName>style.visibility</p:attrName>
+                                        </p:attrNameLst>
+                                      </p:cBhvr>
+                                      <p:to>
+                                        <p:strVal val="visible"/>
+                                      </p:to>
+                                    </p:set>
+                                    <p:animEffect transition="in" filter="wipe(up)">
+                                      <p:cBhvr>
+                                        <p:cTn id="7" dur="500"/>
+                                        <p:tgtEl>
+                                          <p:spTgt spid="3">
+                                            <p:txEl>
+                                              <p:pRg st="0" end="0"/>
+                                            </p:txEl>
+                                          </p:spTgt>
+                                        </p:tgtEl>
+                                      </p:cBhvr>
+                                    </p:animEffect>
+                                  </p:childTnLst>
+                                </p:cTn>
+                              </p:par>
+                            </p:childTnLst>
+                          </p:cTn>
+                        </p:par>
+                      </p:childTnLst>
+                    </p:cTn>
+                  </p:par>
+                  <p:par>
+                    <p:cTn id="8" fill="hold">
+                      <p:stCondLst>
+                        <p:cond delay="indefinite"/>
+                      </p:stCondLst>
+                      <p:childTnLst>
+                        <p:par>
+                          <p:cTn id="9" fill="hold">
+                            <p:stCondLst>
+                              <p:cond delay="0"/>
+                            </p:stCondLst>
+                            <p:childTnLst>
+                              <p:par>
+                                <p:cTn id="10" presetID="22" presetClass="entr" presetSubtype="1" fill="hold" grpId="0" nodeType="clickEffect">
+                                  <p:stCondLst>
+                                    <p:cond delay="0"/>
+                                  </p:stCondLst>
+                                  <p:childTnLst>
+                                    <p:set>
+                                      <p:cBhvr>
+                                        <p:cTn id="11" dur="1" fill="hold">
+                                          <p:stCondLst>
+                                            <p:cond delay="0"/>
+                                          </p:stCondLst>
+                                        </p:cTn>
+                                        <p:tgtEl>
+                                          <p:spTgt spid="3">
+                                            <p:txEl>
+                                              <p:pRg st="1" end="1"/>
+                                            </p:txEl>
+                                          </p:spTgt>
+                                        </p:tgtEl>
+                                        <p:attrNameLst>
+                                          <p:attrName>style.visibility</p:attrName>
+                                        </p:attrNameLst>
+                                      </p:cBhvr>
+                                      <p:to>
+                                        <p:strVal val="visible"/>
+                                      </p:to>
+                                    </p:set>
+                                    <p:animEffect transition="in" filter="wipe(up)">
+                                      <p:cBhvr>
+                                        <p:cTn id="12" dur="500"/>
+                                        <p:tgtEl>
+                                          <p:spTgt spid="3">
+                                            <p:txEl>
+                                              <p:pRg st="1" end="1"/>
+                                            </p:txEl>
+                                          </p:spTgt>
+                                        </p:tgtEl>
+                                      </p:cBhvr>
+                                    </p:animEffect>
+                                  </p:childTnLst>
+                                </p:cTn>
+                              </p:par>
+                            </p:childTnLst>
+                          </p:cTn>
+                        </p:par>
+                      </p:childTnLst>
+                    </p:cTn>
+                  </p:par>
+                  <p:par>
+                    <p:cTn id="13" fill="hold">
+                      <p:stCondLst>
+                        <p:cond delay="indefinite"/>
+                      </p:stCondLst>
+                      <p:childTnLst>
+                        <p:par>
+                          <p:cTn id="14" fill="hold">
+                            <p:stCondLst>
+                              <p:cond delay="0"/>
+                            </p:stCondLst>
+                            <p:childTnLst>
+                              <p:par>
+                                <p:cTn id="15" presetID="22" presetClass="entr" presetSubtype="1" fill="hold" grpId="0" nodeType="clickEffect">
+                                  <p:stCondLst>
+                                    <p:cond delay="0"/>
+                                  </p:stCondLst>
+                                  <p:childTnLst>
+                                    <p:set>
+                                      <p:cBhvr>
+                                        <p:cTn id="16" dur="1" fill="hold">
+                                          <p:stCondLst>
+                                            <p:cond delay="0"/>
+                                          </p:stCondLst>
+                                        </p:cTn>
+                                        <p:tgtEl>
+                                          <p:spTgt spid="3">
+                                            <p:txEl>
+                                              <p:pRg st="2" end="2"/>
+                                            </p:txEl>
+                                          </p:spTgt>
+                                        </p:tgtEl>
+                                        <p:attrNameLst>
+                                          <p:attrName>style.visibility</p:attrName>
+                                        </p:attrNameLst>
+                                      </p:cBhvr>
+                                      <p:to>
+                                        <p:strVal val="visible"/>
+                                      </p:to>
+                                    </p:set>
+                                    <p:animEffect transition="in" filter="wipe(up)">
+                                      <p:cBhvr>
+                                        <p:cTn id="17" dur="500"/>
+                                        <p:tgtEl>
+                                          <p:spTgt spid="3">
+                                            <p:txEl>
+                                              <p:pRg st="2" end="2"/>
+                                            </p:txEl>
+                                          </p:spTgt>
+                                        </p:tgtEl>
+                                      </p:cBhvr>
+                                    </p:animEffect>
+                                  </p:childTnLst>
+                                </p:cTn>
+                              </p:par>
+                            </p:childTnLst>
+                          </p:cTn>
+                        </p:par>
+                      </p:childTnLst>
+                    </p:cTn>
+                  </p:par>
+                  <p:par>
+                    <p:cTn id="18" fill="hold">
+                      <p:stCondLst>
+                        <p:cond delay="indefinite"/>
+                      </p:stCondLst>
+                      <p:childTnLst>
+                        <p:par>
+                          <p:cTn id="19" fill="hold">
+                            <p:stCondLst>
+                              <p:cond delay="0"/>
+                            </p:stCondLst>
+                            <p:childTnLst>
+                              <p:par>
+                                <p:cTn id="20" presetID="22" presetClass="entr" presetSubtype="1" fill="hold" grpId="0" nodeType="clickEffect">
+                                  <p:stCondLst>
+                                    <p:cond delay="0"/>
+                                  </p:stCondLst>
+                                  <p:childTnLst>
+                                    <p:set>
+                                      <p:cBhvr>
+                                        <p:cTn id="21" dur="1" fill="hold">
+                                          <p:stCondLst>
+                                            <p:cond delay="0"/>
+                                          </p:stCondLst>
+                                        </p:cTn>
+                                        <p:tgtEl>
+                                          <p:spTgt spid="3">
+                                            <p:txEl>
+                                              <p:pRg st="3" end="3"/>
+                                            </p:txEl>
+                                          </p:spTgt>
+                                        </p:tgtEl>
+                                        <p:attrNameLst>
+                                          <p:attrName>style.visibility</p:attrName>
+                                        </p:attrNameLst>
+                                      </p:cBhvr>
+                                      <p:to>
+                                        <p:strVal val="visible"/>
+                                      </p:to>
+                                    </p:set>
+                                    <p:animEffect transition="in" filter="wipe(up)">
+                                      <p:cBhvr>
+                                        <p:cTn id="22" dur="500"/>
+                                        <p:tgtEl>
+                                          <p:spTgt spid="3">
+                                            <p:txEl>
+                                              <p:pRg st="3" end="3"/>
+                                            </p:txEl>
+                                          </p:spTgt>
+                                        </p:tgtEl>
+                                      </p:cBhvr>
+                                    </p:animEffect>
+                                  </p:childTnLst>
+                                </p:cTn>
+                              </p:par>
+                            </p:childTnLst>
+                          </p:cTn>
+                        </p:par>
+                      </p:childTnLst>
+                    </p:cTn>
+                  </p:par>
+                  <p:par>
+                    <p:cTn id="23" fill="hold">
+                      <p:stCondLst>
+                        <p:cond delay="indefinite"/>
+                      </p:stCondLst>
+                      <p:childTnLst>
+                        <p:par>
+                          <p:cTn id="24" fill="hold">
+                            <p:stCondLst>
+                              <p:cond delay="0"/>
+                            </p:stCondLst>
+                            <p:childTnLst>
+                              <p:par>
+                                <p:cTn id="25" presetID="22" presetClass="entr" presetSubtype="1" fill="hold" grpId="0" nodeType="clickEffect">
+                                  <p:stCondLst>
+                                    <p:cond delay="0"/>
+                                  </p:stCondLst>
+                                  <p:childTnLst>
+                                    <p:set>
+                                      <p:cBhvr>
+                                        <p:cTn id="26" dur="1" fill="hold">
+                                          <p:stCondLst>
+                                            <p:cond delay="0"/>
+                                          </p:stCondLst>
+                                        </p:cTn>
+                                        <p:tgtEl>
+                                          <p:spTgt spid="3">
+                                            <p:txEl>
+                                              <p:pRg st="4" end="4"/>
+                                            </p:txEl>
+                                          </p:spTgt>
+                                        </p:tgtEl>
+                                        <p:attrNameLst>
+                                          <p:attrName>style.visibility</p:attrName>
+                                        </p:attrNameLst>
+                                      </p:cBhvr>
+                                      <p:to>
+                                        <p:strVal val="visible"/>
+                                      </p:to>
+                                    </p:set>
+                                    <p:animEffect transition="in" filter="wipe(up)">
+                                      <p:cBhvr>
+                                        <p:cTn id="27" dur="500"/>
+                                        <p:tgtEl>
+                                          <p:spTgt spid="3">
+                                            <p:txEl>
+                                              <p:pRg st="4" end="4"/>
+                                            </p:txEl>
+                                          </p:spTgt>
+                                        </p:tgtEl>
+                                      </p:cBhvr>
+                                    </p:animEffect>
+                                  </p:childTnLst>
+                                </p:cTn>
+                              </p:par>
+                            </p:childTnLst>
+                          </p:cTn>
+                        </p:par>
+                      </p:childTnLst>
+                    </p:cTn>
+                  </p:par>
+                  <p:par>
+                    <p:cTn id="28" fill="hold">
+                      <p:stCondLst>
+                        <p:cond delay="indefinite"/>
+                      </p:stCondLst>
+                      <p:childTnLst>
+                        <p:par>
+                          <p:cTn id="29" fill="hold">
+                            <p:stCondLst>
+                              <p:cond delay="0"/>
+                            </p:stCondLst>
+                            <p:childTnLst>
+                              <p:par>
+                                <p:cTn id="30" presetID="22" presetClass="entr" presetSubtype="1" fill="hold" grpId="0" nodeType="clickEffect">
+                                  <p:stCondLst>
+                                    <p:cond delay="0"/>
+                                  </p:stCondLst>
+                                  <p:childTnLst>
+                                    <p:set>
+                                      <p:cBhvr>
+                                        <p:cTn id="31" dur="1" fill="hold">
+                                          <p:stCondLst>
+                                            <p:cond delay="0"/>
+                                          </p:stCondLst>
+                                        </p:cTn>
+                                        <p:tgtEl>
+                                          <p:spTgt spid="3">
+                                            <p:txEl>
+                                              <p:pRg st="5" end="5"/>
+                                            </p:txEl>
+                                          </p:spTgt>
+                                        </p:tgtEl>
+                                        <p:attrNameLst>
+                                          <p:attrName>style.visibility</p:attrName>
+                                        </p:attrNameLst>
+                                      </p:cBhvr>
+                                      <p:to>
+                                        <p:strVal val="visible"/>
+                                      </p:to>
+                                    </p:set>
+                                    <p:animEffect transition="in" filter="wipe(up)">
+                                      <p:cBhvr>
+                                        <p:cTn id="32" dur="500"/>
+                                        <p:tgtEl>
+                                          <p:spTgt spid="3">
+                                            <p:txEl>
+                                              <p:pRg st="5" end="5"/>
+                                            </p:txEl>
+                                          </p:spTgt>
+                                        </p:tgtEl>
+                                      </p:cBhvr>
+                                    </p:animEffect>
+                                  </p:childTnLst>
+                                </p:cTn>
+                              </p:par>
+                            </p:childTnLst>
+                          </p:cTn>
+                        </p:par>
+                      </p:childTnLst>
+                    </p:cTn>
+                  </p:par>
+                </p:childTnLst>
+              </p:cTn>
+              <p:prevCondLst>
+                <p:cond evt="onPrev" delay="0">
+                  <p:tgtEl>
+                    <p:sldTgt/>
+                  </p:tgtEl>
+                </p:cond>
+              </p:prevCondLst>
+              <p:nextCondLst>
+                <p:cond evt="onNext" delay="0">
+                  <p:tgtEl>
+                    <p:sldTgt/>
+                  </p:tgtEl>
+                </p:cond>
+              </p:nextCondLst>
+            </p:seq>
+          </p:childTnLst>
+        </p:cTn>
       </p:par>
     </p:tnLst>
+    <p:bldLst>
+      <p:bldP spid="3" grpId="0" build="p"/>
+    </p:bldLst>
   </p:timing>
 </p:sld>
 </file>
@@ -8549,8 +9868,25 @@
           <a:lstStyle/>
           <a:p>
             <a:r>
+              <a:rPr lang="sv-SE" dirty="0" smtClean="0"/>
+              <a:t>Calibrate measurements</a:t>
+            </a:r>
+          </a:p>
+          <a:p>
+            <a:r>
               <a:rPr lang="sv-SE" dirty="0" err="1" smtClean="0"/>
-              <a:t>Calibrate</a:t>
+              <a:t>Tricky</a:t>
+            </a:r>
+            <a:r>
+              <a:rPr lang="sv-SE" dirty="0" smtClean="0"/>
+              <a:t>!</a:t>
+            </a:r>
+          </a:p>
+          <a:p>
+            <a:pPr lvl="1"/>
+            <a:r>
+              <a:rPr lang="sv-SE" dirty="0" err="1" smtClean="0"/>
+              <a:t>Physical</a:t>
             </a:r>
             <a:r>
               <a:rPr lang="sv-SE" dirty="0" smtClean="0"/>
@@ -8558,68 +9894,15 @@
             </a:r>
             <a:r>
               <a:rPr lang="sv-SE" dirty="0" err="1" smtClean="0"/>
-              <a:t>measurement</a:t>
-            </a:r>
+              <a:t>setup</a:t>
+            </a:r>
+            <a:endParaRPr lang="sv-SE" dirty="0" smtClean="0"/>
+          </a:p>
+          <a:p>
+            <a:pPr lvl="1"/>
             <a:r>
               <a:rPr lang="sv-SE" dirty="0" smtClean="0"/>
-              <a:t> to </a:t>
-            </a:r>
-            <a:r>
-              <a:rPr lang="sv-SE" dirty="0" err="1" smtClean="0"/>
-              <a:t>coordinates</a:t>
-            </a:r>
-            <a:endParaRPr lang="sv-SE" dirty="0" smtClean="0"/>
-          </a:p>
-          <a:p>
-            <a:r>
-              <a:rPr lang="sv-SE" dirty="0" err="1" smtClean="0"/>
-              <a:t>Tricky</a:t>
-            </a:r>
-            <a:r>
-              <a:rPr lang="sv-SE" dirty="0" smtClean="0"/>
-              <a:t>!</a:t>
-            </a:r>
-          </a:p>
-          <a:p>
-            <a:pPr lvl="1"/>
-            <a:r>
-              <a:rPr lang="sv-SE" dirty="0" err="1" smtClean="0"/>
-              <a:t>Physical</a:t>
-            </a:r>
-            <a:r>
-              <a:rPr lang="sv-SE" dirty="0" smtClean="0"/>
-              <a:t> </a:t>
-            </a:r>
-            <a:r>
-              <a:rPr lang="sv-SE" dirty="0" err="1" smtClean="0"/>
-              <a:t>setup</a:t>
-            </a:r>
-            <a:endParaRPr lang="sv-SE" dirty="0" smtClean="0"/>
-          </a:p>
-          <a:p>
-            <a:pPr lvl="1"/>
-            <a:r>
-              <a:rPr lang="sv-SE" dirty="0" smtClean="0"/>
-              <a:t>Design of </a:t>
-            </a:r>
-            <a:r>
-              <a:rPr lang="sv-SE" dirty="0" err="1" smtClean="0"/>
-              <a:t>interactive</a:t>
-            </a:r>
-            <a:r>
-              <a:rPr lang="sv-SE" dirty="0" smtClean="0"/>
-              <a:t> </a:t>
-            </a:r>
-            <a:r>
-              <a:rPr lang="sv-SE" dirty="0" err="1" smtClean="0"/>
-              <a:t>calibration</a:t>
-            </a:r>
-            <a:endParaRPr lang="sv-SE" dirty="0" smtClean="0"/>
-          </a:p>
-          <a:p>
-            <a:r>
-              <a:rPr lang="sv-SE" dirty="0" smtClean="0"/>
-              <a:t>Iterative design</a:t>
+              <a:t>Design of interactive calibration</a:t>
             </a:r>
             <a:endParaRPr lang="sv-SE" dirty="0"/>
           </a:p>
@@ -8636,7 +9919,7 @@
           </p:nvPr>
         </p:nvPicPr>
         <p:blipFill>
-          <a:blip r:embed="rId2" cstate="print"/>
+          <a:blip r:embed="rId3" cstate="print"/>
           <a:stretch>
             <a:fillRect/>
           </a:stretch>
@@ -8778,15 +10061,33 @@
                                   </p:childTnLst>
                                 </p:cTn>
                               </p:par>
+                            </p:childTnLst>
+                          </p:cTn>
+                        </p:par>
+                      </p:childTnLst>
+                    </p:cTn>
+                  </p:par>
+                  <p:par>
+                    <p:cTn id="13" fill="hold">
+                      <p:stCondLst>
+                        <p:cond delay="indefinite"/>
+                      </p:stCondLst>
+                      <p:childTnLst>
+                        <p:par>
+                          <p:cTn id="14" fill="hold">
+                            <p:stCondLst>
+                              <p:cond delay="0"/>
+                            </p:stCondLst>
+                            <p:childTnLst>
                               <p:par>
-                                <p:cTn id="13" presetID="22" presetClass="entr" presetSubtype="1" fill="hold" grpId="0" nodeType="withEffect">
+                                <p:cTn id="15" presetID="22" presetClass="entr" presetSubtype="1" fill="hold" grpId="0" nodeType="clickEffect">
                                   <p:stCondLst>
                                     <p:cond delay="0"/>
                                   </p:stCondLst>
                                   <p:childTnLst>
                                     <p:set>
                                       <p:cBhvr>
-                                        <p:cTn id="14" dur="1" fill="hold">
+                                        <p:cTn id="16" dur="1" fill="hold">
                                           <p:stCondLst>
                                             <p:cond delay="0"/>
                                           </p:stCondLst>
@@ -8808,54 +10109,11 @@
                                     </p:set>
                                     <p:animEffect transition="in" filter="wipe(up)">
                                       <p:cBhvr>
-                                        <p:cTn id="15" dur="500"/>
+                                        <p:cTn id="17" dur="500"/>
                                         <p:tgtEl>
                                           <p:spTgt spid="8">
                                             <p:txEl>
                                               <p:pRg st="2" end="2"/>
-                                            </p:txEl>
-                                          </p:spTgt>
-                                        </p:tgtEl>
-                                      </p:cBhvr>
-                                    </p:animEffect>
-                                  </p:childTnLst>
-                                </p:cTn>
-                              </p:par>
-                              <p:par>
-                                <p:cTn id="16" presetID="22" presetClass="entr" presetSubtype="1" fill="hold" grpId="0" nodeType="withEffect">
-                                  <p:stCondLst>
-                                    <p:cond delay="0"/>
-                                  </p:stCondLst>
-                                  <p:childTnLst>
-                                    <p:set>
-                                      <p:cBhvr>
-                                        <p:cTn id="17" dur="1" fill="hold">
-                                          <p:stCondLst>
-                                            <p:cond delay="0"/>
-                                          </p:stCondLst>
-                                        </p:cTn>
-                                        <p:tgtEl>
-                                          <p:spTgt spid="8">
-                                            <p:txEl>
-                                              <p:pRg st="3" end="3"/>
-                                            </p:txEl>
-                                          </p:spTgt>
-                                        </p:tgtEl>
-                                        <p:attrNameLst>
-                                          <p:attrName>style.visibility</p:attrName>
-                                        </p:attrNameLst>
-                                      </p:cBhvr>
-                                      <p:to>
-                                        <p:strVal val="visible"/>
-                                      </p:to>
-                                    </p:set>
-                                    <p:animEffect transition="in" filter="wipe(up)">
-                                      <p:cBhvr>
-                                        <p:cTn id="18" dur="500"/>
-                                        <p:tgtEl>
-                                          <p:spTgt spid="8">
-                                            <p:txEl>
-                                              <p:pRg st="3" end="3"/>
                                             </p:txEl>
                                           </p:spTgt>
                                         </p:tgtEl>
@@ -8871,26 +10129,26 @@
                     </p:cTn>
                   </p:par>
                   <p:par>
-                    <p:cTn id="19" fill="hold">
+                    <p:cTn id="18" fill="hold">
                       <p:stCondLst>
                         <p:cond delay="indefinite"/>
                       </p:stCondLst>
                       <p:childTnLst>
                         <p:par>
-                          <p:cTn id="20" fill="hold">
+                          <p:cTn id="19" fill="hold">
                             <p:stCondLst>
                               <p:cond delay="0"/>
                             </p:stCondLst>
                             <p:childTnLst>
                               <p:par>
-                                <p:cTn id="21" presetID="22" presetClass="entr" presetSubtype="1" fill="hold" grpId="0" nodeType="clickEffect">
+                                <p:cTn id="20" presetID="22" presetClass="entr" presetSubtype="1" fill="hold" grpId="0" nodeType="clickEffect">
                                   <p:stCondLst>
                                     <p:cond delay="0"/>
                                   </p:stCondLst>
                                   <p:childTnLst>
                                     <p:set>
                                       <p:cBhvr>
-                                        <p:cTn id="22" dur="1" fill="hold">
+                                        <p:cTn id="21" dur="1" fill="hold">
                                           <p:stCondLst>
                                             <p:cond delay="0"/>
                                           </p:stCondLst>
@@ -8898,7 +10156,7 @@
                                         <p:tgtEl>
                                           <p:spTgt spid="8">
                                             <p:txEl>
-                                              <p:pRg st="4" end="4"/>
+                                              <p:pRg st="3" end="3"/>
                                             </p:txEl>
                                           </p:spTgt>
                                         </p:tgtEl>
@@ -8912,11 +10170,11 @@
                                     </p:set>
                                     <p:animEffect transition="in" filter="wipe(up)">
                                       <p:cBhvr>
-                                        <p:cTn id="23" dur="500"/>
+                                        <p:cTn id="22" dur="500"/>
                                         <p:tgtEl>
                                           <p:spTgt spid="8">
                                             <p:txEl>
-                                              <p:pRg st="4" end="4"/>
+                                              <p:pRg st="3" end="3"/>
                                             </p:txEl>
                                           </p:spTgt>
                                         </p:tgtEl>
@@ -9564,4 +10822,287 @@
   <a:objectDefaults/>
   <a:extraClrSchemeLst/>
 </a:theme>
+</file>
+
+<file path=ppt/theme/theme2.xml><?xml version="1.0" encoding="utf-8"?>
+<a:theme xmlns:a="http://schemas.openxmlformats.org/drawingml/2006/main" name="Office Theme">
+  <a:themeElements>
+    <a:clrScheme name="Office">
+      <a:dk1>
+        <a:sysClr val="windowText" lastClr="000000"/>
+      </a:dk1>
+      <a:lt1>
+        <a:sysClr val="window" lastClr="FFFFFF"/>
+      </a:lt1>
+      <a:dk2>
+        <a:srgbClr val="1F497D"/>
+      </a:dk2>
+      <a:lt2>
+        <a:srgbClr val="EEECE1"/>
+      </a:lt2>
+      <a:accent1>
+        <a:srgbClr val="4F81BD"/>
+      </a:accent1>
+      <a:accent2>
+        <a:srgbClr val="C0504D"/>
+      </a:accent2>
+      <a:accent3>
+        <a:srgbClr val="9BBB59"/>
+      </a:accent3>
+      <a:accent4>
+        <a:srgbClr val="8064A2"/>
+      </a:accent4>
+      <a:accent5>
+        <a:srgbClr val="4BACC6"/>
+      </a:accent5>
+      <a:accent6>
+        <a:srgbClr val="F79646"/>
+      </a:accent6>
+      <a:hlink>
+        <a:srgbClr val="0000FF"/>
+      </a:hlink>
+      <a:folHlink>
+        <a:srgbClr val="800080"/>
+      </a:folHlink>
+    </a:clrScheme>
+    <a:fontScheme name="Office">
+      <a:majorFont>
+        <a:latin typeface="Calibri"/>
+        <a:ea typeface=""/>
+        <a:cs typeface=""/>
+        <a:font script="Jpan" typeface="ＭＳ Ｐゴシック"/>
+        <a:font script="Hang" typeface="맑은 고딕"/>
+        <a:font script="Hans" typeface="宋体"/>
+        <a:font script="Hant" typeface="新細明體"/>
+        <a:font script="Arab" typeface="Times New Roman"/>
+        <a:font script="Hebr" typeface="Times New Roman"/>
+        <a:font script="Thai" typeface="Angsana New"/>
+        <a:font script="Ethi" typeface="Nyala"/>
+        <a:font script="Beng" typeface="Vrinda"/>
+        <a:font script="Gujr" typeface="Shruti"/>
+        <a:font script="Khmr" typeface="MoolBoran"/>
+        <a:font script="Knda" typeface="Tunga"/>
+        <a:font script="Guru" typeface="Raavi"/>
+        <a:font script="Cans" typeface="Euphemia"/>
+        <a:font script="Cher" typeface="Plantagenet Cherokee"/>
+        <a:font script="Yiii" typeface="Microsoft Yi Baiti"/>
+        <a:font script="Tibt" typeface="Microsoft Himalaya"/>
+        <a:font script="Thaa" typeface="MV Boli"/>
+        <a:font script="Deva" typeface="Mangal"/>
+        <a:font script="Telu" typeface="Gautami"/>
+        <a:font script="Taml" typeface="Latha"/>
+        <a:font script="Syrc" typeface="Estrangelo Edessa"/>
+        <a:font script="Orya" typeface="Kalinga"/>
+        <a:font script="Mlym" typeface="Kartika"/>
+        <a:font script="Laoo" typeface="DokChampa"/>
+        <a:font script="Sinh" typeface="Iskoola Pota"/>
+        <a:font script="Mong" typeface="Mongolian Baiti"/>
+        <a:font script="Viet" typeface="Times New Roman"/>
+        <a:font script="Uigh" typeface="Microsoft Uighur"/>
+      </a:majorFont>
+      <a:minorFont>
+        <a:latin typeface="Calibri"/>
+        <a:ea typeface=""/>
+        <a:cs typeface=""/>
+        <a:font script="Jpan" typeface="ＭＳ Ｐゴシック"/>
+        <a:font script="Hang" typeface="맑은 고딕"/>
+        <a:font script="Hans" typeface="宋体"/>
+        <a:font script="Hant" typeface="新細明體"/>
+        <a:font script="Arab" typeface="Arial"/>
+        <a:font script="Hebr" typeface="Arial"/>
+        <a:font script="Thai" typeface="Cordia New"/>
+        <a:font script="Ethi" typeface="Nyala"/>
+        <a:font script="Beng" typeface="Vrinda"/>
+        <a:font script="Gujr" typeface="Shruti"/>
+        <a:font script="Khmr" typeface="DaunPenh"/>
+        <a:font script="Knda" typeface="Tunga"/>
+        <a:font script="Guru" typeface="Raavi"/>
+        <a:font script="Cans" typeface="Euphemia"/>
+        <a:font script="Cher" typeface="Plantagenet Cherokee"/>
+        <a:font script="Yiii" typeface="Microsoft Yi Baiti"/>
+        <a:font script="Tibt" typeface="Microsoft Himalaya"/>
+        <a:font script="Thaa" typeface="MV Boli"/>
+        <a:font script="Deva" typeface="Mangal"/>
+        <a:font script="Telu" typeface="Gautami"/>
+        <a:font script="Taml" typeface="Latha"/>
+        <a:font script="Syrc" typeface="Estrangelo Edessa"/>
+        <a:font script="Orya" typeface="Kalinga"/>
+        <a:font script="Mlym" typeface="Kartika"/>
+        <a:font script="Laoo" typeface="DokChampa"/>
+        <a:font script="Sinh" typeface="Iskoola Pota"/>
+        <a:font script="Mong" typeface="Mongolian Baiti"/>
+        <a:font script="Viet" typeface="Arial"/>
+        <a:font script="Uigh" typeface="Microsoft Uighur"/>
+      </a:minorFont>
+    </a:fontScheme>
+    <a:fmtScheme name="Office">
+      <a:fillStyleLst>
+        <a:solidFill>
+          <a:schemeClr val="phClr"/>
+        </a:solidFill>
+        <a:gradFill rotWithShape="1">
+          <a:gsLst>
+            <a:gs pos="0">
+              <a:schemeClr val="phClr">
+                <a:tint val="50000"/>
+                <a:satMod val="300000"/>
+              </a:schemeClr>
+            </a:gs>
+            <a:gs pos="35000">
+              <a:schemeClr val="phClr">
+                <a:tint val="37000"/>
+                <a:satMod val="300000"/>
+              </a:schemeClr>
+            </a:gs>
+            <a:gs pos="100000">
+              <a:schemeClr val="phClr">
+                <a:tint val="15000"/>
+                <a:satMod val="350000"/>
+              </a:schemeClr>
+            </a:gs>
+          </a:gsLst>
+          <a:lin ang="16200000" scaled="1"/>
+        </a:gradFill>
+        <a:gradFill rotWithShape="1">
+          <a:gsLst>
+            <a:gs pos="0">
+              <a:schemeClr val="phClr">
+                <a:shade val="51000"/>
+                <a:satMod val="130000"/>
+              </a:schemeClr>
+            </a:gs>
+            <a:gs pos="80000">
+              <a:schemeClr val="phClr">
+                <a:shade val="93000"/>
+                <a:satMod val="130000"/>
+              </a:schemeClr>
+            </a:gs>
+            <a:gs pos="100000">
+              <a:schemeClr val="phClr">
+                <a:shade val="94000"/>
+                <a:satMod val="135000"/>
+              </a:schemeClr>
+            </a:gs>
+          </a:gsLst>
+          <a:lin ang="16200000" scaled="0"/>
+        </a:gradFill>
+      </a:fillStyleLst>
+      <a:lnStyleLst>
+        <a:ln w="9525" cap="flat" cmpd="sng" algn="ctr">
+          <a:solidFill>
+            <a:schemeClr val="phClr">
+              <a:shade val="95000"/>
+              <a:satMod val="105000"/>
+            </a:schemeClr>
+          </a:solidFill>
+          <a:prstDash val="solid"/>
+        </a:ln>
+        <a:ln w="25400" cap="flat" cmpd="sng" algn="ctr">
+          <a:solidFill>
+            <a:schemeClr val="phClr"/>
+          </a:solidFill>
+          <a:prstDash val="solid"/>
+        </a:ln>
+        <a:ln w="38100" cap="flat" cmpd="sng" algn="ctr">
+          <a:solidFill>
+            <a:schemeClr val="phClr"/>
+          </a:solidFill>
+          <a:prstDash val="solid"/>
+        </a:ln>
+      </a:lnStyleLst>
+      <a:effectStyleLst>
+        <a:effectStyle>
+          <a:effectLst>
+            <a:outerShdw blurRad="40000" dist="20000" dir="5400000" rotWithShape="0">
+              <a:srgbClr val="000000">
+                <a:alpha val="38000"/>
+              </a:srgbClr>
+            </a:outerShdw>
+          </a:effectLst>
+        </a:effectStyle>
+        <a:effectStyle>
+          <a:effectLst>
+            <a:outerShdw blurRad="40000" dist="23000" dir="5400000" rotWithShape="0">
+              <a:srgbClr val="000000">
+                <a:alpha val="35000"/>
+              </a:srgbClr>
+            </a:outerShdw>
+          </a:effectLst>
+        </a:effectStyle>
+        <a:effectStyle>
+          <a:effectLst>
+            <a:outerShdw blurRad="40000" dist="23000" dir="5400000" rotWithShape="0">
+              <a:srgbClr val="000000">
+                <a:alpha val="35000"/>
+              </a:srgbClr>
+            </a:outerShdw>
+          </a:effectLst>
+          <a:scene3d>
+            <a:camera prst="orthographicFront">
+              <a:rot lat="0" lon="0" rev="0"/>
+            </a:camera>
+            <a:lightRig rig="threePt" dir="t">
+              <a:rot lat="0" lon="0" rev="1200000"/>
+            </a:lightRig>
+          </a:scene3d>
+          <a:sp3d>
+            <a:bevelT w="63500" h="25400"/>
+          </a:sp3d>
+        </a:effectStyle>
+      </a:effectStyleLst>
+      <a:bgFillStyleLst>
+        <a:solidFill>
+          <a:schemeClr val="phClr"/>
+        </a:solidFill>
+        <a:gradFill rotWithShape="1">
+          <a:gsLst>
+            <a:gs pos="0">
+              <a:schemeClr val="phClr">
+                <a:tint val="40000"/>
+                <a:satMod val="350000"/>
+              </a:schemeClr>
+            </a:gs>
+            <a:gs pos="40000">
+              <a:schemeClr val="phClr">
+                <a:tint val="45000"/>
+                <a:shade val="99000"/>
+                <a:satMod val="350000"/>
+              </a:schemeClr>
+            </a:gs>
+            <a:gs pos="100000">
+              <a:schemeClr val="phClr">
+                <a:shade val="20000"/>
+                <a:satMod val="255000"/>
+              </a:schemeClr>
+            </a:gs>
+          </a:gsLst>
+          <a:path path="circle">
+            <a:fillToRect l="50000" t="-80000" r="50000" b="180000"/>
+          </a:path>
+        </a:gradFill>
+        <a:gradFill rotWithShape="1">
+          <a:gsLst>
+            <a:gs pos="0">
+              <a:schemeClr val="phClr">
+                <a:tint val="80000"/>
+                <a:satMod val="300000"/>
+              </a:schemeClr>
+            </a:gs>
+            <a:gs pos="100000">
+              <a:schemeClr val="phClr">
+                <a:shade val="30000"/>
+                <a:satMod val="200000"/>
+              </a:schemeClr>
+            </a:gs>
+          </a:gsLst>
+          <a:path path="circle">
+            <a:fillToRect l="50000" t="50000" r="50000" b="50000"/>
+          </a:path>
+        </a:gradFill>
+      </a:bgFillStyleLst>
+    </a:fmtScheme>
+  </a:themeElements>
+  <a:objectDefaults/>
+  <a:extraClrSchemeLst/>
+</a:theme>
 </file>